--- a/Project 4.pptx
+++ b/Project 4.pptx
@@ -5,10 +5,10 @@
     <p:sldMasterId id="2147483648" r:id="rId4"/>
   </p:sldMasterIdLst>
   <p:notesMasterIdLst>
-    <p:notesMasterId r:id="rId15"/>
+    <p:notesMasterId r:id="rId16"/>
   </p:notesMasterIdLst>
   <p:handoutMasterIdLst>
-    <p:handoutMasterId r:id="rId16"/>
+    <p:handoutMasterId r:id="rId17"/>
   </p:handoutMasterIdLst>
   <p:sldIdLst>
     <p:sldId id="256" r:id="rId5"/>
@@ -19,8 +19,9 @@
     <p:sldId id="259" r:id="rId10"/>
     <p:sldId id="260" r:id="rId11"/>
     <p:sldId id="261" r:id="rId12"/>
-    <p:sldId id="266" r:id="rId13"/>
-    <p:sldId id="271" r:id="rId14"/>
+    <p:sldId id="272" r:id="rId13"/>
+    <p:sldId id="266" r:id="rId14"/>
+    <p:sldId id="271" r:id="rId15"/>
   </p:sldIdLst>
   <p:sldSz cx="12192000" cy="6858000"/>
   <p:notesSz cx="6858000" cy="9144000"/>
@@ -877,11 +878,2013 @@
 </dgm:colorsDef>
 </file>
 
+<file path=ppt/diagrams/colors2.xml><?xml version="1.0" encoding="utf-8"?>
+<dgm:colorsDef xmlns:dgm="http://schemas.openxmlformats.org/drawingml/2006/diagram" xmlns:a="http://schemas.openxmlformats.org/drawingml/2006/main" uniqueId="urn:microsoft.com/office/officeart/2005/8/colors/accent1_2">
+  <dgm:title val=""/>
+  <dgm:desc val=""/>
+  <dgm:catLst>
+    <dgm:cat type="accent1" pri="11200"/>
+  </dgm:catLst>
+  <dgm:styleLbl name="node0">
+    <dgm:fillClrLst meth="repeat">
+      <a:schemeClr val="accent1"/>
+    </dgm:fillClrLst>
+    <dgm:linClrLst meth="repeat">
+      <a:schemeClr val="lt1"/>
+    </dgm:linClrLst>
+    <dgm:effectClrLst/>
+    <dgm:txLinClrLst/>
+    <dgm:txFillClrLst/>
+    <dgm:txEffectClrLst/>
+  </dgm:styleLbl>
+  <dgm:styleLbl name="alignNode1">
+    <dgm:fillClrLst meth="repeat">
+      <a:schemeClr val="accent1"/>
+    </dgm:fillClrLst>
+    <dgm:linClrLst meth="repeat">
+      <a:schemeClr val="accent1"/>
+    </dgm:linClrLst>
+    <dgm:effectClrLst/>
+    <dgm:txLinClrLst/>
+    <dgm:txFillClrLst/>
+    <dgm:txEffectClrLst/>
+  </dgm:styleLbl>
+  <dgm:styleLbl name="node1">
+    <dgm:fillClrLst meth="repeat">
+      <a:schemeClr val="accent1"/>
+    </dgm:fillClrLst>
+    <dgm:linClrLst meth="repeat">
+      <a:schemeClr val="lt1"/>
+    </dgm:linClrLst>
+    <dgm:effectClrLst/>
+    <dgm:txLinClrLst/>
+    <dgm:txFillClrLst/>
+    <dgm:txEffectClrLst/>
+  </dgm:styleLbl>
+  <dgm:styleLbl name="lnNode1">
+    <dgm:fillClrLst meth="repeat">
+      <a:schemeClr val="accent1"/>
+    </dgm:fillClrLst>
+    <dgm:linClrLst meth="repeat">
+      <a:schemeClr val="lt1"/>
+    </dgm:linClrLst>
+    <dgm:effectClrLst/>
+    <dgm:txLinClrLst/>
+    <dgm:txFillClrLst/>
+    <dgm:txEffectClrLst/>
+  </dgm:styleLbl>
+  <dgm:styleLbl name="vennNode1">
+    <dgm:fillClrLst meth="repeat">
+      <a:schemeClr val="accent1">
+        <a:alpha val="50000"/>
+      </a:schemeClr>
+    </dgm:fillClrLst>
+    <dgm:linClrLst meth="repeat">
+      <a:schemeClr val="lt1"/>
+    </dgm:linClrLst>
+    <dgm:effectClrLst/>
+    <dgm:txLinClrLst/>
+    <dgm:txFillClrLst/>
+    <dgm:txEffectClrLst/>
+  </dgm:styleLbl>
+  <dgm:styleLbl name="node2">
+    <dgm:fillClrLst meth="repeat">
+      <a:schemeClr val="accent1"/>
+    </dgm:fillClrLst>
+    <dgm:linClrLst meth="repeat">
+      <a:schemeClr val="lt1"/>
+    </dgm:linClrLst>
+    <dgm:effectClrLst/>
+    <dgm:txLinClrLst/>
+    <dgm:txFillClrLst/>
+    <dgm:txEffectClrLst/>
+  </dgm:styleLbl>
+  <dgm:styleLbl name="node3">
+    <dgm:fillClrLst meth="repeat">
+      <a:schemeClr val="accent1"/>
+    </dgm:fillClrLst>
+    <dgm:linClrLst meth="repeat">
+      <a:schemeClr val="lt1"/>
+    </dgm:linClrLst>
+    <dgm:effectClrLst/>
+    <dgm:txLinClrLst/>
+    <dgm:txFillClrLst/>
+    <dgm:txEffectClrLst/>
+  </dgm:styleLbl>
+  <dgm:styleLbl name="node4">
+    <dgm:fillClrLst meth="repeat">
+      <a:schemeClr val="accent1"/>
+    </dgm:fillClrLst>
+    <dgm:linClrLst meth="repeat">
+      <a:schemeClr val="lt1"/>
+    </dgm:linClrLst>
+    <dgm:effectClrLst/>
+    <dgm:txLinClrLst/>
+    <dgm:txFillClrLst/>
+    <dgm:txEffectClrLst/>
+  </dgm:styleLbl>
+  <dgm:styleLbl name="fgImgPlace1">
+    <dgm:fillClrLst meth="repeat">
+      <a:schemeClr val="accent1">
+        <a:tint val="50000"/>
+      </a:schemeClr>
+    </dgm:fillClrLst>
+    <dgm:linClrLst meth="repeat">
+      <a:schemeClr val="lt1"/>
+    </dgm:linClrLst>
+    <dgm:effectClrLst/>
+    <dgm:txLinClrLst/>
+    <dgm:txFillClrLst meth="repeat">
+      <a:schemeClr val="lt1"/>
+    </dgm:txFillClrLst>
+    <dgm:txEffectClrLst/>
+  </dgm:styleLbl>
+  <dgm:styleLbl name="alignImgPlace1">
+    <dgm:fillClrLst meth="repeat">
+      <a:schemeClr val="accent1">
+        <a:tint val="50000"/>
+      </a:schemeClr>
+    </dgm:fillClrLst>
+    <dgm:linClrLst meth="repeat">
+      <a:schemeClr val="lt1"/>
+    </dgm:linClrLst>
+    <dgm:effectClrLst/>
+    <dgm:txLinClrLst/>
+    <dgm:txFillClrLst meth="repeat">
+      <a:schemeClr val="lt1"/>
+    </dgm:txFillClrLst>
+    <dgm:txEffectClrLst/>
+  </dgm:styleLbl>
+  <dgm:styleLbl name="bgImgPlace1">
+    <dgm:fillClrLst meth="repeat">
+      <a:schemeClr val="accent1">
+        <a:tint val="50000"/>
+      </a:schemeClr>
+    </dgm:fillClrLst>
+    <dgm:linClrLst meth="repeat">
+      <a:schemeClr val="lt1"/>
+    </dgm:linClrLst>
+    <dgm:effectClrLst/>
+    <dgm:txLinClrLst/>
+    <dgm:txFillClrLst meth="repeat">
+      <a:schemeClr val="lt1"/>
+    </dgm:txFillClrLst>
+    <dgm:txEffectClrLst/>
+  </dgm:styleLbl>
+  <dgm:styleLbl name="sibTrans2D1">
+    <dgm:fillClrLst meth="repeat">
+      <a:schemeClr val="accent1">
+        <a:tint val="60000"/>
+      </a:schemeClr>
+    </dgm:fillClrLst>
+    <dgm:linClrLst meth="repeat">
+      <a:schemeClr val="accent1">
+        <a:tint val="60000"/>
+      </a:schemeClr>
+    </dgm:linClrLst>
+    <dgm:effectClrLst/>
+    <dgm:txLinClrLst/>
+    <dgm:txFillClrLst/>
+    <dgm:txEffectClrLst/>
+  </dgm:styleLbl>
+  <dgm:styleLbl name="fgSibTrans2D1">
+    <dgm:fillClrLst meth="repeat">
+      <a:schemeClr val="accent1">
+        <a:tint val="60000"/>
+      </a:schemeClr>
+    </dgm:fillClrLst>
+    <dgm:linClrLst meth="repeat">
+      <a:schemeClr val="accent1">
+        <a:tint val="60000"/>
+      </a:schemeClr>
+    </dgm:linClrLst>
+    <dgm:effectClrLst/>
+    <dgm:txLinClrLst/>
+    <dgm:txFillClrLst/>
+    <dgm:txEffectClrLst/>
+  </dgm:styleLbl>
+  <dgm:styleLbl name="bgSibTrans2D1">
+    <dgm:fillClrLst meth="repeat">
+      <a:schemeClr val="accent1">
+        <a:tint val="60000"/>
+      </a:schemeClr>
+    </dgm:fillClrLst>
+    <dgm:linClrLst meth="repeat">
+      <a:schemeClr val="accent1">
+        <a:tint val="60000"/>
+      </a:schemeClr>
+    </dgm:linClrLst>
+    <dgm:effectClrLst/>
+    <dgm:txLinClrLst/>
+    <dgm:txFillClrLst/>
+    <dgm:txEffectClrLst/>
+  </dgm:styleLbl>
+  <dgm:styleLbl name="sibTrans1D1">
+    <dgm:fillClrLst meth="repeat">
+      <a:schemeClr val="accent1"/>
+    </dgm:fillClrLst>
+    <dgm:linClrLst meth="repeat">
+      <a:schemeClr val="accent1"/>
+    </dgm:linClrLst>
+    <dgm:effectClrLst/>
+    <dgm:txLinClrLst/>
+    <dgm:txFillClrLst meth="repeat">
+      <a:schemeClr val="tx1"/>
+    </dgm:txFillClrLst>
+    <dgm:txEffectClrLst/>
+  </dgm:styleLbl>
+  <dgm:styleLbl name="callout">
+    <dgm:fillClrLst meth="repeat">
+      <a:schemeClr val="accent1"/>
+    </dgm:fillClrLst>
+    <dgm:linClrLst meth="repeat">
+      <a:schemeClr val="accent1">
+        <a:tint val="50000"/>
+      </a:schemeClr>
+    </dgm:linClrLst>
+    <dgm:effectClrLst/>
+    <dgm:txLinClrLst/>
+    <dgm:txFillClrLst meth="repeat">
+      <a:schemeClr val="tx1"/>
+    </dgm:txFillClrLst>
+    <dgm:txEffectClrLst/>
+  </dgm:styleLbl>
+  <dgm:styleLbl name="asst0">
+    <dgm:fillClrLst meth="repeat">
+      <a:schemeClr val="accent1"/>
+    </dgm:fillClrLst>
+    <dgm:linClrLst meth="repeat">
+      <a:schemeClr val="lt1"/>
+    </dgm:linClrLst>
+    <dgm:effectClrLst/>
+    <dgm:txLinClrLst/>
+    <dgm:txFillClrLst/>
+    <dgm:txEffectClrLst/>
+  </dgm:styleLbl>
+  <dgm:styleLbl name="asst1">
+    <dgm:fillClrLst meth="repeat">
+      <a:schemeClr val="accent1"/>
+    </dgm:fillClrLst>
+    <dgm:linClrLst meth="repeat">
+      <a:schemeClr val="lt1"/>
+    </dgm:linClrLst>
+    <dgm:effectClrLst/>
+    <dgm:txLinClrLst/>
+    <dgm:txFillClrLst/>
+    <dgm:txEffectClrLst/>
+  </dgm:styleLbl>
+  <dgm:styleLbl name="asst2">
+    <dgm:fillClrLst meth="repeat">
+      <a:schemeClr val="accent1"/>
+    </dgm:fillClrLst>
+    <dgm:linClrLst meth="repeat">
+      <a:schemeClr val="lt1"/>
+    </dgm:linClrLst>
+    <dgm:effectClrLst/>
+    <dgm:txLinClrLst/>
+    <dgm:txFillClrLst/>
+    <dgm:txEffectClrLst/>
+  </dgm:styleLbl>
+  <dgm:styleLbl name="asst3">
+    <dgm:fillClrLst meth="repeat">
+      <a:schemeClr val="accent1"/>
+    </dgm:fillClrLst>
+    <dgm:linClrLst meth="repeat">
+      <a:schemeClr val="lt1"/>
+    </dgm:linClrLst>
+    <dgm:effectClrLst/>
+    <dgm:txLinClrLst/>
+    <dgm:txFillClrLst/>
+    <dgm:txEffectClrLst/>
+  </dgm:styleLbl>
+  <dgm:styleLbl name="asst4">
+    <dgm:fillClrLst meth="repeat">
+      <a:schemeClr val="accent1"/>
+    </dgm:fillClrLst>
+    <dgm:linClrLst meth="repeat">
+      <a:schemeClr val="lt1"/>
+    </dgm:linClrLst>
+    <dgm:effectClrLst/>
+    <dgm:txLinClrLst/>
+    <dgm:txFillClrLst/>
+    <dgm:txEffectClrLst/>
+  </dgm:styleLbl>
+  <dgm:styleLbl name="parChTrans2D1">
+    <dgm:fillClrLst meth="repeat">
+      <a:schemeClr val="accent1">
+        <a:tint val="60000"/>
+      </a:schemeClr>
+    </dgm:fillClrLst>
+    <dgm:linClrLst meth="repeat">
+      <a:schemeClr val="accent1">
+        <a:tint val="60000"/>
+      </a:schemeClr>
+    </dgm:linClrLst>
+    <dgm:effectClrLst/>
+    <dgm:txLinClrLst/>
+    <dgm:txFillClrLst meth="repeat">
+      <a:schemeClr val="lt1"/>
+    </dgm:txFillClrLst>
+    <dgm:txEffectClrLst/>
+  </dgm:styleLbl>
+  <dgm:styleLbl name="parChTrans2D2">
+    <dgm:fillClrLst meth="repeat">
+      <a:schemeClr val="accent1"/>
+    </dgm:fillClrLst>
+    <dgm:linClrLst meth="repeat">
+      <a:schemeClr val="accent1"/>
+    </dgm:linClrLst>
+    <dgm:effectClrLst/>
+    <dgm:txLinClrLst/>
+    <dgm:txFillClrLst meth="repeat">
+      <a:schemeClr val="lt1"/>
+    </dgm:txFillClrLst>
+    <dgm:txEffectClrLst/>
+  </dgm:styleLbl>
+  <dgm:styleLbl name="parChTrans2D3">
+    <dgm:fillClrLst meth="repeat">
+      <a:schemeClr val="accent1"/>
+    </dgm:fillClrLst>
+    <dgm:linClrLst meth="repeat">
+      <a:schemeClr val="accent1"/>
+    </dgm:linClrLst>
+    <dgm:effectClrLst/>
+    <dgm:txLinClrLst/>
+    <dgm:txFillClrLst meth="repeat">
+      <a:schemeClr val="lt1"/>
+    </dgm:txFillClrLst>
+    <dgm:txEffectClrLst/>
+  </dgm:styleLbl>
+  <dgm:styleLbl name="parChTrans2D4">
+    <dgm:fillClrLst meth="repeat">
+      <a:schemeClr val="accent1"/>
+    </dgm:fillClrLst>
+    <dgm:linClrLst meth="repeat">
+      <a:schemeClr val="accent1"/>
+    </dgm:linClrLst>
+    <dgm:effectClrLst/>
+    <dgm:txLinClrLst/>
+    <dgm:txFillClrLst meth="repeat">
+      <a:schemeClr val="lt1"/>
+    </dgm:txFillClrLst>
+    <dgm:txEffectClrLst/>
+  </dgm:styleLbl>
+  <dgm:styleLbl name="parChTrans1D1">
+    <dgm:fillClrLst meth="repeat">
+      <a:schemeClr val="accent1"/>
+    </dgm:fillClrLst>
+    <dgm:linClrLst meth="repeat">
+      <a:schemeClr val="accent1">
+        <a:shade val="60000"/>
+      </a:schemeClr>
+    </dgm:linClrLst>
+    <dgm:effectClrLst/>
+    <dgm:txLinClrLst/>
+    <dgm:txFillClrLst meth="repeat">
+      <a:schemeClr val="tx1"/>
+    </dgm:txFillClrLst>
+    <dgm:txEffectClrLst/>
+  </dgm:styleLbl>
+  <dgm:styleLbl name="parChTrans1D2">
+    <dgm:fillClrLst meth="repeat">
+      <a:schemeClr val="accent1"/>
+    </dgm:fillClrLst>
+    <dgm:linClrLst meth="repeat">
+      <a:schemeClr val="accent1">
+        <a:shade val="60000"/>
+      </a:schemeClr>
+    </dgm:linClrLst>
+    <dgm:effectClrLst/>
+    <dgm:txLinClrLst/>
+    <dgm:txFillClrLst meth="repeat">
+      <a:schemeClr val="tx1"/>
+    </dgm:txFillClrLst>
+    <dgm:txEffectClrLst/>
+  </dgm:styleLbl>
+  <dgm:styleLbl name="parChTrans1D3">
+    <dgm:fillClrLst meth="repeat">
+      <a:schemeClr val="accent1"/>
+    </dgm:fillClrLst>
+    <dgm:linClrLst meth="repeat">
+      <a:schemeClr val="accent1">
+        <a:shade val="80000"/>
+      </a:schemeClr>
+    </dgm:linClrLst>
+    <dgm:effectClrLst/>
+    <dgm:txLinClrLst/>
+    <dgm:txFillClrLst meth="repeat">
+      <a:schemeClr val="tx1"/>
+    </dgm:txFillClrLst>
+    <dgm:txEffectClrLst/>
+  </dgm:styleLbl>
+  <dgm:styleLbl name="parChTrans1D4">
+    <dgm:fillClrLst meth="repeat">
+      <a:schemeClr val="accent1"/>
+    </dgm:fillClrLst>
+    <dgm:linClrLst meth="repeat">
+      <a:schemeClr val="accent1">
+        <a:shade val="80000"/>
+      </a:schemeClr>
+    </dgm:linClrLst>
+    <dgm:effectClrLst/>
+    <dgm:txLinClrLst/>
+    <dgm:txFillClrLst meth="repeat">
+      <a:schemeClr val="tx1"/>
+    </dgm:txFillClrLst>
+    <dgm:txEffectClrLst/>
+  </dgm:styleLbl>
+  <dgm:styleLbl name="fgAcc1">
+    <dgm:fillClrLst meth="repeat">
+      <a:schemeClr val="lt1">
+        <a:alpha val="90000"/>
+      </a:schemeClr>
+    </dgm:fillClrLst>
+    <dgm:linClrLst meth="repeat">
+      <a:schemeClr val="accent1"/>
+    </dgm:linClrLst>
+    <dgm:effectClrLst/>
+    <dgm:txLinClrLst/>
+    <dgm:txFillClrLst meth="repeat">
+      <a:schemeClr val="dk1"/>
+    </dgm:txFillClrLst>
+    <dgm:txEffectClrLst/>
+  </dgm:styleLbl>
+  <dgm:styleLbl name="conFgAcc1">
+    <dgm:fillClrLst meth="repeat">
+      <a:schemeClr val="lt1">
+        <a:alpha val="90000"/>
+      </a:schemeClr>
+    </dgm:fillClrLst>
+    <dgm:linClrLst meth="repeat">
+      <a:schemeClr val="accent1"/>
+    </dgm:linClrLst>
+    <dgm:effectClrLst/>
+    <dgm:txLinClrLst/>
+    <dgm:txFillClrLst meth="repeat">
+      <a:schemeClr val="dk1"/>
+    </dgm:txFillClrLst>
+    <dgm:txEffectClrLst/>
+  </dgm:styleLbl>
+  <dgm:styleLbl name="alignAcc1">
+    <dgm:fillClrLst meth="repeat">
+      <a:schemeClr val="lt1">
+        <a:alpha val="90000"/>
+      </a:schemeClr>
+    </dgm:fillClrLst>
+    <dgm:linClrLst meth="repeat">
+      <a:schemeClr val="accent1"/>
+    </dgm:linClrLst>
+    <dgm:effectClrLst/>
+    <dgm:txLinClrLst/>
+    <dgm:txFillClrLst meth="repeat">
+      <a:schemeClr val="dk1"/>
+    </dgm:txFillClrLst>
+    <dgm:txEffectClrLst/>
+  </dgm:styleLbl>
+  <dgm:styleLbl name="trAlignAcc1">
+    <dgm:fillClrLst meth="repeat">
+      <a:schemeClr val="lt1">
+        <a:alpha val="40000"/>
+      </a:schemeClr>
+    </dgm:fillClrLst>
+    <dgm:linClrLst meth="repeat">
+      <a:schemeClr val="accent1"/>
+    </dgm:linClrLst>
+    <dgm:effectClrLst/>
+    <dgm:txLinClrLst/>
+    <dgm:txFillClrLst meth="repeat">
+      <a:schemeClr val="dk1"/>
+    </dgm:txFillClrLst>
+    <dgm:txEffectClrLst/>
+  </dgm:styleLbl>
+  <dgm:styleLbl name="bgAcc1">
+    <dgm:fillClrLst meth="repeat">
+      <a:schemeClr val="lt1">
+        <a:alpha val="90000"/>
+      </a:schemeClr>
+    </dgm:fillClrLst>
+    <dgm:linClrLst meth="repeat">
+      <a:schemeClr val="accent1"/>
+    </dgm:linClrLst>
+    <dgm:effectClrLst/>
+    <dgm:txLinClrLst/>
+    <dgm:txFillClrLst meth="repeat">
+      <a:schemeClr val="dk1"/>
+    </dgm:txFillClrLst>
+    <dgm:txEffectClrLst/>
+  </dgm:styleLbl>
+  <dgm:styleLbl name="solidFgAcc1">
+    <dgm:fillClrLst meth="repeat">
+      <a:schemeClr val="lt1"/>
+    </dgm:fillClrLst>
+    <dgm:linClrLst meth="repeat">
+      <a:schemeClr val="accent1"/>
+    </dgm:linClrLst>
+    <dgm:effectClrLst/>
+    <dgm:txLinClrLst/>
+    <dgm:txFillClrLst meth="repeat">
+      <a:schemeClr val="dk1"/>
+    </dgm:txFillClrLst>
+    <dgm:txEffectClrLst/>
+  </dgm:styleLbl>
+  <dgm:styleLbl name="solidAlignAcc1">
+    <dgm:fillClrLst meth="repeat">
+      <a:schemeClr val="lt1"/>
+    </dgm:fillClrLst>
+    <dgm:linClrLst meth="repeat">
+      <a:schemeClr val="accent1"/>
+    </dgm:linClrLst>
+    <dgm:effectClrLst/>
+    <dgm:txLinClrLst/>
+    <dgm:txFillClrLst meth="repeat">
+      <a:schemeClr val="dk1"/>
+    </dgm:txFillClrLst>
+    <dgm:txEffectClrLst/>
+  </dgm:styleLbl>
+  <dgm:styleLbl name="solidBgAcc1">
+    <dgm:fillClrLst meth="repeat">
+      <a:schemeClr val="lt1"/>
+    </dgm:fillClrLst>
+    <dgm:linClrLst meth="repeat">
+      <a:schemeClr val="accent1"/>
+    </dgm:linClrLst>
+    <dgm:effectClrLst/>
+    <dgm:txLinClrLst/>
+    <dgm:txFillClrLst meth="repeat">
+      <a:schemeClr val="dk1"/>
+    </dgm:txFillClrLst>
+    <dgm:txEffectClrLst/>
+  </dgm:styleLbl>
+  <dgm:styleLbl name="fgAccFollowNode1">
+    <dgm:fillClrLst meth="repeat">
+      <a:schemeClr val="accent1">
+        <a:alpha val="90000"/>
+        <a:tint val="40000"/>
+      </a:schemeClr>
+    </dgm:fillClrLst>
+    <dgm:linClrLst meth="repeat">
+      <a:schemeClr val="accent1">
+        <a:alpha val="90000"/>
+        <a:tint val="40000"/>
+      </a:schemeClr>
+    </dgm:linClrLst>
+    <dgm:effectClrLst/>
+    <dgm:txLinClrLst/>
+    <dgm:txFillClrLst meth="repeat">
+      <a:schemeClr val="dk1"/>
+    </dgm:txFillClrLst>
+    <dgm:txEffectClrLst/>
+  </dgm:styleLbl>
+  <dgm:styleLbl name="alignAccFollowNode1">
+    <dgm:fillClrLst meth="repeat">
+      <a:schemeClr val="accent1">
+        <a:alpha val="90000"/>
+        <a:tint val="40000"/>
+      </a:schemeClr>
+    </dgm:fillClrLst>
+    <dgm:linClrLst meth="repeat">
+      <a:schemeClr val="accent1">
+        <a:alpha val="90000"/>
+        <a:tint val="40000"/>
+      </a:schemeClr>
+    </dgm:linClrLst>
+    <dgm:effectClrLst/>
+    <dgm:txLinClrLst/>
+    <dgm:txFillClrLst meth="repeat">
+      <a:schemeClr val="dk1"/>
+    </dgm:txFillClrLst>
+    <dgm:txEffectClrLst/>
+  </dgm:styleLbl>
+  <dgm:styleLbl name="bgAccFollowNode1">
+    <dgm:fillClrLst meth="repeat">
+      <a:schemeClr val="accent1">
+        <a:alpha val="90000"/>
+        <a:tint val="40000"/>
+      </a:schemeClr>
+    </dgm:fillClrLst>
+    <dgm:linClrLst meth="repeat">
+      <a:schemeClr val="accent1">
+        <a:alpha val="90000"/>
+        <a:tint val="40000"/>
+      </a:schemeClr>
+    </dgm:linClrLst>
+    <dgm:effectClrLst/>
+    <dgm:txLinClrLst/>
+    <dgm:txFillClrLst meth="repeat">
+      <a:schemeClr val="dk1"/>
+    </dgm:txFillClrLst>
+    <dgm:txEffectClrLst/>
+  </dgm:styleLbl>
+  <dgm:styleLbl name="fgAcc0">
+    <dgm:fillClrLst meth="repeat">
+      <a:schemeClr val="lt1">
+        <a:alpha val="90000"/>
+      </a:schemeClr>
+    </dgm:fillClrLst>
+    <dgm:linClrLst meth="repeat">
+      <a:schemeClr val="accent1"/>
+    </dgm:linClrLst>
+    <dgm:effectClrLst/>
+    <dgm:txLinClrLst/>
+    <dgm:txFillClrLst meth="repeat">
+      <a:schemeClr val="dk1"/>
+    </dgm:txFillClrLst>
+    <dgm:txEffectClrLst/>
+  </dgm:styleLbl>
+  <dgm:styleLbl name="fgAcc2">
+    <dgm:fillClrLst meth="repeat">
+      <a:schemeClr val="lt1">
+        <a:alpha val="90000"/>
+      </a:schemeClr>
+    </dgm:fillClrLst>
+    <dgm:linClrLst meth="repeat">
+      <a:schemeClr val="accent1"/>
+    </dgm:linClrLst>
+    <dgm:effectClrLst/>
+    <dgm:txLinClrLst/>
+    <dgm:txFillClrLst meth="repeat">
+      <a:schemeClr val="dk1"/>
+    </dgm:txFillClrLst>
+    <dgm:txEffectClrLst/>
+  </dgm:styleLbl>
+  <dgm:styleLbl name="fgAcc3">
+    <dgm:fillClrLst meth="repeat">
+      <a:schemeClr val="lt1">
+        <a:alpha val="90000"/>
+      </a:schemeClr>
+    </dgm:fillClrLst>
+    <dgm:linClrLst meth="repeat">
+      <a:schemeClr val="accent1"/>
+    </dgm:linClrLst>
+    <dgm:effectClrLst/>
+    <dgm:txLinClrLst/>
+    <dgm:txFillClrLst meth="repeat">
+      <a:schemeClr val="dk1"/>
+    </dgm:txFillClrLst>
+    <dgm:txEffectClrLst/>
+  </dgm:styleLbl>
+  <dgm:styleLbl name="fgAcc4">
+    <dgm:fillClrLst meth="repeat">
+      <a:schemeClr val="lt1">
+        <a:alpha val="90000"/>
+      </a:schemeClr>
+    </dgm:fillClrLst>
+    <dgm:linClrLst meth="repeat">
+      <a:schemeClr val="accent1"/>
+    </dgm:linClrLst>
+    <dgm:effectClrLst/>
+    <dgm:txLinClrLst/>
+    <dgm:txFillClrLst meth="repeat">
+      <a:schemeClr val="dk1"/>
+    </dgm:txFillClrLst>
+    <dgm:txEffectClrLst/>
+  </dgm:styleLbl>
+  <dgm:styleLbl name="bgShp">
+    <dgm:fillClrLst meth="repeat">
+      <a:schemeClr val="accent1">
+        <a:tint val="40000"/>
+      </a:schemeClr>
+    </dgm:fillClrLst>
+    <dgm:linClrLst meth="repeat">
+      <a:schemeClr val="accent1"/>
+    </dgm:linClrLst>
+    <dgm:effectClrLst/>
+    <dgm:txLinClrLst/>
+    <dgm:txFillClrLst meth="repeat">
+      <a:schemeClr val="dk1"/>
+    </dgm:txFillClrLst>
+    <dgm:txEffectClrLst/>
+  </dgm:styleLbl>
+  <dgm:styleLbl name="dkBgShp">
+    <dgm:fillClrLst meth="repeat">
+      <a:schemeClr val="accent1">
+        <a:shade val="80000"/>
+      </a:schemeClr>
+    </dgm:fillClrLst>
+    <dgm:linClrLst meth="repeat">
+      <a:schemeClr val="accent1"/>
+    </dgm:linClrLst>
+    <dgm:effectClrLst/>
+    <dgm:txLinClrLst/>
+    <dgm:txFillClrLst meth="repeat">
+      <a:schemeClr val="lt1"/>
+    </dgm:txFillClrLst>
+    <dgm:txEffectClrLst/>
+  </dgm:styleLbl>
+  <dgm:styleLbl name="trBgShp">
+    <dgm:fillClrLst meth="repeat">
+      <a:schemeClr val="accent1">
+        <a:tint val="50000"/>
+        <a:alpha val="40000"/>
+      </a:schemeClr>
+    </dgm:fillClrLst>
+    <dgm:linClrLst meth="repeat">
+      <a:schemeClr val="accent1"/>
+    </dgm:linClrLst>
+    <dgm:effectClrLst/>
+    <dgm:txLinClrLst/>
+    <dgm:txFillClrLst meth="repeat">
+      <a:schemeClr val="lt1"/>
+    </dgm:txFillClrLst>
+    <dgm:txEffectClrLst/>
+  </dgm:styleLbl>
+  <dgm:styleLbl name="fgShp">
+    <dgm:fillClrLst meth="repeat">
+      <a:schemeClr val="accent1">
+        <a:tint val="60000"/>
+      </a:schemeClr>
+    </dgm:fillClrLst>
+    <dgm:linClrLst meth="repeat">
+      <a:schemeClr val="lt1"/>
+    </dgm:linClrLst>
+    <dgm:effectClrLst/>
+    <dgm:txLinClrLst/>
+    <dgm:txFillClrLst meth="repeat">
+      <a:schemeClr val="dk1"/>
+    </dgm:txFillClrLst>
+    <dgm:txEffectClrLst/>
+  </dgm:styleLbl>
+  <dgm:styleLbl name="revTx">
+    <dgm:fillClrLst meth="repeat">
+      <a:schemeClr val="lt1">
+        <a:alpha val="0"/>
+      </a:schemeClr>
+    </dgm:fillClrLst>
+    <dgm:linClrLst meth="repeat">
+      <a:schemeClr val="dk1">
+        <a:alpha val="0"/>
+      </a:schemeClr>
+    </dgm:linClrLst>
+    <dgm:effectClrLst/>
+    <dgm:txLinClrLst/>
+    <dgm:txFillClrLst meth="repeat">
+      <a:schemeClr val="tx1"/>
+    </dgm:txFillClrLst>
+    <dgm:txEffectClrLst/>
+  </dgm:styleLbl>
+</dgm:colorsDef>
+</file>
+
+<file path=ppt/diagrams/colors3.xml><?xml version="1.0" encoding="utf-8"?>
+<dgm:colorsDef xmlns:dgm="http://schemas.openxmlformats.org/drawingml/2006/diagram" xmlns:a="http://schemas.openxmlformats.org/drawingml/2006/main" uniqueId="urn:microsoft.com/office/officeart/2005/8/colors/accent1_2">
+  <dgm:title val=""/>
+  <dgm:desc val=""/>
+  <dgm:catLst>
+    <dgm:cat type="accent1" pri="11200"/>
+  </dgm:catLst>
+  <dgm:styleLbl name="node0">
+    <dgm:fillClrLst meth="repeat">
+      <a:schemeClr val="accent1"/>
+    </dgm:fillClrLst>
+    <dgm:linClrLst meth="repeat">
+      <a:schemeClr val="lt1"/>
+    </dgm:linClrLst>
+    <dgm:effectClrLst/>
+    <dgm:txLinClrLst/>
+    <dgm:txFillClrLst/>
+    <dgm:txEffectClrLst/>
+  </dgm:styleLbl>
+  <dgm:styleLbl name="alignNode1">
+    <dgm:fillClrLst meth="repeat">
+      <a:schemeClr val="accent1"/>
+    </dgm:fillClrLst>
+    <dgm:linClrLst meth="repeat">
+      <a:schemeClr val="accent1"/>
+    </dgm:linClrLst>
+    <dgm:effectClrLst/>
+    <dgm:txLinClrLst/>
+    <dgm:txFillClrLst/>
+    <dgm:txEffectClrLst/>
+  </dgm:styleLbl>
+  <dgm:styleLbl name="node1">
+    <dgm:fillClrLst meth="repeat">
+      <a:schemeClr val="accent1"/>
+    </dgm:fillClrLst>
+    <dgm:linClrLst meth="repeat">
+      <a:schemeClr val="lt1"/>
+    </dgm:linClrLst>
+    <dgm:effectClrLst/>
+    <dgm:txLinClrLst/>
+    <dgm:txFillClrLst/>
+    <dgm:txEffectClrLst/>
+  </dgm:styleLbl>
+  <dgm:styleLbl name="lnNode1">
+    <dgm:fillClrLst meth="repeat">
+      <a:schemeClr val="accent1"/>
+    </dgm:fillClrLst>
+    <dgm:linClrLst meth="repeat">
+      <a:schemeClr val="lt1"/>
+    </dgm:linClrLst>
+    <dgm:effectClrLst/>
+    <dgm:txLinClrLst/>
+    <dgm:txFillClrLst/>
+    <dgm:txEffectClrLst/>
+  </dgm:styleLbl>
+  <dgm:styleLbl name="vennNode1">
+    <dgm:fillClrLst meth="repeat">
+      <a:schemeClr val="accent1">
+        <a:alpha val="50000"/>
+      </a:schemeClr>
+    </dgm:fillClrLst>
+    <dgm:linClrLst meth="repeat">
+      <a:schemeClr val="lt1"/>
+    </dgm:linClrLst>
+    <dgm:effectClrLst/>
+    <dgm:txLinClrLst/>
+    <dgm:txFillClrLst/>
+    <dgm:txEffectClrLst/>
+  </dgm:styleLbl>
+  <dgm:styleLbl name="node2">
+    <dgm:fillClrLst meth="repeat">
+      <a:schemeClr val="accent1"/>
+    </dgm:fillClrLst>
+    <dgm:linClrLst meth="repeat">
+      <a:schemeClr val="lt1"/>
+    </dgm:linClrLst>
+    <dgm:effectClrLst/>
+    <dgm:txLinClrLst/>
+    <dgm:txFillClrLst/>
+    <dgm:txEffectClrLst/>
+  </dgm:styleLbl>
+  <dgm:styleLbl name="node3">
+    <dgm:fillClrLst meth="repeat">
+      <a:schemeClr val="accent1"/>
+    </dgm:fillClrLst>
+    <dgm:linClrLst meth="repeat">
+      <a:schemeClr val="lt1"/>
+    </dgm:linClrLst>
+    <dgm:effectClrLst/>
+    <dgm:txLinClrLst/>
+    <dgm:txFillClrLst/>
+    <dgm:txEffectClrLst/>
+  </dgm:styleLbl>
+  <dgm:styleLbl name="node4">
+    <dgm:fillClrLst meth="repeat">
+      <a:schemeClr val="accent1"/>
+    </dgm:fillClrLst>
+    <dgm:linClrLst meth="repeat">
+      <a:schemeClr val="lt1"/>
+    </dgm:linClrLst>
+    <dgm:effectClrLst/>
+    <dgm:txLinClrLst/>
+    <dgm:txFillClrLst/>
+    <dgm:txEffectClrLst/>
+  </dgm:styleLbl>
+  <dgm:styleLbl name="fgImgPlace1">
+    <dgm:fillClrLst meth="repeat">
+      <a:schemeClr val="accent1">
+        <a:tint val="50000"/>
+      </a:schemeClr>
+    </dgm:fillClrLst>
+    <dgm:linClrLst meth="repeat">
+      <a:schemeClr val="lt1"/>
+    </dgm:linClrLst>
+    <dgm:effectClrLst/>
+    <dgm:txLinClrLst/>
+    <dgm:txFillClrLst meth="repeat">
+      <a:schemeClr val="lt1"/>
+    </dgm:txFillClrLst>
+    <dgm:txEffectClrLst/>
+  </dgm:styleLbl>
+  <dgm:styleLbl name="alignImgPlace1">
+    <dgm:fillClrLst meth="repeat">
+      <a:schemeClr val="accent1">
+        <a:tint val="50000"/>
+      </a:schemeClr>
+    </dgm:fillClrLst>
+    <dgm:linClrLst meth="repeat">
+      <a:schemeClr val="lt1"/>
+    </dgm:linClrLst>
+    <dgm:effectClrLst/>
+    <dgm:txLinClrLst/>
+    <dgm:txFillClrLst meth="repeat">
+      <a:schemeClr val="lt1"/>
+    </dgm:txFillClrLst>
+    <dgm:txEffectClrLst/>
+  </dgm:styleLbl>
+  <dgm:styleLbl name="bgImgPlace1">
+    <dgm:fillClrLst meth="repeat">
+      <a:schemeClr val="accent1">
+        <a:tint val="50000"/>
+      </a:schemeClr>
+    </dgm:fillClrLst>
+    <dgm:linClrLst meth="repeat">
+      <a:schemeClr val="lt1"/>
+    </dgm:linClrLst>
+    <dgm:effectClrLst/>
+    <dgm:txLinClrLst/>
+    <dgm:txFillClrLst meth="repeat">
+      <a:schemeClr val="lt1"/>
+    </dgm:txFillClrLst>
+    <dgm:txEffectClrLst/>
+  </dgm:styleLbl>
+  <dgm:styleLbl name="sibTrans2D1">
+    <dgm:fillClrLst meth="repeat">
+      <a:schemeClr val="accent1">
+        <a:tint val="60000"/>
+      </a:schemeClr>
+    </dgm:fillClrLst>
+    <dgm:linClrLst meth="repeat">
+      <a:schemeClr val="accent1">
+        <a:tint val="60000"/>
+      </a:schemeClr>
+    </dgm:linClrLst>
+    <dgm:effectClrLst/>
+    <dgm:txLinClrLst/>
+    <dgm:txFillClrLst/>
+    <dgm:txEffectClrLst/>
+  </dgm:styleLbl>
+  <dgm:styleLbl name="fgSibTrans2D1">
+    <dgm:fillClrLst meth="repeat">
+      <a:schemeClr val="accent1">
+        <a:tint val="60000"/>
+      </a:schemeClr>
+    </dgm:fillClrLst>
+    <dgm:linClrLst meth="repeat">
+      <a:schemeClr val="accent1">
+        <a:tint val="60000"/>
+      </a:schemeClr>
+    </dgm:linClrLst>
+    <dgm:effectClrLst/>
+    <dgm:txLinClrLst/>
+    <dgm:txFillClrLst/>
+    <dgm:txEffectClrLst/>
+  </dgm:styleLbl>
+  <dgm:styleLbl name="bgSibTrans2D1">
+    <dgm:fillClrLst meth="repeat">
+      <a:schemeClr val="accent1">
+        <a:tint val="60000"/>
+      </a:schemeClr>
+    </dgm:fillClrLst>
+    <dgm:linClrLst meth="repeat">
+      <a:schemeClr val="accent1">
+        <a:tint val="60000"/>
+      </a:schemeClr>
+    </dgm:linClrLst>
+    <dgm:effectClrLst/>
+    <dgm:txLinClrLst/>
+    <dgm:txFillClrLst/>
+    <dgm:txEffectClrLst/>
+  </dgm:styleLbl>
+  <dgm:styleLbl name="sibTrans1D1">
+    <dgm:fillClrLst meth="repeat">
+      <a:schemeClr val="accent1"/>
+    </dgm:fillClrLst>
+    <dgm:linClrLst meth="repeat">
+      <a:schemeClr val="accent1"/>
+    </dgm:linClrLst>
+    <dgm:effectClrLst/>
+    <dgm:txLinClrLst/>
+    <dgm:txFillClrLst meth="repeat">
+      <a:schemeClr val="tx1"/>
+    </dgm:txFillClrLst>
+    <dgm:txEffectClrLst/>
+  </dgm:styleLbl>
+  <dgm:styleLbl name="callout">
+    <dgm:fillClrLst meth="repeat">
+      <a:schemeClr val="accent1"/>
+    </dgm:fillClrLst>
+    <dgm:linClrLst meth="repeat">
+      <a:schemeClr val="accent1">
+        <a:tint val="50000"/>
+      </a:schemeClr>
+    </dgm:linClrLst>
+    <dgm:effectClrLst/>
+    <dgm:txLinClrLst/>
+    <dgm:txFillClrLst meth="repeat">
+      <a:schemeClr val="tx1"/>
+    </dgm:txFillClrLst>
+    <dgm:txEffectClrLst/>
+  </dgm:styleLbl>
+  <dgm:styleLbl name="asst0">
+    <dgm:fillClrLst meth="repeat">
+      <a:schemeClr val="accent1"/>
+    </dgm:fillClrLst>
+    <dgm:linClrLst meth="repeat">
+      <a:schemeClr val="lt1"/>
+    </dgm:linClrLst>
+    <dgm:effectClrLst/>
+    <dgm:txLinClrLst/>
+    <dgm:txFillClrLst/>
+    <dgm:txEffectClrLst/>
+  </dgm:styleLbl>
+  <dgm:styleLbl name="asst1">
+    <dgm:fillClrLst meth="repeat">
+      <a:schemeClr val="accent1"/>
+    </dgm:fillClrLst>
+    <dgm:linClrLst meth="repeat">
+      <a:schemeClr val="lt1"/>
+    </dgm:linClrLst>
+    <dgm:effectClrLst/>
+    <dgm:txLinClrLst/>
+    <dgm:txFillClrLst/>
+    <dgm:txEffectClrLst/>
+  </dgm:styleLbl>
+  <dgm:styleLbl name="asst2">
+    <dgm:fillClrLst meth="repeat">
+      <a:schemeClr val="accent1"/>
+    </dgm:fillClrLst>
+    <dgm:linClrLst meth="repeat">
+      <a:schemeClr val="lt1"/>
+    </dgm:linClrLst>
+    <dgm:effectClrLst/>
+    <dgm:txLinClrLst/>
+    <dgm:txFillClrLst/>
+    <dgm:txEffectClrLst/>
+  </dgm:styleLbl>
+  <dgm:styleLbl name="asst3">
+    <dgm:fillClrLst meth="repeat">
+      <a:schemeClr val="accent1"/>
+    </dgm:fillClrLst>
+    <dgm:linClrLst meth="repeat">
+      <a:schemeClr val="lt1"/>
+    </dgm:linClrLst>
+    <dgm:effectClrLst/>
+    <dgm:txLinClrLst/>
+    <dgm:txFillClrLst/>
+    <dgm:txEffectClrLst/>
+  </dgm:styleLbl>
+  <dgm:styleLbl name="asst4">
+    <dgm:fillClrLst meth="repeat">
+      <a:schemeClr val="accent1"/>
+    </dgm:fillClrLst>
+    <dgm:linClrLst meth="repeat">
+      <a:schemeClr val="lt1"/>
+    </dgm:linClrLst>
+    <dgm:effectClrLst/>
+    <dgm:txLinClrLst/>
+    <dgm:txFillClrLst/>
+    <dgm:txEffectClrLst/>
+  </dgm:styleLbl>
+  <dgm:styleLbl name="parChTrans2D1">
+    <dgm:fillClrLst meth="repeat">
+      <a:schemeClr val="accent1">
+        <a:tint val="60000"/>
+      </a:schemeClr>
+    </dgm:fillClrLst>
+    <dgm:linClrLst meth="repeat">
+      <a:schemeClr val="accent1">
+        <a:tint val="60000"/>
+      </a:schemeClr>
+    </dgm:linClrLst>
+    <dgm:effectClrLst/>
+    <dgm:txLinClrLst/>
+    <dgm:txFillClrLst meth="repeat">
+      <a:schemeClr val="lt1"/>
+    </dgm:txFillClrLst>
+    <dgm:txEffectClrLst/>
+  </dgm:styleLbl>
+  <dgm:styleLbl name="parChTrans2D2">
+    <dgm:fillClrLst meth="repeat">
+      <a:schemeClr val="accent1"/>
+    </dgm:fillClrLst>
+    <dgm:linClrLst meth="repeat">
+      <a:schemeClr val="accent1"/>
+    </dgm:linClrLst>
+    <dgm:effectClrLst/>
+    <dgm:txLinClrLst/>
+    <dgm:txFillClrLst meth="repeat">
+      <a:schemeClr val="lt1"/>
+    </dgm:txFillClrLst>
+    <dgm:txEffectClrLst/>
+  </dgm:styleLbl>
+  <dgm:styleLbl name="parChTrans2D3">
+    <dgm:fillClrLst meth="repeat">
+      <a:schemeClr val="accent1"/>
+    </dgm:fillClrLst>
+    <dgm:linClrLst meth="repeat">
+      <a:schemeClr val="accent1"/>
+    </dgm:linClrLst>
+    <dgm:effectClrLst/>
+    <dgm:txLinClrLst/>
+    <dgm:txFillClrLst meth="repeat">
+      <a:schemeClr val="lt1"/>
+    </dgm:txFillClrLst>
+    <dgm:txEffectClrLst/>
+  </dgm:styleLbl>
+  <dgm:styleLbl name="parChTrans2D4">
+    <dgm:fillClrLst meth="repeat">
+      <a:schemeClr val="accent1"/>
+    </dgm:fillClrLst>
+    <dgm:linClrLst meth="repeat">
+      <a:schemeClr val="accent1"/>
+    </dgm:linClrLst>
+    <dgm:effectClrLst/>
+    <dgm:txLinClrLst/>
+    <dgm:txFillClrLst meth="repeat">
+      <a:schemeClr val="lt1"/>
+    </dgm:txFillClrLst>
+    <dgm:txEffectClrLst/>
+  </dgm:styleLbl>
+  <dgm:styleLbl name="parChTrans1D1">
+    <dgm:fillClrLst meth="repeat">
+      <a:schemeClr val="accent1"/>
+    </dgm:fillClrLst>
+    <dgm:linClrLst meth="repeat">
+      <a:schemeClr val="accent1">
+        <a:shade val="60000"/>
+      </a:schemeClr>
+    </dgm:linClrLst>
+    <dgm:effectClrLst/>
+    <dgm:txLinClrLst/>
+    <dgm:txFillClrLst meth="repeat">
+      <a:schemeClr val="tx1"/>
+    </dgm:txFillClrLst>
+    <dgm:txEffectClrLst/>
+  </dgm:styleLbl>
+  <dgm:styleLbl name="parChTrans1D2">
+    <dgm:fillClrLst meth="repeat">
+      <a:schemeClr val="accent1"/>
+    </dgm:fillClrLst>
+    <dgm:linClrLst meth="repeat">
+      <a:schemeClr val="accent1">
+        <a:shade val="60000"/>
+      </a:schemeClr>
+    </dgm:linClrLst>
+    <dgm:effectClrLst/>
+    <dgm:txLinClrLst/>
+    <dgm:txFillClrLst meth="repeat">
+      <a:schemeClr val="tx1"/>
+    </dgm:txFillClrLst>
+    <dgm:txEffectClrLst/>
+  </dgm:styleLbl>
+  <dgm:styleLbl name="parChTrans1D3">
+    <dgm:fillClrLst meth="repeat">
+      <a:schemeClr val="accent1"/>
+    </dgm:fillClrLst>
+    <dgm:linClrLst meth="repeat">
+      <a:schemeClr val="accent1">
+        <a:shade val="80000"/>
+      </a:schemeClr>
+    </dgm:linClrLst>
+    <dgm:effectClrLst/>
+    <dgm:txLinClrLst/>
+    <dgm:txFillClrLst meth="repeat">
+      <a:schemeClr val="tx1"/>
+    </dgm:txFillClrLst>
+    <dgm:txEffectClrLst/>
+  </dgm:styleLbl>
+  <dgm:styleLbl name="parChTrans1D4">
+    <dgm:fillClrLst meth="repeat">
+      <a:schemeClr val="accent1"/>
+    </dgm:fillClrLst>
+    <dgm:linClrLst meth="repeat">
+      <a:schemeClr val="accent1">
+        <a:shade val="80000"/>
+      </a:schemeClr>
+    </dgm:linClrLst>
+    <dgm:effectClrLst/>
+    <dgm:txLinClrLst/>
+    <dgm:txFillClrLst meth="repeat">
+      <a:schemeClr val="tx1"/>
+    </dgm:txFillClrLst>
+    <dgm:txEffectClrLst/>
+  </dgm:styleLbl>
+  <dgm:styleLbl name="fgAcc1">
+    <dgm:fillClrLst meth="repeat">
+      <a:schemeClr val="lt1">
+        <a:alpha val="90000"/>
+      </a:schemeClr>
+    </dgm:fillClrLst>
+    <dgm:linClrLst meth="repeat">
+      <a:schemeClr val="accent1"/>
+    </dgm:linClrLst>
+    <dgm:effectClrLst/>
+    <dgm:txLinClrLst/>
+    <dgm:txFillClrLst meth="repeat">
+      <a:schemeClr val="dk1"/>
+    </dgm:txFillClrLst>
+    <dgm:txEffectClrLst/>
+  </dgm:styleLbl>
+  <dgm:styleLbl name="conFgAcc1">
+    <dgm:fillClrLst meth="repeat">
+      <a:schemeClr val="lt1">
+        <a:alpha val="90000"/>
+      </a:schemeClr>
+    </dgm:fillClrLst>
+    <dgm:linClrLst meth="repeat">
+      <a:schemeClr val="accent1"/>
+    </dgm:linClrLst>
+    <dgm:effectClrLst/>
+    <dgm:txLinClrLst/>
+    <dgm:txFillClrLst meth="repeat">
+      <a:schemeClr val="dk1"/>
+    </dgm:txFillClrLst>
+    <dgm:txEffectClrLst/>
+  </dgm:styleLbl>
+  <dgm:styleLbl name="alignAcc1">
+    <dgm:fillClrLst meth="repeat">
+      <a:schemeClr val="lt1">
+        <a:alpha val="90000"/>
+      </a:schemeClr>
+    </dgm:fillClrLst>
+    <dgm:linClrLst meth="repeat">
+      <a:schemeClr val="accent1"/>
+    </dgm:linClrLst>
+    <dgm:effectClrLst/>
+    <dgm:txLinClrLst/>
+    <dgm:txFillClrLst meth="repeat">
+      <a:schemeClr val="dk1"/>
+    </dgm:txFillClrLst>
+    <dgm:txEffectClrLst/>
+  </dgm:styleLbl>
+  <dgm:styleLbl name="trAlignAcc1">
+    <dgm:fillClrLst meth="repeat">
+      <a:schemeClr val="lt1">
+        <a:alpha val="40000"/>
+      </a:schemeClr>
+    </dgm:fillClrLst>
+    <dgm:linClrLst meth="repeat">
+      <a:schemeClr val="accent1"/>
+    </dgm:linClrLst>
+    <dgm:effectClrLst/>
+    <dgm:txLinClrLst/>
+    <dgm:txFillClrLst meth="repeat">
+      <a:schemeClr val="dk1"/>
+    </dgm:txFillClrLst>
+    <dgm:txEffectClrLst/>
+  </dgm:styleLbl>
+  <dgm:styleLbl name="bgAcc1">
+    <dgm:fillClrLst meth="repeat">
+      <a:schemeClr val="lt1">
+        <a:alpha val="90000"/>
+      </a:schemeClr>
+    </dgm:fillClrLst>
+    <dgm:linClrLst meth="repeat">
+      <a:schemeClr val="accent1"/>
+    </dgm:linClrLst>
+    <dgm:effectClrLst/>
+    <dgm:txLinClrLst/>
+    <dgm:txFillClrLst meth="repeat">
+      <a:schemeClr val="dk1"/>
+    </dgm:txFillClrLst>
+    <dgm:txEffectClrLst/>
+  </dgm:styleLbl>
+  <dgm:styleLbl name="solidFgAcc1">
+    <dgm:fillClrLst meth="repeat">
+      <a:schemeClr val="lt1"/>
+    </dgm:fillClrLst>
+    <dgm:linClrLst meth="repeat">
+      <a:schemeClr val="accent1"/>
+    </dgm:linClrLst>
+    <dgm:effectClrLst/>
+    <dgm:txLinClrLst/>
+    <dgm:txFillClrLst meth="repeat">
+      <a:schemeClr val="dk1"/>
+    </dgm:txFillClrLst>
+    <dgm:txEffectClrLst/>
+  </dgm:styleLbl>
+  <dgm:styleLbl name="solidAlignAcc1">
+    <dgm:fillClrLst meth="repeat">
+      <a:schemeClr val="lt1"/>
+    </dgm:fillClrLst>
+    <dgm:linClrLst meth="repeat">
+      <a:schemeClr val="accent1"/>
+    </dgm:linClrLst>
+    <dgm:effectClrLst/>
+    <dgm:txLinClrLst/>
+    <dgm:txFillClrLst meth="repeat">
+      <a:schemeClr val="dk1"/>
+    </dgm:txFillClrLst>
+    <dgm:txEffectClrLst/>
+  </dgm:styleLbl>
+  <dgm:styleLbl name="solidBgAcc1">
+    <dgm:fillClrLst meth="repeat">
+      <a:schemeClr val="lt1"/>
+    </dgm:fillClrLst>
+    <dgm:linClrLst meth="repeat">
+      <a:schemeClr val="accent1"/>
+    </dgm:linClrLst>
+    <dgm:effectClrLst/>
+    <dgm:txLinClrLst/>
+    <dgm:txFillClrLst meth="repeat">
+      <a:schemeClr val="dk1"/>
+    </dgm:txFillClrLst>
+    <dgm:txEffectClrLst/>
+  </dgm:styleLbl>
+  <dgm:styleLbl name="fgAccFollowNode1">
+    <dgm:fillClrLst meth="repeat">
+      <a:schemeClr val="accent1">
+        <a:alpha val="90000"/>
+        <a:tint val="40000"/>
+      </a:schemeClr>
+    </dgm:fillClrLst>
+    <dgm:linClrLst meth="repeat">
+      <a:schemeClr val="accent1">
+        <a:alpha val="90000"/>
+        <a:tint val="40000"/>
+      </a:schemeClr>
+    </dgm:linClrLst>
+    <dgm:effectClrLst/>
+    <dgm:txLinClrLst/>
+    <dgm:txFillClrLst meth="repeat">
+      <a:schemeClr val="dk1"/>
+    </dgm:txFillClrLst>
+    <dgm:txEffectClrLst/>
+  </dgm:styleLbl>
+  <dgm:styleLbl name="alignAccFollowNode1">
+    <dgm:fillClrLst meth="repeat">
+      <a:schemeClr val="accent1">
+        <a:alpha val="90000"/>
+        <a:tint val="40000"/>
+      </a:schemeClr>
+    </dgm:fillClrLst>
+    <dgm:linClrLst meth="repeat">
+      <a:schemeClr val="accent1">
+        <a:alpha val="90000"/>
+        <a:tint val="40000"/>
+      </a:schemeClr>
+    </dgm:linClrLst>
+    <dgm:effectClrLst/>
+    <dgm:txLinClrLst/>
+    <dgm:txFillClrLst meth="repeat">
+      <a:schemeClr val="dk1"/>
+    </dgm:txFillClrLst>
+    <dgm:txEffectClrLst/>
+  </dgm:styleLbl>
+  <dgm:styleLbl name="bgAccFollowNode1">
+    <dgm:fillClrLst meth="repeat">
+      <a:schemeClr val="accent1">
+        <a:alpha val="90000"/>
+        <a:tint val="40000"/>
+      </a:schemeClr>
+    </dgm:fillClrLst>
+    <dgm:linClrLst meth="repeat">
+      <a:schemeClr val="accent1">
+        <a:alpha val="90000"/>
+        <a:tint val="40000"/>
+      </a:schemeClr>
+    </dgm:linClrLst>
+    <dgm:effectClrLst/>
+    <dgm:txLinClrLst/>
+    <dgm:txFillClrLst meth="repeat">
+      <a:schemeClr val="dk1"/>
+    </dgm:txFillClrLst>
+    <dgm:txEffectClrLst/>
+  </dgm:styleLbl>
+  <dgm:styleLbl name="fgAcc0">
+    <dgm:fillClrLst meth="repeat">
+      <a:schemeClr val="lt1">
+        <a:alpha val="90000"/>
+      </a:schemeClr>
+    </dgm:fillClrLst>
+    <dgm:linClrLst meth="repeat">
+      <a:schemeClr val="accent1"/>
+    </dgm:linClrLst>
+    <dgm:effectClrLst/>
+    <dgm:txLinClrLst/>
+    <dgm:txFillClrLst meth="repeat">
+      <a:schemeClr val="dk1"/>
+    </dgm:txFillClrLst>
+    <dgm:txEffectClrLst/>
+  </dgm:styleLbl>
+  <dgm:styleLbl name="fgAcc2">
+    <dgm:fillClrLst meth="repeat">
+      <a:schemeClr val="lt1">
+        <a:alpha val="90000"/>
+      </a:schemeClr>
+    </dgm:fillClrLst>
+    <dgm:linClrLst meth="repeat">
+      <a:schemeClr val="accent1"/>
+    </dgm:linClrLst>
+    <dgm:effectClrLst/>
+    <dgm:txLinClrLst/>
+    <dgm:txFillClrLst meth="repeat">
+      <a:schemeClr val="dk1"/>
+    </dgm:txFillClrLst>
+    <dgm:txEffectClrLst/>
+  </dgm:styleLbl>
+  <dgm:styleLbl name="fgAcc3">
+    <dgm:fillClrLst meth="repeat">
+      <a:schemeClr val="lt1">
+        <a:alpha val="90000"/>
+      </a:schemeClr>
+    </dgm:fillClrLst>
+    <dgm:linClrLst meth="repeat">
+      <a:schemeClr val="accent1"/>
+    </dgm:linClrLst>
+    <dgm:effectClrLst/>
+    <dgm:txLinClrLst/>
+    <dgm:txFillClrLst meth="repeat">
+      <a:schemeClr val="dk1"/>
+    </dgm:txFillClrLst>
+    <dgm:txEffectClrLst/>
+  </dgm:styleLbl>
+  <dgm:styleLbl name="fgAcc4">
+    <dgm:fillClrLst meth="repeat">
+      <a:schemeClr val="lt1">
+        <a:alpha val="90000"/>
+      </a:schemeClr>
+    </dgm:fillClrLst>
+    <dgm:linClrLst meth="repeat">
+      <a:schemeClr val="accent1"/>
+    </dgm:linClrLst>
+    <dgm:effectClrLst/>
+    <dgm:txLinClrLst/>
+    <dgm:txFillClrLst meth="repeat">
+      <a:schemeClr val="dk1"/>
+    </dgm:txFillClrLst>
+    <dgm:txEffectClrLst/>
+  </dgm:styleLbl>
+  <dgm:styleLbl name="bgShp">
+    <dgm:fillClrLst meth="repeat">
+      <a:schemeClr val="accent1">
+        <a:tint val="40000"/>
+      </a:schemeClr>
+    </dgm:fillClrLst>
+    <dgm:linClrLst meth="repeat">
+      <a:schemeClr val="accent1"/>
+    </dgm:linClrLst>
+    <dgm:effectClrLst/>
+    <dgm:txLinClrLst/>
+    <dgm:txFillClrLst meth="repeat">
+      <a:schemeClr val="dk1"/>
+    </dgm:txFillClrLst>
+    <dgm:txEffectClrLst/>
+  </dgm:styleLbl>
+  <dgm:styleLbl name="dkBgShp">
+    <dgm:fillClrLst meth="repeat">
+      <a:schemeClr val="accent1">
+        <a:shade val="80000"/>
+      </a:schemeClr>
+    </dgm:fillClrLst>
+    <dgm:linClrLst meth="repeat">
+      <a:schemeClr val="accent1"/>
+    </dgm:linClrLst>
+    <dgm:effectClrLst/>
+    <dgm:txLinClrLst/>
+    <dgm:txFillClrLst meth="repeat">
+      <a:schemeClr val="lt1"/>
+    </dgm:txFillClrLst>
+    <dgm:txEffectClrLst/>
+  </dgm:styleLbl>
+  <dgm:styleLbl name="trBgShp">
+    <dgm:fillClrLst meth="repeat">
+      <a:schemeClr val="accent1">
+        <a:tint val="50000"/>
+        <a:alpha val="40000"/>
+      </a:schemeClr>
+    </dgm:fillClrLst>
+    <dgm:linClrLst meth="repeat">
+      <a:schemeClr val="accent1"/>
+    </dgm:linClrLst>
+    <dgm:effectClrLst/>
+    <dgm:txLinClrLst/>
+    <dgm:txFillClrLst meth="repeat">
+      <a:schemeClr val="lt1"/>
+    </dgm:txFillClrLst>
+    <dgm:txEffectClrLst/>
+  </dgm:styleLbl>
+  <dgm:styleLbl name="fgShp">
+    <dgm:fillClrLst meth="repeat">
+      <a:schemeClr val="accent1">
+        <a:tint val="60000"/>
+      </a:schemeClr>
+    </dgm:fillClrLst>
+    <dgm:linClrLst meth="repeat">
+      <a:schemeClr val="lt1"/>
+    </dgm:linClrLst>
+    <dgm:effectClrLst/>
+    <dgm:txLinClrLst/>
+    <dgm:txFillClrLst meth="repeat">
+      <a:schemeClr val="dk1"/>
+    </dgm:txFillClrLst>
+    <dgm:txEffectClrLst/>
+  </dgm:styleLbl>
+  <dgm:styleLbl name="revTx">
+    <dgm:fillClrLst meth="repeat">
+      <a:schemeClr val="lt1">
+        <a:alpha val="0"/>
+      </a:schemeClr>
+    </dgm:fillClrLst>
+    <dgm:linClrLst meth="repeat">
+      <a:schemeClr val="dk1">
+        <a:alpha val="0"/>
+      </a:schemeClr>
+    </dgm:linClrLst>
+    <dgm:effectClrLst/>
+    <dgm:txLinClrLst/>
+    <dgm:txFillClrLst meth="repeat">
+      <a:schemeClr val="tx1"/>
+    </dgm:txFillClrLst>
+    <dgm:txEffectClrLst/>
+  </dgm:styleLbl>
+</dgm:colorsDef>
+</file>
+
 <file path=ppt/diagrams/data1.xml><?xml version="1.0" encoding="utf-8"?>
 <dgm:dataModel xmlns:dgm="http://schemas.openxmlformats.org/drawingml/2006/diagram" xmlns:a="http://schemas.openxmlformats.org/drawingml/2006/main">
   <dgm:ptLst>
+    <dgm:pt modelId="{B9F114E9-32FC-407D-B341-8FDB7F2B0E97}" type="doc">
+      <dgm:prSet loTypeId="urn:microsoft.com/office/officeart/2005/8/layout/list1" loCatId="list" qsTypeId="urn:microsoft.com/office/officeart/2005/8/quickstyle/simple1" qsCatId="simple" csTypeId="urn:microsoft.com/office/officeart/2005/8/colors/accent1_2" csCatId="accent1"/>
+      <dgm:spPr/>
+      <dgm:t>
+        <a:bodyPr/>
+        <a:lstStyle/>
+        <a:p>
+          <a:endParaRPr lang="en-US"/>
+        </a:p>
+      </dgm:t>
+    </dgm:pt>
+    <dgm:pt modelId="{1B256442-D1A9-4739-9502-FE63752B9478}">
+      <dgm:prSet/>
+      <dgm:spPr/>
+      <dgm:t>
+        <a:bodyPr/>
+        <a:lstStyle/>
+        <a:p>
+          <a:r>
+            <a:rPr lang="en-US"/>
+            <a:t>Introduction</a:t>
+          </a:r>
+        </a:p>
+      </dgm:t>
+    </dgm:pt>
+    <dgm:pt modelId="{62294725-B2BC-447B-A19F-0B6EE84C42EE}" type="parTrans" cxnId="{653C4FC9-0C93-4FDE-8E9D-06FB95E02527}">
+      <dgm:prSet/>
+      <dgm:spPr/>
+      <dgm:t>
+        <a:bodyPr/>
+        <a:lstStyle/>
+        <a:p>
+          <a:endParaRPr lang="en-US"/>
+        </a:p>
+      </dgm:t>
+    </dgm:pt>
+    <dgm:pt modelId="{261743EB-7828-43A4-BA6E-5508922BB0E8}" type="sibTrans" cxnId="{653C4FC9-0C93-4FDE-8E9D-06FB95E02527}">
+      <dgm:prSet/>
+      <dgm:spPr/>
+      <dgm:t>
+        <a:bodyPr/>
+        <a:lstStyle/>
+        <a:p>
+          <a:endParaRPr lang="en-US"/>
+        </a:p>
+      </dgm:t>
+    </dgm:pt>
+    <dgm:pt modelId="{E6FF4F78-A414-4B3C-8F21-37109BD54295}">
+      <dgm:prSet/>
+      <dgm:spPr/>
+      <dgm:t>
+        <a:bodyPr/>
+        <a:lstStyle/>
+        <a:p>
+          <a:r>
+            <a:rPr lang="en-US"/>
+            <a:t>Project specifics</a:t>
+          </a:r>
+        </a:p>
+      </dgm:t>
+    </dgm:pt>
+    <dgm:pt modelId="{161B0F1E-3D17-4445-8D7F-AB9E3FC11420}" type="parTrans" cxnId="{5C05FC5D-7840-44BF-9262-6871D6B66446}">
+      <dgm:prSet/>
+      <dgm:spPr/>
+      <dgm:t>
+        <a:bodyPr/>
+        <a:lstStyle/>
+        <a:p>
+          <a:endParaRPr lang="en-US"/>
+        </a:p>
+      </dgm:t>
+    </dgm:pt>
+    <dgm:pt modelId="{13067ED0-5BA2-4311-8A00-7E716FEBA02E}" type="sibTrans" cxnId="{5C05FC5D-7840-44BF-9262-6871D6B66446}">
+      <dgm:prSet/>
+      <dgm:spPr/>
+      <dgm:t>
+        <a:bodyPr/>
+        <a:lstStyle/>
+        <a:p>
+          <a:endParaRPr lang="en-US"/>
+        </a:p>
+      </dgm:t>
+    </dgm:pt>
+    <dgm:pt modelId="{BA1F0B1A-B55C-4883-B369-DA2DCC069395}">
+      <dgm:prSet/>
+      <dgm:spPr/>
+      <dgm:t>
+        <a:bodyPr/>
+        <a:lstStyle/>
+        <a:p>
+          <a:r>
+            <a:rPr lang="en-US"/>
+            <a:t>Conclusion</a:t>
+          </a:r>
+        </a:p>
+      </dgm:t>
+    </dgm:pt>
+    <dgm:pt modelId="{37557D3C-F8C8-4A43-9549-360F35EA6E29}" type="parTrans" cxnId="{3BC697E5-02EC-489E-9DCC-CED6B81682F3}">
+      <dgm:prSet/>
+      <dgm:spPr/>
+      <dgm:t>
+        <a:bodyPr/>
+        <a:lstStyle/>
+        <a:p>
+          <a:endParaRPr lang="en-US"/>
+        </a:p>
+      </dgm:t>
+    </dgm:pt>
+    <dgm:pt modelId="{C910E864-8828-4CAB-9BE0-6F46FCE1722D}" type="sibTrans" cxnId="{3BC697E5-02EC-489E-9DCC-CED6B81682F3}">
+      <dgm:prSet/>
+      <dgm:spPr/>
+      <dgm:t>
+        <a:bodyPr/>
+        <a:lstStyle/>
+        <a:p>
+          <a:endParaRPr lang="en-US"/>
+        </a:p>
+      </dgm:t>
+    </dgm:pt>
+    <dgm:pt modelId="{61E0A2C6-91AF-4D95-8032-362F2CA1B25F}" type="pres">
+      <dgm:prSet presAssocID="{B9F114E9-32FC-407D-B341-8FDB7F2B0E97}" presName="linear" presStyleCnt="0">
+        <dgm:presLayoutVars>
+          <dgm:dir/>
+          <dgm:animLvl val="lvl"/>
+          <dgm:resizeHandles val="exact"/>
+        </dgm:presLayoutVars>
+      </dgm:prSet>
+      <dgm:spPr/>
+    </dgm:pt>
+    <dgm:pt modelId="{4F1EE897-9955-4708-B2DA-5F86BFF1BA70}" type="pres">
+      <dgm:prSet presAssocID="{1B256442-D1A9-4739-9502-FE63752B9478}" presName="parentLin" presStyleCnt="0"/>
+      <dgm:spPr/>
+    </dgm:pt>
+    <dgm:pt modelId="{49D64E3B-8BF1-4D31-B7FC-023E7D426950}" type="pres">
+      <dgm:prSet presAssocID="{1B256442-D1A9-4739-9502-FE63752B9478}" presName="parentLeftMargin" presStyleLbl="node1" presStyleIdx="0" presStyleCnt="3"/>
+      <dgm:spPr/>
+    </dgm:pt>
+    <dgm:pt modelId="{15FAD8A0-93FE-4436-9495-FEEDCE91D388}" type="pres">
+      <dgm:prSet presAssocID="{1B256442-D1A9-4739-9502-FE63752B9478}" presName="parentText" presStyleLbl="node1" presStyleIdx="0" presStyleCnt="3">
+        <dgm:presLayoutVars>
+          <dgm:chMax val="0"/>
+          <dgm:bulletEnabled val="1"/>
+        </dgm:presLayoutVars>
+      </dgm:prSet>
+      <dgm:spPr/>
+    </dgm:pt>
+    <dgm:pt modelId="{10DAE85A-EF09-4897-A6AA-1F9F31FC4180}" type="pres">
+      <dgm:prSet presAssocID="{1B256442-D1A9-4739-9502-FE63752B9478}" presName="negativeSpace" presStyleCnt="0"/>
+      <dgm:spPr/>
+    </dgm:pt>
+    <dgm:pt modelId="{181CCAC0-8090-4F26-83F0-5202B9C5D0CE}" type="pres">
+      <dgm:prSet presAssocID="{1B256442-D1A9-4739-9502-FE63752B9478}" presName="childText" presStyleLbl="conFgAcc1" presStyleIdx="0" presStyleCnt="3">
+        <dgm:presLayoutVars>
+          <dgm:bulletEnabled val="1"/>
+        </dgm:presLayoutVars>
+      </dgm:prSet>
+      <dgm:spPr/>
+    </dgm:pt>
+    <dgm:pt modelId="{CC08450F-2C0A-4346-A6FA-DCE1A2551F62}" type="pres">
+      <dgm:prSet presAssocID="{261743EB-7828-43A4-BA6E-5508922BB0E8}" presName="spaceBetweenRectangles" presStyleCnt="0"/>
+      <dgm:spPr/>
+    </dgm:pt>
+    <dgm:pt modelId="{88B594C5-CE6B-48B9-ACA4-D2C026670022}" type="pres">
+      <dgm:prSet presAssocID="{E6FF4F78-A414-4B3C-8F21-37109BD54295}" presName="parentLin" presStyleCnt="0"/>
+      <dgm:spPr/>
+    </dgm:pt>
+    <dgm:pt modelId="{E7412E58-F8A9-4445-8429-93E3B8C72536}" type="pres">
+      <dgm:prSet presAssocID="{E6FF4F78-A414-4B3C-8F21-37109BD54295}" presName="parentLeftMargin" presStyleLbl="node1" presStyleIdx="0" presStyleCnt="3"/>
+      <dgm:spPr/>
+    </dgm:pt>
+    <dgm:pt modelId="{0841B380-F287-40ED-AAD6-DE721EC6781B}" type="pres">
+      <dgm:prSet presAssocID="{E6FF4F78-A414-4B3C-8F21-37109BD54295}" presName="parentText" presStyleLbl="node1" presStyleIdx="1" presStyleCnt="3">
+        <dgm:presLayoutVars>
+          <dgm:chMax val="0"/>
+          <dgm:bulletEnabled val="1"/>
+        </dgm:presLayoutVars>
+      </dgm:prSet>
+      <dgm:spPr/>
+    </dgm:pt>
+    <dgm:pt modelId="{5CF37087-6A4F-4533-933D-7F22BF9DAE0D}" type="pres">
+      <dgm:prSet presAssocID="{E6FF4F78-A414-4B3C-8F21-37109BD54295}" presName="negativeSpace" presStyleCnt="0"/>
+      <dgm:spPr/>
+    </dgm:pt>
+    <dgm:pt modelId="{A810CF89-9D4A-4003-97B8-DDF4A3507DA7}" type="pres">
+      <dgm:prSet presAssocID="{E6FF4F78-A414-4B3C-8F21-37109BD54295}" presName="childText" presStyleLbl="conFgAcc1" presStyleIdx="1" presStyleCnt="3">
+        <dgm:presLayoutVars>
+          <dgm:bulletEnabled val="1"/>
+        </dgm:presLayoutVars>
+      </dgm:prSet>
+      <dgm:spPr/>
+    </dgm:pt>
+    <dgm:pt modelId="{4BA2017C-CD5F-4B9D-97D9-0818751A5C99}" type="pres">
+      <dgm:prSet presAssocID="{13067ED0-5BA2-4311-8A00-7E716FEBA02E}" presName="spaceBetweenRectangles" presStyleCnt="0"/>
+      <dgm:spPr/>
+    </dgm:pt>
+    <dgm:pt modelId="{B2032E3F-1DD7-4377-B298-0090BC1D8EEF}" type="pres">
+      <dgm:prSet presAssocID="{BA1F0B1A-B55C-4883-B369-DA2DCC069395}" presName="parentLin" presStyleCnt="0"/>
+      <dgm:spPr/>
+    </dgm:pt>
+    <dgm:pt modelId="{3D79C51A-51E5-4881-99FD-7713CFA465E3}" type="pres">
+      <dgm:prSet presAssocID="{BA1F0B1A-B55C-4883-B369-DA2DCC069395}" presName="parentLeftMargin" presStyleLbl="node1" presStyleIdx="1" presStyleCnt="3"/>
+      <dgm:spPr/>
+    </dgm:pt>
+    <dgm:pt modelId="{4B2C9B02-7571-4B45-9A79-6C86788A949F}" type="pres">
+      <dgm:prSet presAssocID="{BA1F0B1A-B55C-4883-B369-DA2DCC069395}" presName="parentText" presStyleLbl="node1" presStyleIdx="2" presStyleCnt="3">
+        <dgm:presLayoutVars>
+          <dgm:chMax val="0"/>
+          <dgm:bulletEnabled val="1"/>
+        </dgm:presLayoutVars>
+      </dgm:prSet>
+      <dgm:spPr/>
+    </dgm:pt>
+    <dgm:pt modelId="{43C2DD6C-1883-4A62-9A5B-E1386F521E07}" type="pres">
+      <dgm:prSet presAssocID="{BA1F0B1A-B55C-4883-B369-DA2DCC069395}" presName="negativeSpace" presStyleCnt="0"/>
+      <dgm:spPr/>
+    </dgm:pt>
+    <dgm:pt modelId="{450B6CAC-C299-4171-8EDD-2EF82D2634AB}" type="pres">
+      <dgm:prSet presAssocID="{BA1F0B1A-B55C-4883-B369-DA2DCC069395}" presName="childText" presStyleLbl="conFgAcc1" presStyleIdx="2" presStyleCnt="3">
+        <dgm:presLayoutVars>
+          <dgm:bulletEnabled val="1"/>
+        </dgm:presLayoutVars>
+      </dgm:prSet>
+      <dgm:spPr/>
+    </dgm:pt>
+  </dgm:ptLst>
+  <dgm:cxnLst>
+    <dgm:cxn modelId="{7E652128-686D-46FA-9C1A-32BC64320DF7}" type="presOf" srcId="{BA1F0B1A-B55C-4883-B369-DA2DCC069395}" destId="{4B2C9B02-7571-4B45-9A79-6C86788A949F}" srcOrd="1" destOrd="0" presId="urn:microsoft.com/office/officeart/2005/8/layout/list1"/>
+    <dgm:cxn modelId="{5C05FC5D-7840-44BF-9262-6871D6B66446}" srcId="{B9F114E9-32FC-407D-B341-8FDB7F2B0E97}" destId="{E6FF4F78-A414-4B3C-8F21-37109BD54295}" srcOrd="1" destOrd="0" parTransId="{161B0F1E-3D17-4445-8D7F-AB9E3FC11420}" sibTransId="{13067ED0-5BA2-4311-8A00-7E716FEBA02E}"/>
+    <dgm:cxn modelId="{2B029360-1FE8-442D-8594-F780838C4A47}" type="presOf" srcId="{1B256442-D1A9-4739-9502-FE63752B9478}" destId="{15FAD8A0-93FE-4436-9495-FEEDCE91D388}" srcOrd="1" destOrd="0" presId="urn:microsoft.com/office/officeart/2005/8/layout/list1"/>
+    <dgm:cxn modelId="{1A357165-24F1-469B-9886-CAD1D4835BB9}" type="presOf" srcId="{1B256442-D1A9-4739-9502-FE63752B9478}" destId="{49D64E3B-8BF1-4D31-B7FC-023E7D426950}" srcOrd="0" destOrd="0" presId="urn:microsoft.com/office/officeart/2005/8/layout/list1"/>
+    <dgm:cxn modelId="{2846F96B-90AD-44D1-B362-B93C7ECE3384}" type="presOf" srcId="{E6FF4F78-A414-4B3C-8F21-37109BD54295}" destId="{0841B380-F287-40ED-AAD6-DE721EC6781B}" srcOrd="1" destOrd="0" presId="urn:microsoft.com/office/officeart/2005/8/layout/list1"/>
+    <dgm:cxn modelId="{29162C4E-D373-4EE0-B039-5B305C8556CD}" type="presOf" srcId="{E6FF4F78-A414-4B3C-8F21-37109BD54295}" destId="{E7412E58-F8A9-4445-8429-93E3B8C72536}" srcOrd="0" destOrd="0" presId="urn:microsoft.com/office/officeart/2005/8/layout/list1"/>
+    <dgm:cxn modelId="{1A85DFBB-E09F-4E6E-8453-EEB6070ED579}" type="presOf" srcId="{BA1F0B1A-B55C-4883-B369-DA2DCC069395}" destId="{3D79C51A-51E5-4881-99FD-7713CFA465E3}" srcOrd="0" destOrd="0" presId="urn:microsoft.com/office/officeart/2005/8/layout/list1"/>
+    <dgm:cxn modelId="{EAC760C4-F433-458A-BEE1-10DFEA64E734}" type="presOf" srcId="{B9F114E9-32FC-407D-B341-8FDB7F2B0E97}" destId="{61E0A2C6-91AF-4D95-8032-362F2CA1B25F}" srcOrd="0" destOrd="0" presId="urn:microsoft.com/office/officeart/2005/8/layout/list1"/>
+    <dgm:cxn modelId="{653C4FC9-0C93-4FDE-8E9D-06FB95E02527}" srcId="{B9F114E9-32FC-407D-B341-8FDB7F2B0E97}" destId="{1B256442-D1A9-4739-9502-FE63752B9478}" srcOrd="0" destOrd="0" parTransId="{62294725-B2BC-447B-A19F-0B6EE84C42EE}" sibTransId="{261743EB-7828-43A4-BA6E-5508922BB0E8}"/>
+    <dgm:cxn modelId="{3BC697E5-02EC-489E-9DCC-CED6B81682F3}" srcId="{B9F114E9-32FC-407D-B341-8FDB7F2B0E97}" destId="{BA1F0B1A-B55C-4883-B369-DA2DCC069395}" srcOrd="2" destOrd="0" parTransId="{37557D3C-F8C8-4A43-9549-360F35EA6E29}" sibTransId="{C910E864-8828-4CAB-9BE0-6F46FCE1722D}"/>
+    <dgm:cxn modelId="{951554C7-EB4E-4F1E-B8B9-71656FB86589}" type="presParOf" srcId="{61E0A2C6-91AF-4D95-8032-362F2CA1B25F}" destId="{4F1EE897-9955-4708-B2DA-5F86BFF1BA70}" srcOrd="0" destOrd="0" presId="urn:microsoft.com/office/officeart/2005/8/layout/list1"/>
+    <dgm:cxn modelId="{05826CD9-6E9A-411B-AB9D-18AB3CD378AA}" type="presParOf" srcId="{4F1EE897-9955-4708-B2DA-5F86BFF1BA70}" destId="{49D64E3B-8BF1-4D31-B7FC-023E7D426950}" srcOrd="0" destOrd="0" presId="urn:microsoft.com/office/officeart/2005/8/layout/list1"/>
+    <dgm:cxn modelId="{B8AD2F82-37BB-43DB-ACEB-7D994B278E5C}" type="presParOf" srcId="{4F1EE897-9955-4708-B2DA-5F86BFF1BA70}" destId="{15FAD8A0-93FE-4436-9495-FEEDCE91D388}" srcOrd="1" destOrd="0" presId="urn:microsoft.com/office/officeart/2005/8/layout/list1"/>
+    <dgm:cxn modelId="{7EEB3142-0931-45FE-957C-0F71E03389EF}" type="presParOf" srcId="{61E0A2C6-91AF-4D95-8032-362F2CA1B25F}" destId="{10DAE85A-EF09-4897-A6AA-1F9F31FC4180}" srcOrd="1" destOrd="0" presId="urn:microsoft.com/office/officeart/2005/8/layout/list1"/>
+    <dgm:cxn modelId="{0045B977-E879-48AC-87A7-98BD5D8D7F33}" type="presParOf" srcId="{61E0A2C6-91AF-4D95-8032-362F2CA1B25F}" destId="{181CCAC0-8090-4F26-83F0-5202B9C5D0CE}" srcOrd="2" destOrd="0" presId="urn:microsoft.com/office/officeart/2005/8/layout/list1"/>
+    <dgm:cxn modelId="{4EDE2B85-81E3-47B7-A5A9-166341AC6916}" type="presParOf" srcId="{61E0A2C6-91AF-4D95-8032-362F2CA1B25F}" destId="{CC08450F-2C0A-4346-A6FA-DCE1A2551F62}" srcOrd="3" destOrd="0" presId="urn:microsoft.com/office/officeart/2005/8/layout/list1"/>
+    <dgm:cxn modelId="{C6317EB7-BC9C-4DEF-BC96-51A305E11B95}" type="presParOf" srcId="{61E0A2C6-91AF-4D95-8032-362F2CA1B25F}" destId="{88B594C5-CE6B-48B9-ACA4-D2C026670022}" srcOrd="4" destOrd="0" presId="urn:microsoft.com/office/officeart/2005/8/layout/list1"/>
+    <dgm:cxn modelId="{772F8531-A4B0-46ED-BBE3-C4F300C1EE70}" type="presParOf" srcId="{88B594C5-CE6B-48B9-ACA4-D2C026670022}" destId="{E7412E58-F8A9-4445-8429-93E3B8C72536}" srcOrd="0" destOrd="0" presId="urn:microsoft.com/office/officeart/2005/8/layout/list1"/>
+    <dgm:cxn modelId="{F671C9B5-8709-4BAE-87F3-D3E46F3285C4}" type="presParOf" srcId="{88B594C5-CE6B-48B9-ACA4-D2C026670022}" destId="{0841B380-F287-40ED-AAD6-DE721EC6781B}" srcOrd="1" destOrd="0" presId="urn:microsoft.com/office/officeart/2005/8/layout/list1"/>
+    <dgm:cxn modelId="{5CA0A283-AD8E-44D9-8F15-335D21BA901A}" type="presParOf" srcId="{61E0A2C6-91AF-4D95-8032-362F2CA1B25F}" destId="{5CF37087-6A4F-4533-933D-7F22BF9DAE0D}" srcOrd="5" destOrd="0" presId="urn:microsoft.com/office/officeart/2005/8/layout/list1"/>
+    <dgm:cxn modelId="{8C9FEF36-BAE4-4566-BE4F-6FA7D316349A}" type="presParOf" srcId="{61E0A2C6-91AF-4D95-8032-362F2CA1B25F}" destId="{A810CF89-9D4A-4003-97B8-DDF4A3507DA7}" srcOrd="6" destOrd="0" presId="urn:microsoft.com/office/officeart/2005/8/layout/list1"/>
+    <dgm:cxn modelId="{14735EC3-7BD2-4EF0-AFEF-262EB9162819}" type="presParOf" srcId="{61E0A2C6-91AF-4D95-8032-362F2CA1B25F}" destId="{4BA2017C-CD5F-4B9D-97D9-0818751A5C99}" srcOrd="7" destOrd="0" presId="urn:microsoft.com/office/officeart/2005/8/layout/list1"/>
+    <dgm:cxn modelId="{D6F96791-3C67-49F4-9BD9-109517D5C0AD}" type="presParOf" srcId="{61E0A2C6-91AF-4D95-8032-362F2CA1B25F}" destId="{B2032E3F-1DD7-4377-B298-0090BC1D8EEF}" srcOrd="8" destOrd="0" presId="urn:microsoft.com/office/officeart/2005/8/layout/list1"/>
+    <dgm:cxn modelId="{23B399E2-BA8E-4F3B-9495-6666E04CA3EC}" type="presParOf" srcId="{B2032E3F-1DD7-4377-B298-0090BC1D8EEF}" destId="{3D79C51A-51E5-4881-99FD-7713CFA465E3}" srcOrd="0" destOrd="0" presId="urn:microsoft.com/office/officeart/2005/8/layout/list1"/>
+    <dgm:cxn modelId="{46A47C1C-EBBA-45B3-B9D4-8692B0A7C230}" type="presParOf" srcId="{B2032E3F-1DD7-4377-B298-0090BC1D8EEF}" destId="{4B2C9B02-7571-4B45-9A79-6C86788A949F}" srcOrd="1" destOrd="0" presId="urn:microsoft.com/office/officeart/2005/8/layout/list1"/>
+    <dgm:cxn modelId="{1D439686-3686-4D45-A1E4-264EF516BBCF}" type="presParOf" srcId="{61E0A2C6-91AF-4D95-8032-362F2CA1B25F}" destId="{43C2DD6C-1883-4A62-9A5B-E1386F521E07}" srcOrd="9" destOrd="0" presId="urn:microsoft.com/office/officeart/2005/8/layout/list1"/>
+    <dgm:cxn modelId="{6DF41834-4D39-4311-819B-7DBC558C030D}" type="presParOf" srcId="{61E0A2C6-91AF-4D95-8032-362F2CA1B25F}" destId="{450B6CAC-C299-4171-8EDD-2EF82D2634AB}" srcOrd="10" destOrd="0" presId="urn:microsoft.com/office/officeart/2005/8/layout/list1"/>
+  </dgm:cxnLst>
+  <dgm:bg/>
+  <dgm:whole/>
+  <dgm:extLst>
+    <a:ext uri="http://schemas.microsoft.com/office/drawing/2008/diagram">
+      <dsp:dataModelExt xmlns:dsp="http://schemas.microsoft.com/office/drawing/2008/diagram" relId="rId6" minVer="http://schemas.openxmlformats.org/drawingml/2006/diagram"/>
+    </a:ext>
+  </dgm:extLst>
+</dgm:dataModel>
+</file>
+
+<file path=ppt/diagrams/data2.xml><?xml version="1.0" encoding="utf-8"?>
+<dgm:dataModel xmlns:dgm="http://schemas.openxmlformats.org/drawingml/2006/diagram" xmlns:a="http://schemas.openxmlformats.org/drawingml/2006/main">
+  <dgm:ptLst>
+    <dgm:pt modelId="{A2DB675B-C66B-4491-8C8C-44AEC5AE88A2}" type="doc">
+      <dgm:prSet loTypeId="urn:microsoft.com/office/officeart/2005/8/layout/hierarchy1" loCatId="hierarchy" qsTypeId="urn:microsoft.com/office/officeart/2005/8/quickstyle/simple1" qsCatId="simple" csTypeId="urn:microsoft.com/office/officeart/2005/8/colors/accent1_2" csCatId="accent1"/>
+      <dgm:spPr/>
+      <dgm:t>
+        <a:bodyPr/>
+        <a:lstStyle/>
+        <a:p>
+          <a:endParaRPr lang="en-US"/>
+        </a:p>
+      </dgm:t>
+    </dgm:pt>
+    <dgm:pt modelId="{3FF67066-8659-4ADA-9A1C-5C70AA5D9EF6}">
+      <dgm:prSet/>
+      <dgm:spPr/>
+      <dgm:t>
+        <a:bodyPr/>
+        <a:lstStyle/>
+        <a:p>
+          <a:r>
+            <a:rPr lang="en-US"/>
+            <a:t>Our project looks at the efficacy of a direct marketing campaign by a Portuguese bank</a:t>
+          </a:r>
+        </a:p>
+      </dgm:t>
+    </dgm:pt>
+    <dgm:pt modelId="{504A6C6A-1F40-4441-836A-06C26C70FBF3}" type="parTrans" cxnId="{D8E57181-8069-4AF9-BCDA-4BF963249449}">
+      <dgm:prSet/>
+      <dgm:spPr/>
+      <dgm:t>
+        <a:bodyPr/>
+        <a:lstStyle/>
+        <a:p>
+          <a:endParaRPr lang="en-US"/>
+        </a:p>
+      </dgm:t>
+    </dgm:pt>
+    <dgm:pt modelId="{B0E2D408-F097-4E4B-AE30-9F716DAB8E2C}" type="sibTrans" cxnId="{D8E57181-8069-4AF9-BCDA-4BF963249449}">
+      <dgm:prSet/>
+      <dgm:spPr/>
+      <dgm:t>
+        <a:bodyPr/>
+        <a:lstStyle/>
+        <a:p>
+          <a:endParaRPr lang="en-US"/>
+        </a:p>
+      </dgm:t>
+    </dgm:pt>
+    <dgm:pt modelId="{95579C63-5376-46C8-BA6C-DDC34E764A9C}">
+      <dgm:prSet/>
+      <dgm:spPr/>
+      <dgm:t>
+        <a:bodyPr/>
+        <a:lstStyle/>
+        <a:p>
+          <a:r>
+            <a:rPr lang="en-US"/>
+            <a:t>According to a report issued by Deloitte in 2019, the increase in the use of AI and machine learning in marketing increased by 27% from 2018 to the time of the report.</a:t>
+          </a:r>
+        </a:p>
+      </dgm:t>
+    </dgm:pt>
+    <dgm:pt modelId="{F2FCA021-C67C-4633-94D7-359996CAB7FE}" type="parTrans" cxnId="{E8807531-0E81-4B44-8819-B7ABF561B3D5}">
+      <dgm:prSet/>
+      <dgm:spPr/>
+      <dgm:t>
+        <a:bodyPr/>
+        <a:lstStyle/>
+        <a:p>
+          <a:endParaRPr lang="en-US"/>
+        </a:p>
+      </dgm:t>
+    </dgm:pt>
+    <dgm:pt modelId="{DA563181-2EDD-4287-B854-23EF0161A101}" type="sibTrans" cxnId="{E8807531-0E81-4B44-8819-B7ABF561B3D5}">
+      <dgm:prSet/>
+      <dgm:spPr/>
+      <dgm:t>
+        <a:bodyPr/>
+        <a:lstStyle/>
+        <a:p>
+          <a:endParaRPr lang="en-US"/>
+        </a:p>
+      </dgm:t>
+    </dgm:pt>
+    <dgm:pt modelId="{418E5DBD-5273-4EE9-9B00-DA0ED71F03ED}">
+      <dgm:prSet/>
+      <dgm:spPr/>
+      <dgm:t>
+        <a:bodyPr/>
+        <a:lstStyle/>
+        <a:p>
+          <a:r>
+            <a:rPr lang="en-US"/>
+            <a:t>This is also predicted to increase steadily over the coming years</a:t>
+          </a:r>
+        </a:p>
+      </dgm:t>
+    </dgm:pt>
+    <dgm:pt modelId="{A33F03E1-E9ED-4C0E-9237-1FD1709B9580}" type="parTrans" cxnId="{64F66A95-64B8-4C74-A3BE-DC512ED549AF}">
+      <dgm:prSet/>
+      <dgm:spPr/>
+      <dgm:t>
+        <a:bodyPr/>
+        <a:lstStyle/>
+        <a:p>
+          <a:endParaRPr lang="en-US"/>
+        </a:p>
+      </dgm:t>
+    </dgm:pt>
+    <dgm:pt modelId="{77152D1E-7B0B-4E0D-ABAA-47CB02116A68}" type="sibTrans" cxnId="{64F66A95-64B8-4C74-A3BE-DC512ED549AF}">
+      <dgm:prSet/>
+      <dgm:spPr/>
+      <dgm:t>
+        <a:bodyPr/>
+        <a:lstStyle/>
+        <a:p>
+          <a:endParaRPr lang="en-US"/>
+        </a:p>
+      </dgm:t>
+    </dgm:pt>
+    <dgm:pt modelId="{2DECEFA0-CD8F-4A9F-8F88-3DA4A2924C09}" type="pres">
+      <dgm:prSet presAssocID="{A2DB675B-C66B-4491-8C8C-44AEC5AE88A2}" presName="hierChild1" presStyleCnt="0">
+        <dgm:presLayoutVars>
+          <dgm:chPref val="1"/>
+          <dgm:dir/>
+          <dgm:animOne val="branch"/>
+          <dgm:animLvl val="lvl"/>
+          <dgm:resizeHandles/>
+        </dgm:presLayoutVars>
+      </dgm:prSet>
+      <dgm:spPr/>
+    </dgm:pt>
+    <dgm:pt modelId="{EBF24114-5281-4B9C-B006-FD6192DF1179}" type="pres">
+      <dgm:prSet presAssocID="{3FF67066-8659-4ADA-9A1C-5C70AA5D9EF6}" presName="hierRoot1" presStyleCnt="0"/>
+      <dgm:spPr/>
+    </dgm:pt>
+    <dgm:pt modelId="{BEA297FB-B555-4F33-AA6C-ABCD33F92031}" type="pres">
+      <dgm:prSet presAssocID="{3FF67066-8659-4ADA-9A1C-5C70AA5D9EF6}" presName="composite" presStyleCnt="0"/>
+      <dgm:spPr/>
+    </dgm:pt>
+    <dgm:pt modelId="{7281AE45-DB1E-4B20-9FAB-690107C47B9A}" type="pres">
+      <dgm:prSet presAssocID="{3FF67066-8659-4ADA-9A1C-5C70AA5D9EF6}" presName="background" presStyleLbl="node0" presStyleIdx="0" presStyleCnt="3"/>
+      <dgm:spPr/>
+    </dgm:pt>
+    <dgm:pt modelId="{9E9CBE0F-9470-4BF4-80D2-7B5E1162E6B8}" type="pres">
+      <dgm:prSet presAssocID="{3FF67066-8659-4ADA-9A1C-5C70AA5D9EF6}" presName="text" presStyleLbl="fgAcc0" presStyleIdx="0" presStyleCnt="3">
+        <dgm:presLayoutVars>
+          <dgm:chPref val="3"/>
+        </dgm:presLayoutVars>
+      </dgm:prSet>
+      <dgm:spPr/>
+    </dgm:pt>
+    <dgm:pt modelId="{E16651C2-CC2D-443B-8A42-4AE4925E588F}" type="pres">
+      <dgm:prSet presAssocID="{3FF67066-8659-4ADA-9A1C-5C70AA5D9EF6}" presName="hierChild2" presStyleCnt="0"/>
+      <dgm:spPr/>
+    </dgm:pt>
+    <dgm:pt modelId="{FBE16D59-1525-4060-804C-8B2636B51A9B}" type="pres">
+      <dgm:prSet presAssocID="{95579C63-5376-46C8-BA6C-DDC34E764A9C}" presName="hierRoot1" presStyleCnt="0"/>
+      <dgm:spPr/>
+    </dgm:pt>
+    <dgm:pt modelId="{3E826161-6292-4238-820D-2EA406FDFB46}" type="pres">
+      <dgm:prSet presAssocID="{95579C63-5376-46C8-BA6C-DDC34E764A9C}" presName="composite" presStyleCnt="0"/>
+      <dgm:spPr/>
+    </dgm:pt>
+    <dgm:pt modelId="{1F0C23C4-47E2-46FF-A27E-058007532EF9}" type="pres">
+      <dgm:prSet presAssocID="{95579C63-5376-46C8-BA6C-DDC34E764A9C}" presName="background" presStyleLbl="node0" presStyleIdx="1" presStyleCnt="3"/>
+      <dgm:spPr/>
+    </dgm:pt>
+    <dgm:pt modelId="{1C3827CE-5B61-428A-A610-4E609E67AB41}" type="pres">
+      <dgm:prSet presAssocID="{95579C63-5376-46C8-BA6C-DDC34E764A9C}" presName="text" presStyleLbl="fgAcc0" presStyleIdx="1" presStyleCnt="3">
+        <dgm:presLayoutVars>
+          <dgm:chPref val="3"/>
+        </dgm:presLayoutVars>
+      </dgm:prSet>
+      <dgm:spPr/>
+    </dgm:pt>
+    <dgm:pt modelId="{38125875-ECC5-4700-908D-0424A34415D2}" type="pres">
+      <dgm:prSet presAssocID="{95579C63-5376-46C8-BA6C-DDC34E764A9C}" presName="hierChild2" presStyleCnt="0"/>
+      <dgm:spPr/>
+    </dgm:pt>
+    <dgm:pt modelId="{449536F2-2C23-40A6-8015-0F466C4D115D}" type="pres">
+      <dgm:prSet presAssocID="{418E5DBD-5273-4EE9-9B00-DA0ED71F03ED}" presName="hierRoot1" presStyleCnt="0"/>
+      <dgm:spPr/>
+    </dgm:pt>
+    <dgm:pt modelId="{3F17B279-0EA4-41F9-B5F3-1B8A364FBC60}" type="pres">
+      <dgm:prSet presAssocID="{418E5DBD-5273-4EE9-9B00-DA0ED71F03ED}" presName="composite" presStyleCnt="0"/>
+      <dgm:spPr/>
+    </dgm:pt>
+    <dgm:pt modelId="{75803658-B89B-4872-9A6B-F1633F0BE633}" type="pres">
+      <dgm:prSet presAssocID="{418E5DBD-5273-4EE9-9B00-DA0ED71F03ED}" presName="background" presStyleLbl="node0" presStyleIdx="2" presStyleCnt="3"/>
+      <dgm:spPr/>
+    </dgm:pt>
+    <dgm:pt modelId="{7FFD7146-C772-47A7-8379-6EDF5F5D63D3}" type="pres">
+      <dgm:prSet presAssocID="{418E5DBD-5273-4EE9-9B00-DA0ED71F03ED}" presName="text" presStyleLbl="fgAcc0" presStyleIdx="2" presStyleCnt="3">
+        <dgm:presLayoutVars>
+          <dgm:chPref val="3"/>
+        </dgm:presLayoutVars>
+      </dgm:prSet>
+      <dgm:spPr/>
+    </dgm:pt>
+    <dgm:pt modelId="{099D19B4-B708-4E2B-8F92-92DCF95BE06B}" type="pres">
+      <dgm:prSet presAssocID="{418E5DBD-5273-4EE9-9B00-DA0ED71F03ED}" presName="hierChild2" presStyleCnt="0"/>
+      <dgm:spPr/>
+    </dgm:pt>
+  </dgm:ptLst>
+  <dgm:cxnLst>
+    <dgm:cxn modelId="{099F8C2E-F2EF-418B-A02D-07EBE437A70E}" type="presOf" srcId="{3FF67066-8659-4ADA-9A1C-5C70AA5D9EF6}" destId="{9E9CBE0F-9470-4BF4-80D2-7B5E1162E6B8}" srcOrd="0" destOrd="0" presId="urn:microsoft.com/office/officeart/2005/8/layout/hierarchy1"/>
+    <dgm:cxn modelId="{E8807531-0E81-4B44-8819-B7ABF561B3D5}" srcId="{A2DB675B-C66B-4491-8C8C-44AEC5AE88A2}" destId="{95579C63-5376-46C8-BA6C-DDC34E764A9C}" srcOrd="1" destOrd="0" parTransId="{F2FCA021-C67C-4633-94D7-359996CAB7FE}" sibTransId="{DA563181-2EDD-4287-B854-23EF0161A101}"/>
+    <dgm:cxn modelId="{9D7F0343-6D19-4035-9EDF-06D9CE007D1D}" type="presOf" srcId="{95579C63-5376-46C8-BA6C-DDC34E764A9C}" destId="{1C3827CE-5B61-428A-A610-4E609E67AB41}" srcOrd="0" destOrd="0" presId="urn:microsoft.com/office/officeart/2005/8/layout/hierarchy1"/>
+    <dgm:cxn modelId="{487A176C-E7A6-4594-B594-86CA3065A79B}" type="presOf" srcId="{418E5DBD-5273-4EE9-9B00-DA0ED71F03ED}" destId="{7FFD7146-C772-47A7-8379-6EDF5F5D63D3}" srcOrd="0" destOrd="0" presId="urn:microsoft.com/office/officeart/2005/8/layout/hierarchy1"/>
+    <dgm:cxn modelId="{D8E57181-8069-4AF9-BCDA-4BF963249449}" srcId="{A2DB675B-C66B-4491-8C8C-44AEC5AE88A2}" destId="{3FF67066-8659-4ADA-9A1C-5C70AA5D9EF6}" srcOrd="0" destOrd="0" parTransId="{504A6C6A-1F40-4441-836A-06C26C70FBF3}" sibTransId="{B0E2D408-F097-4E4B-AE30-9F716DAB8E2C}"/>
+    <dgm:cxn modelId="{64F66A95-64B8-4C74-A3BE-DC512ED549AF}" srcId="{A2DB675B-C66B-4491-8C8C-44AEC5AE88A2}" destId="{418E5DBD-5273-4EE9-9B00-DA0ED71F03ED}" srcOrd="2" destOrd="0" parTransId="{A33F03E1-E9ED-4C0E-9237-1FD1709B9580}" sibTransId="{77152D1E-7B0B-4E0D-ABAA-47CB02116A68}"/>
+    <dgm:cxn modelId="{575260FB-4342-4690-AE87-FF5123EA6FD3}" type="presOf" srcId="{A2DB675B-C66B-4491-8C8C-44AEC5AE88A2}" destId="{2DECEFA0-CD8F-4A9F-8F88-3DA4A2924C09}" srcOrd="0" destOrd="0" presId="urn:microsoft.com/office/officeart/2005/8/layout/hierarchy1"/>
+    <dgm:cxn modelId="{A2FE8F03-70B5-41F5-9021-8CD6964C542E}" type="presParOf" srcId="{2DECEFA0-CD8F-4A9F-8F88-3DA4A2924C09}" destId="{EBF24114-5281-4B9C-B006-FD6192DF1179}" srcOrd="0" destOrd="0" presId="urn:microsoft.com/office/officeart/2005/8/layout/hierarchy1"/>
+    <dgm:cxn modelId="{5B73ECB4-72A3-421C-A001-62D753F5DE80}" type="presParOf" srcId="{EBF24114-5281-4B9C-B006-FD6192DF1179}" destId="{BEA297FB-B555-4F33-AA6C-ABCD33F92031}" srcOrd="0" destOrd="0" presId="urn:microsoft.com/office/officeart/2005/8/layout/hierarchy1"/>
+    <dgm:cxn modelId="{626565FA-92BA-498C-A289-DE0474E4FEB4}" type="presParOf" srcId="{BEA297FB-B555-4F33-AA6C-ABCD33F92031}" destId="{7281AE45-DB1E-4B20-9FAB-690107C47B9A}" srcOrd="0" destOrd="0" presId="urn:microsoft.com/office/officeart/2005/8/layout/hierarchy1"/>
+    <dgm:cxn modelId="{554BDF55-904D-4093-971D-0423BC8BBAD3}" type="presParOf" srcId="{BEA297FB-B555-4F33-AA6C-ABCD33F92031}" destId="{9E9CBE0F-9470-4BF4-80D2-7B5E1162E6B8}" srcOrd="1" destOrd="0" presId="urn:microsoft.com/office/officeart/2005/8/layout/hierarchy1"/>
+    <dgm:cxn modelId="{4D5C85A3-99BD-410F-ACA6-2891EF90289E}" type="presParOf" srcId="{EBF24114-5281-4B9C-B006-FD6192DF1179}" destId="{E16651C2-CC2D-443B-8A42-4AE4925E588F}" srcOrd="1" destOrd="0" presId="urn:microsoft.com/office/officeart/2005/8/layout/hierarchy1"/>
+    <dgm:cxn modelId="{91C1AE29-11B1-4141-8C67-91784773F2D2}" type="presParOf" srcId="{2DECEFA0-CD8F-4A9F-8F88-3DA4A2924C09}" destId="{FBE16D59-1525-4060-804C-8B2636B51A9B}" srcOrd="1" destOrd="0" presId="urn:microsoft.com/office/officeart/2005/8/layout/hierarchy1"/>
+    <dgm:cxn modelId="{D4987BE8-E0BA-4898-8D69-10E19015FCAB}" type="presParOf" srcId="{FBE16D59-1525-4060-804C-8B2636B51A9B}" destId="{3E826161-6292-4238-820D-2EA406FDFB46}" srcOrd="0" destOrd="0" presId="urn:microsoft.com/office/officeart/2005/8/layout/hierarchy1"/>
+    <dgm:cxn modelId="{FDA3291B-3812-4CAA-AD58-98275DA4CB18}" type="presParOf" srcId="{3E826161-6292-4238-820D-2EA406FDFB46}" destId="{1F0C23C4-47E2-46FF-A27E-058007532EF9}" srcOrd="0" destOrd="0" presId="urn:microsoft.com/office/officeart/2005/8/layout/hierarchy1"/>
+    <dgm:cxn modelId="{36F0AA8A-7967-4D63-BED7-C180645709AF}" type="presParOf" srcId="{3E826161-6292-4238-820D-2EA406FDFB46}" destId="{1C3827CE-5B61-428A-A610-4E609E67AB41}" srcOrd="1" destOrd="0" presId="urn:microsoft.com/office/officeart/2005/8/layout/hierarchy1"/>
+    <dgm:cxn modelId="{87997464-DE2D-40BE-AA93-394CCA103A85}" type="presParOf" srcId="{FBE16D59-1525-4060-804C-8B2636B51A9B}" destId="{38125875-ECC5-4700-908D-0424A34415D2}" srcOrd="1" destOrd="0" presId="urn:microsoft.com/office/officeart/2005/8/layout/hierarchy1"/>
+    <dgm:cxn modelId="{D01EA51B-5078-4EAC-8A8F-AC41D5355D49}" type="presParOf" srcId="{2DECEFA0-CD8F-4A9F-8F88-3DA4A2924C09}" destId="{449536F2-2C23-40A6-8015-0F466C4D115D}" srcOrd="2" destOrd="0" presId="urn:microsoft.com/office/officeart/2005/8/layout/hierarchy1"/>
+    <dgm:cxn modelId="{13EC607F-89A5-4CED-BDB2-9DFA88C51568}" type="presParOf" srcId="{449536F2-2C23-40A6-8015-0F466C4D115D}" destId="{3F17B279-0EA4-41F9-B5F3-1B8A364FBC60}" srcOrd="0" destOrd="0" presId="urn:microsoft.com/office/officeart/2005/8/layout/hierarchy1"/>
+    <dgm:cxn modelId="{DA90B767-9C58-4C62-9900-2AB6DFDB083E}" type="presParOf" srcId="{3F17B279-0EA4-41F9-B5F3-1B8A364FBC60}" destId="{75803658-B89B-4872-9A6B-F1633F0BE633}" srcOrd="0" destOrd="0" presId="urn:microsoft.com/office/officeart/2005/8/layout/hierarchy1"/>
+    <dgm:cxn modelId="{0F8C097D-154D-4DED-A0EB-62CC42C81671}" type="presParOf" srcId="{3F17B279-0EA4-41F9-B5F3-1B8A364FBC60}" destId="{7FFD7146-C772-47A7-8379-6EDF5F5D63D3}" srcOrd="1" destOrd="0" presId="urn:microsoft.com/office/officeart/2005/8/layout/hierarchy1"/>
+    <dgm:cxn modelId="{71509BB8-B3D4-486D-A216-5A4383372D3B}" type="presParOf" srcId="{449536F2-2C23-40A6-8015-0F466C4D115D}" destId="{099D19B4-B708-4E2B-8F92-92DCF95BE06B}" srcOrd="1" destOrd="0" presId="urn:microsoft.com/office/officeart/2005/8/layout/hierarchy1"/>
+  </dgm:cxnLst>
+  <dgm:bg/>
+  <dgm:whole/>
+  <dgm:extLst>
+    <a:ext uri="http://schemas.microsoft.com/office/drawing/2008/diagram">
+      <dsp:dataModelExt xmlns:dsp="http://schemas.microsoft.com/office/drawing/2008/diagram" relId="rId6" minVer="http://schemas.openxmlformats.org/drawingml/2006/diagram"/>
+    </a:ext>
+  </dgm:extLst>
+</dgm:dataModel>
+</file>
+
+<file path=ppt/diagrams/data3.xml><?xml version="1.0" encoding="utf-8"?>
+<dgm:dataModel xmlns:dgm="http://schemas.openxmlformats.org/drawingml/2006/diagram" xmlns:a="http://schemas.openxmlformats.org/drawingml/2006/main">
+  <dgm:ptLst>
     <dgm:pt modelId="{0DD8915E-DC14-41D6-9BB5-F49E1C265163}" type="doc">
-      <dgm:prSet loTypeId="urn:microsoft.com/office/officeart/2016/7/layout/HorizontalActionList" loCatId="list" qsTypeId="urn:microsoft.com/office/officeart/2005/8/quickstyle/simple1" qsCatId="simple" csTypeId="urn:microsoft.com/office/officeart/2005/8/colors/accent1_2" csCatId="accent1" phldr="1"/>
+      <dgm:prSet loTypeId="urn:microsoft.com/office/officeart/2005/8/layout/vList5" loCatId="list" qsTypeId="urn:microsoft.com/office/officeart/2005/8/quickstyle/simple1" qsCatId="simple" csTypeId="urn:microsoft.com/office/officeart/2005/8/colors/accent1_2" csCatId="accent1" phldr="1"/>
       <dgm:spPr/>
       <dgm:t>
         <a:bodyPr/>
@@ -892,16 +2895,13 @@
       </dgm:t>
     </dgm:pt>
     <dgm:pt modelId="{73D947E0-108F-4D20-A71E-3CF329F97212}">
-      <dgm:prSet phldr="0" custT="1"/>
+      <dgm:prSet/>
       <dgm:spPr/>
       <dgm:t>
         <a:bodyPr/>
         <a:lstStyle/>
         <a:p>
-          <a:pPr marL="0" indent="0" algn="ctr" defTabSz="914400" rtl="0" eaLnBrk="1" latinLnBrk="0" hangingPunct="1">
-            <a:lnSpc>
-              <a:spcPct val="90000"/>
-            </a:lnSpc>
+          <a:pPr marL="0" indent="0" defTabSz="914400" rtl="0" eaLnBrk="1" latinLnBrk="0" hangingPunct="1">
             <a:spcBef>
               <a:spcPts val="1000"/>
             </a:spcBef>
@@ -909,10 +2909,7 @@
             <a:buNone/>
           </a:pPr>
           <a:r>
-            <a:rPr lang="en-US" sz="1600" kern="1200" spc="150" baseline="0" dirty="0">
-              <a:solidFill>
-                <a:schemeClr val="tx1"/>
-              </a:solidFill>
+            <a:rPr lang="en-US" kern="1200" spc="150" baseline="0">
               <a:latin typeface="+mj-lt"/>
               <a:ea typeface="+mj-ea"/>
               <a:cs typeface="+mj-cs"/>
@@ -949,19 +2946,17 @@
       </dgm:t>
     </dgm:pt>
     <dgm:pt modelId="{30A490C8-22B4-4D68-875C-0F0DE2FF864D}">
-      <dgm:prSet phldr="0" custT="1"/>
+      <dgm:prSet/>
       <dgm:spPr/>
       <dgm:t>
         <a:bodyPr/>
         <a:lstStyle/>
         <a:p>
-          <a:pPr marL="0" algn="ctr">
-            <a:lnSpc>
-              <a:spcPct val="100000"/>
-            </a:lnSpc>
+          <a:pPr marL="0">
+            <a:buNone/>
           </a:pPr>
           <a:r>
-            <a:rPr lang="en-US" sz="1400" spc="50" baseline="0" dirty="0">
+            <a:rPr lang="en-US" spc="50" baseline="0" dirty="0">
               <a:latin typeface="+mn-lt"/>
             </a:rPr>
             <a:t>Used to house our data, as we have more familiarity with it</a:t>
@@ -996,7 +2991,7 @@
       </dgm:t>
     </dgm:pt>
     <dgm:pt modelId="{B1AFA1AF-0FF8-45B3-A6D0-0E255A2F637D}">
-      <dgm:prSet phldr="0" custT="1"/>
+      <dgm:prSet/>
       <dgm:spPr/>
       <dgm:t>
         <a:bodyPr/>
@@ -1004,10 +2999,7 @@
         <a:p>
           <a:pPr marL="0"/>
           <a:r>
-            <a:rPr lang="en-US" sz="1600" kern="1200" spc="150" baseline="0" dirty="0">
-              <a:solidFill>
-                <a:prstClr val="black"/>
-              </a:solidFill>
+            <a:rPr lang="en-US" kern="1200" spc="150" baseline="0">
               <a:latin typeface="Tenorite"/>
               <a:ea typeface="+mn-ea"/>
               <a:cs typeface="+mn-cs"/>
@@ -1044,19 +3036,17 @@
       </dgm:t>
     </dgm:pt>
     <dgm:pt modelId="{50418D2B-9486-42DE-AFDD-1D31420040FF}">
-      <dgm:prSet phldr="0" custT="1"/>
+      <dgm:prSet/>
       <dgm:spPr/>
       <dgm:t>
         <a:bodyPr/>
         <a:lstStyle/>
         <a:p>
-          <a:pPr marL="0" algn="ctr">
-            <a:lnSpc>
-              <a:spcPct val="100000"/>
-            </a:lnSpc>
+          <a:pPr marL="0">
+            <a:buNone/>
           </a:pPr>
           <a:r>
-            <a:rPr lang="en-US" sz="1400" spc="50" baseline="0" dirty="0">
+            <a:rPr lang="en-US" spc="50" baseline="0" dirty="0">
               <a:latin typeface="+mn-lt"/>
             </a:rPr>
             <a:t>Used to split our data into a test and training set, as well as fitting and scaling our data</a:t>
@@ -1091,16 +3081,13 @@
       </dgm:t>
     </dgm:pt>
     <dgm:pt modelId="{E9682B4F-0217-4B50-923E-C104AA24290F}">
-      <dgm:prSet phldr="0" custT="1"/>
+      <dgm:prSet/>
       <dgm:spPr/>
       <dgm:t>
         <a:bodyPr/>
         <a:lstStyle/>
         <a:p>
-          <a:pPr marL="0" lvl="0" indent="0" algn="ctr" defTabSz="889000">
-            <a:lnSpc>
-              <a:spcPct val="90000"/>
-            </a:lnSpc>
+          <a:pPr marL="0" lvl="0" indent="0" defTabSz="889000">
             <a:spcBef>
               <a:spcPct val="0"/>
             </a:spcBef>
@@ -1110,10 +3097,7 @@
             <a:buNone/>
           </a:pPr>
           <a:r>
-            <a:rPr lang="en-US" sz="1600" kern="1200" spc="150" baseline="0" dirty="0">
-              <a:solidFill>
-                <a:prstClr val="black"/>
-              </a:solidFill>
+            <a:rPr lang="en-US" kern="1200" spc="150" baseline="0">
               <a:latin typeface="Tenorite"/>
               <a:ea typeface="+mn-ea"/>
               <a:cs typeface="+mn-cs"/>
@@ -1150,16 +3134,13 @@
       </dgm:t>
     </dgm:pt>
     <dgm:pt modelId="{0EC0C300-11E4-45CF-8418-973585107209}">
-      <dgm:prSet phldr="0" custT="1"/>
+      <dgm:prSet/>
       <dgm:spPr/>
       <dgm:t>
         <a:bodyPr/>
         <a:lstStyle/>
         <a:p>
-          <a:pPr marL="0" lvl="0" indent="0" algn="ctr" defTabSz="666750">
-            <a:lnSpc>
-              <a:spcPct val="100000"/>
-            </a:lnSpc>
+          <a:pPr marL="0" lvl="0" indent="0" defTabSz="666750">
             <a:spcBef>
               <a:spcPct val="0"/>
             </a:spcBef>
@@ -1169,15 +3150,7 @@
             <a:buNone/>
           </a:pPr>
           <a:r>
-            <a:rPr lang="en-US" sz="1400" kern="1200" spc="50" baseline="0" dirty="0">
-              <a:solidFill>
-                <a:prstClr val="black">
-                  <a:hueOff val="0"/>
-                  <a:satOff val="0"/>
-                  <a:lumOff val="0"/>
-                  <a:alphaOff val="0"/>
-                </a:prstClr>
-              </a:solidFill>
+            <a:rPr lang="en-US" kern="1200" spc="50" baseline="0" dirty="0">
               <a:latin typeface="Tenorite"/>
               <a:ea typeface="+mn-ea"/>
               <a:cs typeface="+mn-cs"/>
@@ -1214,16 +3187,13 @@
       </dgm:t>
     </dgm:pt>
     <dgm:pt modelId="{FEB4A941-E9FA-4A86-A673-85FF34B35F20}">
-      <dgm:prSet phldr="0" custT="1"/>
+      <dgm:prSet/>
       <dgm:spPr/>
       <dgm:t>
         <a:bodyPr/>
         <a:lstStyle/>
         <a:p>
-          <a:pPr marL="0" lvl="0" indent="0" algn="l" defTabSz="666750" rtl="0">
-            <a:lnSpc>
-              <a:spcPct val="100000"/>
-            </a:lnSpc>
+          <a:pPr marL="0" lvl="0" indent="0" defTabSz="666750" rtl="0">
             <a:spcBef>
               <a:spcPct val="0"/>
             </a:spcBef>
@@ -1233,15 +3203,7 @@
             <a:buNone/>
           </a:pPr>
           <a:r>
-            <a:rPr lang="en-US" sz="1400" kern="1200" spc="50" baseline="0" dirty="0">
-              <a:solidFill>
-                <a:prstClr val="black">
-                  <a:hueOff val="0"/>
-                  <a:satOff val="0"/>
-                  <a:lumOff val="0"/>
-                  <a:alphaOff val="0"/>
-                </a:prstClr>
-              </a:solidFill>
+            <a:rPr lang="en-US" kern="1200" spc="50" baseline="0" dirty="0">
               <a:latin typeface="Tenorite"/>
               <a:ea typeface="+mn-ea"/>
               <a:cs typeface="+mn-cs"/>
@@ -1249,15 +3211,7 @@
             <a:t>Used </a:t>
           </a:r>
           <a:r>
-            <a:rPr lang="en-US" sz="1400" kern="1200" spc="50" baseline="0" dirty="0" err="1">
-              <a:solidFill>
-                <a:prstClr val="black">
-                  <a:hueOff val="0"/>
-                  <a:satOff val="0"/>
-                  <a:lumOff val="0"/>
-                  <a:alphaOff val="0"/>
-                </a:prstClr>
-              </a:solidFill>
+            <a:rPr lang="en-US" kern="1200" spc="50" baseline="0" dirty="0" err="1">
               <a:latin typeface="Tenorite"/>
               <a:ea typeface="+mn-ea"/>
               <a:cs typeface="+mn-cs"/>
@@ -1265,15 +3219,7 @@
             <a:t>Keras</a:t>
           </a:r>
           <a:r>
-            <a:rPr lang="en-US" sz="1400" kern="1200" spc="50" baseline="0" dirty="0">
-              <a:solidFill>
-                <a:prstClr val="black">
-                  <a:hueOff val="0"/>
-                  <a:satOff val="0"/>
-                  <a:lumOff val="0"/>
-                  <a:alphaOff val="0"/>
-                </a:prstClr>
-              </a:solidFill>
+            <a:rPr lang="en-US" kern="1200" spc="50" baseline="0" dirty="0">
               <a:latin typeface="Tenorite"/>
               <a:ea typeface="+mn-ea"/>
               <a:cs typeface="+mn-cs"/>
@@ -1310,7 +3256,7 @@
       </dgm:t>
     </dgm:pt>
     <dgm:pt modelId="{4F85505A-81B6-4FDA-A144-900B71DAD946}">
-      <dgm:prSet phldr="0" custT="1"/>
+      <dgm:prSet/>
       <dgm:spPr/>
       <dgm:t>
         <a:bodyPr/>
@@ -1318,20 +3264,14 @@
         <a:p>
           <a:pPr marL="0"/>
           <a:r>
-            <a:rPr lang="en-US" sz="1600" kern="1200" spc="150" baseline="0" dirty="0" err="1">
-              <a:solidFill>
-                <a:prstClr val="black"/>
-              </a:solidFill>
+            <a:rPr lang="en-US" kern="1200" spc="150" baseline="0" dirty="0" err="1">
               <a:latin typeface="Tenorite"/>
               <a:ea typeface="+mn-ea"/>
               <a:cs typeface="+mn-cs"/>
             </a:rPr>
             <a:t>Tensorflow</a:t>
           </a:r>
-          <a:endParaRPr lang="en-US" sz="1600" kern="1200" spc="150" baseline="0" dirty="0">
-            <a:solidFill>
-              <a:prstClr val="black"/>
-            </a:solidFill>
+          <a:endParaRPr lang="en-US" kern="1200" spc="150" baseline="0" dirty="0">
             <a:latin typeface="Tenorite"/>
             <a:ea typeface="+mn-ea"/>
             <a:cs typeface="+mn-cs"/>
@@ -1365,7 +3305,45 @@
         </a:p>
       </dgm:t>
     </dgm:pt>
-    <dgm:pt modelId="{E4B4F7C4-5024-45F0-9FD7-C5068A1AE6C4}" type="pres">
+    <dgm:pt modelId="{62C30AF5-33B6-484A-A37B-AA19A2D050CB}">
+      <dgm:prSet/>
+      <dgm:spPr/>
+      <dgm:t>
+        <a:bodyPr/>
+        <a:lstStyle/>
+        <a:p>
+          <a:r>
+            <a:rPr lang="en-AU" dirty="0">
+              <a:latin typeface="+mj-lt"/>
+            </a:rPr>
+            <a:t>Tableau</a:t>
+          </a:r>
+        </a:p>
+      </dgm:t>
+    </dgm:pt>
+    <dgm:pt modelId="{F607B53C-0572-4301-9298-418F8AEE47D7}" type="parTrans" cxnId="{EB7067BA-3F1F-48A1-9E13-676354B9FE4C}">
+      <dgm:prSet/>
+      <dgm:spPr/>
+      <dgm:t>
+        <a:bodyPr/>
+        <a:lstStyle/>
+        <a:p>
+          <a:endParaRPr lang="en-AU"/>
+        </a:p>
+      </dgm:t>
+    </dgm:pt>
+    <dgm:pt modelId="{960504A4-C679-4E6E-9F2B-7FDDF83AFA05}" type="sibTrans" cxnId="{EB7067BA-3F1F-48A1-9E13-676354B9FE4C}">
+      <dgm:prSet/>
+      <dgm:spPr/>
+      <dgm:t>
+        <a:bodyPr/>
+        <a:lstStyle/>
+        <a:p>
+          <a:endParaRPr lang="en-AU"/>
+        </a:p>
+      </dgm:t>
+    </dgm:pt>
+    <dgm:pt modelId="{FE18D59A-5688-4AC4-85D4-A07BA3F74C06}" type="pres">
       <dgm:prSet presAssocID="{0DD8915E-DC14-41D6-9BB5-F49E1C265163}" presName="Name0" presStyleCnt="0">
         <dgm:presLayoutVars>
           <dgm:dir/>
@@ -1375,128 +3353,158 @@
       </dgm:prSet>
       <dgm:spPr/>
     </dgm:pt>
-    <dgm:pt modelId="{473E2436-1BC1-4A6C-8568-5C38418F52D1}" type="pres">
-      <dgm:prSet presAssocID="{73D947E0-108F-4D20-A71E-3CF329F97212}" presName="composite" presStyleCnt="0"/>
+    <dgm:pt modelId="{BBC6C7C7-DC20-459D-AA4B-F7379C4B6B56}" type="pres">
+      <dgm:prSet presAssocID="{73D947E0-108F-4D20-A71E-3CF329F97212}" presName="linNode" presStyleCnt="0"/>
       <dgm:spPr/>
     </dgm:pt>
-    <dgm:pt modelId="{BDBD7220-3F85-45D2-BED6-5BBFBC23EAE3}" type="pres">
-      <dgm:prSet presAssocID="{73D947E0-108F-4D20-A71E-3CF329F97212}" presName="parTx" presStyleLbl="alignNode1" presStyleIdx="0" presStyleCnt="4">
+    <dgm:pt modelId="{52652489-D28D-4A84-B9E6-7CC58444CD02}" type="pres">
+      <dgm:prSet presAssocID="{73D947E0-108F-4D20-A71E-3CF329F97212}" presName="parentText" presStyleLbl="node1" presStyleIdx="0" presStyleCnt="5">
         <dgm:presLayoutVars>
-          <dgm:chMax val="0"/>
-          <dgm:chPref val="0"/>
+          <dgm:chMax val="1"/>
+          <dgm:bulletEnabled val="1"/>
         </dgm:presLayoutVars>
       </dgm:prSet>
       <dgm:spPr/>
     </dgm:pt>
-    <dgm:pt modelId="{22359DD7-1BFB-4900-BAE6-6084F2F57988}" type="pres">
-      <dgm:prSet presAssocID="{73D947E0-108F-4D20-A71E-3CF329F97212}" presName="desTx" presStyleLbl="alignAccFollowNode1" presStyleIdx="0" presStyleCnt="4">
-        <dgm:presLayoutVars/>
-      </dgm:prSet>
-      <dgm:spPr/>
-    </dgm:pt>
-    <dgm:pt modelId="{38C65349-0C40-499F-9765-B6F38C2DC3C3}" type="pres">
-      <dgm:prSet presAssocID="{AE813459-65AB-4FA9-B717-330DDA6DFA4E}" presName="space" presStyleCnt="0"/>
-      <dgm:spPr/>
-    </dgm:pt>
-    <dgm:pt modelId="{C6650FDC-3601-45F5-9125-6E3F90A53F8A}" type="pres">
-      <dgm:prSet presAssocID="{B1AFA1AF-0FF8-45B3-A6D0-0E255A2F637D}" presName="composite" presStyleCnt="0"/>
-      <dgm:spPr/>
-    </dgm:pt>
-    <dgm:pt modelId="{C4F84DEA-2002-4D32-8E80-70EEE05E345A}" type="pres">
-      <dgm:prSet presAssocID="{B1AFA1AF-0FF8-45B3-A6D0-0E255A2F637D}" presName="parTx" presStyleLbl="alignNode1" presStyleIdx="1" presStyleCnt="4">
+    <dgm:pt modelId="{7062466F-2C24-42E9-B4F5-1B429B85EF2C}" type="pres">
+      <dgm:prSet presAssocID="{73D947E0-108F-4D20-A71E-3CF329F97212}" presName="descendantText" presStyleLbl="alignAccFollowNode1" presStyleIdx="0" presStyleCnt="4">
         <dgm:presLayoutVars>
-          <dgm:chMax val="0"/>
-          <dgm:chPref val="0"/>
+          <dgm:bulletEnabled val="1"/>
         </dgm:presLayoutVars>
       </dgm:prSet>
       <dgm:spPr/>
     </dgm:pt>
-    <dgm:pt modelId="{4FEB85EB-D046-4CDB-8A62-BBCE260C4490}" type="pres">
-      <dgm:prSet presAssocID="{B1AFA1AF-0FF8-45B3-A6D0-0E255A2F637D}" presName="desTx" presStyleLbl="alignAccFollowNode1" presStyleIdx="1" presStyleCnt="4">
-        <dgm:presLayoutVars/>
-      </dgm:prSet>
+    <dgm:pt modelId="{2AD00528-B706-4A25-AF38-3DF20A8FEB7B}" type="pres">
+      <dgm:prSet presAssocID="{AE813459-65AB-4FA9-B717-330DDA6DFA4E}" presName="sp" presStyleCnt="0"/>
       <dgm:spPr/>
     </dgm:pt>
-    <dgm:pt modelId="{40F59683-723F-44D1-8379-95635EED1AA8}" type="pres">
-      <dgm:prSet presAssocID="{88649F7A-400B-4056-965D-C9AC0B3AD942}" presName="space" presStyleCnt="0"/>
+    <dgm:pt modelId="{518DFCC7-04DF-4E03-9C16-ADEEC1B6F292}" type="pres">
+      <dgm:prSet presAssocID="{B1AFA1AF-0FF8-45B3-A6D0-0E255A2F637D}" presName="linNode" presStyleCnt="0"/>
       <dgm:spPr/>
     </dgm:pt>
-    <dgm:pt modelId="{BB2E4F65-C461-40C3-BC82-6A29AA851F44}" type="pres">
-      <dgm:prSet presAssocID="{E9682B4F-0217-4B50-923E-C104AA24290F}" presName="composite" presStyleCnt="0"/>
-      <dgm:spPr/>
-    </dgm:pt>
-    <dgm:pt modelId="{49B7F8FA-D256-41EF-9327-52A3551D9A60}" type="pres">
-      <dgm:prSet presAssocID="{E9682B4F-0217-4B50-923E-C104AA24290F}" presName="parTx" presStyleLbl="alignNode1" presStyleIdx="2" presStyleCnt="4">
+    <dgm:pt modelId="{72A10F81-6EE1-46B1-8F7C-20CEE094580B}" type="pres">
+      <dgm:prSet presAssocID="{B1AFA1AF-0FF8-45B3-A6D0-0E255A2F637D}" presName="parentText" presStyleLbl="node1" presStyleIdx="1" presStyleCnt="5">
         <dgm:presLayoutVars>
-          <dgm:chMax val="0"/>
-          <dgm:chPref val="0"/>
+          <dgm:chMax val="1"/>
+          <dgm:bulletEnabled val="1"/>
         </dgm:presLayoutVars>
       </dgm:prSet>
       <dgm:spPr/>
     </dgm:pt>
-    <dgm:pt modelId="{6B5FE59C-B471-448A-AA7A-B526DCC4D4CA}" type="pres">
-      <dgm:prSet presAssocID="{E9682B4F-0217-4B50-923E-C104AA24290F}" presName="desTx" presStyleLbl="alignAccFollowNode1" presStyleIdx="2" presStyleCnt="4">
-        <dgm:presLayoutVars/>
-      </dgm:prSet>
-      <dgm:spPr/>
-    </dgm:pt>
-    <dgm:pt modelId="{A91542D9-4FB3-4302-AD03-3D6EF82E6748}" type="pres">
-      <dgm:prSet presAssocID="{B8632E42-D7EB-4C31-877E-6F1B2801851A}" presName="space" presStyleCnt="0"/>
-      <dgm:spPr/>
-    </dgm:pt>
-    <dgm:pt modelId="{1A7C3045-2DAF-4A19-82DB-79436B2E4575}" type="pres">
-      <dgm:prSet presAssocID="{4F85505A-81B6-4FDA-A144-900B71DAD946}" presName="composite" presStyleCnt="0"/>
-      <dgm:spPr/>
-    </dgm:pt>
-    <dgm:pt modelId="{4132ECB1-6BEF-4935-AFA3-B2EAA48FDE7E}" type="pres">
-      <dgm:prSet presAssocID="{4F85505A-81B6-4FDA-A144-900B71DAD946}" presName="parTx" presStyleLbl="alignNode1" presStyleIdx="3" presStyleCnt="4">
+    <dgm:pt modelId="{8A072EB3-55F3-4B7C-92BA-8A27F1538227}" type="pres">
+      <dgm:prSet presAssocID="{B1AFA1AF-0FF8-45B3-A6D0-0E255A2F637D}" presName="descendantText" presStyleLbl="alignAccFollowNode1" presStyleIdx="1" presStyleCnt="4">
         <dgm:presLayoutVars>
-          <dgm:chMax val="0"/>
-          <dgm:chPref val="0"/>
+          <dgm:bulletEnabled val="1"/>
         </dgm:presLayoutVars>
       </dgm:prSet>
       <dgm:spPr/>
     </dgm:pt>
-    <dgm:pt modelId="{C42A8BDE-B838-475D-AFDE-17B60D744AB6}" type="pres">
-      <dgm:prSet presAssocID="{4F85505A-81B6-4FDA-A144-900B71DAD946}" presName="desTx" presStyleLbl="alignAccFollowNode1" presStyleIdx="3" presStyleCnt="4">
-        <dgm:presLayoutVars/>
+    <dgm:pt modelId="{B17C3EE3-5A65-4766-85E1-29090791442D}" type="pres">
+      <dgm:prSet presAssocID="{88649F7A-400B-4056-965D-C9AC0B3AD942}" presName="sp" presStyleCnt="0"/>
+      <dgm:spPr/>
+    </dgm:pt>
+    <dgm:pt modelId="{8612640D-5703-4FA7-B6D7-B1A640839EF3}" type="pres">
+      <dgm:prSet presAssocID="{E9682B4F-0217-4B50-923E-C104AA24290F}" presName="linNode" presStyleCnt="0"/>
+      <dgm:spPr/>
+    </dgm:pt>
+    <dgm:pt modelId="{C6EB736D-9DCA-4382-9BFB-CCD86E72966E}" type="pres">
+      <dgm:prSet presAssocID="{E9682B4F-0217-4B50-923E-C104AA24290F}" presName="parentText" presStyleLbl="node1" presStyleIdx="2" presStyleCnt="5">
+        <dgm:presLayoutVars>
+          <dgm:chMax val="1"/>
+          <dgm:bulletEnabled val="1"/>
+        </dgm:presLayoutVars>
+      </dgm:prSet>
+      <dgm:spPr/>
+    </dgm:pt>
+    <dgm:pt modelId="{3A15162A-64E2-4D80-A7CA-1F6C6B54A371}" type="pres">
+      <dgm:prSet presAssocID="{E9682B4F-0217-4B50-923E-C104AA24290F}" presName="descendantText" presStyleLbl="alignAccFollowNode1" presStyleIdx="2" presStyleCnt="4">
+        <dgm:presLayoutVars>
+          <dgm:bulletEnabled val="1"/>
+        </dgm:presLayoutVars>
+      </dgm:prSet>
+      <dgm:spPr/>
+    </dgm:pt>
+    <dgm:pt modelId="{1BF27432-613D-4D05-A74C-569F0CF1474F}" type="pres">
+      <dgm:prSet presAssocID="{B8632E42-D7EB-4C31-877E-6F1B2801851A}" presName="sp" presStyleCnt="0"/>
+      <dgm:spPr/>
+    </dgm:pt>
+    <dgm:pt modelId="{F7DFA6C1-7C7D-4618-9246-0933B6845BB0}" type="pres">
+      <dgm:prSet presAssocID="{4F85505A-81B6-4FDA-A144-900B71DAD946}" presName="linNode" presStyleCnt="0"/>
+      <dgm:spPr/>
+    </dgm:pt>
+    <dgm:pt modelId="{9ABEDA4B-0FF1-4D38-BFBF-99C18AC30826}" type="pres">
+      <dgm:prSet presAssocID="{4F85505A-81B6-4FDA-A144-900B71DAD946}" presName="parentText" presStyleLbl="node1" presStyleIdx="3" presStyleCnt="5">
+        <dgm:presLayoutVars>
+          <dgm:chMax val="1"/>
+          <dgm:bulletEnabled val="1"/>
+        </dgm:presLayoutVars>
+      </dgm:prSet>
+      <dgm:spPr/>
+    </dgm:pt>
+    <dgm:pt modelId="{1DFA00E1-1281-4819-A3C5-37091369183C}" type="pres">
+      <dgm:prSet presAssocID="{4F85505A-81B6-4FDA-A144-900B71DAD946}" presName="descendantText" presStyleLbl="alignAccFollowNode1" presStyleIdx="3" presStyleCnt="4" custLinFactNeighborX="0" custLinFactNeighborY="-2333">
+        <dgm:presLayoutVars>
+          <dgm:bulletEnabled val="1"/>
+        </dgm:presLayoutVars>
+      </dgm:prSet>
+      <dgm:spPr/>
+    </dgm:pt>
+    <dgm:pt modelId="{C059013B-FAEC-46F7-AA3E-2645EF8EEDEC}" type="pres">
+      <dgm:prSet presAssocID="{68F74A88-49DC-44B1-BC0D-220A7B97601C}" presName="sp" presStyleCnt="0"/>
+      <dgm:spPr/>
+    </dgm:pt>
+    <dgm:pt modelId="{8385EEC5-35CE-4BC9-B640-058489E2897B}" type="pres">
+      <dgm:prSet presAssocID="{62C30AF5-33B6-484A-A37B-AA19A2D050CB}" presName="linNode" presStyleCnt="0"/>
+      <dgm:spPr/>
+    </dgm:pt>
+    <dgm:pt modelId="{C8258498-968D-44FD-AC8C-16702DBC471E}" type="pres">
+      <dgm:prSet presAssocID="{62C30AF5-33B6-484A-A37B-AA19A2D050CB}" presName="parentText" presStyleLbl="node1" presStyleIdx="4" presStyleCnt="5">
+        <dgm:presLayoutVars>
+          <dgm:chMax val="1"/>
+          <dgm:bulletEnabled val="1"/>
+        </dgm:presLayoutVars>
       </dgm:prSet>
       <dgm:spPr/>
     </dgm:pt>
   </dgm:ptLst>
   <dgm:cxnLst>
     <dgm:cxn modelId="{F28D7702-2FC3-49BD-BB13-C989E5EE622A}" srcId="{0DD8915E-DC14-41D6-9BB5-F49E1C265163}" destId="{B1AFA1AF-0FF8-45B3-A6D0-0E255A2F637D}" srcOrd="1" destOrd="0" parTransId="{10C68AF5-481C-45AA-A216-8BBBB04515B9}" sibTransId="{88649F7A-400B-4056-965D-C9AC0B3AD942}"/>
-    <dgm:cxn modelId="{31826907-E438-4A1B-A800-F181C547104F}" type="presOf" srcId="{30A490C8-22B4-4D68-875C-0F0DE2FF864D}" destId="{22359DD7-1BFB-4900-BAE6-6084F2F57988}" srcOrd="0" destOrd="0" presId="urn:microsoft.com/office/officeart/2016/7/layout/HorizontalActionList"/>
     <dgm:cxn modelId="{A0077D09-C12C-46D0-8DF7-194B6911362A}" srcId="{0DD8915E-DC14-41D6-9BB5-F49E1C265163}" destId="{73D947E0-108F-4D20-A71E-3CF329F97212}" srcOrd="0" destOrd="0" parTransId="{9D249532-A24D-4D8F-848A-9F42F2E486C9}" sibTransId="{AE813459-65AB-4FA9-B717-330DDA6DFA4E}"/>
+    <dgm:cxn modelId="{E883200F-3CA0-4315-9C80-76465863D6B7}" type="presOf" srcId="{50418D2B-9486-42DE-AFDD-1D31420040FF}" destId="{8A072EB3-55F3-4B7C-92BA-8A27F1538227}" srcOrd="0" destOrd="0" presId="urn:microsoft.com/office/officeart/2005/8/layout/vList5"/>
+    <dgm:cxn modelId="{D369FC18-E413-45EB-8E89-0D44EF0F09D7}" type="presOf" srcId="{0EC0C300-11E4-45CF-8418-973585107209}" destId="{3A15162A-64E2-4D80-A7CA-1F6C6B54A371}" srcOrd="0" destOrd="0" presId="urn:microsoft.com/office/officeart/2005/8/layout/vList5"/>
     <dgm:cxn modelId="{5A5BA622-5DEB-48B9-88D9-C1DE36C711E5}" srcId="{B1AFA1AF-0FF8-45B3-A6D0-0E255A2F637D}" destId="{50418D2B-9486-42DE-AFDD-1D31420040FF}" srcOrd="0" destOrd="0" parTransId="{D5A17F6B-93F5-442B-938A-0F38C281BE88}" sibTransId="{1D87A0A5-8024-4710-846B-D5BFAC785107}"/>
-    <dgm:cxn modelId="{77A55366-077C-403B-A9E1-B9C6B5CA3288}" type="presOf" srcId="{73D947E0-108F-4D20-A71E-3CF329F97212}" destId="{BDBD7220-3F85-45D2-BED6-5BBFBC23EAE3}" srcOrd="0" destOrd="0" presId="urn:microsoft.com/office/officeart/2016/7/layout/HorizontalActionList"/>
+    <dgm:cxn modelId="{ADAFB224-2968-4D39-83B1-7CFE50B0E7FF}" type="presOf" srcId="{62C30AF5-33B6-484A-A37B-AA19A2D050CB}" destId="{C8258498-968D-44FD-AC8C-16702DBC471E}" srcOrd="0" destOrd="0" presId="urn:microsoft.com/office/officeart/2005/8/layout/vList5"/>
+    <dgm:cxn modelId="{0635D337-E8B3-4CAD-84A0-2B8B05A96A57}" type="presOf" srcId="{0DD8915E-DC14-41D6-9BB5-F49E1C265163}" destId="{FE18D59A-5688-4AC4-85D4-A07BA3F74C06}" srcOrd="0" destOrd="0" presId="urn:microsoft.com/office/officeart/2005/8/layout/vList5"/>
+    <dgm:cxn modelId="{AA9C3C65-3BFA-45DB-A28C-DCC188563E4E}" type="presOf" srcId="{4F85505A-81B6-4FDA-A144-900B71DAD946}" destId="{9ABEDA4B-0FF1-4D38-BFBF-99C18AC30826}" srcOrd="0" destOrd="0" presId="urn:microsoft.com/office/officeart/2005/8/layout/vList5"/>
     <dgm:cxn modelId="{F942F56C-9025-4AA1-9B36-C5AE0A93B0F5}" srcId="{4F85505A-81B6-4FDA-A144-900B71DAD946}" destId="{FEB4A941-E9FA-4A86-A673-85FF34B35F20}" srcOrd="0" destOrd="0" parTransId="{39522508-BC4E-4DD5-A744-AFEFFE36DB74}" sibTransId="{97624CC8-6315-4683-B26C-C30D552DA5A6}"/>
-    <dgm:cxn modelId="{B7F6ED6E-855A-4A7B-AE18-3BD04546002C}" type="presOf" srcId="{B1AFA1AF-0FF8-45B3-A6D0-0E255A2F637D}" destId="{C4F84DEA-2002-4D32-8E80-70EEE05E345A}" srcOrd="0" destOrd="0" presId="urn:microsoft.com/office/officeart/2016/7/layout/HorizontalActionList"/>
     <dgm:cxn modelId="{51563A4F-C0EB-47D6-B5BC-47A4E599AD4B}" srcId="{E9682B4F-0217-4B50-923E-C104AA24290F}" destId="{0EC0C300-11E4-45CF-8418-973585107209}" srcOrd="0" destOrd="0" parTransId="{1E4DD98E-100E-46B7-B24A-408BBF69E9FA}" sibTransId="{90FAB5D1-62B3-4FF6-A07D-EE607F529C32}"/>
-    <dgm:cxn modelId="{6291F24F-B536-4688-99BC-6A4CB5E15E15}" type="presOf" srcId="{4F85505A-81B6-4FDA-A144-900B71DAD946}" destId="{4132ECB1-6BEF-4935-AFA3-B2EAA48FDE7E}" srcOrd="0" destOrd="0" presId="urn:microsoft.com/office/officeart/2016/7/layout/HorizontalActionList"/>
     <dgm:cxn modelId="{2D633B56-E147-4EFC-B9EE-6C0413F329B0}" srcId="{0DD8915E-DC14-41D6-9BB5-F49E1C265163}" destId="{4F85505A-81B6-4FDA-A144-900B71DAD946}" srcOrd="3" destOrd="0" parTransId="{D9A96E25-7BBE-4DDD-8DDE-B4970D4340A8}" sibTransId="{68F74A88-49DC-44B1-BC0D-220A7B97601C}"/>
-    <dgm:cxn modelId="{110097B3-0B24-42EE-9C79-845C028B379B}" type="presOf" srcId="{E9682B4F-0217-4B50-923E-C104AA24290F}" destId="{49B7F8FA-D256-41EF-9327-52A3551D9A60}" srcOrd="0" destOrd="0" presId="urn:microsoft.com/office/officeart/2016/7/layout/HorizontalActionList"/>
+    <dgm:cxn modelId="{004F7E80-C87E-4197-98B4-2511657309E3}" type="presOf" srcId="{FEB4A941-E9FA-4A86-A673-85FF34B35F20}" destId="{1DFA00E1-1281-4819-A3C5-37091369183C}" srcOrd="0" destOrd="0" presId="urn:microsoft.com/office/officeart/2005/8/layout/vList5"/>
+    <dgm:cxn modelId="{39A85788-DE96-43AA-9628-8F908FEEFA21}" type="presOf" srcId="{B1AFA1AF-0FF8-45B3-A6D0-0E255A2F637D}" destId="{72A10F81-6EE1-46B1-8F7C-20CEE094580B}" srcOrd="0" destOrd="0" presId="urn:microsoft.com/office/officeart/2005/8/layout/vList5"/>
+    <dgm:cxn modelId="{E9DCED9F-8396-47C3-8090-788C8884DCD3}" type="presOf" srcId="{E9682B4F-0217-4B50-923E-C104AA24290F}" destId="{C6EB736D-9DCA-4382-9BFB-CCD86E72966E}" srcOrd="0" destOrd="0" presId="urn:microsoft.com/office/officeart/2005/8/layout/vList5"/>
+    <dgm:cxn modelId="{EB7067BA-3F1F-48A1-9E13-676354B9FE4C}" srcId="{0DD8915E-DC14-41D6-9BB5-F49E1C265163}" destId="{62C30AF5-33B6-484A-A37B-AA19A2D050CB}" srcOrd="4" destOrd="0" parTransId="{F607B53C-0572-4301-9298-418F8AEE47D7}" sibTransId="{960504A4-C679-4E6E-9F2B-7FDDF83AFA05}"/>
     <dgm:cxn modelId="{6C23D0C9-74B2-4C8B-AB2F-A03B3B0EBE56}" srcId="{0DD8915E-DC14-41D6-9BB5-F49E1C265163}" destId="{E9682B4F-0217-4B50-923E-C104AA24290F}" srcOrd="2" destOrd="0" parTransId="{E0F6C4AF-9BBB-4698-91D7-F9AE3EACBD5D}" sibTransId="{B8632E42-D7EB-4C31-877E-6F1B2801851A}"/>
     <dgm:cxn modelId="{381FE1CC-8184-4745-8EB3-6DE11655998D}" srcId="{73D947E0-108F-4D20-A71E-3CF329F97212}" destId="{30A490C8-22B4-4D68-875C-0F0DE2FF864D}" srcOrd="0" destOrd="0" parTransId="{035C64B0-4F0C-4FD1-BD23-B1D4C9887CBE}" sibTransId="{45495DA8-8707-41E3-A12B-FA5766269C44}"/>
-    <dgm:cxn modelId="{8CB96BD1-8B01-481A-B525-C5C507C9951C}" type="presOf" srcId="{0EC0C300-11E4-45CF-8418-973585107209}" destId="{6B5FE59C-B471-448A-AA7A-B526DCC4D4CA}" srcOrd="0" destOrd="0" presId="urn:microsoft.com/office/officeart/2016/7/layout/HorizontalActionList"/>
-    <dgm:cxn modelId="{36A4EED2-16DE-4F21-9B57-BD053CD7ED3D}" type="presOf" srcId="{FEB4A941-E9FA-4A86-A673-85FF34B35F20}" destId="{C42A8BDE-B838-475D-AFDE-17B60D744AB6}" srcOrd="0" destOrd="0" presId="urn:microsoft.com/office/officeart/2016/7/layout/HorizontalActionList"/>
-    <dgm:cxn modelId="{BF1349D4-34AE-476D-8D7B-F3ABAB74304F}" type="presOf" srcId="{50418D2B-9486-42DE-AFDD-1D31420040FF}" destId="{4FEB85EB-D046-4CDB-8A62-BBCE260C4490}" srcOrd="0" destOrd="0" presId="urn:microsoft.com/office/officeart/2016/7/layout/HorizontalActionList"/>
-    <dgm:cxn modelId="{825BC9D8-F515-4FBF-8CF8-23CD32968E1D}" type="presOf" srcId="{0DD8915E-DC14-41D6-9BB5-F49E1C265163}" destId="{E4B4F7C4-5024-45F0-9FD7-C5068A1AE6C4}" srcOrd="0" destOrd="0" presId="urn:microsoft.com/office/officeart/2016/7/layout/HorizontalActionList"/>
-    <dgm:cxn modelId="{E9D2B9D9-3B26-471C-AF45-E02D1C258CD3}" type="presParOf" srcId="{E4B4F7C4-5024-45F0-9FD7-C5068A1AE6C4}" destId="{473E2436-1BC1-4A6C-8568-5C38418F52D1}" srcOrd="0" destOrd="0" presId="urn:microsoft.com/office/officeart/2016/7/layout/HorizontalActionList"/>
-    <dgm:cxn modelId="{A151C920-5872-4C88-8534-922E9C800B9B}" type="presParOf" srcId="{473E2436-1BC1-4A6C-8568-5C38418F52D1}" destId="{BDBD7220-3F85-45D2-BED6-5BBFBC23EAE3}" srcOrd="0" destOrd="0" presId="urn:microsoft.com/office/officeart/2016/7/layout/HorizontalActionList"/>
-    <dgm:cxn modelId="{45373909-AB37-4D9A-936C-DC8447BC111D}" type="presParOf" srcId="{473E2436-1BC1-4A6C-8568-5C38418F52D1}" destId="{22359DD7-1BFB-4900-BAE6-6084F2F57988}" srcOrd="1" destOrd="0" presId="urn:microsoft.com/office/officeart/2016/7/layout/HorizontalActionList"/>
-    <dgm:cxn modelId="{CFC7E7C1-85BC-47FC-BC11-D0BACA8440B9}" type="presParOf" srcId="{E4B4F7C4-5024-45F0-9FD7-C5068A1AE6C4}" destId="{38C65349-0C40-499F-9765-B6F38C2DC3C3}" srcOrd="1" destOrd="0" presId="urn:microsoft.com/office/officeart/2016/7/layout/HorizontalActionList"/>
-    <dgm:cxn modelId="{86FF1107-69E9-4310-A0D8-2BF61292A72B}" type="presParOf" srcId="{E4B4F7C4-5024-45F0-9FD7-C5068A1AE6C4}" destId="{C6650FDC-3601-45F5-9125-6E3F90A53F8A}" srcOrd="2" destOrd="0" presId="urn:microsoft.com/office/officeart/2016/7/layout/HorizontalActionList"/>
-    <dgm:cxn modelId="{1C7F1C64-2F3D-4695-A56C-92B1B848B0C2}" type="presParOf" srcId="{C6650FDC-3601-45F5-9125-6E3F90A53F8A}" destId="{C4F84DEA-2002-4D32-8E80-70EEE05E345A}" srcOrd="0" destOrd="0" presId="urn:microsoft.com/office/officeart/2016/7/layout/HorizontalActionList"/>
-    <dgm:cxn modelId="{DC59A3FF-666D-48A7-B3BE-98A9F829402D}" type="presParOf" srcId="{C6650FDC-3601-45F5-9125-6E3F90A53F8A}" destId="{4FEB85EB-D046-4CDB-8A62-BBCE260C4490}" srcOrd="1" destOrd="0" presId="urn:microsoft.com/office/officeart/2016/7/layout/HorizontalActionList"/>
-    <dgm:cxn modelId="{AAE65B9C-F662-4FAA-8FDB-82E7FB86BB24}" type="presParOf" srcId="{E4B4F7C4-5024-45F0-9FD7-C5068A1AE6C4}" destId="{40F59683-723F-44D1-8379-95635EED1AA8}" srcOrd="3" destOrd="0" presId="urn:microsoft.com/office/officeart/2016/7/layout/HorizontalActionList"/>
-    <dgm:cxn modelId="{F5BE37E3-59D0-4D56-B08C-9B1D93695802}" type="presParOf" srcId="{E4B4F7C4-5024-45F0-9FD7-C5068A1AE6C4}" destId="{BB2E4F65-C461-40C3-BC82-6A29AA851F44}" srcOrd="4" destOrd="0" presId="urn:microsoft.com/office/officeart/2016/7/layout/HorizontalActionList"/>
-    <dgm:cxn modelId="{1FC3B8DB-8632-4AA8-99E5-4F0C12504130}" type="presParOf" srcId="{BB2E4F65-C461-40C3-BC82-6A29AA851F44}" destId="{49B7F8FA-D256-41EF-9327-52A3551D9A60}" srcOrd="0" destOrd="0" presId="urn:microsoft.com/office/officeart/2016/7/layout/HorizontalActionList"/>
-    <dgm:cxn modelId="{03A1CBF9-FFCE-4B8C-9850-8B297556CCF4}" type="presParOf" srcId="{BB2E4F65-C461-40C3-BC82-6A29AA851F44}" destId="{6B5FE59C-B471-448A-AA7A-B526DCC4D4CA}" srcOrd="1" destOrd="0" presId="urn:microsoft.com/office/officeart/2016/7/layout/HorizontalActionList"/>
-    <dgm:cxn modelId="{BAB9C1C4-8A05-4AE7-B42E-55875981524E}" type="presParOf" srcId="{E4B4F7C4-5024-45F0-9FD7-C5068A1AE6C4}" destId="{A91542D9-4FB3-4302-AD03-3D6EF82E6748}" srcOrd="5" destOrd="0" presId="urn:microsoft.com/office/officeart/2016/7/layout/HorizontalActionList"/>
-    <dgm:cxn modelId="{F7DEAAC8-FCAD-4F6B-92BD-91B8342F3277}" type="presParOf" srcId="{E4B4F7C4-5024-45F0-9FD7-C5068A1AE6C4}" destId="{1A7C3045-2DAF-4A19-82DB-79436B2E4575}" srcOrd="6" destOrd="0" presId="urn:microsoft.com/office/officeart/2016/7/layout/HorizontalActionList"/>
-    <dgm:cxn modelId="{13555CA3-20BE-41F8-BD09-0BA8CEE1C702}" type="presParOf" srcId="{1A7C3045-2DAF-4A19-82DB-79436B2E4575}" destId="{4132ECB1-6BEF-4935-AFA3-B2EAA48FDE7E}" srcOrd="0" destOrd="0" presId="urn:microsoft.com/office/officeart/2016/7/layout/HorizontalActionList"/>
-    <dgm:cxn modelId="{0848E8B2-6BD5-4CB6-B7E0-F8F1B1F78E2F}" type="presParOf" srcId="{1A7C3045-2DAF-4A19-82DB-79436B2E4575}" destId="{C42A8BDE-B838-475D-AFDE-17B60D744AB6}" srcOrd="1" destOrd="0" presId="urn:microsoft.com/office/officeart/2016/7/layout/HorizontalActionList"/>
+    <dgm:cxn modelId="{74C1BCD0-9E00-4C76-927F-9AE8154FAA07}" type="presOf" srcId="{73D947E0-108F-4D20-A71E-3CF329F97212}" destId="{52652489-D28D-4A84-B9E6-7CC58444CD02}" srcOrd="0" destOrd="0" presId="urn:microsoft.com/office/officeart/2005/8/layout/vList5"/>
+    <dgm:cxn modelId="{2EC739DF-072A-4A91-A2E6-F738529F59A5}" type="presOf" srcId="{30A490C8-22B4-4D68-875C-0F0DE2FF864D}" destId="{7062466F-2C24-42E9-B4F5-1B429B85EF2C}" srcOrd="0" destOrd="0" presId="urn:microsoft.com/office/officeart/2005/8/layout/vList5"/>
+    <dgm:cxn modelId="{21CBDFE4-1542-4951-8C68-CFD41EADF9B1}" type="presParOf" srcId="{FE18D59A-5688-4AC4-85D4-A07BA3F74C06}" destId="{BBC6C7C7-DC20-459D-AA4B-F7379C4B6B56}" srcOrd="0" destOrd="0" presId="urn:microsoft.com/office/officeart/2005/8/layout/vList5"/>
+    <dgm:cxn modelId="{56DEFE19-D796-480A-8355-479A654512DB}" type="presParOf" srcId="{BBC6C7C7-DC20-459D-AA4B-F7379C4B6B56}" destId="{52652489-D28D-4A84-B9E6-7CC58444CD02}" srcOrd="0" destOrd="0" presId="urn:microsoft.com/office/officeart/2005/8/layout/vList5"/>
+    <dgm:cxn modelId="{2B833D4F-8B6E-420C-9C97-B64668B31631}" type="presParOf" srcId="{BBC6C7C7-DC20-459D-AA4B-F7379C4B6B56}" destId="{7062466F-2C24-42E9-B4F5-1B429B85EF2C}" srcOrd="1" destOrd="0" presId="urn:microsoft.com/office/officeart/2005/8/layout/vList5"/>
+    <dgm:cxn modelId="{F5EEDB07-5242-4CD7-999D-53D0386BF55E}" type="presParOf" srcId="{FE18D59A-5688-4AC4-85D4-A07BA3F74C06}" destId="{2AD00528-B706-4A25-AF38-3DF20A8FEB7B}" srcOrd="1" destOrd="0" presId="urn:microsoft.com/office/officeart/2005/8/layout/vList5"/>
+    <dgm:cxn modelId="{260F4971-0BBD-4AC7-8063-711DC755E451}" type="presParOf" srcId="{FE18D59A-5688-4AC4-85D4-A07BA3F74C06}" destId="{518DFCC7-04DF-4E03-9C16-ADEEC1B6F292}" srcOrd="2" destOrd="0" presId="urn:microsoft.com/office/officeart/2005/8/layout/vList5"/>
+    <dgm:cxn modelId="{445A9368-004E-43BD-9153-33BD0127124F}" type="presParOf" srcId="{518DFCC7-04DF-4E03-9C16-ADEEC1B6F292}" destId="{72A10F81-6EE1-46B1-8F7C-20CEE094580B}" srcOrd="0" destOrd="0" presId="urn:microsoft.com/office/officeart/2005/8/layout/vList5"/>
+    <dgm:cxn modelId="{9D02AE08-A504-4AB9-9414-EDD949543D18}" type="presParOf" srcId="{518DFCC7-04DF-4E03-9C16-ADEEC1B6F292}" destId="{8A072EB3-55F3-4B7C-92BA-8A27F1538227}" srcOrd="1" destOrd="0" presId="urn:microsoft.com/office/officeart/2005/8/layout/vList5"/>
+    <dgm:cxn modelId="{0047A59A-033F-4E47-A2F2-1A528D3B4EFB}" type="presParOf" srcId="{FE18D59A-5688-4AC4-85D4-A07BA3F74C06}" destId="{B17C3EE3-5A65-4766-85E1-29090791442D}" srcOrd="3" destOrd="0" presId="urn:microsoft.com/office/officeart/2005/8/layout/vList5"/>
+    <dgm:cxn modelId="{4093D3A9-DB0A-4EB9-846A-ACAB879524C7}" type="presParOf" srcId="{FE18D59A-5688-4AC4-85D4-A07BA3F74C06}" destId="{8612640D-5703-4FA7-B6D7-B1A640839EF3}" srcOrd="4" destOrd="0" presId="urn:microsoft.com/office/officeart/2005/8/layout/vList5"/>
+    <dgm:cxn modelId="{4555FC71-726C-4AF6-9CED-63B452B40165}" type="presParOf" srcId="{8612640D-5703-4FA7-B6D7-B1A640839EF3}" destId="{C6EB736D-9DCA-4382-9BFB-CCD86E72966E}" srcOrd="0" destOrd="0" presId="urn:microsoft.com/office/officeart/2005/8/layout/vList5"/>
+    <dgm:cxn modelId="{14F49DE6-E62F-46B2-A1B4-933D6CCD551D}" type="presParOf" srcId="{8612640D-5703-4FA7-B6D7-B1A640839EF3}" destId="{3A15162A-64E2-4D80-A7CA-1F6C6B54A371}" srcOrd="1" destOrd="0" presId="urn:microsoft.com/office/officeart/2005/8/layout/vList5"/>
+    <dgm:cxn modelId="{BAA3947C-41A2-49B4-ADA6-0DA2D3CFDE24}" type="presParOf" srcId="{FE18D59A-5688-4AC4-85D4-A07BA3F74C06}" destId="{1BF27432-613D-4D05-A74C-569F0CF1474F}" srcOrd="5" destOrd="0" presId="urn:microsoft.com/office/officeart/2005/8/layout/vList5"/>
+    <dgm:cxn modelId="{A083F4A7-7E64-46BB-82CE-EA2388163550}" type="presParOf" srcId="{FE18D59A-5688-4AC4-85D4-A07BA3F74C06}" destId="{F7DFA6C1-7C7D-4618-9246-0933B6845BB0}" srcOrd="6" destOrd="0" presId="urn:microsoft.com/office/officeart/2005/8/layout/vList5"/>
+    <dgm:cxn modelId="{8C1585C9-7794-4DA9-A77C-19F6D8678863}" type="presParOf" srcId="{F7DFA6C1-7C7D-4618-9246-0933B6845BB0}" destId="{9ABEDA4B-0FF1-4D38-BFBF-99C18AC30826}" srcOrd="0" destOrd="0" presId="urn:microsoft.com/office/officeart/2005/8/layout/vList5"/>
+    <dgm:cxn modelId="{758ABA4A-A880-4FEE-AD3E-C1214C4917C9}" type="presParOf" srcId="{F7DFA6C1-7C7D-4618-9246-0933B6845BB0}" destId="{1DFA00E1-1281-4819-A3C5-37091369183C}" srcOrd="1" destOrd="0" presId="urn:microsoft.com/office/officeart/2005/8/layout/vList5"/>
+    <dgm:cxn modelId="{4277C4B8-3544-4AB5-82C6-273996483645}" type="presParOf" srcId="{FE18D59A-5688-4AC4-85D4-A07BA3F74C06}" destId="{C059013B-FAEC-46F7-AA3E-2645EF8EEDEC}" srcOrd="7" destOrd="0" presId="urn:microsoft.com/office/officeart/2005/8/layout/vList5"/>
+    <dgm:cxn modelId="{11BE1D62-C66C-4F46-8CEC-E537372D5706}" type="presParOf" srcId="{FE18D59A-5688-4AC4-85D4-A07BA3F74C06}" destId="{8385EEC5-35CE-4BC9-B640-058489E2897B}" srcOrd="8" destOrd="0" presId="urn:microsoft.com/office/officeart/2005/8/layout/vList5"/>
+    <dgm:cxn modelId="{A512A995-AE2E-4806-9456-2705EB9ACDF7}" type="presParOf" srcId="{8385EEC5-35CE-4BC9-B640-058489E2897B}" destId="{C8258498-968D-44FD-AC8C-16702DBC471E}" srcOrd="0" destOrd="0" presId="urn:microsoft.com/office/officeart/2005/8/layout/vList5"/>
   </dgm:cxnLst>
   <dgm:bg/>
   <dgm:whole/>
@@ -1516,21 +3524,22 @@
       <dsp:cNvGrpSpPr/>
     </dsp:nvGrpSpPr>
     <dsp:grpSpPr/>
-    <dsp:sp modelId="{BDBD7220-3F85-45D2-BED6-5BBFBC23EAE3}">
+    <dsp:sp modelId="{181CCAC0-8090-4F26-83F0-5202B9C5D0CE}">
       <dsp:nvSpPr>
         <dsp:cNvPr id="0" name=""/>
         <dsp:cNvSpPr/>
       </dsp:nvSpPr>
       <dsp:spPr>
         <a:xfrm>
-          <a:off x="7438" y="748982"/>
-          <a:ext cx="2544259" cy="763277"/>
+          <a:off x="0" y="456216"/>
+          <a:ext cx="10515600" cy="705600"/>
         </a:xfrm>
         <a:prstGeom prst="rect">
           <a:avLst/>
         </a:prstGeom>
         <a:solidFill>
-          <a:schemeClr val="accent1">
+          <a:schemeClr val="lt1">
+            <a:alpha val="90000"/>
             <a:hueOff val="0"/>
             <a:satOff val="0"/>
             <a:lumOff val="0"/>
@@ -1561,17 +3570,65 @@
         <a:effectRef idx="0">
           <a:scrgbClr r="0" g="0" b="0"/>
         </a:effectRef>
+        <a:fontRef idx="minor"/>
+      </dsp:style>
+    </dsp:sp>
+    <dsp:sp modelId="{15FAD8A0-93FE-4436-9495-FEEDCE91D388}">
+      <dsp:nvSpPr>
+        <dsp:cNvPr id="0" name=""/>
+        <dsp:cNvSpPr/>
+      </dsp:nvSpPr>
+      <dsp:spPr>
+        <a:xfrm>
+          <a:off x="525780" y="42936"/>
+          <a:ext cx="7360920" cy="826560"/>
+        </a:xfrm>
+        <a:prstGeom prst="roundRect">
+          <a:avLst/>
+        </a:prstGeom>
+        <a:solidFill>
+          <a:schemeClr val="accent1">
+            <a:hueOff val="0"/>
+            <a:satOff val="0"/>
+            <a:lumOff val="0"/>
+            <a:alphaOff val="0"/>
+          </a:schemeClr>
+        </a:solidFill>
+        <a:ln w="12700" cap="flat" cmpd="sng" algn="ctr">
+          <a:solidFill>
+            <a:schemeClr val="lt1">
+              <a:hueOff val="0"/>
+              <a:satOff val="0"/>
+              <a:lumOff val="0"/>
+              <a:alphaOff val="0"/>
+            </a:schemeClr>
+          </a:solidFill>
+          <a:prstDash val="solid"/>
+          <a:miter lim="800000"/>
+        </a:ln>
+        <a:effectLst/>
+      </dsp:spPr>
+      <dsp:style>
+        <a:lnRef idx="2">
+          <a:scrgbClr r="0" g="0" b="0"/>
+        </a:lnRef>
+        <a:fillRef idx="1">
+          <a:scrgbClr r="0" g="0" b="0"/>
+        </a:fillRef>
+        <a:effectRef idx="0">
+          <a:scrgbClr r="0" g="0" b="0"/>
+        </a:effectRef>
         <a:fontRef idx="minor">
           <a:schemeClr val="lt1"/>
         </a:fontRef>
       </dsp:style>
       <dsp:txBody>
-        <a:bodyPr spcFirstLastPara="0" vert="horz" wrap="square" lIns="201053" tIns="201053" rIns="201053" bIns="201053" numCol="1" spcCol="1270" anchor="ctr" anchorCtr="0">
+        <a:bodyPr spcFirstLastPara="0" vert="horz" wrap="square" lIns="278225" tIns="0" rIns="278225" bIns="0" numCol="1" spcCol="1270" anchor="ctr" anchorCtr="0">
           <a:noAutofit/>
         </a:bodyPr>
         <a:lstStyle/>
         <a:p>
-          <a:pPr marL="0" lvl="0" indent="0" algn="ctr" defTabSz="914400" rtl="0" eaLnBrk="1" latinLnBrk="0" hangingPunct="1">
+          <a:pPr marL="0" lvl="0" indent="0" algn="l" defTabSz="1244600">
             <a:lnSpc>
               <a:spcPct val="90000"/>
             </a:lnSpc>
@@ -1581,38 +3638,701 @@
             <a:spcAft>
               <a:spcPct val="35000"/>
             </a:spcAft>
-            <a:buFont typeface="Arial" panose="020B0604020202020204" pitchFamily="34" charset="0"/>
             <a:buNone/>
           </a:pPr>
           <a:r>
-            <a:rPr lang="en-US" sz="1600" kern="1200" spc="150" baseline="0" dirty="0">
-              <a:solidFill>
-                <a:schemeClr val="tx1"/>
-              </a:solidFill>
-              <a:latin typeface="+mj-lt"/>
-              <a:ea typeface="+mj-ea"/>
-              <a:cs typeface="+mj-cs"/>
-            </a:rPr>
-            <a:t>SQLite</a:t>
+            <a:rPr lang="en-US" sz="2800" kern="1200"/>
+            <a:t>Introduction</a:t>
           </a:r>
         </a:p>
       </dsp:txBody>
       <dsp:txXfrm>
-        <a:off x="7438" y="748982"/>
-        <a:ext cx="2544259" cy="763277"/>
+        <a:off x="566129" y="83285"/>
+        <a:ext cx="7280222" cy="745862"/>
       </dsp:txXfrm>
     </dsp:sp>
-    <dsp:sp modelId="{22359DD7-1BFB-4900-BAE6-6084F2F57988}">
+    <dsp:sp modelId="{A810CF89-9D4A-4003-97B8-DDF4A3507DA7}">
       <dsp:nvSpPr>
         <dsp:cNvPr id="0" name=""/>
         <dsp:cNvSpPr/>
       </dsp:nvSpPr>
       <dsp:spPr>
         <a:xfrm>
-          <a:off x="7438" y="1512260"/>
-          <a:ext cx="2544259" cy="1483669"/>
+          <a:off x="0" y="1726296"/>
+          <a:ext cx="10515600" cy="705600"/>
         </a:xfrm>
         <a:prstGeom prst="rect">
+          <a:avLst/>
+        </a:prstGeom>
+        <a:solidFill>
+          <a:schemeClr val="lt1">
+            <a:alpha val="90000"/>
+            <a:hueOff val="0"/>
+            <a:satOff val="0"/>
+            <a:lumOff val="0"/>
+            <a:alphaOff val="0"/>
+          </a:schemeClr>
+        </a:solidFill>
+        <a:ln w="12700" cap="flat" cmpd="sng" algn="ctr">
+          <a:solidFill>
+            <a:schemeClr val="accent1">
+              <a:hueOff val="0"/>
+              <a:satOff val="0"/>
+              <a:lumOff val="0"/>
+              <a:alphaOff val="0"/>
+            </a:schemeClr>
+          </a:solidFill>
+          <a:prstDash val="solid"/>
+          <a:miter lim="800000"/>
+        </a:ln>
+        <a:effectLst/>
+      </dsp:spPr>
+      <dsp:style>
+        <a:lnRef idx="2">
+          <a:scrgbClr r="0" g="0" b="0"/>
+        </a:lnRef>
+        <a:fillRef idx="1">
+          <a:scrgbClr r="0" g="0" b="0"/>
+        </a:fillRef>
+        <a:effectRef idx="0">
+          <a:scrgbClr r="0" g="0" b="0"/>
+        </a:effectRef>
+        <a:fontRef idx="minor"/>
+      </dsp:style>
+    </dsp:sp>
+    <dsp:sp modelId="{0841B380-F287-40ED-AAD6-DE721EC6781B}">
+      <dsp:nvSpPr>
+        <dsp:cNvPr id="0" name=""/>
+        <dsp:cNvSpPr/>
+      </dsp:nvSpPr>
+      <dsp:spPr>
+        <a:xfrm>
+          <a:off x="525780" y="1313016"/>
+          <a:ext cx="7360920" cy="826560"/>
+        </a:xfrm>
+        <a:prstGeom prst="roundRect">
+          <a:avLst/>
+        </a:prstGeom>
+        <a:solidFill>
+          <a:schemeClr val="accent1">
+            <a:hueOff val="0"/>
+            <a:satOff val="0"/>
+            <a:lumOff val="0"/>
+            <a:alphaOff val="0"/>
+          </a:schemeClr>
+        </a:solidFill>
+        <a:ln w="12700" cap="flat" cmpd="sng" algn="ctr">
+          <a:solidFill>
+            <a:schemeClr val="lt1">
+              <a:hueOff val="0"/>
+              <a:satOff val="0"/>
+              <a:lumOff val="0"/>
+              <a:alphaOff val="0"/>
+            </a:schemeClr>
+          </a:solidFill>
+          <a:prstDash val="solid"/>
+          <a:miter lim="800000"/>
+        </a:ln>
+        <a:effectLst/>
+      </dsp:spPr>
+      <dsp:style>
+        <a:lnRef idx="2">
+          <a:scrgbClr r="0" g="0" b="0"/>
+        </a:lnRef>
+        <a:fillRef idx="1">
+          <a:scrgbClr r="0" g="0" b="0"/>
+        </a:fillRef>
+        <a:effectRef idx="0">
+          <a:scrgbClr r="0" g="0" b="0"/>
+        </a:effectRef>
+        <a:fontRef idx="minor">
+          <a:schemeClr val="lt1"/>
+        </a:fontRef>
+      </dsp:style>
+      <dsp:txBody>
+        <a:bodyPr spcFirstLastPara="0" vert="horz" wrap="square" lIns="278225" tIns="0" rIns="278225" bIns="0" numCol="1" spcCol="1270" anchor="ctr" anchorCtr="0">
+          <a:noAutofit/>
+        </a:bodyPr>
+        <a:lstStyle/>
+        <a:p>
+          <a:pPr marL="0" lvl="0" indent="0" algn="l" defTabSz="1244600">
+            <a:lnSpc>
+              <a:spcPct val="90000"/>
+            </a:lnSpc>
+            <a:spcBef>
+              <a:spcPct val="0"/>
+            </a:spcBef>
+            <a:spcAft>
+              <a:spcPct val="35000"/>
+            </a:spcAft>
+            <a:buNone/>
+          </a:pPr>
+          <a:r>
+            <a:rPr lang="en-US" sz="2800" kern="1200"/>
+            <a:t>Project specifics</a:t>
+          </a:r>
+        </a:p>
+      </dsp:txBody>
+      <dsp:txXfrm>
+        <a:off x="566129" y="1353365"/>
+        <a:ext cx="7280222" cy="745862"/>
+      </dsp:txXfrm>
+    </dsp:sp>
+    <dsp:sp modelId="{450B6CAC-C299-4171-8EDD-2EF82D2634AB}">
+      <dsp:nvSpPr>
+        <dsp:cNvPr id="0" name=""/>
+        <dsp:cNvSpPr/>
+      </dsp:nvSpPr>
+      <dsp:spPr>
+        <a:xfrm>
+          <a:off x="0" y="2996376"/>
+          <a:ext cx="10515600" cy="705600"/>
+        </a:xfrm>
+        <a:prstGeom prst="rect">
+          <a:avLst/>
+        </a:prstGeom>
+        <a:solidFill>
+          <a:schemeClr val="lt1">
+            <a:alpha val="90000"/>
+            <a:hueOff val="0"/>
+            <a:satOff val="0"/>
+            <a:lumOff val="0"/>
+            <a:alphaOff val="0"/>
+          </a:schemeClr>
+        </a:solidFill>
+        <a:ln w="12700" cap="flat" cmpd="sng" algn="ctr">
+          <a:solidFill>
+            <a:schemeClr val="accent1">
+              <a:hueOff val="0"/>
+              <a:satOff val="0"/>
+              <a:lumOff val="0"/>
+              <a:alphaOff val="0"/>
+            </a:schemeClr>
+          </a:solidFill>
+          <a:prstDash val="solid"/>
+          <a:miter lim="800000"/>
+        </a:ln>
+        <a:effectLst/>
+      </dsp:spPr>
+      <dsp:style>
+        <a:lnRef idx="2">
+          <a:scrgbClr r="0" g="0" b="0"/>
+        </a:lnRef>
+        <a:fillRef idx="1">
+          <a:scrgbClr r="0" g="0" b="0"/>
+        </a:fillRef>
+        <a:effectRef idx="0">
+          <a:scrgbClr r="0" g="0" b="0"/>
+        </a:effectRef>
+        <a:fontRef idx="minor"/>
+      </dsp:style>
+    </dsp:sp>
+    <dsp:sp modelId="{4B2C9B02-7571-4B45-9A79-6C86788A949F}">
+      <dsp:nvSpPr>
+        <dsp:cNvPr id="0" name=""/>
+        <dsp:cNvSpPr/>
+      </dsp:nvSpPr>
+      <dsp:spPr>
+        <a:xfrm>
+          <a:off x="525780" y="2583096"/>
+          <a:ext cx="7360920" cy="826560"/>
+        </a:xfrm>
+        <a:prstGeom prst="roundRect">
+          <a:avLst/>
+        </a:prstGeom>
+        <a:solidFill>
+          <a:schemeClr val="accent1">
+            <a:hueOff val="0"/>
+            <a:satOff val="0"/>
+            <a:lumOff val="0"/>
+            <a:alphaOff val="0"/>
+          </a:schemeClr>
+        </a:solidFill>
+        <a:ln w="12700" cap="flat" cmpd="sng" algn="ctr">
+          <a:solidFill>
+            <a:schemeClr val="lt1">
+              <a:hueOff val="0"/>
+              <a:satOff val="0"/>
+              <a:lumOff val="0"/>
+              <a:alphaOff val="0"/>
+            </a:schemeClr>
+          </a:solidFill>
+          <a:prstDash val="solid"/>
+          <a:miter lim="800000"/>
+        </a:ln>
+        <a:effectLst/>
+      </dsp:spPr>
+      <dsp:style>
+        <a:lnRef idx="2">
+          <a:scrgbClr r="0" g="0" b="0"/>
+        </a:lnRef>
+        <a:fillRef idx="1">
+          <a:scrgbClr r="0" g="0" b="0"/>
+        </a:fillRef>
+        <a:effectRef idx="0">
+          <a:scrgbClr r="0" g="0" b="0"/>
+        </a:effectRef>
+        <a:fontRef idx="minor">
+          <a:schemeClr val="lt1"/>
+        </a:fontRef>
+      </dsp:style>
+      <dsp:txBody>
+        <a:bodyPr spcFirstLastPara="0" vert="horz" wrap="square" lIns="278225" tIns="0" rIns="278225" bIns="0" numCol="1" spcCol="1270" anchor="ctr" anchorCtr="0">
+          <a:noAutofit/>
+        </a:bodyPr>
+        <a:lstStyle/>
+        <a:p>
+          <a:pPr marL="0" lvl="0" indent="0" algn="l" defTabSz="1244600">
+            <a:lnSpc>
+              <a:spcPct val="90000"/>
+            </a:lnSpc>
+            <a:spcBef>
+              <a:spcPct val="0"/>
+            </a:spcBef>
+            <a:spcAft>
+              <a:spcPct val="35000"/>
+            </a:spcAft>
+            <a:buNone/>
+          </a:pPr>
+          <a:r>
+            <a:rPr lang="en-US" sz="2800" kern="1200"/>
+            <a:t>Conclusion</a:t>
+          </a:r>
+        </a:p>
+      </dsp:txBody>
+      <dsp:txXfrm>
+        <a:off x="566129" y="2623445"/>
+        <a:ext cx="7280222" cy="745862"/>
+      </dsp:txXfrm>
+    </dsp:sp>
+  </dsp:spTree>
+</dsp:drawing>
+</file>
+
+<file path=ppt/diagrams/drawing2.xml><?xml version="1.0" encoding="utf-8"?>
+<dsp:drawing xmlns:dgm="http://schemas.openxmlformats.org/drawingml/2006/diagram" xmlns:dsp="http://schemas.microsoft.com/office/drawing/2008/diagram" xmlns:a="http://schemas.openxmlformats.org/drawingml/2006/main">
+  <dsp:spTree>
+    <dsp:nvGrpSpPr>
+      <dsp:cNvPr id="0" name=""/>
+      <dsp:cNvGrpSpPr/>
+    </dsp:nvGrpSpPr>
+    <dsp:grpSpPr/>
+    <dsp:sp modelId="{7281AE45-DB1E-4B20-9FAB-690107C47B9A}">
+      <dsp:nvSpPr>
+        <dsp:cNvPr id="0" name=""/>
+        <dsp:cNvSpPr/>
+      </dsp:nvSpPr>
+      <dsp:spPr>
+        <a:xfrm>
+          <a:off x="0" y="777355"/>
+          <a:ext cx="2957512" cy="1878020"/>
+        </a:xfrm>
+        <a:prstGeom prst="roundRect">
+          <a:avLst>
+            <a:gd name="adj" fmla="val 10000"/>
+          </a:avLst>
+        </a:prstGeom>
+        <a:solidFill>
+          <a:schemeClr val="accent1">
+            <a:hueOff val="0"/>
+            <a:satOff val="0"/>
+            <a:lumOff val="0"/>
+            <a:alphaOff val="0"/>
+          </a:schemeClr>
+        </a:solidFill>
+        <a:ln w="12700" cap="flat" cmpd="sng" algn="ctr">
+          <a:solidFill>
+            <a:schemeClr val="lt1">
+              <a:hueOff val="0"/>
+              <a:satOff val="0"/>
+              <a:lumOff val="0"/>
+              <a:alphaOff val="0"/>
+            </a:schemeClr>
+          </a:solidFill>
+          <a:prstDash val="solid"/>
+          <a:miter lim="800000"/>
+        </a:ln>
+        <a:effectLst/>
+      </dsp:spPr>
+      <dsp:style>
+        <a:lnRef idx="2">
+          <a:scrgbClr r="0" g="0" b="0"/>
+        </a:lnRef>
+        <a:fillRef idx="1">
+          <a:scrgbClr r="0" g="0" b="0"/>
+        </a:fillRef>
+        <a:effectRef idx="0">
+          <a:scrgbClr r="0" g="0" b="0"/>
+        </a:effectRef>
+        <a:fontRef idx="minor">
+          <a:schemeClr val="lt1"/>
+        </a:fontRef>
+      </dsp:style>
+    </dsp:sp>
+    <dsp:sp modelId="{9E9CBE0F-9470-4BF4-80D2-7B5E1162E6B8}">
+      <dsp:nvSpPr>
+        <dsp:cNvPr id="0" name=""/>
+        <dsp:cNvSpPr/>
+      </dsp:nvSpPr>
+      <dsp:spPr>
+        <a:xfrm>
+          <a:off x="328612" y="1089537"/>
+          <a:ext cx="2957512" cy="1878020"/>
+        </a:xfrm>
+        <a:prstGeom prst="roundRect">
+          <a:avLst>
+            <a:gd name="adj" fmla="val 10000"/>
+          </a:avLst>
+        </a:prstGeom>
+        <a:solidFill>
+          <a:schemeClr val="lt1">
+            <a:alpha val="90000"/>
+            <a:hueOff val="0"/>
+            <a:satOff val="0"/>
+            <a:lumOff val="0"/>
+            <a:alphaOff val="0"/>
+          </a:schemeClr>
+        </a:solidFill>
+        <a:ln w="12700" cap="flat" cmpd="sng" algn="ctr">
+          <a:solidFill>
+            <a:schemeClr val="accent1">
+              <a:hueOff val="0"/>
+              <a:satOff val="0"/>
+              <a:lumOff val="0"/>
+              <a:alphaOff val="0"/>
+            </a:schemeClr>
+          </a:solidFill>
+          <a:prstDash val="solid"/>
+          <a:miter lim="800000"/>
+        </a:ln>
+        <a:effectLst/>
+      </dsp:spPr>
+      <dsp:style>
+        <a:lnRef idx="2">
+          <a:scrgbClr r="0" g="0" b="0"/>
+        </a:lnRef>
+        <a:fillRef idx="1">
+          <a:scrgbClr r="0" g="0" b="0"/>
+        </a:fillRef>
+        <a:effectRef idx="0">
+          <a:scrgbClr r="0" g="0" b="0"/>
+        </a:effectRef>
+        <a:fontRef idx="minor"/>
+      </dsp:style>
+      <dsp:txBody>
+        <a:bodyPr spcFirstLastPara="0" vert="horz" wrap="square" lIns="64770" tIns="64770" rIns="64770" bIns="64770" numCol="1" spcCol="1270" anchor="ctr" anchorCtr="0">
+          <a:noAutofit/>
+        </a:bodyPr>
+        <a:lstStyle/>
+        <a:p>
+          <a:pPr marL="0" lvl="0" indent="0" algn="ctr" defTabSz="755650">
+            <a:lnSpc>
+              <a:spcPct val="90000"/>
+            </a:lnSpc>
+            <a:spcBef>
+              <a:spcPct val="0"/>
+            </a:spcBef>
+            <a:spcAft>
+              <a:spcPct val="35000"/>
+            </a:spcAft>
+            <a:buNone/>
+          </a:pPr>
+          <a:r>
+            <a:rPr lang="en-US" sz="1700" kern="1200"/>
+            <a:t>Our project looks at the efficacy of a direct marketing campaign by a Portuguese bank</a:t>
+          </a:r>
+        </a:p>
+      </dsp:txBody>
+      <dsp:txXfrm>
+        <a:off x="383617" y="1144542"/>
+        <a:ext cx="2847502" cy="1768010"/>
+      </dsp:txXfrm>
+    </dsp:sp>
+    <dsp:sp modelId="{1F0C23C4-47E2-46FF-A27E-058007532EF9}">
+      <dsp:nvSpPr>
+        <dsp:cNvPr id="0" name=""/>
+        <dsp:cNvSpPr/>
+      </dsp:nvSpPr>
+      <dsp:spPr>
+        <a:xfrm>
+          <a:off x="3614737" y="777355"/>
+          <a:ext cx="2957512" cy="1878020"/>
+        </a:xfrm>
+        <a:prstGeom prst="roundRect">
+          <a:avLst>
+            <a:gd name="adj" fmla="val 10000"/>
+          </a:avLst>
+        </a:prstGeom>
+        <a:solidFill>
+          <a:schemeClr val="accent1">
+            <a:hueOff val="0"/>
+            <a:satOff val="0"/>
+            <a:lumOff val="0"/>
+            <a:alphaOff val="0"/>
+          </a:schemeClr>
+        </a:solidFill>
+        <a:ln w="12700" cap="flat" cmpd="sng" algn="ctr">
+          <a:solidFill>
+            <a:schemeClr val="lt1">
+              <a:hueOff val="0"/>
+              <a:satOff val="0"/>
+              <a:lumOff val="0"/>
+              <a:alphaOff val="0"/>
+            </a:schemeClr>
+          </a:solidFill>
+          <a:prstDash val="solid"/>
+          <a:miter lim="800000"/>
+        </a:ln>
+        <a:effectLst/>
+      </dsp:spPr>
+      <dsp:style>
+        <a:lnRef idx="2">
+          <a:scrgbClr r="0" g="0" b="0"/>
+        </a:lnRef>
+        <a:fillRef idx="1">
+          <a:scrgbClr r="0" g="0" b="0"/>
+        </a:fillRef>
+        <a:effectRef idx="0">
+          <a:scrgbClr r="0" g="0" b="0"/>
+        </a:effectRef>
+        <a:fontRef idx="minor">
+          <a:schemeClr val="lt1"/>
+        </a:fontRef>
+      </dsp:style>
+    </dsp:sp>
+    <dsp:sp modelId="{1C3827CE-5B61-428A-A610-4E609E67AB41}">
+      <dsp:nvSpPr>
+        <dsp:cNvPr id="0" name=""/>
+        <dsp:cNvSpPr/>
+      </dsp:nvSpPr>
+      <dsp:spPr>
+        <a:xfrm>
+          <a:off x="3943350" y="1089537"/>
+          <a:ext cx="2957512" cy="1878020"/>
+        </a:xfrm>
+        <a:prstGeom prst="roundRect">
+          <a:avLst>
+            <a:gd name="adj" fmla="val 10000"/>
+          </a:avLst>
+        </a:prstGeom>
+        <a:solidFill>
+          <a:schemeClr val="lt1">
+            <a:alpha val="90000"/>
+            <a:hueOff val="0"/>
+            <a:satOff val="0"/>
+            <a:lumOff val="0"/>
+            <a:alphaOff val="0"/>
+          </a:schemeClr>
+        </a:solidFill>
+        <a:ln w="12700" cap="flat" cmpd="sng" algn="ctr">
+          <a:solidFill>
+            <a:schemeClr val="accent1">
+              <a:hueOff val="0"/>
+              <a:satOff val="0"/>
+              <a:lumOff val="0"/>
+              <a:alphaOff val="0"/>
+            </a:schemeClr>
+          </a:solidFill>
+          <a:prstDash val="solid"/>
+          <a:miter lim="800000"/>
+        </a:ln>
+        <a:effectLst/>
+      </dsp:spPr>
+      <dsp:style>
+        <a:lnRef idx="2">
+          <a:scrgbClr r="0" g="0" b="0"/>
+        </a:lnRef>
+        <a:fillRef idx="1">
+          <a:scrgbClr r="0" g="0" b="0"/>
+        </a:fillRef>
+        <a:effectRef idx="0">
+          <a:scrgbClr r="0" g="0" b="0"/>
+        </a:effectRef>
+        <a:fontRef idx="minor"/>
+      </dsp:style>
+      <dsp:txBody>
+        <a:bodyPr spcFirstLastPara="0" vert="horz" wrap="square" lIns="64770" tIns="64770" rIns="64770" bIns="64770" numCol="1" spcCol="1270" anchor="ctr" anchorCtr="0">
+          <a:noAutofit/>
+        </a:bodyPr>
+        <a:lstStyle/>
+        <a:p>
+          <a:pPr marL="0" lvl="0" indent="0" algn="ctr" defTabSz="755650">
+            <a:lnSpc>
+              <a:spcPct val="90000"/>
+            </a:lnSpc>
+            <a:spcBef>
+              <a:spcPct val="0"/>
+            </a:spcBef>
+            <a:spcAft>
+              <a:spcPct val="35000"/>
+            </a:spcAft>
+            <a:buNone/>
+          </a:pPr>
+          <a:r>
+            <a:rPr lang="en-US" sz="1700" kern="1200"/>
+            <a:t>According to a report issued by Deloitte in 2019, the increase in the use of AI and machine learning in marketing increased by 27% from 2018 to the time of the report.</a:t>
+          </a:r>
+        </a:p>
+      </dsp:txBody>
+      <dsp:txXfrm>
+        <a:off x="3998355" y="1144542"/>
+        <a:ext cx="2847502" cy="1768010"/>
+      </dsp:txXfrm>
+    </dsp:sp>
+    <dsp:sp modelId="{75803658-B89B-4872-9A6B-F1633F0BE633}">
+      <dsp:nvSpPr>
+        <dsp:cNvPr id="0" name=""/>
+        <dsp:cNvSpPr/>
+      </dsp:nvSpPr>
+      <dsp:spPr>
+        <a:xfrm>
+          <a:off x="7229475" y="777355"/>
+          <a:ext cx="2957512" cy="1878020"/>
+        </a:xfrm>
+        <a:prstGeom prst="roundRect">
+          <a:avLst>
+            <a:gd name="adj" fmla="val 10000"/>
+          </a:avLst>
+        </a:prstGeom>
+        <a:solidFill>
+          <a:schemeClr val="accent1">
+            <a:hueOff val="0"/>
+            <a:satOff val="0"/>
+            <a:lumOff val="0"/>
+            <a:alphaOff val="0"/>
+          </a:schemeClr>
+        </a:solidFill>
+        <a:ln w="12700" cap="flat" cmpd="sng" algn="ctr">
+          <a:solidFill>
+            <a:schemeClr val="lt1">
+              <a:hueOff val="0"/>
+              <a:satOff val="0"/>
+              <a:lumOff val="0"/>
+              <a:alphaOff val="0"/>
+            </a:schemeClr>
+          </a:solidFill>
+          <a:prstDash val="solid"/>
+          <a:miter lim="800000"/>
+        </a:ln>
+        <a:effectLst/>
+      </dsp:spPr>
+      <dsp:style>
+        <a:lnRef idx="2">
+          <a:scrgbClr r="0" g="0" b="0"/>
+        </a:lnRef>
+        <a:fillRef idx="1">
+          <a:scrgbClr r="0" g="0" b="0"/>
+        </a:fillRef>
+        <a:effectRef idx="0">
+          <a:scrgbClr r="0" g="0" b="0"/>
+        </a:effectRef>
+        <a:fontRef idx="minor">
+          <a:schemeClr val="lt1"/>
+        </a:fontRef>
+      </dsp:style>
+    </dsp:sp>
+    <dsp:sp modelId="{7FFD7146-C772-47A7-8379-6EDF5F5D63D3}">
+      <dsp:nvSpPr>
+        <dsp:cNvPr id="0" name=""/>
+        <dsp:cNvSpPr/>
+      </dsp:nvSpPr>
+      <dsp:spPr>
+        <a:xfrm>
+          <a:off x="7558087" y="1089537"/>
+          <a:ext cx="2957512" cy="1878020"/>
+        </a:xfrm>
+        <a:prstGeom prst="roundRect">
+          <a:avLst>
+            <a:gd name="adj" fmla="val 10000"/>
+          </a:avLst>
+        </a:prstGeom>
+        <a:solidFill>
+          <a:schemeClr val="lt1">
+            <a:alpha val="90000"/>
+            <a:hueOff val="0"/>
+            <a:satOff val="0"/>
+            <a:lumOff val="0"/>
+            <a:alphaOff val="0"/>
+          </a:schemeClr>
+        </a:solidFill>
+        <a:ln w="12700" cap="flat" cmpd="sng" algn="ctr">
+          <a:solidFill>
+            <a:schemeClr val="accent1">
+              <a:hueOff val="0"/>
+              <a:satOff val="0"/>
+              <a:lumOff val="0"/>
+              <a:alphaOff val="0"/>
+            </a:schemeClr>
+          </a:solidFill>
+          <a:prstDash val="solid"/>
+          <a:miter lim="800000"/>
+        </a:ln>
+        <a:effectLst/>
+      </dsp:spPr>
+      <dsp:style>
+        <a:lnRef idx="2">
+          <a:scrgbClr r="0" g="0" b="0"/>
+        </a:lnRef>
+        <a:fillRef idx="1">
+          <a:scrgbClr r="0" g="0" b="0"/>
+        </a:fillRef>
+        <a:effectRef idx="0">
+          <a:scrgbClr r="0" g="0" b="0"/>
+        </a:effectRef>
+        <a:fontRef idx="minor"/>
+      </dsp:style>
+      <dsp:txBody>
+        <a:bodyPr spcFirstLastPara="0" vert="horz" wrap="square" lIns="64770" tIns="64770" rIns="64770" bIns="64770" numCol="1" spcCol="1270" anchor="ctr" anchorCtr="0">
+          <a:noAutofit/>
+        </a:bodyPr>
+        <a:lstStyle/>
+        <a:p>
+          <a:pPr marL="0" lvl="0" indent="0" algn="ctr" defTabSz="755650">
+            <a:lnSpc>
+              <a:spcPct val="90000"/>
+            </a:lnSpc>
+            <a:spcBef>
+              <a:spcPct val="0"/>
+            </a:spcBef>
+            <a:spcAft>
+              <a:spcPct val="35000"/>
+            </a:spcAft>
+            <a:buNone/>
+          </a:pPr>
+          <a:r>
+            <a:rPr lang="en-US" sz="1700" kern="1200"/>
+            <a:t>This is also predicted to increase steadily over the coming years</a:t>
+          </a:r>
+        </a:p>
+      </dsp:txBody>
+      <dsp:txXfrm>
+        <a:off x="7613092" y="1144542"/>
+        <a:ext cx="2847502" cy="1768010"/>
+      </dsp:txXfrm>
+    </dsp:sp>
+  </dsp:spTree>
+</dsp:drawing>
+</file>
+
+<file path=ppt/diagrams/drawing3.xml><?xml version="1.0" encoding="utf-8"?>
+<dsp:drawing xmlns:dgm="http://schemas.openxmlformats.org/drawingml/2006/diagram" xmlns:dsp="http://schemas.microsoft.com/office/drawing/2008/diagram" xmlns:a="http://schemas.openxmlformats.org/drawingml/2006/main">
+  <dsp:spTree>
+    <dsp:nvGrpSpPr>
+      <dsp:cNvPr id="0" name=""/>
+      <dsp:cNvGrpSpPr/>
+    </dsp:nvGrpSpPr>
+    <dsp:grpSpPr/>
+    <dsp:sp modelId="{7062466F-2C24-42E9-B4F5-1B429B85EF2C}">
+      <dsp:nvSpPr>
+        <dsp:cNvPr id="0" name=""/>
+        <dsp:cNvSpPr/>
+      </dsp:nvSpPr>
+      <dsp:spPr>
+        <a:xfrm rot="5400000">
+          <a:off x="6862790" y="-3003574"/>
+          <a:ext cx="575634" cy="6729984"/>
+        </a:xfrm>
+        <a:prstGeom prst="round2SameRect">
           <a:avLst/>
         </a:prstGeom>
         <a:solidFill>
@@ -1654,47 +4374,47 @@
         <a:fontRef idx="minor"/>
       </dsp:style>
       <dsp:txBody>
-        <a:bodyPr spcFirstLastPara="0" vert="horz" wrap="square" lIns="251316" tIns="251316" rIns="251316" bIns="251316" numCol="1" spcCol="1270" anchor="t" anchorCtr="0">
+        <a:bodyPr spcFirstLastPara="0" vert="horz" wrap="square" lIns="60960" tIns="30480" rIns="60960" bIns="30480" numCol="1" spcCol="1270" anchor="ctr" anchorCtr="0">
           <a:noAutofit/>
         </a:bodyPr>
         <a:lstStyle/>
         <a:p>
-          <a:pPr marL="0" lvl="0" indent="0" algn="ctr" defTabSz="622300">
+          <a:pPr marL="0" lvl="1" indent="-171450" algn="l" defTabSz="711200">
             <a:lnSpc>
-              <a:spcPct val="100000"/>
+              <a:spcPct val="90000"/>
             </a:lnSpc>
             <a:spcBef>
               <a:spcPct val="0"/>
             </a:spcBef>
             <a:spcAft>
-              <a:spcPct val="35000"/>
+              <a:spcPct val="15000"/>
             </a:spcAft>
             <a:buNone/>
           </a:pPr>
           <a:r>
-            <a:rPr lang="en-US" sz="1400" kern="1200" spc="50" baseline="0" dirty="0">
+            <a:rPr lang="en-US" sz="1600" kern="1200" spc="50" baseline="0" dirty="0">
               <a:latin typeface="+mn-lt"/>
             </a:rPr>
             <a:t>Used to house our data, as we have more familiarity with it</a:t>
           </a:r>
         </a:p>
       </dsp:txBody>
-      <dsp:txXfrm>
-        <a:off x="7438" y="1512260"/>
-        <a:ext cx="2544259" cy="1483669"/>
+      <dsp:txXfrm rot="-5400000">
+        <a:off x="3785615" y="101701"/>
+        <a:ext cx="6701884" cy="519434"/>
       </dsp:txXfrm>
     </dsp:sp>
-    <dsp:sp modelId="{C4F84DEA-2002-4D32-8E80-70EEE05E345A}">
+    <dsp:sp modelId="{52652489-D28D-4A84-B9E6-7CC58444CD02}">
       <dsp:nvSpPr>
         <dsp:cNvPr id="0" name=""/>
         <dsp:cNvSpPr/>
       </dsp:nvSpPr>
       <dsp:spPr>
         <a:xfrm>
-          <a:off x="2659592" y="748982"/>
-          <a:ext cx="2544259" cy="763277"/>
+          <a:off x="0" y="1645"/>
+          <a:ext cx="3785616" cy="719542"/>
         </a:xfrm>
-        <a:prstGeom prst="rect">
+        <a:prstGeom prst="roundRect">
           <a:avLst/>
         </a:prstGeom>
         <a:solidFill>
@@ -1707,7 +4427,7 @@
         </a:solidFill>
         <a:ln w="12700" cap="flat" cmpd="sng" algn="ctr">
           <a:solidFill>
-            <a:schemeClr val="accent1">
+            <a:schemeClr val="lt1">
               <a:hueOff val="0"/>
               <a:satOff val="0"/>
               <a:lumOff val="0"/>
@@ -1734,12 +4454,12 @@
         </a:fontRef>
       </dsp:style>
       <dsp:txBody>
-        <a:bodyPr spcFirstLastPara="0" vert="horz" wrap="square" lIns="201053" tIns="201053" rIns="201053" bIns="201053" numCol="1" spcCol="1270" anchor="ctr" anchorCtr="0">
+        <a:bodyPr spcFirstLastPara="0" vert="horz" wrap="square" lIns="140970" tIns="70485" rIns="140970" bIns="70485" numCol="1" spcCol="1270" anchor="ctr" anchorCtr="0">
           <a:noAutofit/>
         </a:bodyPr>
         <a:lstStyle/>
         <a:p>
-          <a:pPr marL="0" lvl="0" indent="0" algn="ctr" defTabSz="711200">
+          <a:pPr marL="0" lvl="0" indent="0" algn="ctr" defTabSz="914400" rtl="0" eaLnBrk="1" latinLnBrk="0" hangingPunct="1">
             <a:lnSpc>
               <a:spcPct val="90000"/>
             </a:lnSpc>
@@ -1749,37 +4469,35 @@
             <a:spcAft>
               <a:spcPct val="35000"/>
             </a:spcAft>
+            <a:buFont typeface="Arial" panose="020B0604020202020204" pitchFamily="34" charset="0"/>
             <a:buNone/>
           </a:pPr>
           <a:r>
-            <a:rPr lang="en-US" sz="1600" kern="1200" spc="150" baseline="0" dirty="0">
-              <a:solidFill>
-                <a:prstClr val="black"/>
-              </a:solidFill>
-              <a:latin typeface="Tenorite"/>
-              <a:ea typeface="+mn-ea"/>
-              <a:cs typeface="+mn-cs"/>
+            <a:rPr lang="en-US" sz="3700" kern="1200" spc="150" baseline="0">
+              <a:latin typeface="+mj-lt"/>
+              <a:ea typeface="+mj-ea"/>
+              <a:cs typeface="+mj-cs"/>
             </a:rPr>
-            <a:t>Scikit-Learn</a:t>
+            <a:t>SQLite</a:t>
           </a:r>
         </a:p>
       </dsp:txBody>
       <dsp:txXfrm>
-        <a:off x="2659592" y="748982"/>
-        <a:ext cx="2544259" cy="763277"/>
+        <a:off x="35125" y="36770"/>
+        <a:ext cx="3715366" cy="649292"/>
       </dsp:txXfrm>
     </dsp:sp>
-    <dsp:sp modelId="{4FEB85EB-D046-4CDB-8A62-BBCE260C4490}">
+    <dsp:sp modelId="{8A072EB3-55F3-4B7C-92BA-8A27F1538227}">
       <dsp:nvSpPr>
         <dsp:cNvPr id="0" name=""/>
         <dsp:cNvSpPr/>
       </dsp:nvSpPr>
       <dsp:spPr>
-        <a:xfrm>
-          <a:off x="2659592" y="1512260"/>
-          <a:ext cx="2544259" cy="1483669"/>
+        <a:xfrm rot="5400000">
+          <a:off x="6862790" y="-2248055"/>
+          <a:ext cx="575634" cy="6729984"/>
         </a:xfrm>
-        <a:prstGeom prst="rect">
+        <a:prstGeom prst="round2SameRect">
           <a:avLst/>
         </a:prstGeom>
         <a:solidFill>
@@ -1821,47 +4539,47 @@
         <a:fontRef idx="minor"/>
       </dsp:style>
       <dsp:txBody>
-        <a:bodyPr spcFirstLastPara="0" vert="horz" wrap="square" lIns="251316" tIns="251316" rIns="251316" bIns="251316" numCol="1" spcCol="1270" anchor="t" anchorCtr="0">
+        <a:bodyPr spcFirstLastPara="0" vert="horz" wrap="square" lIns="60960" tIns="30480" rIns="60960" bIns="30480" numCol="1" spcCol="1270" anchor="ctr" anchorCtr="0">
           <a:noAutofit/>
         </a:bodyPr>
         <a:lstStyle/>
         <a:p>
-          <a:pPr marL="0" lvl="0" indent="0" algn="ctr" defTabSz="622300">
+          <a:pPr marL="0" lvl="1" indent="-171450" algn="l" defTabSz="711200">
             <a:lnSpc>
-              <a:spcPct val="100000"/>
+              <a:spcPct val="90000"/>
             </a:lnSpc>
             <a:spcBef>
               <a:spcPct val="0"/>
             </a:spcBef>
             <a:spcAft>
-              <a:spcPct val="35000"/>
+              <a:spcPct val="15000"/>
             </a:spcAft>
             <a:buNone/>
           </a:pPr>
           <a:r>
-            <a:rPr lang="en-US" sz="1400" kern="1200" spc="50" baseline="0" dirty="0">
+            <a:rPr lang="en-US" sz="1600" kern="1200" spc="50" baseline="0" dirty="0">
               <a:latin typeface="+mn-lt"/>
             </a:rPr>
             <a:t>Used to split our data into a test and training set, as well as fitting and scaling our data</a:t>
           </a:r>
         </a:p>
       </dsp:txBody>
-      <dsp:txXfrm>
-        <a:off x="2659592" y="1512260"/>
-        <a:ext cx="2544259" cy="1483669"/>
+      <dsp:txXfrm rot="-5400000">
+        <a:off x="3785615" y="857220"/>
+        <a:ext cx="6701884" cy="519434"/>
       </dsp:txXfrm>
     </dsp:sp>
-    <dsp:sp modelId="{49B7F8FA-D256-41EF-9327-52A3551D9A60}">
+    <dsp:sp modelId="{72A10F81-6EE1-46B1-8F7C-20CEE094580B}">
       <dsp:nvSpPr>
         <dsp:cNvPr id="0" name=""/>
         <dsp:cNvSpPr/>
       </dsp:nvSpPr>
       <dsp:spPr>
         <a:xfrm>
-          <a:off x="5311747" y="748982"/>
-          <a:ext cx="2544259" cy="763277"/>
+          <a:off x="0" y="757165"/>
+          <a:ext cx="3785616" cy="719542"/>
         </a:xfrm>
-        <a:prstGeom prst="rect">
+        <a:prstGeom prst="roundRect">
           <a:avLst/>
         </a:prstGeom>
         <a:solidFill>
@@ -1874,7 +4592,7 @@
         </a:solidFill>
         <a:ln w="12700" cap="flat" cmpd="sng" algn="ctr">
           <a:solidFill>
-            <a:schemeClr val="accent1">
+            <a:schemeClr val="lt1">
               <a:hueOff val="0"/>
               <a:satOff val="0"/>
               <a:lumOff val="0"/>
@@ -1901,12 +4619,12 @@
         </a:fontRef>
       </dsp:style>
       <dsp:txBody>
-        <a:bodyPr spcFirstLastPara="0" vert="horz" wrap="square" lIns="201053" tIns="201053" rIns="201053" bIns="201053" numCol="1" spcCol="1270" anchor="ctr" anchorCtr="0">
+        <a:bodyPr spcFirstLastPara="0" vert="horz" wrap="square" lIns="140970" tIns="70485" rIns="140970" bIns="70485" numCol="1" spcCol="1270" anchor="ctr" anchorCtr="0">
           <a:noAutofit/>
         </a:bodyPr>
         <a:lstStyle/>
         <a:p>
-          <a:pPr marL="0" lvl="0" indent="0" algn="ctr" defTabSz="889000">
+          <a:pPr marL="0" lvl="0" indent="0" algn="ctr" defTabSz="1644650">
             <a:lnSpc>
               <a:spcPct val="90000"/>
             </a:lnSpc>
@@ -1919,34 +4637,31 @@
             <a:buNone/>
           </a:pPr>
           <a:r>
-            <a:rPr lang="en-US" sz="1600" kern="1200" spc="150" baseline="0" dirty="0">
-              <a:solidFill>
-                <a:prstClr val="black"/>
-              </a:solidFill>
+            <a:rPr lang="en-US" sz="3700" kern="1200" spc="150" baseline="0">
               <a:latin typeface="Tenorite"/>
               <a:ea typeface="+mn-ea"/>
               <a:cs typeface="+mn-cs"/>
             </a:rPr>
-            <a:t>Pandas</a:t>
+            <a:t>Scikit-Learn</a:t>
           </a:r>
         </a:p>
       </dsp:txBody>
       <dsp:txXfrm>
-        <a:off x="5311747" y="748982"/>
-        <a:ext cx="2544259" cy="763277"/>
+        <a:off x="35125" y="792290"/>
+        <a:ext cx="3715366" cy="649292"/>
       </dsp:txXfrm>
     </dsp:sp>
-    <dsp:sp modelId="{6B5FE59C-B471-448A-AA7A-B526DCC4D4CA}">
+    <dsp:sp modelId="{3A15162A-64E2-4D80-A7CA-1F6C6B54A371}">
       <dsp:nvSpPr>
         <dsp:cNvPr id="0" name=""/>
         <dsp:cNvSpPr/>
       </dsp:nvSpPr>
       <dsp:spPr>
-        <a:xfrm>
-          <a:off x="5311747" y="1512260"/>
-          <a:ext cx="2544259" cy="1483669"/>
+        <a:xfrm rot="5400000">
+          <a:off x="6862790" y="-1492535"/>
+          <a:ext cx="575634" cy="6729984"/>
         </a:xfrm>
-        <a:prstGeom prst="rect">
+        <a:prstGeom prst="round2SameRect">
           <a:avLst/>
         </a:prstGeom>
         <a:solidFill>
@@ -1988,14 +4703,14 @@
         <a:fontRef idx="minor"/>
       </dsp:style>
       <dsp:txBody>
-        <a:bodyPr spcFirstLastPara="0" vert="horz" wrap="square" lIns="251316" tIns="251316" rIns="251316" bIns="251316" numCol="1" spcCol="1270" anchor="t" anchorCtr="0">
+        <a:bodyPr spcFirstLastPara="0" vert="horz" wrap="square" lIns="60960" tIns="30480" rIns="60960" bIns="30480" numCol="1" spcCol="1270" anchor="ctr" anchorCtr="0">
           <a:noAutofit/>
         </a:bodyPr>
         <a:lstStyle/>
         <a:p>
-          <a:pPr marL="0" lvl="0" indent="0" algn="ctr" defTabSz="666750">
+          <a:pPr marL="0" lvl="0" indent="0" algn="l" defTabSz="666750">
             <a:lnSpc>
-              <a:spcPct val="100000"/>
+              <a:spcPct val="90000"/>
             </a:lnSpc>
             <a:spcBef>
               <a:spcPct val="0"/>
@@ -2006,15 +4721,7 @@
             <a:buNone/>
           </a:pPr>
           <a:r>
-            <a:rPr lang="en-US" sz="1400" kern="1200" spc="50" baseline="0" dirty="0">
-              <a:solidFill>
-                <a:prstClr val="black">
-                  <a:hueOff val="0"/>
-                  <a:satOff val="0"/>
-                  <a:lumOff val="0"/>
-                  <a:alphaOff val="0"/>
-                </a:prstClr>
-              </a:solidFill>
+            <a:rPr lang="en-US" sz="1600" kern="1200" spc="50" baseline="0" dirty="0">
               <a:latin typeface="Tenorite"/>
               <a:ea typeface="+mn-ea"/>
               <a:cs typeface="+mn-cs"/>
@@ -2023,22 +4730,22 @@
           </a:r>
         </a:p>
       </dsp:txBody>
-      <dsp:txXfrm>
-        <a:off x="5311747" y="1512260"/>
-        <a:ext cx="2544259" cy="1483669"/>
+      <dsp:txXfrm rot="-5400000">
+        <a:off x="3785615" y="1612740"/>
+        <a:ext cx="6701884" cy="519434"/>
       </dsp:txXfrm>
     </dsp:sp>
-    <dsp:sp modelId="{4132ECB1-6BEF-4935-AFA3-B2EAA48FDE7E}">
+    <dsp:sp modelId="{C6EB736D-9DCA-4382-9BFB-CCD86E72966E}">
       <dsp:nvSpPr>
         <dsp:cNvPr id="0" name=""/>
         <dsp:cNvSpPr/>
       </dsp:nvSpPr>
       <dsp:spPr>
         <a:xfrm>
-          <a:off x="7963901" y="748982"/>
-          <a:ext cx="2544259" cy="763277"/>
+          <a:off x="0" y="1512685"/>
+          <a:ext cx="3785616" cy="719542"/>
         </a:xfrm>
-        <a:prstGeom prst="rect">
+        <a:prstGeom prst="roundRect">
           <a:avLst/>
         </a:prstGeom>
         <a:solidFill>
@@ -2051,7 +4758,7 @@
         </a:solidFill>
         <a:ln w="12700" cap="flat" cmpd="sng" algn="ctr">
           <a:solidFill>
-            <a:schemeClr val="accent1">
+            <a:schemeClr val="lt1">
               <a:hueOff val="0"/>
               <a:satOff val="0"/>
               <a:lumOff val="0"/>
@@ -2078,12 +4785,12 @@
         </a:fontRef>
       </dsp:style>
       <dsp:txBody>
-        <a:bodyPr spcFirstLastPara="0" vert="horz" wrap="square" lIns="201053" tIns="201053" rIns="201053" bIns="201053" numCol="1" spcCol="1270" anchor="ctr" anchorCtr="0">
+        <a:bodyPr spcFirstLastPara="0" vert="horz" wrap="square" lIns="140970" tIns="70485" rIns="140970" bIns="70485" numCol="1" spcCol="1270" anchor="ctr" anchorCtr="0">
           <a:noAutofit/>
         </a:bodyPr>
         <a:lstStyle/>
         <a:p>
-          <a:pPr marL="0" lvl="0" indent="0" algn="ctr" defTabSz="711200">
+          <a:pPr marL="0" lvl="0" indent="0" algn="ctr" defTabSz="889000">
             <a:lnSpc>
               <a:spcPct val="90000"/>
             </a:lnSpc>
@@ -2096,42 +4803,31 @@
             <a:buNone/>
           </a:pPr>
           <a:r>
-            <a:rPr lang="en-US" sz="1600" kern="1200" spc="150" baseline="0" dirty="0" err="1">
-              <a:solidFill>
-                <a:prstClr val="black"/>
-              </a:solidFill>
+            <a:rPr lang="en-US" sz="3700" kern="1200" spc="150" baseline="0">
               <a:latin typeface="Tenorite"/>
               <a:ea typeface="+mn-ea"/>
               <a:cs typeface="+mn-cs"/>
             </a:rPr>
-            <a:t>Tensorflow</a:t>
+            <a:t>Pandas</a:t>
           </a:r>
-          <a:endParaRPr lang="en-US" sz="1600" kern="1200" spc="150" baseline="0" dirty="0">
-            <a:solidFill>
-              <a:prstClr val="black"/>
-            </a:solidFill>
-            <a:latin typeface="Tenorite"/>
-            <a:ea typeface="+mn-ea"/>
-            <a:cs typeface="+mn-cs"/>
-          </a:endParaRPr>
         </a:p>
       </dsp:txBody>
       <dsp:txXfrm>
-        <a:off x="7963901" y="748982"/>
-        <a:ext cx="2544259" cy="763277"/>
+        <a:off x="35125" y="1547810"/>
+        <a:ext cx="3715366" cy="649292"/>
       </dsp:txXfrm>
     </dsp:sp>
-    <dsp:sp modelId="{C42A8BDE-B838-475D-AFDE-17B60D744AB6}">
+    <dsp:sp modelId="{1DFA00E1-1281-4819-A3C5-37091369183C}">
       <dsp:nvSpPr>
         <dsp:cNvPr id="0" name=""/>
         <dsp:cNvSpPr/>
       </dsp:nvSpPr>
       <dsp:spPr>
-        <a:xfrm>
-          <a:off x="7963901" y="1512260"/>
-          <a:ext cx="2544259" cy="1483669"/>
+        <a:xfrm rot="5400000">
+          <a:off x="6862790" y="-750445"/>
+          <a:ext cx="575634" cy="6729984"/>
         </a:xfrm>
-        <a:prstGeom prst="rect">
+        <a:prstGeom prst="round2SameRect">
           <a:avLst/>
         </a:prstGeom>
         <a:solidFill>
@@ -2173,14 +4869,14 @@
         <a:fontRef idx="minor"/>
       </dsp:style>
       <dsp:txBody>
-        <a:bodyPr spcFirstLastPara="0" vert="horz" wrap="square" lIns="251316" tIns="251316" rIns="251316" bIns="251316" numCol="1" spcCol="1270" anchor="t" anchorCtr="0">
+        <a:bodyPr spcFirstLastPara="0" vert="horz" wrap="square" lIns="60960" tIns="30480" rIns="60960" bIns="30480" numCol="1" spcCol="1270" anchor="ctr" anchorCtr="0">
           <a:noAutofit/>
         </a:bodyPr>
         <a:lstStyle/>
         <a:p>
           <a:pPr marL="0" lvl="0" indent="0" algn="l" defTabSz="666750" rtl="0">
             <a:lnSpc>
-              <a:spcPct val="100000"/>
+              <a:spcPct val="90000"/>
             </a:lnSpc>
             <a:spcBef>
               <a:spcPct val="0"/>
@@ -2191,15 +4887,7 @@
             <a:buNone/>
           </a:pPr>
           <a:r>
-            <a:rPr lang="en-US" sz="1400" kern="1200" spc="50" baseline="0" dirty="0">
-              <a:solidFill>
-                <a:prstClr val="black">
-                  <a:hueOff val="0"/>
-                  <a:satOff val="0"/>
-                  <a:lumOff val="0"/>
-                  <a:alphaOff val="0"/>
-                </a:prstClr>
-              </a:solidFill>
+            <a:rPr lang="en-US" sz="1600" kern="1200" spc="50" baseline="0" dirty="0">
               <a:latin typeface="Tenorite"/>
               <a:ea typeface="+mn-ea"/>
               <a:cs typeface="+mn-cs"/>
@@ -2207,15 +4895,7 @@
             <a:t>Used </a:t>
           </a:r>
           <a:r>
-            <a:rPr lang="en-US" sz="1400" kern="1200" spc="50" baseline="0" dirty="0" err="1">
-              <a:solidFill>
-                <a:prstClr val="black">
-                  <a:hueOff val="0"/>
-                  <a:satOff val="0"/>
-                  <a:lumOff val="0"/>
-                  <a:alphaOff val="0"/>
-                </a:prstClr>
-              </a:solidFill>
+            <a:rPr lang="en-US" sz="1600" kern="1200" spc="50" baseline="0" dirty="0" err="1">
               <a:latin typeface="Tenorite"/>
               <a:ea typeface="+mn-ea"/>
               <a:cs typeface="+mn-cs"/>
@@ -2223,15 +4903,7 @@
             <a:t>Keras</a:t>
           </a:r>
           <a:r>
-            <a:rPr lang="en-US" sz="1400" kern="1200" spc="50" baseline="0" dirty="0">
-              <a:solidFill>
-                <a:prstClr val="black">
-                  <a:hueOff val="0"/>
-                  <a:satOff val="0"/>
-                  <a:lumOff val="0"/>
-                  <a:alphaOff val="0"/>
-                </a:prstClr>
-              </a:solidFill>
+            <a:rPr lang="en-US" sz="1600" kern="1200" spc="50" baseline="0" dirty="0">
               <a:latin typeface="Tenorite"/>
               <a:ea typeface="+mn-ea"/>
               <a:cs typeface="+mn-cs"/>
@@ -2240,9 +4912,176 @@
           </a:r>
         </a:p>
       </dsp:txBody>
+      <dsp:txXfrm rot="-5400000">
+        <a:off x="3785615" y="2354830"/>
+        <a:ext cx="6701884" cy="519434"/>
+      </dsp:txXfrm>
+    </dsp:sp>
+    <dsp:sp modelId="{9ABEDA4B-0FF1-4D38-BFBF-99C18AC30826}">
+      <dsp:nvSpPr>
+        <dsp:cNvPr id="0" name=""/>
+        <dsp:cNvSpPr/>
+      </dsp:nvSpPr>
+      <dsp:spPr>
+        <a:xfrm>
+          <a:off x="0" y="2268204"/>
+          <a:ext cx="3785616" cy="719542"/>
+        </a:xfrm>
+        <a:prstGeom prst="roundRect">
+          <a:avLst/>
+        </a:prstGeom>
+        <a:solidFill>
+          <a:schemeClr val="accent1">
+            <a:hueOff val="0"/>
+            <a:satOff val="0"/>
+            <a:lumOff val="0"/>
+            <a:alphaOff val="0"/>
+          </a:schemeClr>
+        </a:solidFill>
+        <a:ln w="12700" cap="flat" cmpd="sng" algn="ctr">
+          <a:solidFill>
+            <a:schemeClr val="lt1">
+              <a:hueOff val="0"/>
+              <a:satOff val="0"/>
+              <a:lumOff val="0"/>
+              <a:alphaOff val="0"/>
+            </a:schemeClr>
+          </a:solidFill>
+          <a:prstDash val="solid"/>
+          <a:miter lim="800000"/>
+        </a:ln>
+        <a:effectLst/>
+      </dsp:spPr>
+      <dsp:style>
+        <a:lnRef idx="2">
+          <a:scrgbClr r="0" g="0" b="0"/>
+        </a:lnRef>
+        <a:fillRef idx="1">
+          <a:scrgbClr r="0" g="0" b="0"/>
+        </a:fillRef>
+        <a:effectRef idx="0">
+          <a:scrgbClr r="0" g="0" b="0"/>
+        </a:effectRef>
+        <a:fontRef idx="minor">
+          <a:schemeClr val="lt1"/>
+        </a:fontRef>
+      </dsp:style>
+      <dsp:txBody>
+        <a:bodyPr spcFirstLastPara="0" vert="horz" wrap="square" lIns="140970" tIns="70485" rIns="140970" bIns="70485" numCol="1" spcCol="1270" anchor="ctr" anchorCtr="0">
+          <a:noAutofit/>
+        </a:bodyPr>
+        <a:lstStyle/>
+        <a:p>
+          <a:pPr marL="0" lvl="0" indent="0" algn="ctr" defTabSz="1644650">
+            <a:lnSpc>
+              <a:spcPct val="90000"/>
+            </a:lnSpc>
+            <a:spcBef>
+              <a:spcPct val="0"/>
+            </a:spcBef>
+            <a:spcAft>
+              <a:spcPct val="35000"/>
+            </a:spcAft>
+            <a:buNone/>
+          </a:pPr>
+          <a:r>
+            <a:rPr lang="en-US" sz="3700" kern="1200" spc="150" baseline="0" dirty="0" err="1">
+              <a:latin typeface="Tenorite"/>
+              <a:ea typeface="+mn-ea"/>
+              <a:cs typeface="+mn-cs"/>
+            </a:rPr>
+            <a:t>Tensorflow</a:t>
+          </a:r>
+          <a:endParaRPr lang="en-US" sz="3700" kern="1200" spc="150" baseline="0" dirty="0">
+            <a:latin typeface="Tenorite"/>
+            <a:ea typeface="+mn-ea"/>
+            <a:cs typeface="+mn-cs"/>
+          </a:endParaRPr>
+        </a:p>
+      </dsp:txBody>
       <dsp:txXfrm>
-        <a:off x="7963901" y="1512260"/>
-        <a:ext cx="2544259" cy="1483669"/>
+        <a:off x="35125" y="2303329"/>
+        <a:ext cx="3715366" cy="649292"/>
+      </dsp:txXfrm>
+    </dsp:sp>
+    <dsp:sp modelId="{C8258498-968D-44FD-AC8C-16702DBC471E}">
+      <dsp:nvSpPr>
+        <dsp:cNvPr id="0" name=""/>
+        <dsp:cNvSpPr/>
+      </dsp:nvSpPr>
+      <dsp:spPr>
+        <a:xfrm>
+          <a:off x="0" y="3023724"/>
+          <a:ext cx="3785616" cy="719542"/>
+        </a:xfrm>
+        <a:prstGeom prst="roundRect">
+          <a:avLst/>
+        </a:prstGeom>
+        <a:solidFill>
+          <a:schemeClr val="accent1">
+            <a:hueOff val="0"/>
+            <a:satOff val="0"/>
+            <a:lumOff val="0"/>
+            <a:alphaOff val="0"/>
+          </a:schemeClr>
+        </a:solidFill>
+        <a:ln w="12700" cap="flat" cmpd="sng" algn="ctr">
+          <a:solidFill>
+            <a:schemeClr val="lt1">
+              <a:hueOff val="0"/>
+              <a:satOff val="0"/>
+              <a:lumOff val="0"/>
+              <a:alphaOff val="0"/>
+            </a:schemeClr>
+          </a:solidFill>
+          <a:prstDash val="solid"/>
+          <a:miter lim="800000"/>
+        </a:ln>
+        <a:effectLst/>
+      </dsp:spPr>
+      <dsp:style>
+        <a:lnRef idx="2">
+          <a:scrgbClr r="0" g="0" b="0"/>
+        </a:lnRef>
+        <a:fillRef idx="1">
+          <a:scrgbClr r="0" g="0" b="0"/>
+        </a:fillRef>
+        <a:effectRef idx="0">
+          <a:scrgbClr r="0" g="0" b="0"/>
+        </a:effectRef>
+        <a:fontRef idx="minor">
+          <a:schemeClr val="lt1"/>
+        </a:fontRef>
+      </dsp:style>
+      <dsp:txBody>
+        <a:bodyPr spcFirstLastPara="0" vert="horz" wrap="square" lIns="140970" tIns="70485" rIns="140970" bIns="70485" numCol="1" spcCol="1270" anchor="ctr" anchorCtr="0">
+          <a:noAutofit/>
+        </a:bodyPr>
+        <a:lstStyle/>
+        <a:p>
+          <a:pPr marL="0" lvl="0" indent="0" algn="ctr" defTabSz="1644650">
+            <a:lnSpc>
+              <a:spcPct val="90000"/>
+            </a:lnSpc>
+            <a:spcBef>
+              <a:spcPct val="0"/>
+            </a:spcBef>
+            <a:spcAft>
+              <a:spcPct val="35000"/>
+            </a:spcAft>
+            <a:buNone/>
+          </a:pPr>
+          <a:r>
+            <a:rPr lang="en-AU" sz="3700" kern="1200" dirty="0">
+              <a:latin typeface="+mj-lt"/>
+            </a:rPr>
+            <a:t>Tableau</a:t>
+          </a:r>
+        </a:p>
+      </dsp:txBody>
+      <dsp:txXfrm>
+        <a:off x="35125" y="3058849"/>
+        <a:ext cx="3715366" cy="649292"/>
       </dsp:txXfrm>
     </dsp:sp>
   </dsp:spTree>
@@ -2250,15 +5089,31 @@
 </file>
 
 <file path=ppt/diagrams/layout1.xml><?xml version="1.0" encoding="utf-8"?>
-<dgm:layoutDef xmlns:dgm="http://schemas.openxmlformats.org/drawingml/2006/diagram" xmlns:a="http://schemas.openxmlformats.org/drawingml/2006/main" uniqueId="urn:microsoft.com/office/officeart/2016/7/layout/HorizontalActionList">
-  <dgm:title val="Horizontal Action List"/>
-  <dgm:desc val="Used to show non-sequential or grouped lists of information. Works well with large amounts of text. All text has the same level of emphasis, and direction is not implied."/>
+<dgm:layoutDef xmlns:dgm="http://schemas.openxmlformats.org/drawingml/2006/diagram" xmlns:a="http://schemas.openxmlformats.org/drawingml/2006/main" uniqueId="urn:microsoft.com/office/officeart/2005/8/layout/list1">
+  <dgm:title val=""/>
+  <dgm:desc val=""/>
   <dgm:catLst>
-    <dgm:cat type="list" pri="500"/>
+    <dgm:cat type="list" pri="4000"/>
   </dgm:catLst>
-  <dgm:sampData useDef="1">
+  <dgm:sampData>
     <dgm:dataModel>
-      <dgm:ptLst/>
+      <dgm:ptLst>
+        <dgm:pt modelId="0" type="doc"/>
+        <dgm:pt modelId="1">
+          <dgm:prSet phldr="1"/>
+        </dgm:pt>
+        <dgm:pt modelId="2">
+          <dgm:prSet phldr="1"/>
+        </dgm:pt>
+        <dgm:pt modelId="3">
+          <dgm:prSet phldr="1"/>
+        </dgm:pt>
+      </dgm:ptLst>
+      <dgm:cxnLst>
+        <dgm:cxn modelId="4" srcId="0" destId="1" srcOrd="0" destOrd="0"/>
+        <dgm:cxn modelId="5" srcId="0" destId="2" srcOrd="1" destOrd="0"/>
+        <dgm:cxn modelId="6" srcId="0" destId="3" srcOrd="2" destOrd="0"/>
+      </dgm:cxnLst>
       <dgm:bg/>
       <dgm:whole/>
     </dgm:dataModel>
@@ -2271,8 +5126,8 @@
         <dgm:pt modelId="2"/>
       </dgm:ptLst>
       <dgm:cxnLst>
-        <dgm:cxn modelId="3" srcId="0" destId="1" srcOrd="0" destOrd="0"/>
-        <dgm:cxn modelId="4" srcId="0" destId="2" srcOrd="1" destOrd="0"/>
+        <dgm:cxn modelId="4" srcId="0" destId="1" srcOrd="0" destOrd="0"/>
+        <dgm:cxn modelId="5" srcId="0" destId="2" srcOrd="1" destOrd="0"/>
       </dgm:cxnLst>
       <dgm:bg/>
       <dgm:whole/>
@@ -2297,18 +5152,267 @@
       <dgm:whole/>
     </dgm:dataModel>
   </dgm:clrData>
-  <dgm:layoutNode name="Name0">
+  <dgm:layoutNode name="linear">
     <dgm:varLst>
       <dgm:dir/>
       <dgm:animLvl val="lvl"/>
       <dgm:resizeHandles val="exact"/>
     </dgm:varLst>
-    <dgm:choose name="Name1">
-      <dgm:if name="Name2" func="var" arg="dir" op="equ" val="norm">
-        <dgm:alg type="lin"/>
+    <dgm:choose name="Name0">
+      <dgm:if name="Name1" func="var" arg="dir" op="equ" val="norm">
+        <dgm:alg type="lin">
+          <dgm:param type="linDir" val="fromT"/>
+          <dgm:param type="vertAlign" val="mid"/>
+          <dgm:param type="horzAlign" val="l"/>
+          <dgm:param type="nodeHorzAlign" val="l"/>
+        </dgm:alg>
       </dgm:if>
-      <dgm:else name="Name3">
+      <dgm:else name="Name2">
         <dgm:alg type="lin">
+          <dgm:param type="linDir" val="fromT"/>
+          <dgm:param type="vertAlign" val="mid"/>
+          <dgm:param type="horzAlign" val="r"/>
+          <dgm:param type="nodeHorzAlign" val="r"/>
+        </dgm:alg>
+      </dgm:else>
+    </dgm:choose>
+    <dgm:shape xmlns:r="http://schemas.openxmlformats.org/officeDocument/2006/relationships" r:blip="">
+      <dgm:adjLst/>
+    </dgm:shape>
+    <dgm:presOf/>
+    <dgm:constrLst>
+      <dgm:constr type="w" for="ch" forName="parentLin" refType="w"/>
+      <dgm:constr type="h" for="ch" forName="parentLin" val="INF"/>
+      <dgm:constr type="w" for="des" forName="parentLeftMargin" refType="w" fact="0.05"/>
+      <dgm:constr type="w" for="des" forName="parentText" refType="w" fact="0.7"/>
+      <dgm:constr type="h" for="des" forName="parentText" refType="primFontSz" refFor="des" refForName="parentText" fact="0.82"/>
+      <dgm:constr type="h" for="ch" forName="negativeSpace" refType="primFontSz" refFor="des" refForName="parentText" fact="-0.41"/>
+      <dgm:constr type="h" for="ch" forName="negativeSpace" refType="h" refFor="des" refForName="parentText" op="lte" fact="-0.82"/>
+      <dgm:constr type="h" for="ch" forName="negativeSpace" refType="h" refFor="des" refForName="parentText" op="gte" fact="-0.82"/>
+      <dgm:constr type="w" for="ch" forName="childText" refType="w"/>
+      <dgm:constr type="h" for="ch" forName="childText" refType="primFontSz" refFor="des" refForName="parentText" fact="0.7"/>
+      <dgm:constr type="primFontSz" for="des" forName="parentText" val="65"/>
+      <dgm:constr type="primFontSz" for="ch" forName="childText" refType="primFontSz" refFor="des" refForName="parentText"/>
+      <dgm:constr type="tMarg" for="ch" forName="childText" refType="primFontSz" refFor="des" refForName="parentText" fact="1.64"/>
+      <dgm:constr type="tMarg" for="ch" forName="childText" refType="h" refFor="des" refForName="parentText" op="lte" fact="3.28"/>
+      <dgm:constr type="tMarg" for="ch" forName="childText" refType="h" refFor="des" refForName="parentText" op="gte" fact="3.28"/>
+      <dgm:constr type="lMarg" for="ch" forName="childText" refType="w" fact="0.22"/>
+      <dgm:constr type="rMarg" for="ch" forName="childText" refType="lMarg" refFor="ch" refForName="childText"/>
+      <dgm:constr type="lMarg" for="des" forName="parentText" refType="w" fact="0.075"/>
+      <dgm:constr type="rMarg" for="des" forName="parentText" refType="lMarg" refFor="des" refForName="parentText"/>
+      <dgm:constr type="h" for="ch" forName="spaceBetweenRectangles" refType="primFontSz" refFor="des" refForName="parentText" fact="0.15"/>
+    </dgm:constrLst>
+    <dgm:ruleLst>
+      <dgm:rule type="primFontSz" for="des" forName="parentText" val="5" fact="NaN" max="NaN"/>
+    </dgm:ruleLst>
+    <dgm:forEach name="Name3" axis="ch" ptType="node">
+      <dgm:layoutNode name="parentLin">
+        <dgm:choose name="Name4">
+          <dgm:if name="Name5" func="var" arg="dir" op="equ" val="norm">
+            <dgm:alg type="lin">
+              <dgm:param type="linDir" val="fromL"/>
+              <dgm:param type="horzAlign" val="l"/>
+              <dgm:param type="nodeHorzAlign" val="l"/>
+            </dgm:alg>
+          </dgm:if>
+          <dgm:else name="Name6">
+            <dgm:alg type="lin">
+              <dgm:param type="linDir" val="fromR"/>
+              <dgm:param type="horzAlign" val="r"/>
+              <dgm:param type="nodeHorzAlign" val="r"/>
+            </dgm:alg>
+          </dgm:else>
+        </dgm:choose>
+        <dgm:shape xmlns:r="http://schemas.openxmlformats.org/officeDocument/2006/relationships" r:blip="">
+          <dgm:adjLst/>
+        </dgm:shape>
+        <dgm:presOf/>
+        <dgm:constrLst/>
+        <dgm:ruleLst/>
+        <dgm:layoutNode name="parentLeftMargin">
+          <dgm:alg type="sp"/>
+          <dgm:shape xmlns:r="http://schemas.openxmlformats.org/officeDocument/2006/relationships" type="rect" r:blip="" hideGeom="1">
+            <dgm:adjLst/>
+          </dgm:shape>
+          <dgm:presOf axis="self"/>
+          <dgm:constrLst>
+            <dgm:constr type="h"/>
+          </dgm:constrLst>
+          <dgm:ruleLst/>
+        </dgm:layoutNode>
+        <dgm:layoutNode name="parentText" styleLbl="node1">
+          <dgm:varLst>
+            <dgm:chMax val="0"/>
+            <dgm:bulletEnabled val="1"/>
+          </dgm:varLst>
+          <dgm:choose name="Name7">
+            <dgm:if name="Name8" func="var" arg="dir" op="equ" val="norm">
+              <dgm:alg type="tx">
+                <dgm:param type="parTxLTRAlign" val="l"/>
+                <dgm:param type="parTxRTLAlign" val="l"/>
+              </dgm:alg>
+            </dgm:if>
+            <dgm:else name="Name9">
+              <dgm:alg type="tx">
+                <dgm:param type="parTxLTRAlign" val="r"/>
+                <dgm:param type="parTxRTLAlign" val="r"/>
+              </dgm:alg>
+            </dgm:else>
+          </dgm:choose>
+          <dgm:shape xmlns:r="http://schemas.openxmlformats.org/officeDocument/2006/relationships" type="roundRect" r:blip="">
+            <dgm:adjLst/>
+          </dgm:shape>
+          <dgm:presOf axis="self" ptType="node"/>
+          <dgm:constrLst>
+            <dgm:constr type="tMarg"/>
+            <dgm:constr type="bMarg"/>
+          </dgm:constrLst>
+          <dgm:ruleLst/>
+        </dgm:layoutNode>
+      </dgm:layoutNode>
+      <dgm:layoutNode name="negativeSpace">
+        <dgm:alg type="sp"/>
+        <dgm:shape xmlns:r="http://schemas.openxmlformats.org/officeDocument/2006/relationships" r:blip="">
+          <dgm:adjLst/>
+        </dgm:shape>
+        <dgm:presOf/>
+        <dgm:constrLst/>
+        <dgm:ruleLst/>
+      </dgm:layoutNode>
+      <dgm:layoutNode name="childText" styleLbl="conFgAcc1">
+        <dgm:varLst>
+          <dgm:bulletEnabled val="1"/>
+        </dgm:varLst>
+        <dgm:alg type="tx">
+          <dgm:param type="stBulletLvl" val="1"/>
+        </dgm:alg>
+        <dgm:shape xmlns:r="http://schemas.openxmlformats.org/officeDocument/2006/relationships" type="rect" r:blip="" zOrderOff="-2">
+          <dgm:adjLst/>
+        </dgm:shape>
+        <dgm:presOf axis="des" ptType="node"/>
+        <dgm:constrLst>
+          <dgm:constr type="secFontSz" refType="primFontSz"/>
+        </dgm:constrLst>
+        <dgm:ruleLst>
+          <dgm:rule type="h" val="INF" fact="NaN" max="NaN"/>
+        </dgm:ruleLst>
+      </dgm:layoutNode>
+      <dgm:forEach name="Name10" axis="followSib" ptType="sibTrans" cnt="1">
+        <dgm:layoutNode name="spaceBetweenRectangles">
+          <dgm:alg type="sp"/>
+          <dgm:shape xmlns:r="http://schemas.openxmlformats.org/officeDocument/2006/relationships" r:blip="">
+            <dgm:adjLst/>
+          </dgm:shape>
+          <dgm:presOf/>
+          <dgm:constrLst/>
+          <dgm:ruleLst/>
+        </dgm:layoutNode>
+      </dgm:forEach>
+    </dgm:forEach>
+  </dgm:layoutNode>
+</dgm:layoutDef>
+</file>
+
+<file path=ppt/diagrams/layout2.xml><?xml version="1.0" encoding="utf-8"?>
+<dgm:layoutDef xmlns:dgm="http://schemas.openxmlformats.org/drawingml/2006/diagram" xmlns:a="http://schemas.openxmlformats.org/drawingml/2006/main" uniqueId="urn:microsoft.com/office/officeart/2005/8/layout/hierarchy1">
+  <dgm:title val=""/>
+  <dgm:desc val=""/>
+  <dgm:catLst>
+    <dgm:cat type="hierarchy" pri="2000"/>
+  </dgm:catLst>
+  <dgm:sampData>
+    <dgm:dataModel>
+      <dgm:ptLst>
+        <dgm:pt modelId="0" type="doc"/>
+        <dgm:pt modelId="1">
+          <dgm:prSet phldr="1"/>
+        </dgm:pt>
+        <dgm:pt modelId="2">
+          <dgm:prSet phldr="1"/>
+        </dgm:pt>
+        <dgm:pt modelId="21">
+          <dgm:prSet phldr="1"/>
+        </dgm:pt>
+        <dgm:pt modelId="22">
+          <dgm:prSet phldr="1"/>
+        </dgm:pt>
+        <dgm:pt modelId="3">
+          <dgm:prSet phldr="1"/>
+        </dgm:pt>
+        <dgm:pt modelId="31">
+          <dgm:prSet phldr="1"/>
+        </dgm:pt>
+      </dgm:ptLst>
+      <dgm:cxnLst>
+        <dgm:cxn modelId="4" srcId="0" destId="1" srcOrd="0" destOrd="0"/>
+        <dgm:cxn modelId="5" srcId="1" destId="2" srcOrd="0" destOrd="0"/>
+        <dgm:cxn modelId="6" srcId="1" destId="3" srcOrd="1" destOrd="0"/>
+        <dgm:cxn modelId="23" srcId="2" destId="21" srcOrd="0" destOrd="0"/>
+        <dgm:cxn modelId="24" srcId="2" destId="22" srcOrd="1" destOrd="0"/>
+        <dgm:cxn modelId="33" srcId="3" destId="31" srcOrd="0" destOrd="0"/>
+      </dgm:cxnLst>
+      <dgm:bg/>
+      <dgm:whole/>
+    </dgm:dataModel>
+  </dgm:sampData>
+  <dgm:styleData>
+    <dgm:dataModel>
+      <dgm:ptLst>
+        <dgm:pt modelId="0" type="doc"/>
+        <dgm:pt modelId="1"/>
+        <dgm:pt modelId="11"/>
+        <dgm:pt modelId="12"/>
+      </dgm:ptLst>
+      <dgm:cxnLst>
+        <dgm:cxn modelId="2" srcId="0" destId="1" srcOrd="0" destOrd="0"/>
+        <dgm:cxn modelId="13" srcId="1" destId="11" srcOrd="0" destOrd="0"/>
+        <dgm:cxn modelId="14" srcId="1" destId="12" srcOrd="1" destOrd="0"/>
+      </dgm:cxnLst>
+      <dgm:bg/>
+      <dgm:whole/>
+    </dgm:dataModel>
+  </dgm:styleData>
+  <dgm:clrData>
+    <dgm:dataModel>
+      <dgm:ptLst>
+        <dgm:pt modelId="0" type="doc"/>
+        <dgm:pt modelId="1"/>
+        <dgm:pt modelId="2"/>
+        <dgm:pt modelId="21"/>
+        <dgm:pt modelId="211"/>
+        <dgm:pt modelId="3"/>
+        <dgm:pt modelId="31"/>
+        <dgm:pt modelId="311"/>
+      </dgm:ptLst>
+      <dgm:cxnLst>
+        <dgm:cxn modelId="4" srcId="0" destId="1" srcOrd="0" destOrd="0"/>
+        <dgm:cxn modelId="5" srcId="1" destId="2" srcOrd="0" destOrd="0"/>
+        <dgm:cxn modelId="6" srcId="1" destId="3" srcOrd="1" destOrd="0"/>
+        <dgm:cxn modelId="23" srcId="2" destId="21" srcOrd="0" destOrd="0"/>
+        <dgm:cxn modelId="24" srcId="21" destId="211" srcOrd="0" destOrd="0"/>
+        <dgm:cxn modelId="33" srcId="3" destId="31" srcOrd="0" destOrd="0"/>
+        <dgm:cxn modelId="34" srcId="31" destId="311" srcOrd="0" destOrd="0"/>
+      </dgm:cxnLst>
+      <dgm:bg/>
+      <dgm:whole/>
+    </dgm:dataModel>
+  </dgm:clrData>
+  <dgm:layoutNode name="hierChild1">
+    <dgm:varLst>
+      <dgm:chPref val="1"/>
+      <dgm:dir/>
+      <dgm:animOne val="branch"/>
+      <dgm:animLvl val="lvl"/>
+      <dgm:resizeHandles/>
+    </dgm:varLst>
+    <dgm:choose name="Name0">
+      <dgm:if name="Name1" func="var" arg="dir" op="equ" val="norm">
+        <dgm:alg type="hierChild">
+          <dgm:param type="linDir" val="fromL"/>
+        </dgm:alg>
+      </dgm:if>
+      <dgm:else name="Name2">
+        <dgm:alg type="hierChild">
           <dgm:param type="linDir" val="fromR"/>
         </dgm:alg>
       </dgm:else>
@@ -2318,90 +5422,679 @@
     </dgm:shape>
     <dgm:presOf/>
     <dgm:constrLst>
-      <dgm:constr type="h" for="ch" forName="composite" refType="h" fact="0.6"/>
-      <dgm:constr type="h" for="des" forName="composite" op="equ"/>
-      <dgm:constr type="w" for="ch" forName="composite" refType="w"/>
-      <dgm:constr type="w" for="des" forName="parTx"/>
-      <dgm:constr type="h" for="des" forName="parTx" op="equ"/>
-      <dgm:constr type="w" for="des" forName="desTx"/>
-      <dgm:constr type="primFontSz" for="des" forName="parTx" val="54"/>
-      <dgm:constr type="primFontSz" for="des" forName="desTx" refType="primFontSz" refFor="des" refForName="parTx" op="lte" fact="0.75"/>
-      <dgm:constr type="h" for="des" forName="desTx" op="equ"/>
-      <dgm:constr type="w" for="ch" forName="space" op="equ" val="3"/>
+      <dgm:constr type="primFontSz" for="des" ptType="node" op="equ" val="65"/>
+      <dgm:constr type="w" for="des" forName="composite" refType="w"/>
+      <dgm:constr type="h" for="des" forName="composite" refType="w" refFor="des" refForName="composite" fact="0.667"/>
+      <dgm:constr type="w" for="des" forName="composite2" refType="w" refFor="des" refForName="composite"/>
+      <dgm:constr type="h" for="des" forName="composite2" refType="h" refFor="des" refForName="composite"/>
+      <dgm:constr type="w" for="des" forName="composite3" refType="w" refFor="des" refForName="composite"/>
+      <dgm:constr type="h" for="des" forName="composite3" refType="h" refFor="des" refForName="composite"/>
+      <dgm:constr type="w" for="des" forName="composite4" refType="w" refFor="des" refForName="composite"/>
+      <dgm:constr type="h" for="des" forName="composite4" refType="h" refFor="des" refForName="composite"/>
+      <dgm:constr type="w" for="des" forName="composite5" refType="w" refFor="des" refForName="composite"/>
+      <dgm:constr type="h" for="des" forName="composite5" refType="h" refFor="des" refForName="composite"/>
+      <dgm:constr type="sibSp" refType="w" refFor="des" refForName="composite" fact="0.1"/>
+      <dgm:constr type="sibSp" for="des" forName="hierChild2" refType="sibSp"/>
+      <dgm:constr type="sibSp" for="des" forName="hierChild3" refType="sibSp"/>
+      <dgm:constr type="sibSp" for="des" forName="hierChild4" refType="sibSp"/>
+      <dgm:constr type="sibSp" for="des" forName="hierChild5" refType="sibSp"/>
+      <dgm:constr type="sibSp" for="des" forName="hierChild6" refType="sibSp"/>
+      <dgm:constr type="sp" for="des" forName="hierRoot1" refType="h" refFor="des" refForName="composite" fact="0.25"/>
+      <dgm:constr type="sp" for="des" forName="hierRoot2" refType="sp" refFor="des" refForName="hierRoot1"/>
+      <dgm:constr type="sp" for="des" forName="hierRoot3" refType="sp" refFor="des" refForName="hierRoot1"/>
+      <dgm:constr type="sp" for="des" forName="hierRoot4" refType="sp" refFor="des" refForName="hierRoot1"/>
+      <dgm:constr type="sp" for="des" forName="hierRoot5" refType="sp" refFor="des" refForName="hierRoot1"/>
     </dgm:constrLst>
-    <dgm:ruleLst>
-      <dgm:rule type="w" for="ch" forName="composite" val="0" fact="NaN" max="NaN"/>
-    </dgm:ruleLst>
-    <dgm:forEach name="Name6" axis="ch" ptType="node">
-      <dgm:layoutNode name="composite">
-        <dgm:alg type="composite"/>
+    <dgm:ruleLst/>
+    <dgm:forEach name="Name3" axis="ch">
+      <dgm:forEach name="Name4" axis="self" ptType="node">
+        <dgm:layoutNode name="hierRoot1">
+          <dgm:alg type="hierRoot"/>
+          <dgm:shape xmlns:r="http://schemas.openxmlformats.org/officeDocument/2006/relationships" r:blip="">
+            <dgm:adjLst/>
+          </dgm:shape>
+          <dgm:presOf/>
+          <dgm:constrLst>
+            <dgm:constr type="bendDist" for="des" ptType="parTrans" refType="sp" fact="0.5"/>
+          </dgm:constrLst>
+          <dgm:ruleLst/>
+          <dgm:layoutNode name="composite">
+            <dgm:alg type="composite"/>
+            <dgm:shape xmlns:r="http://schemas.openxmlformats.org/officeDocument/2006/relationships" r:blip="">
+              <dgm:adjLst/>
+            </dgm:shape>
+            <dgm:presOf/>
+            <dgm:constrLst>
+              <dgm:constr type="w" for="ch" forName="background" refType="w" fact="0.9"/>
+              <dgm:constr type="h" for="ch" forName="background" refType="w" refFor="ch" refForName="background" fact="0.635"/>
+              <dgm:constr type="t" for="ch" forName="background"/>
+              <dgm:constr type="l" for="ch" forName="background"/>
+              <dgm:constr type="w" for="ch" forName="text" refType="w" fact="0.9"/>
+              <dgm:constr type="h" for="ch" forName="text" refType="w" refFor="ch" refForName="text" fact="0.635"/>
+              <dgm:constr type="t" for="ch" forName="text" refType="w" fact="0.095"/>
+              <dgm:constr type="l" for="ch" forName="text" refType="w" fact="0.1"/>
+            </dgm:constrLst>
+            <dgm:ruleLst/>
+            <dgm:layoutNode name="background" styleLbl="node0" moveWith="text">
+              <dgm:alg type="sp"/>
+              <dgm:shape xmlns:r="http://schemas.openxmlformats.org/officeDocument/2006/relationships" type="roundRect" r:blip="">
+                <dgm:adjLst>
+                  <dgm:adj idx="1" val="0.1"/>
+                </dgm:adjLst>
+              </dgm:shape>
+              <dgm:presOf/>
+              <dgm:constrLst/>
+              <dgm:ruleLst/>
+            </dgm:layoutNode>
+            <dgm:layoutNode name="text" styleLbl="fgAcc0">
+              <dgm:varLst>
+                <dgm:chPref val="3"/>
+              </dgm:varLst>
+              <dgm:alg type="tx"/>
+              <dgm:shape xmlns:r="http://schemas.openxmlformats.org/officeDocument/2006/relationships" type="roundRect" r:blip="">
+                <dgm:adjLst>
+                  <dgm:adj idx="1" val="0.1"/>
+                </dgm:adjLst>
+              </dgm:shape>
+              <dgm:presOf axis="self"/>
+              <dgm:constrLst>
+                <dgm:constr type="tMarg" refType="primFontSz" fact="0.3"/>
+                <dgm:constr type="bMarg" refType="primFontSz" fact="0.3"/>
+                <dgm:constr type="lMarg" refType="primFontSz" fact="0.3"/>
+                <dgm:constr type="rMarg" refType="primFontSz" fact="0.3"/>
+              </dgm:constrLst>
+              <dgm:ruleLst>
+                <dgm:rule type="primFontSz" val="5" fact="NaN" max="NaN"/>
+              </dgm:ruleLst>
+            </dgm:layoutNode>
+          </dgm:layoutNode>
+          <dgm:layoutNode name="hierChild2">
+            <dgm:choose name="Name5">
+              <dgm:if name="Name6" func="var" arg="dir" op="equ" val="norm">
+                <dgm:alg type="hierChild">
+                  <dgm:param type="linDir" val="fromL"/>
+                </dgm:alg>
+              </dgm:if>
+              <dgm:else name="Name7">
+                <dgm:alg type="hierChild">
+                  <dgm:param type="linDir" val="fromR"/>
+                </dgm:alg>
+              </dgm:else>
+            </dgm:choose>
+            <dgm:shape xmlns:r="http://schemas.openxmlformats.org/officeDocument/2006/relationships" r:blip="">
+              <dgm:adjLst/>
+            </dgm:shape>
+            <dgm:presOf/>
+            <dgm:constrLst/>
+            <dgm:ruleLst/>
+            <dgm:forEach name="Name8" axis="ch">
+              <dgm:forEach name="Name9" axis="self" ptType="parTrans" cnt="1">
+                <dgm:layoutNode name="Name10">
+                  <dgm:alg type="conn">
+                    <dgm:param type="dim" val="1D"/>
+                    <dgm:param type="endSty" val="noArr"/>
+                    <dgm:param type="connRout" val="bend"/>
+                    <dgm:param type="bendPt" val="end"/>
+                    <dgm:param type="begPts" val="bCtr"/>
+                    <dgm:param type="endPts" val="tCtr"/>
+                    <dgm:param type="srcNode" val="background"/>
+                    <dgm:param type="dstNode" val="background2"/>
+                  </dgm:alg>
+                  <dgm:shape xmlns:r="http://schemas.openxmlformats.org/officeDocument/2006/relationships" type="conn" r:blip="" zOrderOff="-999">
+                    <dgm:adjLst/>
+                  </dgm:shape>
+                  <dgm:presOf axis="self"/>
+                  <dgm:constrLst>
+                    <dgm:constr type="begPad"/>
+                    <dgm:constr type="endPad"/>
+                  </dgm:constrLst>
+                  <dgm:ruleLst/>
+                </dgm:layoutNode>
+              </dgm:forEach>
+              <dgm:forEach name="Name11" axis="self" ptType="node">
+                <dgm:layoutNode name="hierRoot2">
+                  <dgm:alg type="hierRoot"/>
+                  <dgm:shape xmlns:r="http://schemas.openxmlformats.org/officeDocument/2006/relationships" r:blip="">
+                    <dgm:adjLst/>
+                  </dgm:shape>
+                  <dgm:presOf/>
+                  <dgm:constrLst>
+                    <dgm:constr type="bendDist" for="des" ptType="parTrans" refType="sp" fact="0.5"/>
+                  </dgm:constrLst>
+                  <dgm:ruleLst/>
+                  <dgm:layoutNode name="composite2">
+                    <dgm:alg type="composite"/>
+                    <dgm:shape xmlns:r="http://schemas.openxmlformats.org/officeDocument/2006/relationships" r:blip="">
+                      <dgm:adjLst/>
+                    </dgm:shape>
+                    <dgm:presOf/>
+                    <dgm:constrLst>
+                      <dgm:constr type="w" for="ch" forName="background2" refType="w" fact="0.9"/>
+                      <dgm:constr type="h" for="ch" forName="background2" refType="w" refFor="ch" refForName="background2" fact="0.635"/>
+                      <dgm:constr type="t" for="ch" forName="background2"/>
+                      <dgm:constr type="l" for="ch" forName="background2"/>
+                      <dgm:constr type="w" for="ch" forName="text2" refType="w" fact="0.9"/>
+                      <dgm:constr type="h" for="ch" forName="text2" refType="w" refFor="ch" refForName="text2" fact="0.635"/>
+                      <dgm:constr type="t" for="ch" forName="text2" refType="w" fact="0.095"/>
+                      <dgm:constr type="l" for="ch" forName="text2" refType="w" fact="0.1"/>
+                    </dgm:constrLst>
+                    <dgm:ruleLst/>
+                    <dgm:layoutNode name="background2" moveWith="text2">
+                      <dgm:alg type="sp"/>
+                      <dgm:shape xmlns:r="http://schemas.openxmlformats.org/officeDocument/2006/relationships" type="roundRect" r:blip="">
+                        <dgm:adjLst>
+                          <dgm:adj idx="1" val="0.1"/>
+                        </dgm:adjLst>
+                      </dgm:shape>
+                      <dgm:presOf/>
+                      <dgm:constrLst/>
+                      <dgm:ruleLst/>
+                    </dgm:layoutNode>
+                    <dgm:layoutNode name="text2" styleLbl="fgAcc2">
+                      <dgm:varLst>
+                        <dgm:chPref val="3"/>
+                      </dgm:varLst>
+                      <dgm:alg type="tx"/>
+                      <dgm:shape xmlns:r="http://schemas.openxmlformats.org/officeDocument/2006/relationships" type="roundRect" r:blip="">
+                        <dgm:adjLst>
+                          <dgm:adj idx="1" val="0.1"/>
+                        </dgm:adjLst>
+                      </dgm:shape>
+                      <dgm:presOf axis="self"/>
+                      <dgm:constrLst>
+                        <dgm:constr type="tMarg" refType="primFontSz" fact="0.3"/>
+                        <dgm:constr type="bMarg" refType="primFontSz" fact="0.3"/>
+                        <dgm:constr type="lMarg" refType="primFontSz" fact="0.3"/>
+                        <dgm:constr type="rMarg" refType="primFontSz" fact="0.3"/>
+                      </dgm:constrLst>
+                      <dgm:ruleLst>
+                        <dgm:rule type="primFontSz" val="5" fact="NaN" max="NaN"/>
+                      </dgm:ruleLst>
+                    </dgm:layoutNode>
+                  </dgm:layoutNode>
+                  <dgm:layoutNode name="hierChild3">
+                    <dgm:choose name="Name12">
+                      <dgm:if name="Name13" func="var" arg="dir" op="equ" val="norm">
+                        <dgm:alg type="hierChild">
+                          <dgm:param type="linDir" val="fromL"/>
+                        </dgm:alg>
+                      </dgm:if>
+                      <dgm:else name="Name14">
+                        <dgm:alg type="hierChild">
+                          <dgm:param type="linDir" val="fromR"/>
+                        </dgm:alg>
+                      </dgm:else>
+                    </dgm:choose>
+                    <dgm:shape xmlns:r="http://schemas.openxmlformats.org/officeDocument/2006/relationships" r:blip="">
+                      <dgm:adjLst/>
+                    </dgm:shape>
+                    <dgm:presOf/>
+                    <dgm:constrLst/>
+                    <dgm:ruleLst/>
+                    <dgm:forEach name="Name15" axis="ch">
+                      <dgm:forEach name="Name16" axis="self" ptType="parTrans" cnt="1">
+                        <dgm:layoutNode name="Name17">
+                          <dgm:alg type="conn">
+                            <dgm:param type="dim" val="1D"/>
+                            <dgm:param type="endSty" val="noArr"/>
+                            <dgm:param type="connRout" val="bend"/>
+                            <dgm:param type="bendPt" val="end"/>
+                            <dgm:param type="begPts" val="bCtr"/>
+                            <dgm:param type="endPts" val="tCtr"/>
+                            <dgm:param type="srcNode" val="background2"/>
+                            <dgm:param type="dstNode" val="background3"/>
+                          </dgm:alg>
+                          <dgm:shape xmlns:r="http://schemas.openxmlformats.org/officeDocument/2006/relationships" type="conn" r:blip="" zOrderOff="-999">
+                            <dgm:adjLst/>
+                          </dgm:shape>
+                          <dgm:presOf axis="self"/>
+                          <dgm:constrLst>
+                            <dgm:constr type="begPad"/>
+                            <dgm:constr type="endPad"/>
+                          </dgm:constrLst>
+                          <dgm:ruleLst/>
+                        </dgm:layoutNode>
+                      </dgm:forEach>
+                      <dgm:forEach name="Name18" axis="self" ptType="node">
+                        <dgm:layoutNode name="hierRoot3">
+                          <dgm:alg type="hierRoot"/>
+                          <dgm:shape xmlns:r="http://schemas.openxmlformats.org/officeDocument/2006/relationships" r:blip="">
+                            <dgm:adjLst/>
+                          </dgm:shape>
+                          <dgm:presOf/>
+                          <dgm:constrLst>
+                            <dgm:constr type="bendDist" for="des" ptType="parTrans" refType="sp" fact="0.5"/>
+                          </dgm:constrLst>
+                          <dgm:ruleLst/>
+                          <dgm:layoutNode name="composite3">
+                            <dgm:alg type="composite"/>
+                            <dgm:shape xmlns:r="http://schemas.openxmlformats.org/officeDocument/2006/relationships" r:blip="">
+                              <dgm:adjLst/>
+                            </dgm:shape>
+                            <dgm:presOf/>
+                            <dgm:constrLst>
+                              <dgm:constr type="w" for="ch" forName="background3" refType="w" fact="0.9"/>
+                              <dgm:constr type="h" for="ch" forName="background3" refType="w" refFor="ch" refForName="background3" fact="0.635"/>
+                              <dgm:constr type="t" for="ch" forName="background3"/>
+                              <dgm:constr type="l" for="ch" forName="background3"/>
+                              <dgm:constr type="w" for="ch" forName="text3" refType="w" fact="0.9"/>
+                              <dgm:constr type="h" for="ch" forName="text3" refType="w" refFor="ch" refForName="text3" fact="0.635"/>
+                              <dgm:constr type="t" for="ch" forName="text3" refType="w" fact="0.095"/>
+                              <dgm:constr type="l" for="ch" forName="text3" refType="w" fact="0.1"/>
+                            </dgm:constrLst>
+                            <dgm:ruleLst/>
+                            <dgm:layoutNode name="background3" moveWith="text3">
+                              <dgm:alg type="sp"/>
+                              <dgm:shape xmlns:r="http://schemas.openxmlformats.org/officeDocument/2006/relationships" type="roundRect" r:blip="">
+                                <dgm:adjLst>
+                                  <dgm:adj idx="1" val="0.1"/>
+                                </dgm:adjLst>
+                              </dgm:shape>
+                              <dgm:presOf/>
+                              <dgm:constrLst/>
+                              <dgm:ruleLst/>
+                            </dgm:layoutNode>
+                            <dgm:layoutNode name="text3" styleLbl="fgAcc3">
+                              <dgm:varLst>
+                                <dgm:chPref val="3"/>
+                              </dgm:varLst>
+                              <dgm:alg type="tx"/>
+                              <dgm:shape xmlns:r="http://schemas.openxmlformats.org/officeDocument/2006/relationships" type="roundRect" r:blip="">
+                                <dgm:adjLst>
+                                  <dgm:adj idx="1" val="0.1"/>
+                                </dgm:adjLst>
+                              </dgm:shape>
+                              <dgm:presOf axis="self"/>
+                              <dgm:constrLst>
+                                <dgm:constr type="tMarg" refType="primFontSz" fact="0.3"/>
+                                <dgm:constr type="bMarg" refType="primFontSz" fact="0.3"/>
+                                <dgm:constr type="lMarg" refType="primFontSz" fact="0.3"/>
+                                <dgm:constr type="rMarg" refType="primFontSz" fact="0.3"/>
+                              </dgm:constrLst>
+                              <dgm:ruleLst>
+                                <dgm:rule type="primFontSz" val="5" fact="NaN" max="NaN"/>
+                              </dgm:ruleLst>
+                            </dgm:layoutNode>
+                          </dgm:layoutNode>
+                          <dgm:layoutNode name="hierChild4">
+                            <dgm:choose name="Name19">
+                              <dgm:if name="Name20" func="var" arg="dir" op="equ" val="norm">
+                                <dgm:alg type="hierChild">
+                                  <dgm:param type="linDir" val="fromL"/>
+                                </dgm:alg>
+                              </dgm:if>
+                              <dgm:else name="Name21">
+                                <dgm:alg type="hierChild">
+                                  <dgm:param type="linDir" val="fromR"/>
+                                </dgm:alg>
+                              </dgm:else>
+                            </dgm:choose>
+                            <dgm:shape xmlns:r="http://schemas.openxmlformats.org/officeDocument/2006/relationships" r:blip="">
+                              <dgm:adjLst/>
+                            </dgm:shape>
+                            <dgm:presOf/>
+                            <dgm:constrLst/>
+                            <dgm:ruleLst/>
+                            <dgm:forEach name="repeat" axis="ch">
+                              <dgm:forEach name="Name22" axis="self" ptType="parTrans" cnt="1">
+                                <dgm:layoutNode name="Name23">
+                                  <dgm:choose name="Name24">
+                                    <dgm:if name="Name25" axis="self" func="depth" op="lte" val="4">
+                                      <dgm:alg type="conn">
+                                        <dgm:param type="dim" val="1D"/>
+                                        <dgm:param type="endSty" val="noArr"/>
+                                        <dgm:param type="connRout" val="bend"/>
+                                        <dgm:param type="bendPt" val="end"/>
+                                        <dgm:param type="begPts" val="bCtr"/>
+                                        <dgm:param type="endPts" val="tCtr"/>
+                                        <dgm:param type="srcNode" val="background3"/>
+                                        <dgm:param type="dstNode" val="background4"/>
+                                      </dgm:alg>
+                                    </dgm:if>
+                                    <dgm:else name="Name26">
+                                      <dgm:alg type="conn">
+                                        <dgm:param type="dim" val="1D"/>
+                                        <dgm:param type="endSty" val="noArr"/>
+                                        <dgm:param type="connRout" val="bend"/>
+                                        <dgm:param type="bendPt" val="end"/>
+                                        <dgm:param type="begPts" val="bCtr"/>
+                                        <dgm:param type="endPts" val="tCtr"/>
+                                        <dgm:param type="srcNode" val="background4"/>
+                                        <dgm:param type="dstNode" val="background4"/>
+                                      </dgm:alg>
+                                    </dgm:else>
+                                  </dgm:choose>
+                                  <dgm:shape xmlns:r="http://schemas.openxmlformats.org/officeDocument/2006/relationships" type="conn" r:blip="" zOrderOff="-999">
+                                    <dgm:adjLst/>
+                                  </dgm:shape>
+                                  <dgm:presOf axis="self"/>
+                                  <dgm:constrLst>
+                                    <dgm:constr type="begPad"/>
+                                    <dgm:constr type="endPad"/>
+                                  </dgm:constrLst>
+                                  <dgm:ruleLst/>
+                                </dgm:layoutNode>
+                              </dgm:forEach>
+                              <dgm:forEach name="Name27" axis="self" ptType="node">
+                                <dgm:layoutNode name="hierRoot4">
+                                  <dgm:alg type="hierRoot"/>
+                                  <dgm:shape xmlns:r="http://schemas.openxmlformats.org/officeDocument/2006/relationships" r:blip="">
+                                    <dgm:adjLst/>
+                                  </dgm:shape>
+                                  <dgm:presOf/>
+                                  <dgm:constrLst>
+                                    <dgm:constr type="bendDist" for="des" ptType="parTrans" refType="sp" fact="0.5"/>
+                                  </dgm:constrLst>
+                                  <dgm:ruleLst/>
+                                  <dgm:layoutNode name="composite4">
+                                    <dgm:alg type="composite"/>
+                                    <dgm:shape xmlns:r="http://schemas.openxmlformats.org/officeDocument/2006/relationships" r:blip="">
+                                      <dgm:adjLst/>
+                                    </dgm:shape>
+                                    <dgm:presOf/>
+                                    <dgm:constrLst>
+                                      <dgm:constr type="w" for="ch" forName="background4" refType="w" fact="0.9"/>
+                                      <dgm:constr type="h" for="ch" forName="background4" refType="w" refFor="ch" refForName="background4" fact="0.635"/>
+                                      <dgm:constr type="t" for="ch" forName="background4"/>
+                                      <dgm:constr type="l" for="ch" forName="background4"/>
+                                      <dgm:constr type="w" for="ch" forName="text4" refType="w" fact="0.9"/>
+                                      <dgm:constr type="h" for="ch" forName="text4" refType="w" refFor="ch" refForName="text4" fact="0.635"/>
+                                      <dgm:constr type="t" for="ch" forName="text4" refType="w" fact="0.095"/>
+                                      <dgm:constr type="l" for="ch" forName="text4" refType="w" fact="0.1"/>
+                                    </dgm:constrLst>
+                                    <dgm:ruleLst/>
+                                    <dgm:layoutNode name="background4" moveWith="text4">
+                                      <dgm:alg type="sp"/>
+                                      <dgm:shape xmlns:r="http://schemas.openxmlformats.org/officeDocument/2006/relationships" type="roundRect" r:blip="">
+                                        <dgm:adjLst>
+                                          <dgm:adj idx="1" val="0.1"/>
+                                        </dgm:adjLst>
+                                      </dgm:shape>
+                                      <dgm:presOf/>
+                                      <dgm:constrLst/>
+                                      <dgm:ruleLst/>
+                                    </dgm:layoutNode>
+                                    <dgm:layoutNode name="text4" styleLbl="fgAcc4">
+                                      <dgm:varLst>
+                                        <dgm:chPref val="3"/>
+                                      </dgm:varLst>
+                                      <dgm:alg type="tx"/>
+                                      <dgm:shape xmlns:r="http://schemas.openxmlformats.org/officeDocument/2006/relationships" type="roundRect" r:blip="">
+                                        <dgm:adjLst>
+                                          <dgm:adj idx="1" val="0.1"/>
+                                        </dgm:adjLst>
+                                      </dgm:shape>
+                                      <dgm:presOf axis="self"/>
+                                      <dgm:constrLst>
+                                        <dgm:constr type="tMarg" refType="primFontSz" fact="0.3"/>
+                                        <dgm:constr type="bMarg" refType="primFontSz" fact="0.3"/>
+                                        <dgm:constr type="lMarg" refType="primFontSz" fact="0.3"/>
+                                        <dgm:constr type="rMarg" refType="primFontSz" fact="0.3"/>
+                                      </dgm:constrLst>
+                                      <dgm:ruleLst>
+                                        <dgm:rule type="primFontSz" val="5" fact="NaN" max="NaN"/>
+                                      </dgm:ruleLst>
+                                    </dgm:layoutNode>
+                                  </dgm:layoutNode>
+                                  <dgm:layoutNode name="hierChild5">
+                                    <dgm:choose name="Name28">
+                                      <dgm:if name="Name29" func="var" arg="dir" op="equ" val="norm">
+                                        <dgm:alg type="hierChild">
+                                          <dgm:param type="linDir" val="fromL"/>
+                                        </dgm:alg>
+                                      </dgm:if>
+                                      <dgm:else name="Name30">
+                                        <dgm:alg type="hierChild">
+                                          <dgm:param type="linDir" val="fromR"/>
+                                        </dgm:alg>
+                                      </dgm:else>
+                                    </dgm:choose>
+                                    <dgm:shape xmlns:r="http://schemas.openxmlformats.org/officeDocument/2006/relationships" r:blip="">
+                                      <dgm:adjLst/>
+                                    </dgm:shape>
+                                    <dgm:presOf/>
+                                    <dgm:constrLst/>
+                                    <dgm:ruleLst/>
+                                    <dgm:forEach name="Name31" ref="repeat"/>
+                                  </dgm:layoutNode>
+                                </dgm:layoutNode>
+                              </dgm:forEach>
+                            </dgm:forEach>
+                          </dgm:layoutNode>
+                        </dgm:layoutNode>
+                      </dgm:forEach>
+                    </dgm:forEach>
+                  </dgm:layoutNode>
+                </dgm:layoutNode>
+              </dgm:forEach>
+            </dgm:forEach>
+          </dgm:layoutNode>
+        </dgm:layoutNode>
+      </dgm:forEach>
+    </dgm:forEach>
+  </dgm:layoutNode>
+</dgm:layoutDef>
+</file>
+
+<file path=ppt/diagrams/layout3.xml><?xml version="1.0" encoding="utf-8"?>
+<dgm:layoutDef xmlns:dgm="http://schemas.openxmlformats.org/drawingml/2006/diagram" xmlns:a="http://schemas.openxmlformats.org/drawingml/2006/main" uniqueId="urn:microsoft.com/office/officeart/2005/8/layout/vList5">
+  <dgm:title val=""/>
+  <dgm:desc val=""/>
+  <dgm:catLst>
+    <dgm:cat type="list" pri="15000"/>
+    <dgm:cat type="convert" pri="2000"/>
+  </dgm:catLst>
+  <dgm:sampData>
+    <dgm:dataModel>
+      <dgm:ptLst>
+        <dgm:pt modelId="0" type="doc"/>
+        <dgm:pt modelId="1">
+          <dgm:prSet phldr="1"/>
+        </dgm:pt>
+        <dgm:pt modelId="11">
+          <dgm:prSet phldr="1"/>
+        </dgm:pt>
+        <dgm:pt modelId="12">
+          <dgm:prSet phldr="1"/>
+        </dgm:pt>
+        <dgm:pt modelId="2">
+          <dgm:prSet phldr="1"/>
+        </dgm:pt>
+        <dgm:pt modelId="21">
+          <dgm:prSet phldr="1"/>
+        </dgm:pt>
+        <dgm:pt modelId="22">
+          <dgm:prSet phldr="1"/>
+        </dgm:pt>
+        <dgm:pt modelId="3">
+          <dgm:prSet phldr="1"/>
+        </dgm:pt>
+        <dgm:pt modelId="31">
+          <dgm:prSet phldr="1"/>
+        </dgm:pt>
+        <dgm:pt modelId="32">
+          <dgm:prSet phldr="1"/>
+        </dgm:pt>
+      </dgm:ptLst>
+      <dgm:cxnLst>
+        <dgm:cxn modelId="4" srcId="0" destId="1" srcOrd="0" destOrd="0"/>
+        <dgm:cxn modelId="5" srcId="0" destId="2" srcOrd="1" destOrd="0"/>
+        <dgm:cxn modelId="6" srcId="0" destId="3" srcOrd="2" destOrd="0"/>
+        <dgm:cxn modelId="13" srcId="1" destId="11" srcOrd="0" destOrd="0"/>
+        <dgm:cxn modelId="14" srcId="1" destId="12" srcOrd="1" destOrd="0"/>
+        <dgm:cxn modelId="23" srcId="2" destId="21" srcOrd="0" destOrd="0"/>
+        <dgm:cxn modelId="24" srcId="2" destId="22" srcOrd="1" destOrd="0"/>
+        <dgm:cxn modelId="33" srcId="3" destId="31" srcOrd="0" destOrd="0"/>
+        <dgm:cxn modelId="34" srcId="3" destId="32" srcOrd="1" destOrd="0"/>
+      </dgm:cxnLst>
+      <dgm:bg/>
+      <dgm:whole/>
+    </dgm:dataModel>
+  </dgm:sampData>
+  <dgm:styleData>
+    <dgm:dataModel>
+      <dgm:ptLst>
+        <dgm:pt modelId="0" type="doc"/>
+        <dgm:pt modelId="1"/>
+        <dgm:pt modelId="11"/>
+        <dgm:pt modelId="2"/>
+        <dgm:pt modelId="21"/>
+      </dgm:ptLst>
+      <dgm:cxnLst>
+        <dgm:cxn modelId="4" srcId="0" destId="1" srcOrd="0" destOrd="0"/>
+        <dgm:cxn modelId="5" srcId="0" destId="2" srcOrd="1" destOrd="0"/>
+        <dgm:cxn modelId="13" srcId="1" destId="11" srcOrd="0" destOrd="0"/>
+        <dgm:cxn modelId="23" srcId="2" destId="21" srcOrd="0" destOrd="0"/>
+      </dgm:cxnLst>
+      <dgm:bg/>
+      <dgm:whole/>
+    </dgm:dataModel>
+  </dgm:styleData>
+  <dgm:clrData>
+    <dgm:dataModel>
+      <dgm:ptLst>
+        <dgm:pt modelId="0" type="doc"/>
+        <dgm:pt modelId="1"/>
+        <dgm:pt modelId="11"/>
+        <dgm:pt modelId="2"/>
+        <dgm:pt modelId="21"/>
+        <dgm:pt modelId="3"/>
+        <dgm:pt modelId="31"/>
+        <dgm:pt modelId="4"/>
+        <dgm:pt modelId="41"/>
+      </dgm:ptLst>
+      <dgm:cxnLst>
+        <dgm:cxn modelId="5" srcId="0" destId="1" srcOrd="0" destOrd="0"/>
+        <dgm:cxn modelId="6" srcId="0" destId="2" srcOrd="1" destOrd="0"/>
+        <dgm:cxn modelId="7" srcId="0" destId="3" srcOrd="2" destOrd="0"/>
+        <dgm:cxn modelId="8" srcId="0" destId="4" srcOrd="3" destOrd="0"/>
+        <dgm:cxn modelId="13" srcId="1" destId="11" srcOrd="0" destOrd="0"/>
+        <dgm:cxn modelId="23" srcId="2" destId="21" srcOrd="0" destOrd="0"/>
+        <dgm:cxn modelId="33" srcId="3" destId="31" srcOrd="0" destOrd="0"/>
+        <dgm:cxn modelId="43" srcId="4" destId="41" srcOrd="0" destOrd="0"/>
+      </dgm:cxnLst>
+      <dgm:bg/>
+      <dgm:whole/>
+    </dgm:dataModel>
+  </dgm:clrData>
+  <dgm:layoutNode name="Name0">
+    <dgm:varLst>
+      <dgm:dir/>
+      <dgm:animLvl val="lvl"/>
+      <dgm:resizeHandles val="exact"/>
+    </dgm:varLst>
+    <dgm:choose name="Name1">
+      <dgm:if name="Name2" func="var" arg="dir" op="equ" val="norm">
+        <dgm:alg type="lin">
+          <dgm:param type="linDir" val="fromT"/>
+          <dgm:param type="nodeHorzAlign" val="l"/>
+        </dgm:alg>
+      </dgm:if>
+      <dgm:else name="Name3">
+        <dgm:alg type="lin">
+          <dgm:param type="linDir" val="fromT"/>
+          <dgm:param type="nodeHorzAlign" val="r"/>
+        </dgm:alg>
+      </dgm:else>
+    </dgm:choose>
+    <dgm:shape xmlns:r="http://schemas.openxmlformats.org/officeDocument/2006/relationships" r:blip="">
+      <dgm:adjLst/>
+    </dgm:shape>
+    <dgm:presOf/>
+    <dgm:constrLst>
+      <dgm:constr type="h" for="ch" forName="linNode" refType="h"/>
+      <dgm:constr type="w" for="ch" forName="linNode" refType="w"/>
+      <dgm:constr type="h" for="ch" forName="sp" refType="h" fact="0.05"/>
+      <dgm:constr type="primFontSz" for="des" forName="parentText" op="equ" val="65"/>
+      <dgm:constr type="secFontSz" for="des" forName="descendantText" op="equ"/>
+    </dgm:constrLst>
+    <dgm:ruleLst/>
+    <dgm:forEach name="Name4" axis="ch" ptType="node">
+      <dgm:layoutNode name="linNode">
+        <dgm:choose name="Name5">
+          <dgm:if name="Name6" func="var" arg="dir" op="equ" val="norm">
+            <dgm:alg type="lin">
+              <dgm:param type="linDir" val="fromL"/>
+            </dgm:alg>
+          </dgm:if>
+          <dgm:else name="Name7">
+            <dgm:alg type="lin">
+              <dgm:param type="linDir" val="fromR"/>
+            </dgm:alg>
+          </dgm:else>
+        </dgm:choose>
         <dgm:shape xmlns:r="http://schemas.openxmlformats.org/officeDocument/2006/relationships" r:blip="">
           <dgm:adjLst/>
         </dgm:shape>
         <dgm:presOf/>
         <dgm:constrLst>
-          <dgm:constr type="l" for="ch" forName="parTx"/>
-          <dgm:constr type="w" for="ch" forName="parTx" refType="w"/>
-          <dgm:constr type="t" for="ch" forName="parTx"/>
-          <dgm:constr type="l" for="ch" forName="desTx"/>
-          <dgm:constr type="w" for="ch" forName="desTx" refType="w" refFor="ch" refForName="parTx"/>
-          <dgm:constr type="t" for="ch" forName="desTx" refType="h" refFor="ch" refForName="parTx"/>
+          <dgm:constr type="w" for="ch" forName="parentText" refType="w" fact="0.36"/>
+          <dgm:constr type="w" for="ch" forName="descendantText" refType="w" fact="0.64"/>
+          <dgm:constr type="h" for="ch" forName="parentText" refType="h"/>
+          <dgm:constr type="h" for="ch" forName="descendantText" refType="h" refFor="ch" refForName="parentText" fact="0.8"/>
         </dgm:constrLst>
-        <dgm:ruleLst>
-          <dgm:rule type="h" val="INF" fact="NaN" max="NaN"/>
-        </dgm:ruleLst>
-        <dgm:layoutNode name="parTx" styleLbl="alignNode1">
+        <dgm:ruleLst/>
+        <dgm:layoutNode name="parentText">
           <dgm:varLst>
-            <dgm:chMax val="0"/>
-            <dgm:chPref val="0"/>
+            <dgm:chMax val="1"/>
+            <dgm:bulletEnabled val="1"/>
           </dgm:varLst>
           <dgm:alg type="tx"/>
-          <dgm:shape xmlns:r="http://schemas.openxmlformats.org/officeDocument/2006/relationships" type="rect" r:blip="">
+          <dgm:shape xmlns:r="http://schemas.openxmlformats.org/officeDocument/2006/relationships" type="roundRect" r:blip="" zOrderOff="3">
             <dgm:adjLst/>
           </dgm:shape>
           <dgm:presOf axis="self" ptType="node"/>
           <dgm:constrLst>
-            <dgm:constr type="h" refType="w" op="lte" fact="0.3"/>
-            <dgm:constr type="h"/>
-            <dgm:constr type="tMarg" refType="w" fact="0.224"/>
-            <dgm:constr type="bMarg" refType="w" fact="0.224"/>
-            <dgm:constr type="lMarg" refType="w" fact="0.224"/>
-            <dgm:constr type="rMarg" refType="w" fact="0.224"/>
+            <dgm:constr type="tMarg" refType="primFontSz" fact="0.15"/>
+            <dgm:constr type="bMarg" refType="primFontSz" fact="0.15"/>
+            <dgm:constr type="lMarg" refType="primFontSz" fact="0.3"/>
+            <dgm:constr type="rMarg" refType="primFontSz" fact="0.3"/>
           </dgm:constrLst>
           <dgm:ruleLst>
-            <dgm:rule type="h" val="INF" fact="NaN" max="NaN"/>
-            <dgm:rule type="primFontSz" val="14" fact="NaN" max="NaN"/>
+            <dgm:rule type="primFontSz" val="5" fact="NaN" max="NaN"/>
           </dgm:ruleLst>
         </dgm:layoutNode>
-        <dgm:layoutNode name="desTx" styleLbl="alignAccFollowNode1">
-          <dgm:varLst/>
-          <dgm:alg type="tx">
-            <dgm:param type="stBulletLvl" val="0"/>
-            <dgm:param type="txAnchorVert" val="t"/>
-            <dgm:param type="parTxLTRAlign" val="l"/>
-            <dgm:param type="shpTxLTRAlignCh" val="l"/>
-            <dgm:param type="parTxRTLAlign" val="r"/>
-            <dgm:param type="shpTxRTLAlignCh" val="r"/>
-          </dgm:alg>
-          <dgm:shape xmlns:r="http://schemas.openxmlformats.org/officeDocument/2006/relationships" type="rect" r:blip="">
-            <dgm:adjLst/>
-          </dgm:shape>
-          <dgm:presOf axis="des" ptType="node"/>
-          <dgm:constrLst>
-            <dgm:constr type="primFontSz" val="28"/>
-            <dgm:constr type="tMarg" refType="w" fact="0.28"/>
-            <dgm:constr type="bMarg" refType="w" fact="0.28"/>
-            <dgm:constr type="lMarg" refType="w" fact="0.28"/>
-            <dgm:constr type="rMarg" refType="w" fact="0.28"/>
-          </dgm:constrLst>
-          <dgm:ruleLst>
-            <dgm:rule type="h" val="INF" fact="NaN" max="NaN"/>
-            <dgm:rule type="primFontSz" val="11" fact="NaN" max="NaN"/>
-          </dgm:ruleLst>
-        </dgm:layoutNode>
+        <dgm:choose name="Name8">
+          <dgm:if name="Name9" axis="ch" ptType="node" func="cnt" op="gte" val="1">
+            <dgm:layoutNode name="descendantText" styleLbl="alignAccFollowNode1">
+              <dgm:varLst>
+                <dgm:bulletEnabled val="1"/>
+              </dgm:varLst>
+              <dgm:alg type="tx">
+                <dgm:param type="stBulletLvl" val="1"/>
+                <dgm:param type="txAnchorVertCh" val="mid"/>
+              </dgm:alg>
+              <dgm:choose name="Name10">
+                <dgm:if name="Name11" func="var" arg="dir" op="equ" val="norm">
+                  <dgm:shape xmlns:r="http://schemas.openxmlformats.org/officeDocument/2006/relationships" rot="90" type="round2SameRect" r:blip="">
+                    <dgm:adjLst/>
+                  </dgm:shape>
+                </dgm:if>
+                <dgm:else name="Name12">
+                  <dgm:shape xmlns:r="http://schemas.openxmlformats.org/officeDocument/2006/relationships" rot="-90" type="round2SameRect" r:blip="">
+                    <dgm:adjLst/>
+                  </dgm:shape>
+                </dgm:else>
+              </dgm:choose>
+              <dgm:presOf axis="des" ptType="node"/>
+              <dgm:constrLst>
+                <dgm:constr type="secFontSz" val="65"/>
+                <dgm:constr type="primFontSz" refType="secFontSz"/>
+                <dgm:constr type="lMarg" refType="secFontSz" fact="0.3"/>
+                <dgm:constr type="rMarg" refType="secFontSz" fact="0.3"/>
+                <dgm:constr type="tMarg" refType="secFontSz" fact="0.15"/>
+                <dgm:constr type="bMarg" refType="secFontSz" fact="0.15"/>
+              </dgm:constrLst>
+              <dgm:ruleLst>
+                <dgm:rule type="secFontSz" val="5" fact="NaN" max="NaN"/>
+              </dgm:ruleLst>
+            </dgm:layoutNode>
+          </dgm:if>
+          <dgm:else name="Name13"/>
+        </dgm:choose>
       </dgm:layoutNode>
-      <dgm:forEach name="Name19" axis="followSib" ptType="sibTrans" cnt="1">
-        <dgm:layoutNode name="space">
+      <dgm:forEach name="Name14" axis="followSib" ptType="sibTrans" cnt="1">
+        <dgm:layoutNode name="sp">
           <dgm:alg type="sp"/>
           <dgm:shape xmlns:r="http://schemas.openxmlformats.org/officeDocument/2006/relationships" r:blip="">
             <dgm:adjLst/>
@@ -2417,6 +6110,2074 @@
 </file>
 
 <file path=ppt/diagrams/quickStyle1.xml><?xml version="1.0" encoding="utf-8"?>
+<dgm:styleDef xmlns:dgm="http://schemas.openxmlformats.org/drawingml/2006/diagram" xmlns:a="http://schemas.openxmlformats.org/drawingml/2006/main" uniqueId="urn:microsoft.com/office/officeart/2005/8/quickstyle/simple1">
+  <dgm:title val=""/>
+  <dgm:desc val=""/>
+  <dgm:catLst>
+    <dgm:cat type="simple" pri="10100"/>
+  </dgm:catLst>
+  <dgm:scene3d>
+    <a:camera prst="orthographicFront"/>
+    <a:lightRig rig="threePt" dir="t"/>
+  </dgm:scene3d>
+  <dgm:styleLbl name="node0">
+    <dgm:scene3d>
+      <a:camera prst="orthographicFront"/>
+      <a:lightRig rig="threePt" dir="t"/>
+    </dgm:scene3d>
+    <dgm:sp3d/>
+    <dgm:txPr/>
+    <dgm:style>
+      <a:lnRef idx="2">
+        <a:scrgbClr r="0" g="0" b="0"/>
+      </a:lnRef>
+      <a:fillRef idx="1">
+        <a:scrgbClr r="0" g="0" b="0"/>
+      </a:fillRef>
+      <a:effectRef idx="0">
+        <a:scrgbClr r="0" g="0" b="0"/>
+      </a:effectRef>
+      <a:fontRef idx="minor">
+        <a:schemeClr val="lt1"/>
+      </a:fontRef>
+    </dgm:style>
+  </dgm:styleLbl>
+  <dgm:styleLbl name="lnNode1">
+    <dgm:scene3d>
+      <a:camera prst="orthographicFront"/>
+      <a:lightRig rig="threePt" dir="t"/>
+    </dgm:scene3d>
+    <dgm:sp3d/>
+    <dgm:txPr/>
+    <dgm:style>
+      <a:lnRef idx="2">
+        <a:scrgbClr r="0" g="0" b="0"/>
+      </a:lnRef>
+      <a:fillRef idx="1">
+        <a:scrgbClr r="0" g="0" b="0"/>
+      </a:fillRef>
+      <a:effectRef idx="0">
+        <a:scrgbClr r="0" g="0" b="0"/>
+      </a:effectRef>
+      <a:fontRef idx="minor">
+        <a:schemeClr val="lt1"/>
+      </a:fontRef>
+    </dgm:style>
+  </dgm:styleLbl>
+  <dgm:styleLbl name="vennNode1">
+    <dgm:scene3d>
+      <a:camera prst="orthographicFront"/>
+      <a:lightRig rig="threePt" dir="t"/>
+    </dgm:scene3d>
+    <dgm:sp3d/>
+    <dgm:txPr/>
+    <dgm:style>
+      <a:lnRef idx="2">
+        <a:scrgbClr r="0" g="0" b="0"/>
+      </a:lnRef>
+      <a:fillRef idx="1">
+        <a:scrgbClr r="0" g="0" b="0"/>
+      </a:fillRef>
+      <a:effectRef idx="0">
+        <a:scrgbClr r="0" g="0" b="0"/>
+      </a:effectRef>
+      <a:fontRef idx="minor">
+        <a:schemeClr val="tx1"/>
+      </a:fontRef>
+    </dgm:style>
+  </dgm:styleLbl>
+  <dgm:styleLbl name="alignNode1">
+    <dgm:scene3d>
+      <a:camera prst="orthographicFront"/>
+      <a:lightRig rig="threePt" dir="t"/>
+    </dgm:scene3d>
+    <dgm:sp3d/>
+    <dgm:txPr/>
+    <dgm:style>
+      <a:lnRef idx="2">
+        <a:scrgbClr r="0" g="0" b="0"/>
+      </a:lnRef>
+      <a:fillRef idx="1">
+        <a:scrgbClr r="0" g="0" b="0"/>
+      </a:fillRef>
+      <a:effectRef idx="0">
+        <a:scrgbClr r="0" g="0" b="0"/>
+      </a:effectRef>
+      <a:fontRef idx="minor">
+        <a:schemeClr val="lt1"/>
+      </a:fontRef>
+    </dgm:style>
+  </dgm:styleLbl>
+  <dgm:styleLbl name="node1">
+    <dgm:scene3d>
+      <a:camera prst="orthographicFront"/>
+      <a:lightRig rig="threePt" dir="t"/>
+    </dgm:scene3d>
+    <dgm:sp3d/>
+    <dgm:txPr/>
+    <dgm:style>
+      <a:lnRef idx="2">
+        <a:scrgbClr r="0" g="0" b="0"/>
+      </a:lnRef>
+      <a:fillRef idx="1">
+        <a:scrgbClr r="0" g="0" b="0"/>
+      </a:fillRef>
+      <a:effectRef idx="0">
+        <a:scrgbClr r="0" g="0" b="0"/>
+      </a:effectRef>
+      <a:fontRef idx="minor">
+        <a:schemeClr val="lt1"/>
+      </a:fontRef>
+    </dgm:style>
+  </dgm:styleLbl>
+  <dgm:styleLbl name="node2">
+    <dgm:scene3d>
+      <a:camera prst="orthographicFront"/>
+      <a:lightRig rig="threePt" dir="t"/>
+    </dgm:scene3d>
+    <dgm:sp3d/>
+    <dgm:txPr/>
+    <dgm:style>
+      <a:lnRef idx="2">
+        <a:scrgbClr r="0" g="0" b="0"/>
+      </a:lnRef>
+      <a:fillRef idx="1">
+        <a:scrgbClr r="0" g="0" b="0"/>
+      </a:fillRef>
+      <a:effectRef idx="0">
+        <a:scrgbClr r="0" g="0" b="0"/>
+      </a:effectRef>
+      <a:fontRef idx="minor">
+        <a:schemeClr val="lt1"/>
+      </a:fontRef>
+    </dgm:style>
+  </dgm:styleLbl>
+  <dgm:styleLbl name="node3">
+    <dgm:scene3d>
+      <a:camera prst="orthographicFront"/>
+      <a:lightRig rig="threePt" dir="t"/>
+    </dgm:scene3d>
+    <dgm:sp3d/>
+    <dgm:txPr/>
+    <dgm:style>
+      <a:lnRef idx="2">
+        <a:scrgbClr r="0" g="0" b="0"/>
+      </a:lnRef>
+      <a:fillRef idx="1">
+        <a:scrgbClr r="0" g="0" b="0"/>
+      </a:fillRef>
+      <a:effectRef idx="0">
+        <a:scrgbClr r="0" g="0" b="0"/>
+      </a:effectRef>
+      <a:fontRef idx="minor">
+        <a:schemeClr val="lt1"/>
+      </a:fontRef>
+    </dgm:style>
+  </dgm:styleLbl>
+  <dgm:styleLbl name="node4">
+    <dgm:scene3d>
+      <a:camera prst="orthographicFront"/>
+      <a:lightRig rig="threePt" dir="t"/>
+    </dgm:scene3d>
+    <dgm:sp3d/>
+    <dgm:txPr/>
+    <dgm:style>
+      <a:lnRef idx="2">
+        <a:scrgbClr r="0" g="0" b="0"/>
+      </a:lnRef>
+      <a:fillRef idx="1">
+        <a:scrgbClr r="0" g="0" b="0"/>
+      </a:fillRef>
+      <a:effectRef idx="0">
+        <a:scrgbClr r="0" g="0" b="0"/>
+      </a:effectRef>
+      <a:fontRef idx="minor">
+        <a:schemeClr val="lt1"/>
+      </a:fontRef>
+    </dgm:style>
+  </dgm:styleLbl>
+  <dgm:styleLbl name="fgImgPlace1">
+    <dgm:scene3d>
+      <a:camera prst="orthographicFront"/>
+      <a:lightRig rig="threePt" dir="t"/>
+    </dgm:scene3d>
+    <dgm:sp3d/>
+    <dgm:txPr/>
+    <dgm:style>
+      <a:lnRef idx="2">
+        <a:scrgbClr r="0" g="0" b="0"/>
+      </a:lnRef>
+      <a:fillRef idx="1">
+        <a:scrgbClr r="0" g="0" b="0"/>
+      </a:fillRef>
+      <a:effectRef idx="0">
+        <a:scrgbClr r="0" g="0" b="0"/>
+      </a:effectRef>
+      <a:fontRef idx="minor"/>
+    </dgm:style>
+  </dgm:styleLbl>
+  <dgm:styleLbl name="alignImgPlace1">
+    <dgm:scene3d>
+      <a:camera prst="orthographicFront"/>
+      <a:lightRig rig="threePt" dir="t"/>
+    </dgm:scene3d>
+    <dgm:sp3d/>
+    <dgm:txPr/>
+    <dgm:style>
+      <a:lnRef idx="2">
+        <a:scrgbClr r="0" g="0" b="0"/>
+      </a:lnRef>
+      <a:fillRef idx="1">
+        <a:scrgbClr r="0" g="0" b="0"/>
+      </a:fillRef>
+      <a:effectRef idx="0">
+        <a:scrgbClr r="0" g="0" b="0"/>
+      </a:effectRef>
+      <a:fontRef idx="minor"/>
+    </dgm:style>
+  </dgm:styleLbl>
+  <dgm:styleLbl name="bgImgPlace1">
+    <dgm:scene3d>
+      <a:camera prst="orthographicFront"/>
+      <a:lightRig rig="threePt" dir="t"/>
+    </dgm:scene3d>
+    <dgm:sp3d/>
+    <dgm:txPr/>
+    <dgm:style>
+      <a:lnRef idx="2">
+        <a:scrgbClr r="0" g="0" b="0"/>
+      </a:lnRef>
+      <a:fillRef idx="1">
+        <a:scrgbClr r="0" g="0" b="0"/>
+      </a:fillRef>
+      <a:effectRef idx="0">
+        <a:scrgbClr r="0" g="0" b="0"/>
+      </a:effectRef>
+      <a:fontRef idx="minor"/>
+    </dgm:style>
+  </dgm:styleLbl>
+  <dgm:styleLbl name="sibTrans2D1">
+    <dgm:scene3d>
+      <a:camera prst="orthographicFront"/>
+      <a:lightRig rig="threePt" dir="t"/>
+    </dgm:scene3d>
+    <dgm:sp3d/>
+    <dgm:txPr/>
+    <dgm:style>
+      <a:lnRef idx="0">
+        <a:scrgbClr r="0" g="0" b="0"/>
+      </a:lnRef>
+      <a:fillRef idx="1">
+        <a:scrgbClr r="0" g="0" b="0"/>
+      </a:fillRef>
+      <a:effectRef idx="0">
+        <a:scrgbClr r="0" g="0" b="0"/>
+      </a:effectRef>
+      <a:fontRef idx="minor">
+        <a:schemeClr val="lt1"/>
+      </a:fontRef>
+    </dgm:style>
+  </dgm:styleLbl>
+  <dgm:styleLbl name="fgSibTrans2D1">
+    <dgm:scene3d>
+      <a:camera prst="orthographicFront"/>
+      <a:lightRig rig="threePt" dir="t"/>
+    </dgm:scene3d>
+    <dgm:sp3d/>
+    <dgm:txPr/>
+    <dgm:style>
+      <a:lnRef idx="0">
+        <a:scrgbClr r="0" g="0" b="0"/>
+      </a:lnRef>
+      <a:fillRef idx="1">
+        <a:scrgbClr r="0" g="0" b="0"/>
+      </a:fillRef>
+      <a:effectRef idx="0">
+        <a:scrgbClr r="0" g="0" b="0"/>
+      </a:effectRef>
+      <a:fontRef idx="minor">
+        <a:schemeClr val="lt1"/>
+      </a:fontRef>
+    </dgm:style>
+  </dgm:styleLbl>
+  <dgm:styleLbl name="bgSibTrans2D1">
+    <dgm:scene3d>
+      <a:camera prst="orthographicFront"/>
+      <a:lightRig rig="threePt" dir="t"/>
+    </dgm:scene3d>
+    <dgm:sp3d/>
+    <dgm:txPr/>
+    <dgm:style>
+      <a:lnRef idx="0">
+        <a:scrgbClr r="0" g="0" b="0"/>
+      </a:lnRef>
+      <a:fillRef idx="1">
+        <a:scrgbClr r="0" g="0" b="0"/>
+      </a:fillRef>
+      <a:effectRef idx="0">
+        <a:scrgbClr r="0" g="0" b="0"/>
+      </a:effectRef>
+      <a:fontRef idx="minor">
+        <a:schemeClr val="lt1"/>
+      </a:fontRef>
+    </dgm:style>
+  </dgm:styleLbl>
+  <dgm:styleLbl name="sibTrans1D1">
+    <dgm:scene3d>
+      <a:camera prst="orthographicFront"/>
+      <a:lightRig rig="threePt" dir="t"/>
+    </dgm:scene3d>
+    <dgm:sp3d/>
+    <dgm:txPr/>
+    <dgm:style>
+      <a:lnRef idx="1">
+        <a:scrgbClr r="0" g="0" b="0"/>
+      </a:lnRef>
+      <a:fillRef idx="0">
+        <a:scrgbClr r="0" g="0" b="0"/>
+      </a:fillRef>
+      <a:effectRef idx="0">
+        <a:scrgbClr r="0" g="0" b="0"/>
+      </a:effectRef>
+      <a:fontRef idx="minor"/>
+    </dgm:style>
+  </dgm:styleLbl>
+  <dgm:styleLbl name="callout">
+    <dgm:scene3d>
+      <a:camera prst="orthographicFront"/>
+      <a:lightRig rig="threePt" dir="t"/>
+    </dgm:scene3d>
+    <dgm:sp3d/>
+    <dgm:txPr/>
+    <dgm:style>
+      <a:lnRef idx="2">
+        <a:scrgbClr r="0" g="0" b="0"/>
+      </a:lnRef>
+      <a:fillRef idx="1">
+        <a:scrgbClr r="0" g="0" b="0"/>
+      </a:fillRef>
+      <a:effectRef idx="0">
+        <a:scrgbClr r="0" g="0" b="0"/>
+      </a:effectRef>
+      <a:fontRef idx="minor"/>
+    </dgm:style>
+  </dgm:styleLbl>
+  <dgm:styleLbl name="asst0">
+    <dgm:scene3d>
+      <a:camera prst="orthographicFront"/>
+      <a:lightRig rig="threePt" dir="t"/>
+    </dgm:scene3d>
+    <dgm:sp3d/>
+    <dgm:txPr/>
+    <dgm:style>
+      <a:lnRef idx="2">
+        <a:scrgbClr r="0" g="0" b="0"/>
+      </a:lnRef>
+      <a:fillRef idx="1">
+        <a:scrgbClr r="0" g="0" b="0"/>
+      </a:fillRef>
+      <a:effectRef idx="0">
+        <a:scrgbClr r="0" g="0" b="0"/>
+      </a:effectRef>
+      <a:fontRef idx="minor">
+        <a:schemeClr val="lt1"/>
+      </a:fontRef>
+    </dgm:style>
+  </dgm:styleLbl>
+  <dgm:styleLbl name="asst1">
+    <dgm:scene3d>
+      <a:camera prst="orthographicFront"/>
+      <a:lightRig rig="threePt" dir="t"/>
+    </dgm:scene3d>
+    <dgm:sp3d/>
+    <dgm:txPr/>
+    <dgm:style>
+      <a:lnRef idx="2">
+        <a:scrgbClr r="0" g="0" b="0"/>
+      </a:lnRef>
+      <a:fillRef idx="1">
+        <a:scrgbClr r="0" g="0" b="0"/>
+      </a:fillRef>
+      <a:effectRef idx="0">
+        <a:scrgbClr r="0" g="0" b="0"/>
+      </a:effectRef>
+      <a:fontRef idx="minor">
+        <a:schemeClr val="lt1"/>
+      </a:fontRef>
+    </dgm:style>
+  </dgm:styleLbl>
+  <dgm:styleLbl name="asst2">
+    <dgm:scene3d>
+      <a:camera prst="orthographicFront"/>
+      <a:lightRig rig="threePt" dir="t"/>
+    </dgm:scene3d>
+    <dgm:sp3d/>
+    <dgm:txPr/>
+    <dgm:style>
+      <a:lnRef idx="2">
+        <a:scrgbClr r="0" g="0" b="0"/>
+      </a:lnRef>
+      <a:fillRef idx="1">
+        <a:scrgbClr r="0" g="0" b="0"/>
+      </a:fillRef>
+      <a:effectRef idx="0">
+        <a:scrgbClr r="0" g="0" b="0"/>
+      </a:effectRef>
+      <a:fontRef idx="minor">
+        <a:schemeClr val="lt1"/>
+      </a:fontRef>
+    </dgm:style>
+  </dgm:styleLbl>
+  <dgm:styleLbl name="asst3">
+    <dgm:scene3d>
+      <a:camera prst="orthographicFront"/>
+      <a:lightRig rig="threePt" dir="t"/>
+    </dgm:scene3d>
+    <dgm:sp3d/>
+    <dgm:txPr/>
+    <dgm:style>
+      <a:lnRef idx="2">
+        <a:scrgbClr r="0" g="0" b="0"/>
+      </a:lnRef>
+      <a:fillRef idx="1">
+        <a:scrgbClr r="0" g="0" b="0"/>
+      </a:fillRef>
+      <a:effectRef idx="0">
+        <a:scrgbClr r="0" g="0" b="0"/>
+      </a:effectRef>
+      <a:fontRef idx="minor">
+        <a:schemeClr val="lt1"/>
+      </a:fontRef>
+    </dgm:style>
+  </dgm:styleLbl>
+  <dgm:styleLbl name="asst4">
+    <dgm:scene3d>
+      <a:camera prst="orthographicFront"/>
+      <a:lightRig rig="threePt" dir="t"/>
+    </dgm:scene3d>
+    <dgm:sp3d/>
+    <dgm:txPr/>
+    <dgm:style>
+      <a:lnRef idx="2">
+        <a:scrgbClr r="0" g="0" b="0"/>
+      </a:lnRef>
+      <a:fillRef idx="1">
+        <a:scrgbClr r="0" g="0" b="0"/>
+      </a:fillRef>
+      <a:effectRef idx="0">
+        <a:scrgbClr r="0" g="0" b="0"/>
+      </a:effectRef>
+      <a:fontRef idx="minor">
+        <a:schemeClr val="lt1"/>
+      </a:fontRef>
+    </dgm:style>
+  </dgm:styleLbl>
+  <dgm:styleLbl name="parChTrans2D1">
+    <dgm:scene3d>
+      <a:camera prst="orthographicFront"/>
+      <a:lightRig rig="threePt" dir="t"/>
+    </dgm:scene3d>
+    <dgm:sp3d/>
+    <dgm:txPr/>
+    <dgm:style>
+      <a:lnRef idx="2">
+        <a:scrgbClr r="0" g="0" b="0"/>
+      </a:lnRef>
+      <a:fillRef idx="1">
+        <a:scrgbClr r="0" g="0" b="0"/>
+      </a:fillRef>
+      <a:effectRef idx="0">
+        <a:scrgbClr r="0" g="0" b="0"/>
+      </a:effectRef>
+      <a:fontRef idx="minor">
+        <a:schemeClr val="lt1"/>
+      </a:fontRef>
+    </dgm:style>
+  </dgm:styleLbl>
+  <dgm:styleLbl name="parChTrans2D2">
+    <dgm:scene3d>
+      <a:camera prst="orthographicFront"/>
+      <a:lightRig rig="threePt" dir="t"/>
+    </dgm:scene3d>
+    <dgm:sp3d/>
+    <dgm:txPr/>
+    <dgm:style>
+      <a:lnRef idx="2">
+        <a:scrgbClr r="0" g="0" b="0"/>
+      </a:lnRef>
+      <a:fillRef idx="1">
+        <a:scrgbClr r="0" g="0" b="0"/>
+      </a:fillRef>
+      <a:effectRef idx="0">
+        <a:scrgbClr r="0" g="0" b="0"/>
+      </a:effectRef>
+      <a:fontRef idx="minor">
+        <a:schemeClr val="lt1"/>
+      </a:fontRef>
+    </dgm:style>
+  </dgm:styleLbl>
+  <dgm:styleLbl name="parChTrans2D3">
+    <dgm:scene3d>
+      <a:camera prst="orthographicFront"/>
+      <a:lightRig rig="threePt" dir="t"/>
+    </dgm:scene3d>
+    <dgm:sp3d/>
+    <dgm:txPr/>
+    <dgm:style>
+      <a:lnRef idx="2">
+        <a:scrgbClr r="0" g="0" b="0"/>
+      </a:lnRef>
+      <a:fillRef idx="1">
+        <a:scrgbClr r="0" g="0" b="0"/>
+      </a:fillRef>
+      <a:effectRef idx="0">
+        <a:scrgbClr r="0" g="0" b="0"/>
+      </a:effectRef>
+      <a:fontRef idx="minor">
+        <a:schemeClr val="lt1"/>
+      </a:fontRef>
+    </dgm:style>
+  </dgm:styleLbl>
+  <dgm:styleLbl name="parChTrans2D4">
+    <dgm:scene3d>
+      <a:camera prst="orthographicFront"/>
+      <a:lightRig rig="threePt" dir="t"/>
+    </dgm:scene3d>
+    <dgm:sp3d/>
+    <dgm:txPr/>
+    <dgm:style>
+      <a:lnRef idx="2">
+        <a:scrgbClr r="0" g="0" b="0"/>
+      </a:lnRef>
+      <a:fillRef idx="1">
+        <a:scrgbClr r="0" g="0" b="0"/>
+      </a:fillRef>
+      <a:effectRef idx="0">
+        <a:scrgbClr r="0" g="0" b="0"/>
+      </a:effectRef>
+      <a:fontRef idx="minor">
+        <a:schemeClr val="lt1"/>
+      </a:fontRef>
+    </dgm:style>
+  </dgm:styleLbl>
+  <dgm:styleLbl name="parChTrans1D1">
+    <dgm:scene3d>
+      <a:camera prst="orthographicFront"/>
+      <a:lightRig rig="threePt" dir="t"/>
+    </dgm:scene3d>
+    <dgm:sp3d/>
+    <dgm:txPr/>
+    <dgm:style>
+      <a:lnRef idx="2">
+        <a:scrgbClr r="0" g="0" b="0"/>
+      </a:lnRef>
+      <a:fillRef idx="0">
+        <a:scrgbClr r="0" g="0" b="0"/>
+      </a:fillRef>
+      <a:effectRef idx="0">
+        <a:scrgbClr r="0" g="0" b="0"/>
+      </a:effectRef>
+      <a:fontRef idx="minor"/>
+    </dgm:style>
+  </dgm:styleLbl>
+  <dgm:styleLbl name="parChTrans1D2">
+    <dgm:scene3d>
+      <a:camera prst="orthographicFront"/>
+      <a:lightRig rig="threePt" dir="t"/>
+    </dgm:scene3d>
+    <dgm:sp3d/>
+    <dgm:txPr/>
+    <dgm:style>
+      <a:lnRef idx="2">
+        <a:scrgbClr r="0" g="0" b="0"/>
+      </a:lnRef>
+      <a:fillRef idx="0">
+        <a:scrgbClr r="0" g="0" b="0"/>
+      </a:fillRef>
+      <a:effectRef idx="0">
+        <a:scrgbClr r="0" g="0" b="0"/>
+      </a:effectRef>
+      <a:fontRef idx="minor"/>
+    </dgm:style>
+  </dgm:styleLbl>
+  <dgm:styleLbl name="parChTrans1D3">
+    <dgm:scene3d>
+      <a:camera prst="orthographicFront"/>
+      <a:lightRig rig="threePt" dir="t"/>
+    </dgm:scene3d>
+    <dgm:sp3d/>
+    <dgm:txPr/>
+    <dgm:style>
+      <a:lnRef idx="2">
+        <a:scrgbClr r="0" g="0" b="0"/>
+      </a:lnRef>
+      <a:fillRef idx="0">
+        <a:scrgbClr r="0" g="0" b="0"/>
+      </a:fillRef>
+      <a:effectRef idx="0">
+        <a:scrgbClr r="0" g="0" b="0"/>
+      </a:effectRef>
+      <a:fontRef idx="minor"/>
+    </dgm:style>
+  </dgm:styleLbl>
+  <dgm:styleLbl name="parChTrans1D4">
+    <dgm:scene3d>
+      <a:camera prst="orthographicFront"/>
+      <a:lightRig rig="threePt" dir="t"/>
+    </dgm:scene3d>
+    <dgm:sp3d/>
+    <dgm:txPr/>
+    <dgm:style>
+      <a:lnRef idx="2">
+        <a:scrgbClr r="0" g="0" b="0"/>
+      </a:lnRef>
+      <a:fillRef idx="0">
+        <a:scrgbClr r="0" g="0" b="0"/>
+      </a:fillRef>
+      <a:effectRef idx="0">
+        <a:scrgbClr r="0" g="0" b="0"/>
+      </a:effectRef>
+      <a:fontRef idx="minor"/>
+    </dgm:style>
+  </dgm:styleLbl>
+  <dgm:styleLbl name="fgAcc1">
+    <dgm:scene3d>
+      <a:camera prst="orthographicFront"/>
+      <a:lightRig rig="threePt" dir="t"/>
+    </dgm:scene3d>
+    <dgm:sp3d/>
+    <dgm:txPr/>
+    <dgm:style>
+      <a:lnRef idx="2">
+        <a:scrgbClr r="0" g="0" b="0"/>
+      </a:lnRef>
+      <a:fillRef idx="1">
+        <a:scrgbClr r="0" g="0" b="0"/>
+      </a:fillRef>
+      <a:effectRef idx="0">
+        <a:scrgbClr r="0" g="0" b="0"/>
+      </a:effectRef>
+      <a:fontRef idx="minor"/>
+    </dgm:style>
+  </dgm:styleLbl>
+  <dgm:styleLbl name="conFgAcc1">
+    <dgm:scene3d>
+      <a:camera prst="orthographicFront"/>
+      <a:lightRig rig="threePt" dir="t"/>
+    </dgm:scene3d>
+    <dgm:sp3d/>
+    <dgm:txPr/>
+    <dgm:style>
+      <a:lnRef idx="2">
+        <a:scrgbClr r="0" g="0" b="0"/>
+      </a:lnRef>
+      <a:fillRef idx="1">
+        <a:scrgbClr r="0" g="0" b="0"/>
+      </a:fillRef>
+      <a:effectRef idx="0">
+        <a:scrgbClr r="0" g="0" b="0"/>
+      </a:effectRef>
+      <a:fontRef idx="minor"/>
+    </dgm:style>
+  </dgm:styleLbl>
+  <dgm:styleLbl name="alignAcc1">
+    <dgm:scene3d>
+      <a:camera prst="orthographicFront"/>
+      <a:lightRig rig="threePt" dir="t"/>
+    </dgm:scene3d>
+    <dgm:sp3d/>
+    <dgm:txPr/>
+    <dgm:style>
+      <a:lnRef idx="2">
+        <a:scrgbClr r="0" g="0" b="0"/>
+      </a:lnRef>
+      <a:fillRef idx="1">
+        <a:scrgbClr r="0" g="0" b="0"/>
+      </a:fillRef>
+      <a:effectRef idx="0">
+        <a:scrgbClr r="0" g="0" b="0"/>
+      </a:effectRef>
+      <a:fontRef idx="minor"/>
+    </dgm:style>
+  </dgm:styleLbl>
+  <dgm:styleLbl name="trAlignAcc1">
+    <dgm:scene3d>
+      <a:camera prst="orthographicFront"/>
+      <a:lightRig rig="threePt" dir="t"/>
+    </dgm:scene3d>
+    <dgm:sp3d/>
+    <dgm:txPr/>
+    <dgm:style>
+      <a:lnRef idx="1">
+        <a:scrgbClr r="0" g="0" b="0"/>
+      </a:lnRef>
+      <a:fillRef idx="1">
+        <a:scrgbClr r="0" g="0" b="0"/>
+      </a:fillRef>
+      <a:effectRef idx="0">
+        <a:scrgbClr r="0" g="0" b="0"/>
+      </a:effectRef>
+      <a:fontRef idx="minor"/>
+    </dgm:style>
+  </dgm:styleLbl>
+  <dgm:styleLbl name="bgAcc1">
+    <dgm:scene3d>
+      <a:camera prst="orthographicFront"/>
+      <a:lightRig rig="threePt" dir="t"/>
+    </dgm:scene3d>
+    <dgm:sp3d/>
+    <dgm:txPr/>
+    <dgm:style>
+      <a:lnRef idx="2">
+        <a:scrgbClr r="0" g="0" b="0"/>
+      </a:lnRef>
+      <a:fillRef idx="1">
+        <a:scrgbClr r="0" g="0" b="0"/>
+      </a:fillRef>
+      <a:effectRef idx="0">
+        <a:scrgbClr r="0" g="0" b="0"/>
+      </a:effectRef>
+      <a:fontRef idx="minor"/>
+    </dgm:style>
+  </dgm:styleLbl>
+  <dgm:styleLbl name="solidFgAcc1">
+    <dgm:scene3d>
+      <a:camera prst="orthographicFront"/>
+      <a:lightRig rig="threePt" dir="t"/>
+    </dgm:scene3d>
+    <dgm:sp3d/>
+    <dgm:txPr/>
+    <dgm:style>
+      <a:lnRef idx="2">
+        <a:scrgbClr r="0" g="0" b="0"/>
+      </a:lnRef>
+      <a:fillRef idx="1">
+        <a:scrgbClr r="0" g="0" b="0"/>
+      </a:fillRef>
+      <a:effectRef idx="0">
+        <a:scrgbClr r="0" g="0" b="0"/>
+      </a:effectRef>
+      <a:fontRef idx="minor"/>
+    </dgm:style>
+  </dgm:styleLbl>
+  <dgm:styleLbl name="solidAlignAcc1">
+    <dgm:scene3d>
+      <a:camera prst="orthographicFront"/>
+      <a:lightRig rig="threePt" dir="t"/>
+    </dgm:scene3d>
+    <dgm:sp3d/>
+    <dgm:txPr/>
+    <dgm:style>
+      <a:lnRef idx="2">
+        <a:scrgbClr r="0" g="0" b="0"/>
+      </a:lnRef>
+      <a:fillRef idx="1">
+        <a:scrgbClr r="0" g="0" b="0"/>
+      </a:fillRef>
+      <a:effectRef idx="0">
+        <a:scrgbClr r="0" g="0" b="0"/>
+      </a:effectRef>
+      <a:fontRef idx="minor"/>
+    </dgm:style>
+  </dgm:styleLbl>
+  <dgm:styleLbl name="solidBgAcc1">
+    <dgm:scene3d>
+      <a:camera prst="orthographicFront"/>
+      <a:lightRig rig="threePt" dir="t"/>
+    </dgm:scene3d>
+    <dgm:sp3d/>
+    <dgm:txPr/>
+    <dgm:style>
+      <a:lnRef idx="2">
+        <a:scrgbClr r="0" g="0" b="0"/>
+      </a:lnRef>
+      <a:fillRef idx="1">
+        <a:scrgbClr r="0" g="0" b="0"/>
+      </a:fillRef>
+      <a:effectRef idx="0">
+        <a:scrgbClr r="0" g="0" b="0"/>
+      </a:effectRef>
+      <a:fontRef idx="minor"/>
+    </dgm:style>
+  </dgm:styleLbl>
+  <dgm:styleLbl name="fgAccFollowNode1">
+    <dgm:scene3d>
+      <a:camera prst="orthographicFront"/>
+      <a:lightRig rig="threePt" dir="t"/>
+    </dgm:scene3d>
+    <dgm:sp3d/>
+    <dgm:txPr/>
+    <dgm:style>
+      <a:lnRef idx="2">
+        <a:scrgbClr r="0" g="0" b="0"/>
+      </a:lnRef>
+      <a:fillRef idx="1">
+        <a:scrgbClr r="0" g="0" b="0"/>
+      </a:fillRef>
+      <a:effectRef idx="0">
+        <a:scrgbClr r="0" g="0" b="0"/>
+      </a:effectRef>
+      <a:fontRef idx="minor"/>
+    </dgm:style>
+  </dgm:styleLbl>
+  <dgm:styleLbl name="alignAccFollowNode1">
+    <dgm:scene3d>
+      <a:camera prst="orthographicFront"/>
+      <a:lightRig rig="threePt" dir="t"/>
+    </dgm:scene3d>
+    <dgm:sp3d/>
+    <dgm:txPr/>
+    <dgm:style>
+      <a:lnRef idx="2">
+        <a:scrgbClr r="0" g="0" b="0"/>
+      </a:lnRef>
+      <a:fillRef idx="1">
+        <a:scrgbClr r="0" g="0" b="0"/>
+      </a:fillRef>
+      <a:effectRef idx="0">
+        <a:scrgbClr r="0" g="0" b="0"/>
+      </a:effectRef>
+      <a:fontRef idx="minor"/>
+    </dgm:style>
+  </dgm:styleLbl>
+  <dgm:styleLbl name="bgAccFollowNode1">
+    <dgm:scene3d>
+      <a:camera prst="orthographicFront"/>
+      <a:lightRig rig="threePt" dir="t"/>
+    </dgm:scene3d>
+    <dgm:sp3d/>
+    <dgm:txPr/>
+    <dgm:style>
+      <a:lnRef idx="2">
+        <a:scrgbClr r="0" g="0" b="0"/>
+      </a:lnRef>
+      <a:fillRef idx="1">
+        <a:scrgbClr r="0" g="0" b="0"/>
+      </a:fillRef>
+      <a:effectRef idx="0">
+        <a:scrgbClr r="0" g="0" b="0"/>
+      </a:effectRef>
+      <a:fontRef idx="minor"/>
+    </dgm:style>
+  </dgm:styleLbl>
+  <dgm:styleLbl name="fgAcc0">
+    <dgm:scene3d>
+      <a:camera prst="orthographicFront"/>
+      <a:lightRig rig="threePt" dir="t"/>
+    </dgm:scene3d>
+    <dgm:sp3d/>
+    <dgm:txPr/>
+    <dgm:style>
+      <a:lnRef idx="2">
+        <a:scrgbClr r="0" g="0" b="0"/>
+      </a:lnRef>
+      <a:fillRef idx="1">
+        <a:scrgbClr r="0" g="0" b="0"/>
+      </a:fillRef>
+      <a:effectRef idx="0">
+        <a:scrgbClr r="0" g="0" b="0"/>
+      </a:effectRef>
+      <a:fontRef idx="minor"/>
+    </dgm:style>
+  </dgm:styleLbl>
+  <dgm:styleLbl name="fgAcc2">
+    <dgm:scene3d>
+      <a:camera prst="orthographicFront"/>
+      <a:lightRig rig="threePt" dir="t"/>
+    </dgm:scene3d>
+    <dgm:sp3d/>
+    <dgm:txPr/>
+    <dgm:style>
+      <a:lnRef idx="2">
+        <a:scrgbClr r="0" g="0" b="0"/>
+      </a:lnRef>
+      <a:fillRef idx="1">
+        <a:scrgbClr r="0" g="0" b="0"/>
+      </a:fillRef>
+      <a:effectRef idx="0">
+        <a:scrgbClr r="0" g="0" b="0"/>
+      </a:effectRef>
+      <a:fontRef idx="minor"/>
+    </dgm:style>
+  </dgm:styleLbl>
+  <dgm:styleLbl name="fgAcc3">
+    <dgm:scene3d>
+      <a:camera prst="orthographicFront"/>
+      <a:lightRig rig="threePt" dir="t"/>
+    </dgm:scene3d>
+    <dgm:sp3d/>
+    <dgm:txPr/>
+    <dgm:style>
+      <a:lnRef idx="2">
+        <a:scrgbClr r="0" g="0" b="0"/>
+      </a:lnRef>
+      <a:fillRef idx="1">
+        <a:scrgbClr r="0" g="0" b="0"/>
+      </a:fillRef>
+      <a:effectRef idx="0">
+        <a:scrgbClr r="0" g="0" b="0"/>
+      </a:effectRef>
+      <a:fontRef idx="minor"/>
+    </dgm:style>
+  </dgm:styleLbl>
+  <dgm:styleLbl name="fgAcc4">
+    <dgm:scene3d>
+      <a:camera prst="orthographicFront"/>
+      <a:lightRig rig="threePt" dir="t"/>
+    </dgm:scene3d>
+    <dgm:sp3d/>
+    <dgm:txPr/>
+    <dgm:style>
+      <a:lnRef idx="2">
+        <a:scrgbClr r="0" g="0" b="0"/>
+      </a:lnRef>
+      <a:fillRef idx="1">
+        <a:scrgbClr r="0" g="0" b="0"/>
+      </a:fillRef>
+      <a:effectRef idx="0">
+        <a:scrgbClr r="0" g="0" b="0"/>
+      </a:effectRef>
+      <a:fontRef idx="minor"/>
+    </dgm:style>
+  </dgm:styleLbl>
+  <dgm:styleLbl name="bgShp">
+    <dgm:scene3d>
+      <a:camera prst="orthographicFront"/>
+      <a:lightRig rig="threePt" dir="t"/>
+    </dgm:scene3d>
+    <dgm:sp3d/>
+    <dgm:txPr/>
+    <dgm:style>
+      <a:lnRef idx="0">
+        <a:scrgbClr r="0" g="0" b="0"/>
+      </a:lnRef>
+      <a:fillRef idx="1">
+        <a:scrgbClr r="0" g="0" b="0"/>
+      </a:fillRef>
+      <a:effectRef idx="0">
+        <a:scrgbClr r="0" g="0" b="0"/>
+      </a:effectRef>
+      <a:fontRef idx="minor"/>
+    </dgm:style>
+  </dgm:styleLbl>
+  <dgm:styleLbl name="dkBgShp">
+    <dgm:scene3d>
+      <a:camera prst="orthographicFront"/>
+      <a:lightRig rig="threePt" dir="t"/>
+    </dgm:scene3d>
+    <dgm:sp3d/>
+    <dgm:txPr/>
+    <dgm:style>
+      <a:lnRef idx="0">
+        <a:scrgbClr r="0" g="0" b="0"/>
+      </a:lnRef>
+      <a:fillRef idx="1">
+        <a:scrgbClr r="0" g="0" b="0"/>
+      </a:fillRef>
+      <a:effectRef idx="0">
+        <a:scrgbClr r="0" g="0" b="0"/>
+      </a:effectRef>
+      <a:fontRef idx="minor"/>
+    </dgm:style>
+  </dgm:styleLbl>
+  <dgm:styleLbl name="trBgShp">
+    <dgm:scene3d>
+      <a:camera prst="orthographicFront"/>
+      <a:lightRig rig="threePt" dir="t"/>
+    </dgm:scene3d>
+    <dgm:sp3d/>
+    <dgm:txPr/>
+    <dgm:style>
+      <a:lnRef idx="0">
+        <a:scrgbClr r="0" g="0" b="0"/>
+      </a:lnRef>
+      <a:fillRef idx="1">
+        <a:scrgbClr r="0" g="0" b="0"/>
+      </a:fillRef>
+      <a:effectRef idx="0">
+        <a:scrgbClr r="0" g="0" b="0"/>
+      </a:effectRef>
+      <a:fontRef idx="minor"/>
+    </dgm:style>
+  </dgm:styleLbl>
+  <dgm:styleLbl name="fgShp">
+    <dgm:scene3d>
+      <a:camera prst="orthographicFront"/>
+      <a:lightRig rig="threePt" dir="t"/>
+    </dgm:scene3d>
+    <dgm:sp3d/>
+    <dgm:txPr/>
+    <dgm:style>
+      <a:lnRef idx="2">
+        <a:scrgbClr r="0" g="0" b="0"/>
+      </a:lnRef>
+      <a:fillRef idx="1">
+        <a:scrgbClr r="0" g="0" b="0"/>
+      </a:fillRef>
+      <a:effectRef idx="0">
+        <a:scrgbClr r="0" g="0" b="0"/>
+      </a:effectRef>
+      <a:fontRef idx="minor"/>
+    </dgm:style>
+  </dgm:styleLbl>
+  <dgm:styleLbl name="revTx">
+    <dgm:scene3d>
+      <a:camera prst="orthographicFront"/>
+      <a:lightRig rig="threePt" dir="t"/>
+    </dgm:scene3d>
+    <dgm:sp3d/>
+    <dgm:txPr/>
+    <dgm:style>
+      <a:lnRef idx="0">
+        <a:scrgbClr r="0" g="0" b="0"/>
+      </a:lnRef>
+      <a:fillRef idx="0">
+        <a:scrgbClr r="0" g="0" b="0"/>
+      </a:fillRef>
+      <a:effectRef idx="0">
+        <a:scrgbClr r="0" g="0" b="0"/>
+      </a:effectRef>
+      <a:fontRef idx="minor"/>
+    </dgm:style>
+  </dgm:styleLbl>
+</dgm:styleDef>
+</file>
+
+<file path=ppt/diagrams/quickStyle2.xml><?xml version="1.0" encoding="utf-8"?>
+<dgm:styleDef xmlns:dgm="http://schemas.openxmlformats.org/drawingml/2006/diagram" xmlns:a="http://schemas.openxmlformats.org/drawingml/2006/main" uniqueId="urn:microsoft.com/office/officeart/2005/8/quickstyle/simple1">
+  <dgm:title val=""/>
+  <dgm:desc val=""/>
+  <dgm:catLst>
+    <dgm:cat type="simple" pri="10100"/>
+  </dgm:catLst>
+  <dgm:scene3d>
+    <a:camera prst="orthographicFront"/>
+    <a:lightRig rig="threePt" dir="t"/>
+  </dgm:scene3d>
+  <dgm:styleLbl name="node0">
+    <dgm:scene3d>
+      <a:camera prst="orthographicFront"/>
+      <a:lightRig rig="threePt" dir="t"/>
+    </dgm:scene3d>
+    <dgm:sp3d/>
+    <dgm:txPr/>
+    <dgm:style>
+      <a:lnRef idx="2">
+        <a:scrgbClr r="0" g="0" b="0"/>
+      </a:lnRef>
+      <a:fillRef idx="1">
+        <a:scrgbClr r="0" g="0" b="0"/>
+      </a:fillRef>
+      <a:effectRef idx="0">
+        <a:scrgbClr r="0" g="0" b="0"/>
+      </a:effectRef>
+      <a:fontRef idx="minor">
+        <a:schemeClr val="lt1"/>
+      </a:fontRef>
+    </dgm:style>
+  </dgm:styleLbl>
+  <dgm:styleLbl name="lnNode1">
+    <dgm:scene3d>
+      <a:camera prst="orthographicFront"/>
+      <a:lightRig rig="threePt" dir="t"/>
+    </dgm:scene3d>
+    <dgm:sp3d/>
+    <dgm:txPr/>
+    <dgm:style>
+      <a:lnRef idx="2">
+        <a:scrgbClr r="0" g="0" b="0"/>
+      </a:lnRef>
+      <a:fillRef idx="1">
+        <a:scrgbClr r="0" g="0" b="0"/>
+      </a:fillRef>
+      <a:effectRef idx="0">
+        <a:scrgbClr r="0" g="0" b="0"/>
+      </a:effectRef>
+      <a:fontRef idx="minor">
+        <a:schemeClr val="lt1"/>
+      </a:fontRef>
+    </dgm:style>
+  </dgm:styleLbl>
+  <dgm:styleLbl name="vennNode1">
+    <dgm:scene3d>
+      <a:camera prst="orthographicFront"/>
+      <a:lightRig rig="threePt" dir="t"/>
+    </dgm:scene3d>
+    <dgm:sp3d/>
+    <dgm:txPr/>
+    <dgm:style>
+      <a:lnRef idx="2">
+        <a:scrgbClr r="0" g="0" b="0"/>
+      </a:lnRef>
+      <a:fillRef idx="1">
+        <a:scrgbClr r="0" g="0" b="0"/>
+      </a:fillRef>
+      <a:effectRef idx="0">
+        <a:scrgbClr r="0" g="0" b="0"/>
+      </a:effectRef>
+      <a:fontRef idx="minor">
+        <a:schemeClr val="tx1"/>
+      </a:fontRef>
+    </dgm:style>
+  </dgm:styleLbl>
+  <dgm:styleLbl name="alignNode1">
+    <dgm:scene3d>
+      <a:camera prst="orthographicFront"/>
+      <a:lightRig rig="threePt" dir="t"/>
+    </dgm:scene3d>
+    <dgm:sp3d/>
+    <dgm:txPr/>
+    <dgm:style>
+      <a:lnRef idx="2">
+        <a:scrgbClr r="0" g="0" b="0"/>
+      </a:lnRef>
+      <a:fillRef idx="1">
+        <a:scrgbClr r="0" g="0" b="0"/>
+      </a:fillRef>
+      <a:effectRef idx="0">
+        <a:scrgbClr r="0" g="0" b="0"/>
+      </a:effectRef>
+      <a:fontRef idx="minor">
+        <a:schemeClr val="lt1"/>
+      </a:fontRef>
+    </dgm:style>
+  </dgm:styleLbl>
+  <dgm:styleLbl name="node1">
+    <dgm:scene3d>
+      <a:camera prst="orthographicFront"/>
+      <a:lightRig rig="threePt" dir="t"/>
+    </dgm:scene3d>
+    <dgm:sp3d/>
+    <dgm:txPr/>
+    <dgm:style>
+      <a:lnRef idx="2">
+        <a:scrgbClr r="0" g="0" b="0"/>
+      </a:lnRef>
+      <a:fillRef idx="1">
+        <a:scrgbClr r="0" g="0" b="0"/>
+      </a:fillRef>
+      <a:effectRef idx="0">
+        <a:scrgbClr r="0" g="0" b="0"/>
+      </a:effectRef>
+      <a:fontRef idx="minor">
+        <a:schemeClr val="lt1"/>
+      </a:fontRef>
+    </dgm:style>
+  </dgm:styleLbl>
+  <dgm:styleLbl name="node2">
+    <dgm:scene3d>
+      <a:camera prst="orthographicFront"/>
+      <a:lightRig rig="threePt" dir="t"/>
+    </dgm:scene3d>
+    <dgm:sp3d/>
+    <dgm:txPr/>
+    <dgm:style>
+      <a:lnRef idx="2">
+        <a:scrgbClr r="0" g="0" b="0"/>
+      </a:lnRef>
+      <a:fillRef idx="1">
+        <a:scrgbClr r="0" g="0" b="0"/>
+      </a:fillRef>
+      <a:effectRef idx="0">
+        <a:scrgbClr r="0" g="0" b="0"/>
+      </a:effectRef>
+      <a:fontRef idx="minor">
+        <a:schemeClr val="lt1"/>
+      </a:fontRef>
+    </dgm:style>
+  </dgm:styleLbl>
+  <dgm:styleLbl name="node3">
+    <dgm:scene3d>
+      <a:camera prst="orthographicFront"/>
+      <a:lightRig rig="threePt" dir="t"/>
+    </dgm:scene3d>
+    <dgm:sp3d/>
+    <dgm:txPr/>
+    <dgm:style>
+      <a:lnRef idx="2">
+        <a:scrgbClr r="0" g="0" b="0"/>
+      </a:lnRef>
+      <a:fillRef idx="1">
+        <a:scrgbClr r="0" g="0" b="0"/>
+      </a:fillRef>
+      <a:effectRef idx="0">
+        <a:scrgbClr r="0" g="0" b="0"/>
+      </a:effectRef>
+      <a:fontRef idx="minor">
+        <a:schemeClr val="lt1"/>
+      </a:fontRef>
+    </dgm:style>
+  </dgm:styleLbl>
+  <dgm:styleLbl name="node4">
+    <dgm:scene3d>
+      <a:camera prst="orthographicFront"/>
+      <a:lightRig rig="threePt" dir="t"/>
+    </dgm:scene3d>
+    <dgm:sp3d/>
+    <dgm:txPr/>
+    <dgm:style>
+      <a:lnRef idx="2">
+        <a:scrgbClr r="0" g="0" b="0"/>
+      </a:lnRef>
+      <a:fillRef idx="1">
+        <a:scrgbClr r="0" g="0" b="0"/>
+      </a:fillRef>
+      <a:effectRef idx="0">
+        <a:scrgbClr r="0" g="0" b="0"/>
+      </a:effectRef>
+      <a:fontRef idx="minor">
+        <a:schemeClr val="lt1"/>
+      </a:fontRef>
+    </dgm:style>
+  </dgm:styleLbl>
+  <dgm:styleLbl name="fgImgPlace1">
+    <dgm:scene3d>
+      <a:camera prst="orthographicFront"/>
+      <a:lightRig rig="threePt" dir="t"/>
+    </dgm:scene3d>
+    <dgm:sp3d/>
+    <dgm:txPr/>
+    <dgm:style>
+      <a:lnRef idx="2">
+        <a:scrgbClr r="0" g="0" b="0"/>
+      </a:lnRef>
+      <a:fillRef idx="1">
+        <a:scrgbClr r="0" g="0" b="0"/>
+      </a:fillRef>
+      <a:effectRef idx="0">
+        <a:scrgbClr r="0" g="0" b="0"/>
+      </a:effectRef>
+      <a:fontRef idx="minor"/>
+    </dgm:style>
+  </dgm:styleLbl>
+  <dgm:styleLbl name="alignImgPlace1">
+    <dgm:scene3d>
+      <a:camera prst="orthographicFront"/>
+      <a:lightRig rig="threePt" dir="t"/>
+    </dgm:scene3d>
+    <dgm:sp3d/>
+    <dgm:txPr/>
+    <dgm:style>
+      <a:lnRef idx="2">
+        <a:scrgbClr r="0" g="0" b="0"/>
+      </a:lnRef>
+      <a:fillRef idx="1">
+        <a:scrgbClr r="0" g="0" b="0"/>
+      </a:fillRef>
+      <a:effectRef idx="0">
+        <a:scrgbClr r="0" g="0" b="0"/>
+      </a:effectRef>
+      <a:fontRef idx="minor"/>
+    </dgm:style>
+  </dgm:styleLbl>
+  <dgm:styleLbl name="bgImgPlace1">
+    <dgm:scene3d>
+      <a:camera prst="orthographicFront"/>
+      <a:lightRig rig="threePt" dir="t"/>
+    </dgm:scene3d>
+    <dgm:sp3d/>
+    <dgm:txPr/>
+    <dgm:style>
+      <a:lnRef idx="2">
+        <a:scrgbClr r="0" g="0" b="0"/>
+      </a:lnRef>
+      <a:fillRef idx="1">
+        <a:scrgbClr r="0" g="0" b="0"/>
+      </a:fillRef>
+      <a:effectRef idx="0">
+        <a:scrgbClr r="0" g="0" b="0"/>
+      </a:effectRef>
+      <a:fontRef idx="minor"/>
+    </dgm:style>
+  </dgm:styleLbl>
+  <dgm:styleLbl name="sibTrans2D1">
+    <dgm:scene3d>
+      <a:camera prst="orthographicFront"/>
+      <a:lightRig rig="threePt" dir="t"/>
+    </dgm:scene3d>
+    <dgm:sp3d/>
+    <dgm:txPr/>
+    <dgm:style>
+      <a:lnRef idx="0">
+        <a:scrgbClr r="0" g="0" b="0"/>
+      </a:lnRef>
+      <a:fillRef idx="1">
+        <a:scrgbClr r="0" g="0" b="0"/>
+      </a:fillRef>
+      <a:effectRef idx="0">
+        <a:scrgbClr r="0" g="0" b="0"/>
+      </a:effectRef>
+      <a:fontRef idx="minor">
+        <a:schemeClr val="lt1"/>
+      </a:fontRef>
+    </dgm:style>
+  </dgm:styleLbl>
+  <dgm:styleLbl name="fgSibTrans2D1">
+    <dgm:scene3d>
+      <a:camera prst="orthographicFront"/>
+      <a:lightRig rig="threePt" dir="t"/>
+    </dgm:scene3d>
+    <dgm:sp3d/>
+    <dgm:txPr/>
+    <dgm:style>
+      <a:lnRef idx="0">
+        <a:scrgbClr r="0" g="0" b="0"/>
+      </a:lnRef>
+      <a:fillRef idx="1">
+        <a:scrgbClr r="0" g="0" b="0"/>
+      </a:fillRef>
+      <a:effectRef idx="0">
+        <a:scrgbClr r="0" g="0" b="0"/>
+      </a:effectRef>
+      <a:fontRef idx="minor">
+        <a:schemeClr val="lt1"/>
+      </a:fontRef>
+    </dgm:style>
+  </dgm:styleLbl>
+  <dgm:styleLbl name="bgSibTrans2D1">
+    <dgm:scene3d>
+      <a:camera prst="orthographicFront"/>
+      <a:lightRig rig="threePt" dir="t"/>
+    </dgm:scene3d>
+    <dgm:sp3d/>
+    <dgm:txPr/>
+    <dgm:style>
+      <a:lnRef idx="0">
+        <a:scrgbClr r="0" g="0" b="0"/>
+      </a:lnRef>
+      <a:fillRef idx="1">
+        <a:scrgbClr r="0" g="0" b="0"/>
+      </a:fillRef>
+      <a:effectRef idx="0">
+        <a:scrgbClr r="0" g="0" b="0"/>
+      </a:effectRef>
+      <a:fontRef idx="minor">
+        <a:schemeClr val="lt1"/>
+      </a:fontRef>
+    </dgm:style>
+  </dgm:styleLbl>
+  <dgm:styleLbl name="sibTrans1D1">
+    <dgm:scene3d>
+      <a:camera prst="orthographicFront"/>
+      <a:lightRig rig="threePt" dir="t"/>
+    </dgm:scene3d>
+    <dgm:sp3d/>
+    <dgm:txPr/>
+    <dgm:style>
+      <a:lnRef idx="1">
+        <a:scrgbClr r="0" g="0" b="0"/>
+      </a:lnRef>
+      <a:fillRef idx="0">
+        <a:scrgbClr r="0" g="0" b="0"/>
+      </a:fillRef>
+      <a:effectRef idx="0">
+        <a:scrgbClr r="0" g="0" b="0"/>
+      </a:effectRef>
+      <a:fontRef idx="minor"/>
+    </dgm:style>
+  </dgm:styleLbl>
+  <dgm:styleLbl name="callout">
+    <dgm:scene3d>
+      <a:camera prst="orthographicFront"/>
+      <a:lightRig rig="threePt" dir="t"/>
+    </dgm:scene3d>
+    <dgm:sp3d/>
+    <dgm:txPr/>
+    <dgm:style>
+      <a:lnRef idx="2">
+        <a:scrgbClr r="0" g="0" b="0"/>
+      </a:lnRef>
+      <a:fillRef idx="1">
+        <a:scrgbClr r="0" g="0" b="0"/>
+      </a:fillRef>
+      <a:effectRef idx="0">
+        <a:scrgbClr r="0" g="0" b="0"/>
+      </a:effectRef>
+      <a:fontRef idx="minor"/>
+    </dgm:style>
+  </dgm:styleLbl>
+  <dgm:styleLbl name="asst0">
+    <dgm:scene3d>
+      <a:camera prst="orthographicFront"/>
+      <a:lightRig rig="threePt" dir="t"/>
+    </dgm:scene3d>
+    <dgm:sp3d/>
+    <dgm:txPr/>
+    <dgm:style>
+      <a:lnRef idx="2">
+        <a:scrgbClr r="0" g="0" b="0"/>
+      </a:lnRef>
+      <a:fillRef idx="1">
+        <a:scrgbClr r="0" g="0" b="0"/>
+      </a:fillRef>
+      <a:effectRef idx="0">
+        <a:scrgbClr r="0" g="0" b="0"/>
+      </a:effectRef>
+      <a:fontRef idx="minor">
+        <a:schemeClr val="lt1"/>
+      </a:fontRef>
+    </dgm:style>
+  </dgm:styleLbl>
+  <dgm:styleLbl name="asst1">
+    <dgm:scene3d>
+      <a:camera prst="orthographicFront"/>
+      <a:lightRig rig="threePt" dir="t"/>
+    </dgm:scene3d>
+    <dgm:sp3d/>
+    <dgm:txPr/>
+    <dgm:style>
+      <a:lnRef idx="2">
+        <a:scrgbClr r="0" g="0" b="0"/>
+      </a:lnRef>
+      <a:fillRef idx="1">
+        <a:scrgbClr r="0" g="0" b="0"/>
+      </a:fillRef>
+      <a:effectRef idx="0">
+        <a:scrgbClr r="0" g="0" b="0"/>
+      </a:effectRef>
+      <a:fontRef idx="minor">
+        <a:schemeClr val="lt1"/>
+      </a:fontRef>
+    </dgm:style>
+  </dgm:styleLbl>
+  <dgm:styleLbl name="asst2">
+    <dgm:scene3d>
+      <a:camera prst="orthographicFront"/>
+      <a:lightRig rig="threePt" dir="t"/>
+    </dgm:scene3d>
+    <dgm:sp3d/>
+    <dgm:txPr/>
+    <dgm:style>
+      <a:lnRef idx="2">
+        <a:scrgbClr r="0" g="0" b="0"/>
+      </a:lnRef>
+      <a:fillRef idx="1">
+        <a:scrgbClr r="0" g="0" b="0"/>
+      </a:fillRef>
+      <a:effectRef idx="0">
+        <a:scrgbClr r="0" g="0" b="0"/>
+      </a:effectRef>
+      <a:fontRef idx="minor">
+        <a:schemeClr val="lt1"/>
+      </a:fontRef>
+    </dgm:style>
+  </dgm:styleLbl>
+  <dgm:styleLbl name="asst3">
+    <dgm:scene3d>
+      <a:camera prst="orthographicFront"/>
+      <a:lightRig rig="threePt" dir="t"/>
+    </dgm:scene3d>
+    <dgm:sp3d/>
+    <dgm:txPr/>
+    <dgm:style>
+      <a:lnRef idx="2">
+        <a:scrgbClr r="0" g="0" b="0"/>
+      </a:lnRef>
+      <a:fillRef idx="1">
+        <a:scrgbClr r="0" g="0" b="0"/>
+      </a:fillRef>
+      <a:effectRef idx="0">
+        <a:scrgbClr r="0" g="0" b="0"/>
+      </a:effectRef>
+      <a:fontRef idx="minor">
+        <a:schemeClr val="lt1"/>
+      </a:fontRef>
+    </dgm:style>
+  </dgm:styleLbl>
+  <dgm:styleLbl name="asst4">
+    <dgm:scene3d>
+      <a:camera prst="orthographicFront"/>
+      <a:lightRig rig="threePt" dir="t"/>
+    </dgm:scene3d>
+    <dgm:sp3d/>
+    <dgm:txPr/>
+    <dgm:style>
+      <a:lnRef idx="2">
+        <a:scrgbClr r="0" g="0" b="0"/>
+      </a:lnRef>
+      <a:fillRef idx="1">
+        <a:scrgbClr r="0" g="0" b="0"/>
+      </a:fillRef>
+      <a:effectRef idx="0">
+        <a:scrgbClr r="0" g="0" b="0"/>
+      </a:effectRef>
+      <a:fontRef idx="minor">
+        <a:schemeClr val="lt1"/>
+      </a:fontRef>
+    </dgm:style>
+  </dgm:styleLbl>
+  <dgm:styleLbl name="parChTrans2D1">
+    <dgm:scene3d>
+      <a:camera prst="orthographicFront"/>
+      <a:lightRig rig="threePt" dir="t"/>
+    </dgm:scene3d>
+    <dgm:sp3d/>
+    <dgm:txPr/>
+    <dgm:style>
+      <a:lnRef idx="2">
+        <a:scrgbClr r="0" g="0" b="0"/>
+      </a:lnRef>
+      <a:fillRef idx="1">
+        <a:scrgbClr r="0" g="0" b="0"/>
+      </a:fillRef>
+      <a:effectRef idx="0">
+        <a:scrgbClr r="0" g="0" b="0"/>
+      </a:effectRef>
+      <a:fontRef idx="minor">
+        <a:schemeClr val="lt1"/>
+      </a:fontRef>
+    </dgm:style>
+  </dgm:styleLbl>
+  <dgm:styleLbl name="parChTrans2D2">
+    <dgm:scene3d>
+      <a:camera prst="orthographicFront"/>
+      <a:lightRig rig="threePt" dir="t"/>
+    </dgm:scene3d>
+    <dgm:sp3d/>
+    <dgm:txPr/>
+    <dgm:style>
+      <a:lnRef idx="2">
+        <a:scrgbClr r="0" g="0" b="0"/>
+      </a:lnRef>
+      <a:fillRef idx="1">
+        <a:scrgbClr r="0" g="0" b="0"/>
+      </a:fillRef>
+      <a:effectRef idx="0">
+        <a:scrgbClr r="0" g="0" b="0"/>
+      </a:effectRef>
+      <a:fontRef idx="minor">
+        <a:schemeClr val="lt1"/>
+      </a:fontRef>
+    </dgm:style>
+  </dgm:styleLbl>
+  <dgm:styleLbl name="parChTrans2D3">
+    <dgm:scene3d>
+      <a:camera prst="orthographicFront"/>
+      <a:lightRig rig="threePt" dir="t"/>
+    </dgm:scene3d>
+    <dgm:sp3d/>
+    <dgm:txPr/>
+    <dgm:style>
+      <a:lnRef idx="2">
+        <a:scrgbClr r="0" g="0" b="0"/>
+      </a:lnRef>
+      <a:fillRef idx="1">
+        <a:scrgbClr r="0" g="0" b="0"/>
+      </a:fillRef>
+      <a:effectRef idx="0">
+        <a:scrgbClr r="0" g="0" b="0"/>
+      </a:effectRef>
+      <a:fontRef idx="minor">
+        <a:schemeClr val="lt1"/>
+      </a:fontRef>
+    </dgm:style>
+  </dgm:styleLbl>
+  <dgm:styleLbl name="parChTrans2D4">
+    <dgm:scene3d>
+      <a:camera prst="orthographicFront"/>
+      <a:lightRig rig="threePt" dir="t"/>
+    </dgm:scene3d>
+    <dgm:sp3d/>
+    <dgm:txPr/>
+    <dgm:style>
+      <a:lnRef idx="2">
+        <a:scrgbClr r="0" g="0" b="0"/>
+      </a:lnRef>
+      <a:fillRef idx="1">
+        <a:scrgbClr r="0" g="0" b="0"/>
+      </a:fillRef>
+      <a:effectRef idx="0">
+        <a:scrgbClr r="0" g="0" b="0"/>
+      </a:effectRef>
+      <a:fontRef idx="minor">
+        <a:schemeClr val="lt1"/>
+      </a:fontRef>
+    </dgm:style>
+  </dgm:styleLbl>
+  <dgm:styleLbl name="parChTrans1D1">
+    <dgm:scene3d>
+      <a:camera prst="orthographicFront"/>
+      <a:lightRig rig="threePt" dir="t"/>
+    </dgm:scene3d>
+    <dgm:sp3d/>
+    <dgm:txPr/>
+    <dgm:style>
+      <a:lnRef idx="2">
+        <a:scrgbClr r="0" g="0" b="0"/>
+      </a:lnRef>
+      <a:fillRef idx="0">
+        <a:scrgbClr r="0" g="0" b="0"/>
+      </a:fillRef>
+      <a:effectRef idx="0">
+        <a:scrgbClr r="0" g="0" b="0"/>
+      </a:effectRef>
+      <a:fontRef idx="minor"/>
+    </dgm:style>
+  </dgm:styleLbl>
+  <dgm:styleLbl name="parChTrans1D2">
+    <dgm:scene3d>
+      <a:camera prst="orthographicFront"/>
+      <a:lightRig rig="threePt" dir="t"/>
+    </dgm:scene3d>
+    <dgm:sp3d/>
+    <dgm:txPr/>
+    <dgm:style>
+      <a:lnRef idx="2">
+        <a:scrgbClr r="0" g="0" b="0"/>
+      </a:lnRef>
+      <a:fillRef idx="0">
+        <a:scrgbClr r="0" g="0" b="0"/>
+      </a:fillRef>
+      <a:effectRef idx="0">
+        <a:scrgbClr r="0" g="0" b="0"/>
+      </a:effectRef>
+      <a:fontRef idx="minor"/>
+    </dgm:style>
+  </dgm:styleLbl>
+  <dgm:styleLbl name="parChTrans1D3">
+    <dgm:scene3d>
+      <a:camera prst="orthographicFront"/>
+      <a:lightRig rig="threePt" dir="t"/>
+    </dgm:scene3d>
+    <dgm:sp3d/>
+    <dgm:txPr/>
+    <dgm:style>
+      <a:lnRef idx="2">
+        <a:scrgbClr r="0" g="0" b="0"/>
+      </a:lnRef>
+      <a:fillRef idx="0">
+        <a:scrgbClr r="0" g="0" b="0"/>
+      </a:fillRef>
+      <a:effectRef idx="0">
+        <a:scrgbClr r="0" g="0" b="0"/>
+      </a:effectRef>
+      <a:fontRef idx="minor"/>
+    </dgm:style>
+  </dgm:styleLbl>
+  <dgm:styleLbl name="parChTrans1D4">
+    <dgm:scene3d>
+      <a:camera prst="orthographicFront"/>
+      <a:lightRig rig="threePt" dir="t"/>
+    </dgm:scene3d>
+    <dgm:sp3d/>
+    <dgm:txPr/>
+    <dgm:style>
+      <a:lnRef idx="2">
+        <a:scrgbClr r="0" g="0" b="0"/>
+      </a:lnRef>
+      <a:fillRef idx="0">
+        <a:scrgbClr r="0" g="0" b="0"/>
+      </a:fillRef>
+      <a:effectRef idx="0">
+        <a:scrgbClr r="0" g="0" b="0"/>
+      </a:effectRef>
+      <a:fontRef idx="minor"/>
+    </dgm:style>
+  </dgm:styleLbl>
+  <dgm:styleLbl name="fgAcc1">
+    <dgm:scene3d>
+      <a:camera prst="orthographicFront"/>
+      <a:lightRig rig="threePt" dir="t"/>
+    </dgm:scene3d>
+    <dgm:sp3d/>
+    <dgm:txPr/>
+    <dgm:style>
+      <a:lnRef idx="2">
+        <a:scrgbClr r="0" g="0" b="0"/>
+      </a:lnRef>
+      <a:fillRef idx="1">
+        <a:scrgbClr r="0" g="0" b="0"/>
+      </a:fillRef>
+      <a:effectRef idx="0">
+        <a:scrgbClr r="0" g="0" b="0"/>
+      </a:effectRef>
+      <a:fontRef idx="minor"/>
+    </dgm:style>
+  </dgm:styleLbl>
+  <dgm:styleLbl name="conFgAcc1">
+    <dgm:scene3d>
+      <a:camera prst="orthographicFront"/>
+      <a:lightRig rig="threePt" dir="t"/>
+    </dgm:scene3d>
+    <dgm:sp3d/>
+    <dgm:txPr/>
+    <dgm:style>
+      <a:lnRef idx="2">
+        <a:scrgbClr r="0" g="0" b="0"/>
+      </a:lnRef>
+      <a:fillRef idx="1">
+        <a:scrgbClr r="0" g="0" b="0"/>
+      </a:fillRef>
+      <a:effectRef idx="0">
+        <a:scrgbClr r="0" g="0" b="0"/>
+      </a:effectRef>
+      <a:fontRef idx="minor"/>
+    </dgm:style>
+  </dgm:styleLbl>
+  <dgm:styleLbl name="alignAcc1">
+    <dgm:scene3d>
+      <a:camera prst="orthographicFront"/>
+      <a:lightRig rig="threePt" dir="t"/>
+    </dgm:scene3d>
+    <dgm:sp3d/>
+    <dgm:txPr/>
+    <dgm:style>
+      <a:lnRef idx="2">
+        <a:scrgbClr r="0" g="0" b="0"/>
+      </a:lnRef>
+      <a:fillRef idx="1">
+        <a:scrgbClr r="0" g="0" b="0"/>
+      </a:fillRef>
+      <a:effectRef idx="0">
+        <a:scrgbClr r="0" g="0" b="0"/>
+      </a:effectRef>
+      <a:fontRef idx="minor"/>
+    </dgm:style>
+  </dgm:styleLbl>
+  <dgm:styleLbl name="trAlignAcc1">
+    <dgm:scene3d>
+      <a:camera prst="orthographicFront"/>
+      <a:lightRig rig="threePt" dir="t"/>
+    </dgm:scene3d>
+    <dgm:sp3d/>
+    <dgm:txPr/>
+    <dgm:style>
+      <a:lnRef idx="1">
+        <a:scrgbClr r="0" g="0" b="0"/>
+      </a:lnRef>
+      <a:fillRef idx="1">
+        <a:scrgbClr r="0" g="0" b="0"/>
+      </a:fillRef>
+      <a:effectRef idx="0">
+        <a:scrgbClr r="0" g="0" b="0"/>
+      </a:effectRef>
+      <a:fontRef idx="minor"/>
+    </dgm:style>
+  </dgm:styleLbl>
+  <dgm:styleLbl name="bgAcc1">
+    <dgm:scene3d>
+      <a:camera prst="orthographicFront"/>
+      <a:lightRig rig="threePt" dir="t"/>
+    </dgm:scene3d>
+    <dgm:sp3d/>
+    <dgm:txPr/>
+    <dgm:style>
+      <a:lnRef idx="2">
+        <a:scrgbClr r="0" g="0" b="0"/>
+      </a:lnRef>
+      <a:fillRef idx="1">
+        <a:scrgbClr r="0" g="0" b="0"/>
+      </a:fillRef>
+      <a:effectRef idx="0">
+        <a:scrgbClr r="0" g="0" b="0"/>
+      </a:effectRef>
+      <a:fontRef idx="minor"/>
+    </dgm:style>
+  </dgm:styleLbl>
+  <dgm:styleLbl name="solidFgAcc1">
+    <dgm:scene3d>
+      <a:camera prst="orthographicFront"/>
+      <a:lightRig rig="threePt" dir="t"/>
+    </dgm:scene3d>
+    <dgm:sp3d/>
+    <dgm:txPr/>
+    <dgm:style>
+      <a:lnRef idx="2">
+        <a:scrgbClr r="0" g="0" b="0"/>
+      </a:lnRef>
+      <a:fillRef idx="1">
+        <a:scrgbClr r="0" g="0" b="0"/>
+      </a:fillRef>
+      <a:effectRef idx="0">
+        <a:scrgbClr r="0" g="0" b="0"/>
+      </a:effectRef>
+      <a:fontRef idx="minor"/>
+    </dgm:style>
+  </dgm:styleLbl>
+  <dgm:styleLbl name="solidAlignAcc1">
+    <dgm:scene3d>
+      <a:camera prst="orthographicFront"/>
+      <a:lightRig rig="threePt" dir="t"/>
+    </dgm:scene3d>
+    <dgm:sp3d/>
+    <dgm:txPr/>
+    <dgm:style>
+      <a:lnRef idx="2">
+        <a:scrgbClr r="0" g="0" b="0"/>
+      </a:lnRef>
+      <a:fillRef idx="1">
+        <a:scrgbClr r="0" g="0" b="0"/>
+      </a:fillRef>
+      <a:effectRef idx="0">
+        <a:scrgbClr r="0" g="0" b="0"/>
+      </a:effectRef>
+      <a:fontRef idx="minor"/>
+    </dgm:style>
+  </dgm:styleLbl>
+  <dgm:styleLbl name="solidBgAcc1">
+    <dgm:scene3d>
+      <a:camera prst="orthographicFront"/>
+      <a:lightRig rig="threePt" dir="t"/>
+    </dgm:scene3d>
+    <dgm:sp3d/>
+    <dgm:txPr/>
+    <dgm:style>
+      <a:lnRef idx="2">
+        <a:scrgbClr r="0" g="0" b="0"/>
+      </a:lnRef>
+      <a:fillRef idx="1">
+        <a:scrgbClr r="0" g="0" b="0"/>
+      </a:fillRef>
+      <a:effectRef idx="0">
+        <a:scrgbClr r="0" g="0" b="0"/>
+      </a:effectRef>
+      <a:fontRef idx="minor"/>
+    </dgm:style>
+  </dgm:styleLbl>
+  <dgm:styleLbl name="fgAccFollowNode1">
+    <dgm:scene3d>
+      <a:camera prst="orthographicFront"/>
+      <a:lightRig rig="threePt" dir="t"/>
+    </dgm:scene3d>
+    <dgm:sp3d/>
+    <dgm:txPr/>
+    <dgm:style>
+      <a:lnRef idx="2">
+        <a:scrgbClr r="0" g="0" b="0"/>
+      </a:lnRef>
+      <a:fillRef idx="1">
+        <a:scrgbClr r="0" g="0" b="0"/>
+      </a:fillRef>
+      <a:effectRef idx="0">
+        <a:scrgbClr r="0" g="0" b="0"/>
+      </a:effectRef>
+      <a:fontRef idx="minor"/>
+    </dgm:style>
+  </dgm:styleLbl>
+  <dgm:styleLbl name="alignAccFollowNode1">
+    <dgm:scene3d>
+      <a:camera prst="orthographicFront"/>
+      <a:lightRig rig="threePt" dir="t"/>
+    </dgm:scene3d>
+    <dgm:sp3d/>
+    <dgm:txPr/>
+    <dgm:style>
+      <a:lnRef idx="2">
+        <a:scrgbClr r="0" g="0" b="0"/>
+      </a:lnRef>
+      <a:fillRef idx="1">
+        <a:scrgbClr r="0" g="0" b="0"/>
+      </a:fillRef>
+      <a:effectRef idx="0">
+        <a:scrgbClr r="0" g="0" b="0"/>
+      </a:effectRef>
+      <a:fontRef idx="minor"/>
+    </dgm:style>
+  </dgm:styleLbl>
+  <dgm:styleLbl name="bgAccFollowNode1">
+    <dgm:scene3d>
+      <a:camera prst="orthographicFront"/>
+      <a:lightRig rig="threePt" dir="t"/>
+    </dgm:scene3d>
+    <dgm:sp3d/>
+    <dgm:txPr/>
+    <dgm:style>
+      <a:lnRef idx="2">
+        <a:scrgbClr r="0" g="0" b="0"/>
+      </a:lnRef>
+      <a:fillRef idx="1">
+        <a:scrgbClr r="0" g="0" b="0"/>
+      </a:fillRef>
+      <a:effectRef idx="0">
+        <a:scrgbClr r="0" g="0" b="0"/>
+      </a:effectRef>
+      <a:fontRef idx="minor"/>
+    </dgm:style>
+  </dgm:styleLbl>
+  <dgm:styleLbl name="fgAcc0">
+    <dgm:scene3d>
+      <a:camera prst="orthographicFront"/>
+      <a:lightRig rig="threePt" dir="t"/>
+    </dgm:scene3d>
+    <dgm:sp3d/>
+    <dgm:txPr/>
+    <dgm:style>
+      <a:lnRef idx="2">
+        <a:scrgbClr r="0" g="0" b="0"/>
+      </a:lnRef>
+      <a:fillRef idx="1">
+        <a:scrgbClr r="0" g="0" b="0"/>
+      </a:fillRef>
+      <a:effectRef idx="0">
+        <a:scrgbClr r="0" g="0" b="0"/>
+      </a:effectRef>
+      <a:fontRef idx="minor"/>
+    </dgm:style>
+  </dgm:styleLbl>
+  <dgm:styleLbl name="fgAcc2">
+    <dgm:scene3d>
+      <a:camera prst="orthographicFront"/>
+      <a:lightRig rig="threePt" dir="t"/>
+    </dgm:scene3d>
+    <dgm:sp3d/>
+    <dgm:txPr/>
+    <dgm:style>
+      <a:lnRef idx="2">
+        <a:scrgbClr r="0" g="0" b="0"/>
+      </a:lnRef>
+      <a:fillRef idx="1">
+        <a:scrgbClr r="0" g="0" b="0"/>
+      </a:fillRef>
+      <a:effectRef idx="0">
+        <a:scrgbClr r="0" g="0" b="0"/>
+      </a:effectRef>
+      <a:fontRef idx="minor"/>
+    </dgm:style>
+  </dgm:styleLbl>
+  <dgm:styleLbl name="fgAcc3">
+    <dgm:scene3d>
+      <a:camera prst="orthographicFront"/>
+      <a:lightRig rig="threePt" dir="t"/>
+    </dgm:scene3d>
+    <dgm:sp3d/>
+    <dgm:txPr/>
+    <dgm:style>
+      <a:lnRef idx="2">
+        <a:scrgbClr r="0" g="0" b="0"/>
+      </a:lnRef>
+      <a:fillRef idx="1">
+        <a:scrgbClr r="0" g="0" b="0"/>
+      </a:fillRef>
+      <a:effectRef idx="0">
+        <a:scrgbClr r="0" g="0" b="0"/>
+      </a:effectRef>
+      <a:fontRef idx="minor"/>
+    </dgm:style>
+  </dgm:styleLbl>
+  <dgm:styleLbl name="fgAcc4">
+    <dgm:scene3d>
+      <a:camera prst="orthographicFront"/>
+      <a:lightRig rig="threePt" dir="t"/>
+    </dgm:scene3d>
+    <dgm:sp3d/>
+    <dgm:txPr/>
+    <dgm:style>
+      <a:lnRef idx="2">
+        <a:scrgbClr r="0" g="0" b="0"/>
+      </a:lnRef>
+      <a:fillRef idx="1">
+        <a:scrgbClr r="0" g="0" b="0"/>
+      </a:fillRef>
+      <a:effectRef idx="0">
+        <a:scrgbClr r="0" g="0" b="0"/>
+      </a:effectRef>
+      <a:fontRef idx="minor"/>
+    </dgm:style>
+  </dgm:styleLbl>
+  <dgm:styleLbl name="bgShp">
+    <dgm:scene3d>
+      <a:camera prst="orthographicFront"/>
+      <a:lightRig rig="threePt" dir="t"/>
+    </dgm:scene3d>
+    <dgm:sp3d/>
+    <dgm:txPr/>
+    <dgm:style>
+      <a:lnRef idx="0">
+        <a:scrgbClr r="0" g="0" b="0"/>
+      </a:lnRef>
+      <a:fillRef idx="1">
+        <a:scrgbClr r="0" g="0" b="0"/>
+      </a:fillRef>
+      <a:effectRef idx="0">
+        <a:scrgbClr r="0" g="0" b="0"/>
+      </a:effectRef>
+      <a:fontRef idx="minor"/>
+    </dgm:style>
+  </dgm:styleLbl>
+  <dgm:styleLbl name="dkBgShp">
+    <dgm:scene3d>
+      <a:camera prst="orthographicFront"/>
+      <a:lightRig rig="threePt" dir="t"/>
+    </dgm:scene3d>
+    <dgm:sp3d/>
+    <dgm:txPr/>
+    <dgm:style>
+      <a:lnRef idx="0">
+        <a:scrgbClr r="0" g="0" b="0"/>
+      </a:lnRef>
+      <a:fillRef idx="1">
+        <a:scrgbClr r="0" g="0" b="0"/>
+      </a:fillRef>
+      <a:effectRef idx="0">
+        <a:scrgbClr r="0" g="0" b="0"/>
+      </a:effectRef>
+      <a:fontRef idx="minor"/>
+    </dgm:style>
+  </dgm:styleLbl>
+  <dgm:styleLbl name="trBgShp">
+    <dgm:scene3d>
+      <a:camera prst="orthographicFront"/>
+      <a:lightRig rig="threePt" dir="t"/>
+    </dgm:scene3d>
+    <dgm:sp3d/>
+    <dgm:txPr/>
+    <dgm:style>
+      <a:lnRef idx="0">
+        <a:scrgbClr r="0" g="0" b="0"/>
+      </a:lnRef>
+      <a:fillRef idx="1">
+        <a:scrgbClr r="0" g="0" b="0"/>
+      </a:fillRef>
+      <a:effectRef idx="0">
+        <a:scrgbClr r="0" g="0" b="0"/>
+      </a:effectRef>
+      <a:fontRef idx="minor"/>
+    </dgm:style>
+  </dgm:styleLbl>
+  <dgm:styleLbl name="fgShp">
+    <dgm:scene3d>
+      <a:camera prst="orthographicFront"/>
+      <a:lightRig rig="threePt" dir="t"/>
+    </dgm:scene3d>
+    <dgm:sp3d/>
+    <dgm:txPr/>
+    <dgm:style>
+      <a:lnRef idx="2">
+        <a:scrgbClr r="0" g="0" b="0"/>
+      </a:lnRef>
+      <a:fillRef idx="1">
+        <a:scrgbClr r="0" g="0" b="0"/>
+      </a:fillRef>
+      <a:effectRef idx="0">
+        <a:scrgbClr r="0" g="0" b="0"/>
+      </a:effectRef>
+      <a:fontRef idx="minor"/>
+    </dgm:style>
+  </dgm:styleLbl>
+  <dgm:styleLbl name="revTx">
+    <dgm:scene3d>
+      <a:camera prst="orthographicFront"/>
+      <a:lightRig rig="threePt" dir="t"/>
+    </dgm:scene3d>
+    <dgm:sp3d/>
+    <dgm:txPr/>
+    <dgm:style>
+      <a:lnRef idx="0">
+        <a:scrgbClr r="0" g="0" b="0"/>
+      </a:lnRef>
+      <a:fillRef idx="0">
+        <a:scrgbClr r="0" g="0" b="0"/>
+      </a:fillRef>
+      <a:effectRef idx="0">
+        <a:scrgbClr r="0" g="0" b="0"/>
+      </a:effectRef>
+      <a:fontRef idx="minor"/>
+    </dgm:style>
+  </dgm:styleLbl>
+</dgm:styleDef>
+</file>
+
+<file path=ppt/diagrams/quickStyle3.xml><?xml version="1.0" encoding="utf-8"?>
 <dgm:styleDef xmlns:dgm="http://schemas.openxmlformats.org/drawingml/2006/diagram" xmlns:a="http://schemas.openxmlformats.org/drawingml/2006/main" uniqueId="urn:microsoft.com/office/officeart/2005/8/quickstyle/simple1">
   <dgm:title val=""/>
   <dgm:desc val=""/>
@@ -12939,6 +18700,344 @@
           <p:cNvPr id="2" name="Title 1">
             <a:extLst>
               <a:ext uri="{FF2B5EF4-FFF2-40B4-BE49-F238E27FC236}">
+                <a16:creationId xmlns:a16="http://schemas.microsoft.com/office/drawing/2014/main" id="{4518FC28-E0BD-4387-B8BE-9965D1A57FF1}"/>
+              </a:ext>
+            </a:extLst>
+          </p:cNvPr>
+          <p:cNvSpPr>
+            <a:spLocks noGrp="1"/>
+          </p:cNvSpPr>
+          <p:nvPr>
+            <p:ph type="title"/>
+          </p:nvPr>
+        </p:nvSpPr>
+        <p:spPr>
+          <a:xfrm>
+            <a:off x="2281187" y="468511"/>
+            <a:ext cx="8421688" cy="1325563"/>
+          </a:xfrm>
+        </p:spPr>
+        <p:txBody>
+          <a:bodyPr anchor="ctr">
+            <a:normAutofit/>
+          </a:bodyPr>
+          <a:lstStyle/>
+          <a:p>
+            <a:r>
+              <a:rPr lang="en-US" dirty="0"/>
+              <a:t>In conclusion:</a:t>
+            </a:r>
+          </a:p>
+        </p:txBody>
+      </p:sp>
+      <p:pic>
+        <p:nvPicPr>
+          <p:cNvPr id="8" name="Picture 7" descr="Chart, bar chart&#10;&#10;Description automatically generated">
+            <a:extLst>
+              <a:ext uri="{FF2B5EF4-FFF2-40B4-BE49-F238E27FC236}">
+                <a16:creationId xmlns:a16="http://schemas.microsoft.com/office/drawing/2014/main" id="{DAF30A14-AD42-C18D-BD54-8C3007E235CE}"/>
+              </a:ext>
+            </a:extLst>
+          </p:cNvPr>
+          <p:cNvPicPr>
+            <a:picLocks noChangeAspect="1"/>
+          </p:cNvPicPr>
+          <p:nvPr/>
+        </p:nvPicPr>
+        <p:blipFill>
+          <a:blip r:embed="rId2"/>
+          <a:stretch>
+            <a:fillRect/>
+          </a:stretch>
+        </p:blipFill>
+        <p:spPr>
+          <a:xfrm>
+            <a:off x="2281187" y="1861691"/>
+            <a:ext cx="4600876" cy="3970783"/>
+          </a:xfrm>
+          <a:prstGeom prst="rect">
+            <a:avLst/>
+          </a:prstGeom>
+          <a:noFill/>
+        </p:spPr>
+      </p:pic>
+      <p:sp>
+        <p:nvSpPr>
+          <p:cNvPr id="15" name="Text Placeholder 4">
+            <a:extLst>
+              <a:ext uri="{FF2B5EF4-FFF2-40B4-BE49-F238E27FC236}">
+                <a16:creationId xmlns:a16="http://schemas.microsoft.com/office/drawing/2014/main" id="{AAB95973-7D2E-8759-C79B-29C23ACF40A9}"/>
+              </a:ext>
+            </a:extLst>
+          </p:cNvPr>
+          <p:cNvSpPr>
+            <a:spLocks noGrp="1"/>
+          </p:cNvSpPr>
+          <p:nvPr>
+            <p:ph type="body" sz="quarter" idx="3"/>
+          </p:nvPr>
+        </p:nvSpPr>
+        <p:spPr>
+          <a:xfrm>
+            <a:off x="7396537" y="1861691"/>
+            <a:ext cx="3943627" cy="698629"/>
+          </a:xfrm>
+        </p:spPr>
+        <p:txBody>
+          <a:bodyPr/>
+          <a:lstStyle/>
+          <a:p>
+            <a:r>
+              <a:rPr lang="en-US" sz="1200" i="1" dirty="0"/>
+              <a:t>Right: </a:t>
+            </a:r>
+          </a:p>
+          <a:p>
+            <a:r>
+              <a:rPr lang="en-US" sz="1200" i="1" dirty="0"/>
+              <a:t>A breakdown of the various layers and their respective functions with their accuracies</a:t>
+            </a:r>
+          </a:p>
+        </p:txBody>
+      </p:sp>
+      <p:sp>
+        <p:nvSpPr>
+          <p:cNvPr id="17" name="Content Placeholder 5">
+            <a:extLst>
+              <a:ext uri="{FF2B5EF4-FFF2-40B4-BE49-F238E27FC236}">
+                <a16:creationId xmlns:a16="http://schemas.microsoft.com/office/drawing/2014/main" id="{5185B8AB-36B0-FD02-9951-004960C3AE7D}"/>
+              </a:ext>
+            </a:extLst>
+          </p:cNvPr>
+          <p:cNvSpPr>
+            <a:spLocks noGrp="1"/>
+          </p:cNvSpPr>
+          <p:nvPr>
+            <p:ph sz="quarter" idx="4"/>
+          </p:nvPr>
+        </p:nvSpPr>
+        <p:spPr>
+          <a:xfrm>
+            <a:off x="7410173" y="3084196"/>
+            <a:ext cx="3943627" cy="2748277"/>
+          </a:xfrm>
+        </p:spPr>
+        <p:txBody>
+          <a:bodyPr>
+            <a:normAutofit fontScale="92500" lnSpcReduction="20000"/>
+          </a:bodyPr>
+          <a:lstStyle/>
+          <a:p>
+            <a:pPr marL="285750" indent="-285750">
+              <a:buFont typeface="Tenorite" panose="00000500000000000000" pitchFamily="2" charset="0"/>
+              <a:buChar char="–"/>
+            </a:pPr>
+            <a:r>
+              <a:rPr lang="en-US" dirty="0"/>
+              <a:t>Machine Learning is already being used in commercial settings - marketing is one of them, which shows a strong indication of growth over the next few years</a:t>
+            </a:r>
+          </a:p>
+          <a:p>
+            <a:pPr marL="285750" indent="-285750">
+              <a:buFont typeface="Tenorite" panose="00000500000000000000" pitchFamily="2" charset="0"/>
+              <a:buChar char="–"/>
+            </a:pPr>
+            <a:r>
+              <a:rPr lang="en-US" dirty="0"/>
+              <a:t>For our particular project, the accuracy is quite high for predicting whether or not a potential client would accept a long-term deposit across the board</a:t>
+            </a:r>
+          </a:p>
+          <a:p>
+            <a:pPr marL="285750" indent="-285750">
+              <a:buFont typeface="Tenorite" panose="00000500000000000000" pitchFamily="2" charset="0"/>
+              <a:buChar char="–"/>
+            </a:pPr>
+            <a:r>
+              <a:rPr lang="en-US" dirty="0"/>
+              <a:t>It was unexpected that our dataset would be more accurate using Tanh function over </a:t>
+            </a:r>
+            <a:r>
+              <a:rPr lang="en-US" dirty="0" err="1"/>
+              <a:t>ReLu</a:t>
+            </a:r>
+            <a:r>
+              <a:rPr lang="en-US" dirty="0"/>
+              <a:t>, but it goes to show that different functions still have their uses, despite </a:t>
+            </a:r>
+            <a:r>
+              <a:rPr lang="en-US" dirty="0" err="1"/>
+              <a:t>ReLu</a:t>
+            </a:r>
+            <a:r>
+              <a:rPr lang="en-US" dirty="0"/>
+              <a:t> being considered the most useful for machine learning</a:t>
+            </a:r>
+          </a:p>
+        </p:txBody>
+      </p:sp>
+      <p:sp>
+        <p:nvSpPr>
+          <p:cNvPr id="4" name="Date Placeholder 3">
+            <a:extLst>
+              <a:ext uri="{FF2B5EF4-FFF2-40B4-BE49-F238E27FC236}">
+                <a16:creationId xmlns:a16="http://schemas.microsoft.com/office/drawing/2014/main" id="{00560550-EE65-43CE-B899-F421E74287A1}"/>
+              </a:ext>
+            </a:extLst>
+          </p:cNvPr>
+          <p:cNvSpPr>
+            <a:spLocks noGrp="1"/>
+          </p:cNvSpPr>
+          <p:nvPr>
+            <p:ph type="dt" sz="half" idx="10"/>
+          </p:nvPr>
+        </p:nvSpPr>
+        <p:spPr>
+          <a:xfrm>
+            <a:off x="838200" y="6356350"/>
+            <a:ext cx="2743200" cy="365125"/>
+          </a:xfrm>
+        </p:spPr>
+        <p:txBody>
+          <a:bodyPr anchor="ctr">
+            <a:normAutofit/>
+          </a:bodyPr>
+          <a:lstStyle/>
+          <a:p>
+            <a:pPr>
+              <a:spcAft>
+                <a:spcPts val="600"/>
+              </a:spcAft>
+            </a:pPr>
+            <a:r>
+              <a:rPr lang="en-US" dirty="0"/>
+              <a:t>2023</a:t>
+            </a:r>
+            <a:endParaRPr lang="en-US"/>
+          </a:p>
+        </p:txBody>
+      </p:sp>
+      <p:sp>
+        <p:nvSpPr>
+          <p:cNvPr id="5" name="Footer Placeholder 4">
+            <a:extLst>
+              <a:ext uri="{FF2B5EF4-FFF2-40B4-BE49-F238E27FC236}">
+                <a16:creationId xmlns:a16="http://schemas.microsoft.com/office/drawing/2014/main" id="{4135E32A-1A8C-43D2-9C6E-12887B4DEDFB}"/>
+              </a:ext>
+            </a:extLst>
+          </p:cNvPr>
+          <p:cNvSpPr>
+            <a:spLocks noGrp="1"/>
+          </p:cNvSpPr>
+          <p:nvPr>
+            <p:ph type="ftr" sz="quarter" idx="11"/>
+          </p:nvPr>
+        </p:nvSpPr>
+        <p:spPr>
+          <a:xfrm>
+            <a:off x="4038600" y="6356350"/>
+            <a:ext cx="4114800" cy="365125"/>
+          </a:xfrm>
+        </p:spPr>
+        <p:txBody>
+          <a:bodyPr anchor="ctr">
+            <a:normAutofit/>
+          </a:bodyPr>
+          <a:lstStyle/>
+          <a:p>
+            <a:pPr>
+              <a:spcAft>
+                <a:spcPts val="600"/>
+              </a:spcAft>
+            </a:pPr>
+            <a:r>
+              <a:rPr lang="en-US" dirty="0"/>
+              <a:t>BANK TELEMARKETING OUTCOMES</a:t>
+            </a:r>
+            <a:endParaRPr lang="en-US"/>
+          </a:p>
+        </p:txBody>
+      </p:sp>
+      <p:sp>
+        <p:nvSpPr>
+          <p:cNvPr id="6" name="Slide Number Placeholder 5">
+            <a:extLst>
+              <a:ext uri="{FF2B5EF4-FFF2-40B4-BE49-F238E27FC236}">
+                <a16:creationId xmlns:a16="http://schemas.microsoft.com/office/drawing/2014/main" id="{7C4B8313-9270-4128-8674-3A3E42B806BC}"/>
+              </a:ext>
+            </a:extLst>
+          </p:cNvPr>
+          <p:cNvSpPr>
+            <a:spLocks noGrp="1"/>
+          </p:cNvSpPr>
+          <p:nvPr>
+            <p:ph type="sldNum" sz="quarter" idx="12"/>
+          </p:nvPr>
+        </p:nvSpPr>
+        <p:spPr>
+          <a:xfrm>
+            <a:off x="8610600" y="6356350"/>
+            <a:ext cx="2743200" cy="365125"/>
+          </a:xfrm>
+        </p:spPr>
+        <p:txBody>
+          <a:bodyPr anchor="ctr">
+            <a:normAutofit/>
+          </a:bodyPr>
+          <a:lstStyle/>
+          <a:p>
+            <a:pPr>
+              <a:spcAft>
+                <a:spcPts val="600"/>
+              </a:spcAft>
+            </a:pPr>
+            <a:fld id="{A49DFD55-3C28-40EF-9E31-A92D2E4017FF}" type="slidenum">
+              <a:rPr lang="en-US" smtClean="0"/>
+              <a:pPr>
+                <a:spcAft>
+                  <a:spcPts val="600"/>
+                </a:spcAft>
+              </a:pPr>
+              <a:t>10</a:t>
+            </a:fld>
+            <a:endParaRPr lang="en-US"/>
+          </a:p>
+        </p:txBody>
+      </p:sp>
+    </p:spTree>
+    <p:extLst>
+      <p:ext uri="{BB962C8B-B14F-4D97-AF65-F5344CB8AC3E}">
+        <p14:creationId xmlns:p14="http://schemas.microsoft.com/office/powerpoint/2010/main" val="1742861620"/>
+      </p:ext>
+    </p:extLst>
+  </p:cSld>
+  <p:clrMapOvr>
+    <a:masterClrMapping/>
+  </p:clrMapOvr>
+</p:sld>
+</file>
+
+<file path=ppt/slides/slide11.xml><?xml version="1.0" encoding="utf-8"?>
+<p:sld xmlns:a="http://schemas.openxmlformats.org/drawingml/2006/main" xmlns:r="http://schemas.openxmlformats.org/officeDocument/2006/relationships" xmlns:p="http://schemas.openxmlformats.org/presentationml/2006/main">
+  <p:cSld>
+    <p:spTree>
+      <p:nvGrpSpPr>
+        <p:cNvPr id="1" name=""/>
+        <p:cNvGrpSpPr/>
+        <p:nvPr/>
+      </p:nvGrpSpPr>
+      <p:grpSpPr>
+        <a:xfrm>
+          <a:off x="0" y="0"/>
+          <a:ext cx="0" cy="0"/>
+          <a:chOff x="0" y="0"/>
+          <a:chExt cx="0" cy="0"/>
+        </a:xfrm>
+      </p:grpSpPr>
+      <p:sp>
+        <p:nvSpPr>
+          <p:cNvPr id="2" name="Title 1">
+            <a:extLst>
+              <a:ext uri="{FF2B5EF4-FFF2-40B4-BE49-F238E27FC236}">
                 <a16:creationId xmlns:a16="http://schemas.microsoft.com/office/drawing/2014/main" id="{8BDF1EDE-5423-435C-B149-87AB1BC22B83}"/>
               </a:ext>
             </a:extLst>
@@ -13161,7 +19260,7 @@
             <a:fld id="{A49DFD55-3C28-40EF-9E31-A92D2E4017FF}" type="slidenum">
               <a:rPr lang="en-US" smtClean="0"/>
               <a:pPr/>
-              <a:t>10</a:t>
+              <a:t>11</a:t>
             </a:fld>
             <a:endParaRPr lang="en-US" dirty="0"/>
           </a:p>
@@ -13215,62 +19314,19 @@
         </p:nvSpPr>
         <p:spPr>
           <a:xfrm>
-            <a:off x="1333500" y="1020445"/>
-            <a:ext cx="2895600" cy="1325563"/>
+            <a:off x="838200" y="365125"/>
+            <a:ext cx="10515600" cy="1325563"/>
           </a:xfrm>
         </p:spPr>
         <p:txBody>
-          <a:bodyPr/>
+          <a:bodyPr anchor="ctr">
+            <a:normAutofit/>
+          </a:bodyPr>
           <a:lstStyle/>
           <a:p>
             <a:r>
               <a:rPr lang="en-US" dirty="0"/>
               <a:t>Outline</a:t>
-            </a:r>
-          </a:p>
-        </p:txBody>
-      </p:sp>
-      <p:sp>
-        <p:nvSpPr>
-          <p:cNvPr id="3" name="Content Placeholder 2">
-            <a:extLst>
-              <a:ext uri="{FF2B5EF4-FFF2-40B4-BE49-F238E27FC236}">
-                <a16:creationId xmlns:a16="http://schemas.microsoft.com/office/drawing/2014/main" id="{5671D7E5-EF66-4BCD-8DAA-E9061157F0BE}"/>
-              </a:ext>
-            </a:extLst>
-          </p:cNvPr>
-          <p:cNvSpPr>
-            <a:spLocks noGrp="1"/>
-          </p:cNvSpPr>
-          <p:nvPr>
-            <p:ph idx="1"/>
-          </p:nvPr>
-        </p:nvSpPr>
-        <p:spPr>
-          <a:xfrm>
-            <a:off x="1333500" y="2924175"/>
-            <a:ext cx="2895600" cy="2519363"/>
-          </a:xfrm>
-        </p:spPr>
-        <p:txBody>
-          <a:bodyPr/>
-          <a:lstStyle/>
-          <a:p>
-            <a:r>
-              <a:rPr lang="en-US" dirty="0"/>
-              <a:t>Introduction</a:t>
-            </a:r>
-          </a:p>
-          <a:p>
-            <a:r>
-              <a:rPr lang="en-US" dirty="0"/>
-              <a:t>Project specifics</a:t>
-            </a:r>
-          </a:p>
-          <a:p>
-            <a:r>
-              <a:rPr lang="en-US" dirty="0"/>
-              <a:t>Conclusion</a:t>
             </a:r>
           </a:p>
         </p:txBody>
@@ -13293,18 +19349,26 @@
         </p:nvSpPr>
         <p:spPr>
           <a:xfrm>
-            <a:off x="1333500" y="6356350"/>
-            <a:ext cx="985157" cy="365125"/>
+            <a:off x="838200" y="6356350"/>
+            <a:ext cx="2743200" cy="365125"/>
           </a:xfrm>
         </p:spPr>
         <p:txBody>
-          <a:bodyPr/>
+          <a:bodyPr anchor="ctr">
+            <a:normAutofit/>
+          </a:bodyPr>
           <a:lstStyle/>
           <a:p>
+            <a:pPr>
+              <a:spcAft>
+                <a:spcPts val="600"/>
+              </a:spcAft>
+            </a:pPr>
             <a:r>
               <a:rPr lang="en-US" dirty="0"/>
               <a:t>2023</a:t>
             </a:r>
+            <a:endParaRPr lang="en-US"/>
           </a:p>
         </p:txBody>
       </p:sp>
@@ -13326,18 +19390,26 @@
         </p:nvSpPr>
         <p:spPr>
           <a:xfrm>
-            <a:off x="2669886" y="6356349"/>
-            <a:ext cx="2482842" cy="365125"/>
+            <a:off x="4038600" y="6356350"/>
+            <a:ext cx="4114800" cy="365125"/>
           </a:xfrm>
         </p:spPr>
         <p:txBody>
-          <a:bodyPr/>
+          <a:bodyPr anchor="ctr">
+            <a:normAutofit/>
+          </a:bodyPr>
           <a:lstStyle/>
           <a:p>
+            <a:pPr>
+              <a:spcAft>
+                <a:spcPts val="600"/>
+              </a:spcAft>
+            </a:pPr>
             <a:r>
               <a:rPr lang="en-US" dirty="0"/>
               <a:t>BANK TELEMARKETING OUTCOMES</a:t>
             </a:r>
+            <a:endParaRPr lang="en-US"/>
           </a:p>
         </p:txBody>
       </p:sp>
@@ -13359,23 +19431,65 @@
         </p:nvSpPr>
         <p:spPr>
           <a:xfrm>
-            <a:off x="5536305" y="6356350"/>
-            <a:ext cx="987552" cy="365125"/>
+            <a:off x="8610600" y="6356350"/>
+            <a:ext cx="2743200" cy="365125"/>
           </a:xfrm>
         </p:spPr>
         <p:txBody>
-          <a:bodyPr/>
+          <a:bodyPr anchor="ctr">
+            <a:normAutofit/>
+          </a:bodyPr>
           <a:lstStyle/>
           <a:p>
+            <a:pPr>
+              <a:spcAft>
+                <a:spcPts val="600"/>
+              </a:spcAft>
+            </a:pPr>
             <a:fld id="{A49DFD55-3C28-40EF-9E31-A92D2E4017FF}" type="slidenum">
               <a:rPr lang="en-US" smtClean="0"/>
-              <a:pPr/>
+              <a:pPr>
+                <a:spcAft>
+                  <a:spcPts val="600"/>
+                </a:spcAft>
+              </a:pPr>
               <a:t>2</a:t>
             </a:fld>
-            <a:endParaRPr lang="en-US" dirty="0"/>
+            <a:endParaRPr lang="en-US"/>
           </a:p>
         </p:txBody>
       </p:sp>
+      <p:graphicFrame>
+        <p:nvGraphicFramePr>
+          <p:cNvPr id="8" name="Content Placeholder 2">
+            <a:extLst>
+              <a:ext uri="{FF2B5EF4-FFF2-40B4-BE49-F238E27FC236}">
+                <a16:creationId xmlns:a16="http://schemas.microsoft.com/office/drawing/2014/main" id="{2A65421E-EB7D-FF45-BE66-1CED8D56FF34}"/>
+              </a:ext>
+            </a:extLst>
+          </p:cNvPr>
+          <p:cNvGraphicFramePr>
+            <a:graphicFrameLocks noGrp="1"/>
+          </p:cNvGraphicFramePr>
+          <p:nvPr>
+            <p:ph type="dgm" sz="quarter" idx="15"/>
+            <p:extLst>
+              <p:ext uri="{D42A27DB-BD31-4B8C-83A1-F6EECF244321}">
+                <p14:modId xmlns:p14="http://schemas.microsoft.com/office/powerpoint/2010/main" val="4231898252"/>
+              </p:ext>
+            </p:extLst>
+          </p:nvPr>
+        </p:nvGraphicFramePr>
+        <p:xfrm>
+          <a:off x="838200" y="2111375"/>
+          <a:ext cx="10515600" cy="3744913"/>
+        </p:xfrm>
+        <a:graphic>
+          <a:graphicData uri="http://schemas.openxmlformats.org/drawingml/2006/diagram">
+            <dgm:relIds xmlns:dgm="http://schemas.openxmlformats.org/drawingml/2006/diagram" xmlns:r="http://schemas.openxmlformats.org/officeDocument/2006/relationships" r:dm="rId2" r:lo="rId3" r:qs="rId4" r:cs="rId5"/>
+          </a:graphicData>
+        </a:graphic>
+      </p:graphicFrame>
     </p:spTree>
     <p:extLst>
       <p:ext uri="{BB962C8B-B14F-4D97-AF65-F5344CB8AC3E}">
@@ -13424,89 +19538,20 @@
         </p:nvSpPr>
         <p:spPr>
           <a:xfrm>
-            <a:off x="1362075" y="1671639"/>
-            <a:ext cx="5111750" cy="1204912"/>
+            <a:off x="838200" y="365125"/>
+            <a:ext cx="10515600" cy="1325563"/>
           </a:xfrm>
         </p:spPr>
         <p:txBody>
-          <a:bodyPr/>
+          <a:bodyPr anchor="ctr">
+            <a:normAutofit/>
+          </a:bodyPr>
           <a:lstStyle/>
           <a:p>
             <a:r>
               <a:rPr lang="en-US" dirty="0"/>
               <a:t>INTRODUCTION</a:t>
             </a:r>
-          </a:p>
-        </p:txBody>
-      </p:sp>
-      <p:sp>
-        <p:nvSpPr>
-          <p:cNvPr id="3" name="Text Placeholder 2">
-            <a:extLst>
-              <a:ext uri="{FF2B5EF4-FFF2-40B4-BE49-F238E27FC236}">
-                <a16:creationId xmlns:a16="http://schemas.microsoft.com/office/drawing/2014/main" id="{9D5232F9-FD00-464A-9F17-619C91AEF8F3}"/>
-              </a:ext>
-            </a:extLst>
-          </p:cNvPr>
-          <p:cNvSpPr>
-            <a:spLocks noGrp="1"/>
-          </p:cNvSpPr>
-          <p:nvPr>
-            <p:ph type="body" idx="1"/>
-          </p:nvPr>
-        </p:nvSpPr>
-        <p:spPr>
-          <a:xfrm>
-            <a:off x="1362075" y="3660773"/>
-            <a:ext cx="5111750" cy="2330593"/>
-          </a:xfrm>
-        </p:spPr>
-        <p:txBody>
-          <a:bodyPr/>
-          <a:lstStyle/>
-          <a:p>
-            <a:pPr marL="285750" indent="-285750">
-              <a:buFontTx/>
-              <a:buChar char="-"/>
-            </a:pPr>
-            <a:r>
-              <a:rPr lang="en-US" dirty="0"/>
-              <a:t>Our project looks at the efficacy of a direct marketing campaign by a Portuguese bank</a:t>
-            </a:r>
-          </a:p>
-          <a:p>
-            <a:pPr marL="285750" indent="-285750">
-              <a:buFontTx/>
-              <a:buChar char="-"/>
-            </a:pPr>
-            <a:r>
-              <a:rPr lang="en-US" dirty="0"/>
-              <a:t>According to a report issued by Deloitte in 2019, the increase in the use of AI and machine learning in marketing increased by 27% from 2018 to the time of the report.</a:t>
-            </a:r>
-          </a:p>
-          <a:p>
-            <a:pPr marL="285750" indent="-285750">
-              <a:buFontTx/>
-              <a:buChar char="-"/>
-            </a:pPr>
-            <a:r>
-              <a:rPr lang="en-US" dirty="0"/>
-              <a:t>This is also predicted to increase steadily over the coming years</a:t>
-            </a:r>
-          </a:p>
-          <a:p>
-            <a:pPr marL="285750" indent="-285750">
-              <a:buFontTx/>
-              <a:buChar char="-"/>
-            </a:pPr>
-            <a:endParaRPr lang="en-US" dirty="0"/>
-          </a:p>
-          <a:p>
-            <a:pPr marL="285750" indent="-285750">
-              <a:buFontTx/>
-              <a:buChar char="-"/>
-            </a:pPr>
-            <a:endParaRPr lang="en-US" dirty="0"/>
           </a:p>
         </p:txBody>
       </p:sp>
@@ -13529,17 +19574,25 @@
         <p:spPr>
           <a:xfrm>
             <a:off x="838200" y="6356350"/>
-            <a:ext cx="1219200" cy="365125"/>
+            <a:ext cx="2743200" cy="365125"/>
           </a:xfrm>
         </p:spPr>
         <p:txBody>
-          <a:bodyPr/>
+          <a:bodyPr anchor="ctr">
+            <a:normAutofit/>
+          </a:bodyPr>
           <a:lstStyle/>
           <a:p>
+            <a:pPr>
+              <a:spcAft>
+                <a:spcPts val="600"/>
+              </a:spcAft>
+            </a:pPr>
             <a:r>
               <a:rPr lang="en-US" dirty="0"/>
               <a:t>2023</a:t>
             </a:r>
+            <a:endParaRPr lang="en-US"/>
           </a:p>
         </p:txBody>
       </p:sp>
@@ -13561,18 +19614,26 @@
         </p:nvSpPr>
         <p:spPr>
           <a:xfrm>
-            <a:off x="2463800" y="6356350"/>
-            <a:ext cx="3479800" cy="365125"/>
+            <a:off x="4038600" y="6356350"/>
+            <a:ext cx="4114800" cy="365125"/>
           </a:xfrm>
         </p:spPr>
         <p:txBody>
-          <a:bodyPr/>
+          <a:bodyPr anchor="ctr">
+            <a:normAutofit/>
+          </a:bodyPr>
           <a:lstStyle/>
           <a:p>
+            <a:pPr>
+              <a:spcAft>
+                <a:spcPts val="600"/>
+              </a:spcAft>
+            </a:pPr>
             <a:r>
               <a:rPr lang="en-US" dirty="0"/>
               <a:t>BANK TELEMARKETING OUTCOMES</a:t>
             </a:r>
+            <a:endParaRPr lang="en-US"/>
           </a:p>
         </p:txBody>
       </p:sp>
@@ -13599,18 +19660,57 @@
           </a:xfrm>
         </p:spPr>
         <p:txBody>
-          <a:bodyPr/>
+          <a:bodyPr anchor="ctr">
+            <a:normAutofit/>
+          </a:bodyPr>
           <a:lstStyle/>
           <a:p>
+            <a:pPr>
+              <a:spcAft>
+                <a:spcPts val="600"/>
+              </a:spcAft>
+            </a:pPr>
             <a:fld id="{A49DFD55-3C28-40EF-9E31-A92D2E4017FF}" type="slidenum">
               <a:rPr lang="en-US" smtClean="0"/>
-              <a:pPr/>
+              <a:pPr>
+                <a:spcAft>
+                  <a:spcPts val="600"/>
+                </a:spcAft>
+              </a:pPr>
               <a:t>3</a:t>
             </a:fld>
-            <a:endParaRPr lang="en-US" dirty="0"/>
+            <a:endParaRPr lang="en-US"/>
           </a:p>
         </p:txBody>
       </p:sp>
+      <p:graphicFrame>
+        <p:nvGraphicFramePr>
+          <p:cNvPr id="8" name="Text Placeholder 2">
+            <a:extLst>
+              <a:ext uri="{FF2B5EF4-FFF2-40B4-BE49-F238E27FC236}">
+                <a16:creationId xmlns:a16="http://schemas.microsoft.com/office/drawing/2014/main" id="{C9DDB644-80AA-0C4D-213B-E1D8F672F222}"/>
+              </a:ext>
+            </a:extLst>
+          </p:cNvPr>
+          <p:cNvGraphicFramePr/>
+          <p:nvPr>
+            <p:extLst>
+              <p:ext uri="{D42A27DB-BD31-4B8C-83A1-F6EECF244321}">
+                <p14:modId xmlns:p14="http://schemas.microsoft.com/office/powerpoint/2010/main" val="683720992"/>
+              </p:ext>
+            </p:extLst>
+          </p:nvPr>
+        </p:nvGraphicFramePr>
+        <p:xfrm>
+          <a:off x="838200" y="2111375"/>
+          <a:ext cx="10515600" cy="3744913"/>
+        </p:xfrm>
+        <a:graphic>
+          <a:graphicData uri="http://schemas.openxmlformats.org/drawingml/2006/diagram">
+            <dgm:relIds xmlns:dgm="http://schemas.openxmlformats.org/drawingml/2006/diagram" xmlns:r="http://schemas.openxmlformats.org/officeDocument/2006/relationships" r:dm="rId2" r:lo="rId3" r:qs="rId4" r:cs="rId5"/>
+          </a:graphicData>
+        </a:graphic>
+      </p:graphicFrame>
     </p:spTree>
     <p:extLst>
       <p:ext uri="{BB962C8B-B14F-4D97-AF65-F5344CB8AC3E}">
@@ -13802,13 +19902,143 @@
           </a:xfrm>
         </p:spPr>
         <p:txBody>
-          <a:bodyPr/>
+          <a:bodyPr anchor="ctr">
+            <a:normAutofit/>
+          </a:bodyPr>
           <a:lstStyle/>
           <a:p>
             <a:r>
               <a:rPr lang="en-US" dirty="0"/>
               <a:t>Libraries used</a:t>
             </a:r>
+          </a:p>
+        </p:txBody>
+      </p:sp>
+      <p:sp>
+        <p:nvSpPr>
+          <p:cNvPr id="6" name="Date Placeholder 5">
+            <a:extLst>
+              <a:ext uri="{FF2B5EF4-FFF2-40B4-BE49-F238E27FC236}">
+                <a16:creationId xmlns:a16="http://schemas.microsoft.com/office/drawing/2014/main" id="{3627CC26-34EF-4BB9-B289-9EC56B07D1E6}"/>
+              </a:ext>
+            </a:extLst>
+          </p:cNvPr>
+          <p:cNvSpPr>
+            <a:spLocks noGrp="1"/>
+          </p:cNvSpPr>
+          <p:nvPr>
+            <p:ph type="dt" sz="half" idx="10"/>
+          </p:nvPr>
+        </p:nvSpPr>
+        <p:spPr>
+          <a:xfrm>
+            <a:off x="838200" y="6356350"/>
+            <a:ext cx="2743200" cy="365125"/>
+          </a:xfrm>
+        </p:spPr>
+        <p:txBody>
+          <a:bodyPr anchor="ctr">
+            <a:normAutofit/>
+          </a:bodyPr>
+          <a:lstStyle/>
+          <a:p>
+            <a:pPr>
+              <a:spcAft>
+                <a:spcPts val="600"/>
+              </a:spcAft>
+            </a:pPr>
+            <a:r>
+              <a:rPr lang="en-US" dirty="0"/>
+              <a:t>2023</a:t>
+            </a:r>
+            <a:endParaRPr lang="en-US"/>
+          </a:p>
+        </p:txBody>
+      </p:sp>
+      <p:sp>
+        <p:nvSpPr>
+          <p:cNvPr id="7" name="Footer Placeholder 6">
+            <a:extLst>
+              <a:ext uri="{FF2B5EF4-FFF2-40B4-BE49-F238E27FC236}">
+                <a16:creationId xmlns:a16="http://schemas.microsoft.com/office/drawing/2014/main" id="{4E98E6AD-9D37-499C-898E-ED12AC36D31D}"/>
+              </a:ext>
+            </a:extLst>
+          </p:cNvPr>
+          <p:cNvSpPr>
+            <a:spLocks noGrp="1"/>
+          </p:cNvSpPr>
+          <p:nvPr>
+            <p:ph type="ftr" sz="quarter" idx="11"/>
+          </p:nvPr>
+        </p:nvSpPr>
+        <p:spPr>
+          <a:xfrm>
+            <a:off x="4038600" y="6356350"/>
+            <a:ext cx="4114800" cy="365125"/>
+          </a:xfrm>
+        </p:spPr>
+        <p:txBody>
+          <a:bodyPr anchor="ctr">
+            <a:normAutofit/>
+          </a:bodyPr>
+          <a:lstStyle/>
+          <a:p>
+            <a:pPr>
+              <a:spcAft>
+                <a:spcPts val="600"/>
+              </a:spcAft>
+            </a:pPr>
+            <a:r>
+              <a:rPr lang="en-US" dirty="0"/>
+              <a:t>BANK TELEMARKETING OUTCOMES</a:t>
+            </a:r>
+            <a:endParaRPr lang="en-US"/>
+          </a:p>
+        </p:txBody>
+      </p:sp>
+      <p:sp>
+        <p:nvSpPr>
+          <p:cNvPr id="8" name="Slide Number Placeholder 7">
+            <a:extLst>
+              <a:ext uri="{FF2B5EF4-FFF2-40B4-BE49-F238E27FC236}">
+                <a16:creationId xmlns:a16="http://schemas.microsoft.com/office/drawing/2014/main" id="{92908AF9-2A07-4B50-BC13-471792106EC8}"/>
+              </a:ext>
+            </a:extLst>
+          </p:cNvPr>
+          <p:cNvSpPr>
+            <a:spLocks noGrp="1"/>
+          </p:cNvSpPr>
+          <p:nvPr>
+            <p:ph type="sldNum" sz="quarter" idx="12"/>
+          </p:nvPr>
+        </p:nvSpPr>
+        <p:spPr>
+          <a:xfrm>
+            <a:off x="8610600" y="6356350"/>
+            <a:ext cx="2743200" cy="365125"/>
+          </a:xfrm>
+        </p:spPr>
+        <p:txBody>
+          <a:bodyPr anchor="ctr">
+            <a:normAutofit/>
+          </a:bodyPr>
+          <a:lstStyle/>
+          <a:p>
+            <a:pPr>
+              <a:spcAft>
+                <a:spcPts val="600"/>
+              </a:spcAft>
+            </a:pPr>
+            <a:fld id="{A49DFD55-3C28-40EF-9E31-A92D2E4017FF}" type="slidenum">
+              <a:rPr lang="en-US" smtClean="0"/>
+              <a:pPr>
+                <a:spcAft>
+                  <a:spcPts val="600"/>
+                </a:spcAft>
+              </a:pPr>
+              <a:t>5</a:t>
+            </a:fld>
+            <a:endParaRPr lang="en-US"/>
           </a:p>
         </p:txBody>
       </p:sp>
@@ -13825,10 +20055,10 @@
             <a:graphicFrameLocks noGrp="1"/>
           </p:cNvGraphicFramePr>
           <p:nvPr>
-            <p:ph type="dgm" sz="quarter" idx="15"/>
+            <p:ph type="tbl" sz="quarter" idx="14"/>
             <p:extLst>
               <p:ext uri="{D42A27DB-BD31-4B8C-83A1-F6EECF244321}">
-                <p14:modId xmlns:p14="http://schemas.microsoft.com/office/powerpoint/2010/main" val="968294598"/>
+                <p14:modId xmlns:p14="http://schemas.microsoft.com/office/powerpoint/2010/main" val="2669948109"/>
               </p:ext>
             </p:extLst>
           </p:nvPr>
@@ -13845,102 +20075,61 @@
       </p:graphicFrame>
       <p:sp>
         <p:nvSpPr>
-          <p:cNvPr id="6" name="Date Placeholder 5">
+          <p:cNvPr id="29" name="Rectangle: Rounded Corners 28">
             <a:extLst>
               <a:ext uri="{FF2B5EF4-FFF2-40B4-BE49-F238E27FC236}">
-                <a16:creationId xmlns:a16="http://schemas.microsoft.com/office/drawing/2014/main" id="{3627CC26-34EF-4BB9-B289-9EC56B07D1E6}"/>
+                <a16:creationId xmlns:a16="http://schemas.microsoft.com/office/drawing/2014/main" id="{2A27A954-486F-4E11-13DB-439775FD0103}"/>
               </a:ext>
             </a:extLst>
           </p:cNvPr>
-          <p:cNvSpPr>
-            <a:spLocks noGrp="1"/>
-          </p:cNvSpPr>
-          <p:nvPr>
-            <p:ph type="dt" sz="half" idx="10"/>
-          </p:nvPr>
+          <p:cNvSpPr/>
+          <p:nvPr/>
         </p:nvSpPr>
         <p:spPr>
           <a:xfrm>
-            <a:off x="838200" y="6356350"/>
-            <a:ext cx="2743200" cy="365125"/>
+            <a:off x="4628707" y="5206096"/>
+            <a:ext cx="6725093" cy="552893"/>
           </a:xfrm>
+          <a:prstGeom prst="roundRect">
+            <a:avLst/>
+          </a:prstGeom>
+          <a:solidFill>
+            <a:srgbClr val="F8F6F4"/>
+          </a:solidFill>
+          <a:ln>
+            <a:solidFill>
+              <a:srgbClr val="F8F6F4"/>
+            </a:solidFill>
+          </a:ln>
         </p:spPr>
+        <p:style>
+          <a:lnRef idx="2">
+            <a:schemeClr val="accent1">
+              <a:shade val="50000"/>
+            </a:schemeClr>
+          </a:lnRef>
+          <a:fillRef idx="1">
+            <a:schemeClr val="accent1"/>
+          </a:fillRef>
+          <a:effectRef idx="0">
+            <a:schemeClr val="accent1"/>
+          </a:effectRef>
+          <a:fontRef idx="minor">
+            <a:schemeClr val="lt1"/>
+          </a:fontRef>
+        </p:style>
         <p:txBody>
-          <a:bodyPr/>
+          <a:bodyPr rtlCol="0" anchor="ctr"/>
           <a:lstStyle/>
           <a:p>
             <a:r>
-              <a:rPr lang="en-US" dirty="0"/>
-              <a:t>2023</a:t>
-            </a:r>
-          </a:p>
-        </p:txBody>
-      </p:sp>
-      <p:sp>
-        <p:nvSpPr>
-          <p:cNvPr id="7" name="Footer Placeholder 6">
-            <a:extLst>
-              <a:ext uri="{FF2B5EF4-FFF2-40B4-BE49-F238E27FC236}">
-                <a16:creationId xmlns:a16="http://schemas.microsoft.com/office/drawing/2014/main" id="{4E98E6AD-9D37-499C-898E-ED12AC36D31D}"/>
-              </a:ext>
-            </a:extLst>
-          </p:cNvPr>
-          <p:cNvSpPr>
-            <a:spLocks noGrp="1"/>
-          </p:cNvSpPr>
-          <p:nvPr>
-            <p:ph type="ftr" sz="quarter" idx="11"/>
-          </p:nvPr>
-        </p:nvSpPr>
-        <p:spPr>
-          <a:xfrm>
-            <a:off x="4038600" y="6356350"/>
-            <a:ext cx="4114800" cy="365125"/>
-          </a:xfrm>
-        </p:spPr>
-        <p:txBody>
-          <a:bodyPr/>
-          <a:lstStyle/>
-          <a:p>
-            <a:r>
-              <a:rPr lang="en-US" dirty="0"/>
-              <a:t>BANK TELEMARKETING OUTCOMES</a:t>
-            </a:r>
-          </a:p>
-        </p:txBody>
-      </p:sp>
-      <p:sp>
-        <p:nvSpPr>
-          <p:cNvPr id="8" name="Slide Number Placeholder 7">
-            <a:extLst>
-              <a:ext uri="{FF2B5EF4-FFF2-40B4-BE49-F238E27FC236}">
-                <a16:creationId xmlns:a16="http://schemas.microsoft.com/office/drawing/2014/main" id="{92908AF9-2A07-4B50-BC13-471792106EC8}"/>
-              </a:ext>
-            </a:extLst>
-          </p:cNvPr>
-          <p:cNvSpPr>
-            <a:spLocks noGrp="1"/>
-          </p:cNvSpPr>
-          <p:nvPr>
-            <p:ph type="sldNum" sz="quarter" idx="12"/>
-          </p:nvPr>
-        </p:nvSpPr>
-        <p:spPr>
-          <a:xfrm>
-            <a:off x="8610600" y="6356350"/>
-            <a:ext cx="2743200" cy="365125"/>
-          </a:xfrm>
-        </p:spPr>
-        <p:txBody>
-          <a:bodyPr/>
-          <a:lstStyle/>
-          <a:p>
-            <a:fld id="{A49DFD55-3C28-40EF-9E31-A92D2E4017FF}" type="slidenum">
-              <a:rPr lang="en-US" smtClean="0"/>
-              <a:pPr/>
-              <a:t>5</a:t>
-            </a:fld>
-            <a:endParaRPr lang="en-US" dirty="0"/>
+              <a:rPr lang="en-AU" sz="1600" dirty="0">
+                <a:solidFill>
+                  <a:schemeClr val="tx1"/>
+                </a:solidFill>
+              </a:rPr>
+              <a:t>Used to display the results of our activation functions</a:t>
+            </a:r>
           </a:p>
         </p:txBody>
       </p:sp>
@@ -14030,10 +20219,15 @@
           </a:xfrm>
         </p:spPr>
         <p:txBody>
-          <a:bodyPr/>
+          <a:bodyPr>
+            <a:normAutofit fontScale="92500" lnSpcReduction="20000"/>
+          </a:bodyPr>
           <a:lstStyle/>
           <a:p>
-            <a:endParaRPr lang="en-US" dirty="0"/>
+            <a:r>
+              <a:rPr lang="en-US" dirty="0"/>
+              <a:t>Cleaning and processing</a:t>
+            </a:r>
           </a:p>
         </p:txBody>
       </p:sp>
@@ -14060,10 +20254,15 @@
           </a:xfrm>
         </p:spPr>
         <p:txBody>
-          <a:bodyPr/>
+          <a:bodyPr>
+            <a:normAutofit fontScale="92500" lnSpcReduction="20000"/>
+          </a:bodyPr>
           <a:lstStyle/>
           <a:p>
-            <a:endParaRPr lang="en-US" dirty="0"/>
+            <a:r>
+              <a:rPr lang="en-US" dirty="0"/>
+              <a:t>Splitting and scaling</a:t>
+            </a:r>
           </a:p>
         </p:txBody>
       </p:sp>
@@ -14090,10 +20289,15 @@
           </a:xfrm>
         </p:spPr>
         <p:txBody>
-          <a:bodyPr/>
+          <a:bodyPr>
+            <a:normAutofit fontScale="92500" lnSpcReduction="20000"/>
+          </a:bodyPr>
           <a:lstStyle/>
           <a:p>
-            <a:endParaRPr lang="en-US" dirty="0"/>
+            <a:r>
+              <a:rPr lang="en-US" dirty="0"/>
+              <a:t>Defining the model</a:t>
+            </a:r>
           </a:p>
         </p:txBody>
       </p:sp>
@@ -14120,10 +20324,15 @@
           </a:xfrm>
         </p:spPr>
         <p:txBody>
-          <a:bodyPr/>
+          <a:bodyPr>
+            <a:normAutofit fontScale="92500" lnSpcReduction="20000"/>
+          </a:bodyPr>
           <a:lstStyle/>
           <a:p>
-            <a:endParaRPr lang="en-US" dirty="0"/>
+            <a:r>
+              <a:rPr lang="en-US" dirty="0"/>
+              <a:t>Evaluating the model</a:t>
+            </a:r>
           </a:p>
         </p:txBody>
       </p:sp>
@@ -14155,7 +20364,10 @@
           </a:bodyPr>
           <a:lstStyle/>
           <a:p>
-            <a:endParaRPr lang="en-US" dirty="0"/>
+            <a:r>
+              <a:rPr lang="en-US" dirty="0"/>
+              <a:t>After importing dependencies, we dropped any null values and found the number of unique values in each column. We then converted everything to numerical data.</a:t>
+            </a:r>
           </a:p>
         </p:txBody>
       </p:sp>
@@ -14187,7 +20399,42 @@
           </a:bodyPr>
           <a:lstStyle/>
           <a:p>
-            <a:endParaRPr lang="en-US" dirty="0"/>
+            <a:r>
+              <a:rPr lang="en-US" dirty="0"/>
+              <a:t>We then split the preprocessed data into the standard </a:t>
+            </a:r>
+            <a:r>
+              <a:rPr lang="en-US" dirty="0" err="1"/>
+              <a:t>x_train</a:t>
+            </a:r>
+            <a:r>
+              <a:rPr lang="en-US" dirty="0"/>
+              <a:t>/</a:t>
+            </a:r>
+            <a:r>
+              <a:rPr lang="en-US" dirty="0" err="1"/>
+              <a:t>x_test</a:t>
+            </a:r>
+            <a:r>
+              <a:rPr lang="en-US" dirty="0"/>
+              <a:t> and </a:t>
+            </a:r>
+            <a:r>
+              <a:rPr lang="en-US" dirty="0" err="1"/>
+              <a:t>y_train</a:t>
+            </a:r>
+            <a:r>
+              <a:rPr lang="en-US" dirty="0"/>
+              <a:t>/</a:t>
+            </a:r>
+            <a:r>
+              <a:rPr lang="en-US" dirty="0" err="1"/>
+              <a:t>y_test</a:t>
+            </a:r>
+            <a:r>
+              <a:rPr lang="en-US" dirty="0"/>
+              <a:t>, fit it and scaled it using standard scaler </a:t>
+            </a:r>
           </a:p>
         </p:txBody>
       </p:sp>
@@ -14219,7 +20466,26 @@
           </a:bodyPr>
           <a:lstStyle/>
           <a:p>
-            <a:endParaRPr lang="en-US" dirty="0"/>
+            <a:r>
+              <a:rPr lang="en-US" dirty="0"/>
+              <a:t>Used </a:t>
+            </a:r>
+            <a:r>
+              <a:rPr lang="en-US" dirty="0" err="1"/>
+              <a:t>Keras</a:t>
+            </a:r>
+            <a:r>
+              <a:rPr lang="en-US" dirty="0"/>
+              <a:t> to create a deep neural net and used </a:t>
+            </a:r>
+            <a:r>
+              <a:rPr lang="en-US" dirty="0" err="1"/>
+              <a:t>ReLU</a:t>
+            </a:r>
+            <a:r>
+              <a:rPr lang="en-US" dirty="0"/>
+              <a:t>, Tanh and Sigmoid functions on the layers. The model was then ready to be compiled and fit</a:t>
+            </a:r>
           </a:p>
         </p:txBody>
       </p:sp>
@@ -14251,7 +20517,10 @@
           </a:bodyPr>
           <a:lstStyle/>
           <a:p>
-            <a:endParaRPr lang="en-US" dirty="0"/>
+            <a:r>
+              <a:rPr lang="en-US" dirty="0"/>
+              <a:t>Using the test data, we evaluated the model and ended up with a loss of 0.2335 and with accuracy of 0.9029</a:t>
+            </a:r>
           </a:p>
         </p:txBody>
       </p:sp>
@@ -14409,114 +20678,53 @@
           </a:xfrm>
         </p:spPr>
         <p:txBody>
-          <a:bodyPr/>
+          <a:bodyPr anchor="ctr">
+            <a:normAutofit/>
+          </a:bodyPr>
           <a:lstStyle/>
           <a:p>
             <a:r>
               <a:rPr lang="en-US" dirty="0"/>
-              <a:t>Visualisations/findings?</a:t>
+              <a:t>Accuracy rate by function</a:t>
             </a:r>
           </a:p>
         </p:txBody>
       </p:sp>
-      <p:sp>
-        <p:nvSpPr>
-          <p:cNvPr id="3" name="Text Placeholder 2">
+      <p:pic>
+        <p:nvPicPr>
+          <p:cNvPr id="11" name="Content Placeholder 10" descr="Chart, treemap chart&#10;&#10;Description automatically generated">
             <a:extLst>
               <a:ext uri="{FF2B5EF4-FFF2-40B4-BE49-F238E27FC236}">
-                <a16:creationId xmlns:a16="http://schemas.microsoft.com/office/drawing/2014/main" id="{A45AD8B9-3719-4696-A80F-16A618C5D134}"/>
+                <a16:creationId xmlns:a16="http://schemas.microsoft.com/office/drawing/2014/main" id="{6CDD3A01-902B-1283-F969-FA10370F04EF}"/>
               </a:ext>
             </a:extLst>
           </p:cNvPr>
-          <p:cNvSpPr>
-            <a:spLocks noGrp="1"/>
-          </p:cNvSpPr>
-          <p:nvPr>
-            <p:ph type="body" idx="1"/>
-          </p:nvPr>
-        </p:nvSpPr>
-        <p:spPr>
-          <a:xfrm>
-            <a:off x="2933700" y="2776936"/>
-            <a:ext cx="3924300" cy="823912"/>
-          </a:xfrm>
-        </p:spPr>
-        <p:txBody>
-          <a:bodyPr/>
-          <a:lstStyle/>
-          <a:p>
-            <a:endParaRPr lang="en-US" dirty="0"/>
-          </a:p>
-        </p:txBody>
-      </p:sp>
-      <p:sp>
-        <p:nvSpPr>
-          <p:cNvPr id="4" name="Content Placeholder 3">
-            <a:extLst>
-              <a:ext uri="{FF2B5EF4-FFF2-40B4-BE49-F238E27FC236}">
-                <a16:creationId xmlns:a16="http://schemas.microsoft.com/office/drawing/2014/main" id="{33D8731E-4977-402E-8BFD-895B4D0544CC}"/>
-              </a:ext>
-            </a:extLst>
-          </p:cNvPr>
-          <p:cNvSpPr>
-            <a:spLocks noGrp="1"/>
-          </p:cNvSpPr>
+          <p:cNvPicPr>
+            <a:picLocks noGrp="1" noChangeAspect="1"/>
+          </p:cNvPicPr>
           <p:nvPr>
             <p:ph sz="half" idx="2"/>
           </p:nvPr>
-        </p:nvSpPr>
+        </p:nvPicPr>
+        <p:blipFill rotWithShape="1">
+          <a:blip r:embed="rId2"/>
+          <a:srcRect r="3" b="9091"/>
+          <a:stretch/>
+        </p:blipFill>
         <p:spPr>
           <a:xfrm>
-            <a:off x="2933700" y="3834606"/>
-            <a:ext cx="3924300" cy="1997867"/>
+            <a:off x="983357" y="2995750"/>
+            <a:ext cx="5572021" cy="2836724"/>
           </a:xfrm>
+          <a:noFill/>
         </p:spPr>
-        <p:txBody>
-          <a:bodyPr>
-            <a:normAutofit/>
-          </a:bodyPr>
-          <a:lstStyle/>
-          <a:p>
-            <a:endParaRPr lang="en-US" dirty="0"/>
-          </a:p>
-        </p:txBody>
-      </p:sp>
+      </p:pic>
       <p:sp>
         <p:nvSpPr>
-          <p:cNvPr id="5" name="Text Placeholder 4">
+          <p:cNvPr id="20" name="Content Placeholder 5">
             <a:extLst>
               <a:ext uri="{FF2B5EF4-FFF2-40B4-BE49-F238E27FC236}">
-                <a16:creationId xmlns:a16="http://schemas.microsoft.com/office/drawing/2014/main" id="{91CDEC5F-B8EE-4BC1-843F-13135E6E7AB2}"/>
-              </a:ext>
-            </a:extLst>
-          </p:cNvPr>
-          <p:cNvSpPr>
-            <a:spLocks noGrp="1"/>
-          </p:cNvSpPr>
-          <p:nvPr>
-            <p:ph type="body" sz="quarter" idx="3"/>
-          </p:nvPr>
-        </p:nvSpPr>
-        <p:spPr>
-          <a:xfrm>
-            <a:off x="7410173" y="2776936"/>
-            <a:ext cx="3943627" cy="823912"/>
-          </a:xfrm>
-        </p:spPr>
-        <p:txBody>
-          <a:bodyPr/>
-          <a:lstStyle/>
-          <a:p>
-            <a:endParaRPr lang="en-US" dirty="0"/>
-          </a:p>
-        </p:txBody>
-      </p:sp>
-      <p:sp>
-        <p:nvSpPr>
-          <p:cNvPr id="6" name="Content Placeholder 5">
-            <a:extLst>
-              <a:ext uri="{FF2B5EF4-FFF2-40B4-BE49-F238E27FC236}">
-                <a16:creationId xmlns:a16="http://schemas.microsoft.com/office/drawing/2014/main" id="{50B65871-FA95-449A-B8BC-90486DE532EF}"/>
+                <a16:creationId xmlns:a16="http://schemas.microsoft.com/office/drawing/2014/main" id="{39B09035-4068-827D-06BA-87FA0A9F62F7}"/>
               </a:ext>
             </a:extLst>
           </p:cNvPr>
@@ -14529,17 +20737,60 @@
         </p:nvSpPr>
         <p:spPr>
           <a:xfrm>
-            <a:off x="7410173" y="3834606"/>
-            <a:ext cx="3943627" cy="1997867"/>
+            <a:off x="6731727" y="2995751"/>
+            <a:ext cx="4798422" cy="2836724"/>
           </a:xfrm>
         </p:spPr>
         <p:txBody>
-          <a:bodyPr>
-            <a:normAutofit/>
-          </a:bodyPr>
+          <a:bodyPr/>
           <a:lstStyle/>
           <a:p>
-            <a:endParaRPr lang="en-US" dirty="0"/>
+            <a:pPr marL="285750" indent="-285750">
+              <a:buFont typeface="Tenorite" panose="00000500000000000000" pitchFamily="2" charset="0"/>
+              <a:buChar char="–"/>
+            </a:pPr>
+            <a:r>
+              <a:rPr lang="en-US" dirty="0"/>
+              <a:t>Highest accuracy rate at 90.24 achieved from the Tanh function with 3 layers</a:t>
+            </a:r>
+          </a:p>
+          <a:p>
+            <a:pPr marL="285750" indent="-285750">
+              <a:buFont typeface="Tenorite" panose="00000500000000000000" pitchFamily="2" charset="0"/>
+              <a:buChar char="–"/>
+            </a:pPr>
+            <a:r>
+              <a:rPr lang="en-US" dirty="0"/>
+              <a:t>Lowest accuracy was using the </a:t>
+            </a:r>
+            <a:r>
+              <a:rPr lang="en-US" dirty="0" err="1"/>
+              <a:t>ReLu</a:t>
+            </a:r>
+            <a:r>
+              <a:rPr lang="en-US" dirty="0"/>
+              <a:t> function with 3 layers</a:t>
+            </a:r>
+          </a:p>
+          <a:p>
+            <a:pPr marL="285750" indent="-285750">
+              <a:buFont typeface="Tenorite" panose="00000500000000000000" pitchFamily="2" charset="0"/>
+              <a:buChar char="–"/>
+            </a:pPr>
+            <a:r>
+              <a:rPr lang="en-US" dirty="0"/>
+              <a:t>This conclusion comes from our optimization process, in which we found that we got the best results using a Tanh function, with 3 hidden layers rather than 2</a:t>
+            </a:r>
+          </a:p>
+          <a:p>
+            <a:pPr marL="285750" indent="-285750">
+              <a:buFont typeface="Tenorite" panose="00000500000000000000" pitchFamily="2" charset="0"/>
+              <a:buChar char="–"/>
+            </a:pPr>
+            <a:r>
+              <a:rPr lang="en-US" dirty="0"/>
+              <a:t>After some trial and error, our most accurate result was Tanh with a 3/6/12 layer</a:t>
+            </a:r>
           </a:p>
         </p:txBody>
       </p:sp>
@@ -14566,13 +20817,21 @@
           </a:xfrm>
         </p:spPr>
         <p:txBody>
-          <a:bodyPr/>
+          <a:bodyPr anchor="ctr">
+            <a:normAutofit/>
+          </a:bodyPr>
           <a:lstStyle/>
           <a:p>
+            <a:pPr>
+              <a:spcAft>
+                <a:spcPts val="600"/>
+              </a:spcAft>
+            </a:pPr>
             <a:r>
               <a:rPr lang="en-US" dirty="0"/>
               <a:t>2023</a:t>
             </a:r>
+            <a:endParaRPr lang="en-US"/>
           </a:p>
         </p:txBody>
       </p:sp>
@@ -14599,13 +20858,21 @@
           </a:xfrm>
         </p:spPr>
         <p:txBody>
-          <a:bodyPr/>
+          <a:bodyPr anchor="ctr">
+            <a:normAutofit/>
+          </a:bodyPr>
           <a:lstStyle/>
           <a:p>
+            <a:pPr>
+              <a:spcAft>
+                <a:spcPts val="600"/>
+              </a:spcAft>
+            </a:pPr>
             <a:r>
               <a:rPr lang="en-US" dirty="0"/>
               <a:t>BANK TELEMARKETING OUTCOMES</a:t>
             </a:r>
+            <a:endParaRPr lang="en-US"/>
           </a:p>
         </p:txBody>
       </p:sp>
@@ -14632,15 +20899,26 @@
           </a:xfrm>
         </p:spPr>
         <p:txBody>
-          <a:bodyPr/>
+          <a:bodyPr anchor="ctr">
+            <a:normAutofit/>
+          </a:bodyPr>
           <a:lstStyle/>
           <a:p>
+            <a:pPr>
+              <a:spcAft>
+                <a:spcPts val="600"/>
+              </a:spcAft>
+            </a:pPr>
             <a:fld id="{A49DFD55-3C28-40EF-9E31-A92D2E4017FF}" type="slidenum">
               <a:rPr lang="en-US" smtClean="0"/>
-              <a:pPr/>
+              <a:pPr>
+                <a:spcAft>
+                  <a:spcPts val="600"/>
+                </a:spcAft>
+              </a:pPr>
               <a:t>7</a:t>
             </a:fld>
-            <a:endParaRPr lang="en-US" dirty="0"/>
+            <a:endParaRPr lang="en-US"/>
           </a:p>
         </p:txBody>
       </p:sp>
@@ -14928,7 +21206,7 @@
         </p:spPr>
         <p:txBody>
           <a:bodyPr>
-            <a:normAutofit/>
+            <a:normAutofit fontScale="92500" lnSpcReduction="20000"/>
           </a:bodyPr>
           <a:lstStyle/>
           <a:p>
@@ -14938,7 +21216,7 @@
             </a:pPr>
             <a:r>
               <a:rPr lang="en-US" dirty="0"/>
-              <a:t>The project itself was scaled back in terms of scope dramatically, </a:t>
+              <a:t>The project itself was scaled back in terms of scope dramatically, as previous datasets we had hoped to use were not suitable for our project</a:t>
             </a:r>
           </a:p>
           <a:p>
@@ -15070,6 +21348,14 @@
 <file path=ppt/slides/slide9.xml><?xml version="1.0" encoding="utf-8"?>
 <p:sld xmlns:a="http://schemas.openxmlformats.org/drawingml/2006/main" xmlns:r="http://schemas.openxmlformats.org/officeDocument/2006/relationships" xmlns:p="http://schemas.openxmlformats.org/presentationml/2006/main">
   <p:cSld>
+    <p:bg>
+      <p:bgPr>
+        <a:solidFill>
+          <a:schemeClr val="bg1"/>
+        </a:solidFill>
+        <a:effectLst/>
+      </p:bgPr>
+    </p:bg>
     <p:spTree>
       <p:nvGrpSpPr>
         <p:cNvPr id="1" name=""/>
@@ -15089,7 +21375,7 @@
           <p:cNvPr id="2" name="Title 1">
             <a:extLst>
               <a:ext uri="{FF2B5EF4-FFF2-40B4-BE49-F238E27FC236}">
-                <a16:creationId xmlns:a16="http://schemas.microsoft.com/office/drawing/2014/main" id="{4518FC28-E0BD-4387-B8BE-9965D1A57FF1}"/>
+                <a16:creationId xmlns:a16="http://schemas.microsoft.com/office/drawing/2014/main" id="{9C82F092-20C6-EFA8-C95E-4D9AAAC3D191}"/>
               </a:ext>
             </a:extLst>
           </p:cNvPr>
@@ -15102,27 +21388,29 @@
         </p:nvSpPr>
         <p:spPr>
           <a:xfrm>
-            <a:off x="5476875" y="1671639"/>
-            <a:ext cx="5111750" cy="1204912"/>
+            <a:off x="2933700" y="892177"/>
+            <a:ext cx="8421688" cy="1325563"/>
           </a:xfrm>
         </p:spPr>
         <p:txBody>
-          <a:bodyPr/>
+          <a:bodyPr anchor="ctr">
+            <a:normAutofit/>
+          </a:bodyPr>
           <a:lstStyle/>
           <a:p>
             <a:r>
-              <a:rPr lang="en-US" dirty="0"/>
-              <a:t>In conclusion:</a:t>
+              <a:rPr lang="en-AU" dirty="0"/>
+              <a:t>Shill bidding</a:t>
             </a:r>
           </a:p>
         </p:txBody>
       </p:sp>
       <p:sp>
         <p:nvSpPr>
-          <p:cNvPr id="3" name="Text Placeholder 2">
+          <p:cNvPr id="16" name="Text Placeholder 2">
             <a:extLst>
               <a:ext uri="{FF2B5EF4-FFF2-40B4-BE49-F238E27FC236}">
-                <a16:creationId xmlns:a16="http://schemas.microsoft.com/office/drawing/2014/main" id="{FED19BCA-B61F-4EA6-A1FB-CCA3BD8506FB}"/>
+                <a16:creationId xmlns:a16="http://schemas.microsoft.com/office/drawing/2014/main" id="{F344783E-7E95-E647-8262-2F35ED2AF8CA}"/>
               </a:ext>
             </a:extLst>
           </p:cNvPr>
@@ -15135,26 +21423,174 @@
         </p:nvSpPr>
         <p:spPr>
           <a:xfrm>
-            <a:off x="5476875" y="3660774"/>
-            <a:ext cx="5111750" cy="1525588"/>
+            <a:off x="2933700" y="2776936"/>
+            <a:ext cx="3924300" cy="823912"/>
           </a:xfrm>
         </p:spPr>
         <p:txBody>
-          <a:bodyPr>
-            <a:normAutofit/>
-          </a:bodyPr>
+          <a:bodyPr/>
           <a:lstStyle/>
           <a:p>
-            <a:endParaRPr lang="en-US" dirty="0"/>
+            <a:r>
+              <a:rPr lang="en-US" dirty="0"/>
+              <a:t>What is it?</a:t>
+            </a:r>
           </a:p>
         </p:txBody>
       </p:sp>
       <p:sp>
         <p:nvSpPr>
-          <p:cNvPr id="4" name="Date Placeholder 3">
+          <p:cNvPr id="18" name="Content Placeholder 3">
             <a:extLst>
               <a:ext uri="{FF2B5EF4-FFF2-40B4-BE49-F238E27FC236}">
-                <a16:creationId xmlns:a16="http://schemas.microsoft.com/office/drawing/2014/main" id="{00560550-EE65-43CE-B899-F421E74287A1}"/>
+                <a16:creationId xmlns:a16="http://schemas.microsoft.com/office/drawing/2014/main" id="{73BA97D3-BA3A-F73A-7EC3-9348ABE34BFC}"/>
+              </a:ext>
+            </a:extLst>
+          </p:cNvPr>
+          <p:cNvSpPr>
+            <a:spLocks noGrp="1"/>
+          </p:cNvSpPr>
+          <p:nvPr>
+            <p:ph sz="half" idx="2"/>
+          </p:nvPr>
+        </p:nvSpPr>
+        <p:spPr>
+          <a:xfrm>
+            <a:off x="2933700" y="3834606"/>
+            <a:ext cx="3924300" cy="1997867"/>
+          </a:xfrm>
+        </p:spPr>
+        <p:txBody>
+          <a:bodyPr/>
+          <a:lstStyle/>
+          <a:p>
+            <a:pPr marL="285750" indent="-285750">
+              <a:buFontTx/>
+              <a:buChar char="-"/>
+            </a:pPr>
+            <a:r>
+              <a:rPr lang="en-US" dirty="0"/>
+              <a:t>Also referred to as dummy bidding</a:t>
+            </a:r>
+          </a:p>
+          <a:p>
+            <a:pPr marL="285750" indent="-285750">
+              <a:buFontTx/>
+              <a:buChar char="-"/>
+            </a:pPr>
+            <a:r>
+              <a:rPr lang="en-US" dirty="0"/>
+              <a:t>Used to make an item seem more popular that it is, encouraging others to also bid on it, as well as to drive up prices of items</a:t>
+            </a:r>
+          </a:p>
+          <a:p>
+            <a:pPr marL="285750" indent="-285750">
+              <a:buFontTx/>
+              <a:buChar char="-"/>
+            </a:pPr>
+            <a:r>
+              <a:rPr lang="en-US" dirty="0"/>
+              <a:t>One of the most prevalent forms of fraud on eBay, against the terms of service</a:t>
+            </a:r>
+          </a:p>
+          <a:p>
+            <a:endParaRPr lang="en-US" dirty="0"/>
+          </a:p>
+        </p:txBody>
+      </p:sp>
+      <p:sp>
+        <p:nvSpPr>
+          <p:cNvPr id="20" name="Text Placeholder 4">
+            <a:extLst>
+              <a:ext uri="{FF2B5EF4-FFF2-40B4-BE49-F238E27FC236}">
+                <a16:creationId xmlns:a16="http://schemas.microsoft.com/office/drawing/2014/main" id="{8B1E74C2-9016-875E-FB8E-3E234328561C}"/>
+              </a:ext>
+            </a:extLst>
+          </p:cNvPr>
+          <p:cNvSpPr>
+            <a:spLocks noGrp="1"/>
+          </p:cNvSpPr>
+          <p:nvPr>
+            <p:ph type="body" sz="quarter" idx="3"/>
+          </p:nvPr>
+        </p:nvSpPr>
+        <p:spPr>
+          <a:xfrm>
+            <a:off x="7410173" y="2776936"/>
+            <a:ext cx="3943627" cy="823912"/>
+          </a:xfrm>
+        </p:spPr>
+        <p:txBody>
+          <a:bodyPr/>
+          <a:lstStyle/>
+          <a:p>
+            <a:r>
+              <a:rPr lang="en-US" dirty="0"/>
+              <a:t>Issues with the dataset</a:t>
+            </a:r>
+          </a:p>
+        </p:txBody>
+      </p:sp>
+      <p:sp>
+        <p:nvSpPr>
+          <p:cNvPr id="22" name="Content Placeholder 5">
+            <a:extLst>
+              <a:ext uri="{FF2B5EF4-FFF2-40B4-BE49-F238E27FC236}">
+                <a16:creationId xmlns:a16="http://schemas.microsoft.com/office/drawing/2014/main" id="{DA3C3D2B-67DE-B71A-E219-CDE6B4B21E19}"/>
+              </a:ext>
+            </a:extLst>
+          </p:cNvPr>
+          <p:cNvSpPr>
+            <a:spLocks noGrp="1"/>
+          </p:cNvSpPr>
+          <p:nvPr>
+            <p:ph sz="quarter" idx="4"/>
+          </p:nvPr>
+        </p:nvSpPr>
+        <p:spPr>
+          <a:xfrm>
+            <a:off x="7410173" y="3834606"/>
+            <a:ext cx="3943627" cy="1997867"/>
+          </a:xfrm>
+        </p:spPr>
+        <p:txBody>
+          <a:bodyPr/>
+          <a:lstStyle/>
+          <a:p>
+            <a:pPr marL="285750" indent="-285750">
+              <a:buFont typeface="Tenorite" panose="00000500000000000000" pitchFamily="2" charset="0"/>
+              <a:buChar char="–"/>
+            </a:pPr>
+            <a:r>
+              <a:rPr lang="en-US" dirty="0"/>
+              <a:t>Dataset was believed to be a real dataset</a:t>
+            </a:r>
+          </a:p>
+          <a:p>
+            <a:pPr marL="285750" indent="-285750">
+              <a:buFont typeface="Tenorite" panose="00000500000000000000" pitchFamily="2" charset="0"/>
+              <a:buChar char="–"/>
+            </a:pPr>
+            <a:r>
+              <a:rPr lang="en-US" dirty="0"/>
+              <a:t>After running our model on it, the accuracy was over 99%, leading us to believe it was a dataset designed to help people learn machine learning and, thus, unsuitable for our project</a:t>
+            </a:r>
+          </a:p>
+          <a:p>
+            <a:pPr marL="285750" indent="-285750">
+              <a:buFont typeface="Tenorite" panose="00000500000000000000" pitchFamily="2" charset="0"/>
+              <a:buChar char="–"/>
+            </a:pPr>
+            <a:endParaRPr lang="en-US" dirty="0"/>
+          </a:p>
+        </p:txBody>
+      </p:sp>
+      <p:sp>
+        <p:nvSpPr>
+          <p:cNvPr id="9" name="Date Placeholder 8">
+            <a:extLst>
+              <a:ext uri="{FF2B5EF4-FFF2-40B4-BE49-F238E27FC236}">
+                <a16:creationId xmlns:a16="http://schemas.microsoft.com/office/drawing/2014/main" id="{DE26F031-E498-1C07-0B3C-009D56680415}"/>
               </a:ext>
             </a:extLst>
           </p:cNvPr>
@@ -15172,22 +21608,29 @@
           </a:xfrm>
         </p:spPr>
         <p:txBody>
-          <a:bodyPr/>
+          <a:bodyPr anchor="ctr">
+            <a:normAutofit/>
+          </a:bodyPr>
           <a:lstStyle/>
           <a:p>
-            <a:r>
-              <a:rPr lang="en-US" dirty="0"/>
-              <a:t>2023</a:t>
+            <a:pPr>
+              <a:spcAft>
+                <a:spcPts val="600"/>
+              </a:spcAft>
+            </a:pPr>
+            <a:r>
+              <a:rPr lang="en-US"/>
+              <a:t>20XX</a:t>
             </a:r>
           </a:p>
         </p:txBody>
       </p:sp>
       <p:sp>
         <p:nvSpPr>
-          <p:cNvPr id="5" name="Footer Placeholder 4">
+          <p:cNvPr id="10" name="Footer Placeholder 9">
             <a:extLst>
               <a:ext uri="{FF2B5EF4-FFF2-40B4-BE49-F238E27FC236}">
-                <a16:creationId xmlns:a16="http://schemas.microsoft.com/office/drawing/2014/main" id="{4135E32A-1A8C-43D2-9C6E-12887B4DEDFB}"/>
+                <a16:creationId xmlns:a16="http://schemas.microsoft.com/office/drawing/2014/main" id="{55719CC1-E746-4936-2FD9-CDB1E031E857}"/>
               </a:ext>
             </a:extLst>
           </p:cNvPr>
@@ -15205,9 +21648,16 @@
           </a:xfrm>
         </p:spPr>
         <p:txBody>
-          <a:bodyPr/>
+          <a:bodyPr anchor="ctr">
+            <a:normAutofit/>
+          </a:bodyPr>
           <a:lstStyle/>
           <a:p>
+            <a:pPr>
+              <a:spcAft>
+                <a:spcPts val="600"/>
+              </a:spcAft>
+            </a:pPr>
             <a:r>
               <a:rPr lang="en-US" dirty="0"/>
               <a:t>BANK TELEMARKETING OUTCOMES</a:t>
@@ -15217,10 +21667,10 @@
       </p:sp>
       <p:sp>
         <p:nvSpPr>
-          <p:cNvPr id="6" name="Slide Number Placeholder 5">
+          <p:cNvPr id="11" name="Slide Number Placeholder 10">
             <a:extLst>
               <a:ext uri="{FF2B5EF4-FFF2-40B4-BE49-F238E27FC236}">
-                <a16:creationId xmlns:a16="http://schemas.microsoft.com/office/drawing/2014/main" id="{7C4B8313-9270-4128-8674-3A3E42B806BC}"/>
+                <a16:creationId xmlns:a16="http://schemas.microsoft.com/office/drawing/2014/main" id="{79D00476-5F99-7FDF-1FBB-6AAB4631A0E5}"/>
               </a:ext>
             </a:extLst>
           </p:cNvPr>
@@ -15238,22 +21688,33 @@
           </a:xfrm>
         </p:spPr>
         <p:txBody>
-          <a:bodyPr/>
+          <a:bodyPr anchor="ctr">
+            <a:normAutofit/>
+          </a:bodyPr>
           <a:lstStyle/>
           <a:p>
+            <a:pPr>
+              <a:spcAft>
+                <a:spcPts val="600"/>
+              </a:spcAft>
+            </a:pPr>
             <a:fld id="{A49DFD55-3C28-40EF-9E31-A92D2E4017FF}" type="slidenum">
               <a:rPr lang="en-US" smtClean="0"/>
-              <a:pPr/>
+              <a:pPr>
+                <a:spcAft>
+                  <a:spcPts val="600"/>
+                </a:spcAft>
+              </a:pPr>
               <a:t>9</a:t>
             </a:fld>
-            <a:endParaRPr lang="en-US" dirty="0"/>
+            <a:endParaRPr lang="en-US"/>
           </a:p>
         </p:txBody>
       </p:sp>
     </p:spTree>
     <p:extLst>
       <p:ext uri="{BB962C8B-B14F-4D97-AF65-F5344CB8AC3E}">
-        <p14:creationId xmlns:p14="http://schemas.microsoft.com/office/powerpoint/2010/main" val="1742861620"/>
+        <p14:creationId xmlns:p14="http://schemas.microsoft.com/office/powerpoint/2010/main" val="2508190245"/>
       </p:ext>
     </p:extLst>
   </p:cSld>
@@ -16055,6 +22516,23 @@
 </file>
 
 <file path=customXml/item1.xml><?xml version="1.0" encoding="utf-8"?>
+<?mso-contentType ?>
+<FormTemplates xmlns="http://schemas.microsoft.com/sharepoint/v3/contenttype/forms">
+  <Display>DocumentLibraryForm</Display>
+  <Edit>DocumentLibraryForm</Edit>
+  <New>DocumentLibraryForm</New>
+</FormTemplates>
+</file>
+
+<file path=customXml/item2.xml><?xml version="1.0" encoding="utf-8"?>
+<p:properties xmlns:p="http://schemas.microsoft.com/office/2006/metadata/properties" xmlns:xsi="http://www.w3.org/2001/XMLSchema-instance" xmlns:pc="http://schemas.microsoft.com/office/infopath/2007/PartnerControls">
+  <documentManagement>
+    <MediaServiceKeyPoints xmlns="d4177b72-4079-4059-877e-449f4bc30b50" xsi:nil="true"/>
+  </documentManagement>
+</p:properties>
+</file>
+
+<file path=customXml/item3.xml><?xml version="1.0" encoding="utf-8"?>
 <ct:contentTypeSchema xmlns:ct="http://schemas.microsoft.com/office/2006/metadata/contentType" xmlns:ma="http://schemas.microsoft.com/office/2006/metadata/properties/metaAttributes" ct:_="" ma:_="" ma:contentTypeName="Document" ma:contentTypeID="0x01010021F065E80AFA3344960D69A6753F0B5E" ma:contentTypeVersion="4" ma:contentTypeDescription="Create a new document." ma:contentTypeScope="" ma:versionID="daa95bae858256d75abffb5dc9e16bf5">
   <xsd:schema xmlns:xsd="http://www.w3.org/2001/XMLSchema" xmlns:xs="http://www.w3.org/2001/XMLSchema" xmlns:p="http://schemas.microsoft.com/office/2006/metadata/properties" xmlns:ns3="d4177b72-4079-4059-877e-449f4bc30b50" targetNamespace="http://schemas.microsoft.com/office/2006/metadata/properties" ma:root="true" ma:fieldsID="6410b8ef53726b91f2da76201a7cd3df" ns3:_="">
     <xsd:import namespace="d4177b72-4079-4059-877e-449f4bc30b50"/>
@@ -16200,37 +22678,10 @@
 </ct:contentTypeSchema>
 </file>
 
-<file path=customXml/item2.xml><?xml version="1.0" encoding="utf-8"?>
-<p:properties xmlns:p="http://schemas.microsoft.com/office/2006/metadata/properties" xmlns:xsi="http://www.w3.org/2001/XMLSchema-instance" xmlns:pc="http://schemas.microsoft.com/office/infopath/2007/PartnerControls">
-  <documentManagement>
-    <MediaServiceKeyPoints xmlns="d4177b72-4079-4059-877e-449f4bc30b50" xsi:nil="true"/>
-  </documentManagement>
-</p:properties>
-</file>
-
-<file path=customXml/item3.xml><?xml version="1.0" encoding="utf-8"?>
-<?mso-contentType ?>
-<FormTemplates xmlns="http://schemas.microsoft.com/sharepoint/v3/contenttype/forms">
-  <Display>DocumentLibraryForm</Display>
-  <Edit>DocumentLibraryForm</Edit>
-  <New>DocumentLibraryForm</New>
-</FormTemplates>
-</file>
-
 <file path=customXml/itemProps1.xml><?xml version="1.0" encoding="utf-8"?>
-<ds:datastoreItem xmlns:ds="http://schemas.openxmlformats.org/officeDocument/2006/customXml" ds:itemID="{C5A42ED6-8FD5-45C3-B73E-5BD3FAEACB27}">
+<ds:datastoreItem xmlns:ds="http://schemas.openxmlformats.org/officeDocument/2006/customXml" ds:itemID="{0FD6FE22-81A0-4500-AFD0-342D21BB9A2C}">
   <ds:schemaRefs>
-    <ds:schemaRef ds:uri="http://schemas.microsoft.com/office/2006/metadata/contentType"/>
-    <ds:schemaRef ds:uri="http://schemas.microsoft.com/office/2006/metadata/properties/metaAttributes"/>
-    <ds:schemaRef ds:uri="http://www.w3.org/2001/XMLSchema"/>
-    <ds:schemaRef ds:uri="http://schemas.microsoft.com/office/2006/metadata/properties"/>
-    <ds:schemaRef ds:uri="d4177b72-4079-4059-877e-449f4bc30b50"/>
-    <ds:schemaRef ds:uri="http://schemas.microsoft.com/office/2006/documentManagement/types"/>
-    <ds:schemaRef ds:uri="http://schemas.microsoft.com/office/infopath/2007/PartnerControls"/>
-    <ds:schemaRef ds:uri="http://schemas.openxmlformats.org/package/2006/metadata/core-properties"/>
-    <ds:schemaRef ds:uri="http://purl.org/dc/elements/1.1/"/>
-    <ds:schemaRef ds:uri="http://purl.org/dc/terms/"/>
-    <ds:schemaRef ds:uri="http://schemas.microsoft.com/internal/obd"/>
+    <ds:schemaRef ds:uri="http://schemas.microsoft.com/sharepoint/v3/contenttype/forms"/>
   </ds:schemaRefs>
 </ds:datastoreItem>
 </file>
@@ -16252,9 +22703,19 @@
 </file>
 
 <file path=customXml/itemProps3.xml><?xml version="1.0" encoding="utf-8"?>
-<ds:datastoreItem xmlns:ds="http://schemas.openxmlformats.org/officeDocument/2006/customXml" ds:itemID="{0FD6FE22-81A0-4500-AFD0-342D21BB9A2C}">
+<ds:datastoreItem xmlns:ds="http://schemas.openxmlformats.org/officeDocument/2006/customXml" ds:itemID="{C5A42ED6-8FD5-45C3-B73E-5BD3FAEACB27}">
   <ds:schemaRefs>
-    <ds:schemaRef ds:uri="http://schemas.microsoft.com/sharepoint/v3/contenttype/forms"/>
+    <ds:schemaRef ds:uri="http://schemas.microsoft.com/office/2006/metadata/contentType"/>
+    <ds:schemaRef ds:uri="http://schemas.microsoft.com/office/2006/metadata/properties/metaAttributes"/>
+    <ds:schemaRef ds:uri="http://www.w3.org/2001/XMLSchema"/>
+    <ds:schemaRef ds:uri="http://schemas.microsoft.com/office/2006/metadata/properties"/>
+    <ds:schemaRef ds:uri="d4177b72-4079-4059-877e-449f4bc30b50"/>
+    <ds:schemaRef ds:uri="http://schemas.microsoft.com/office/2006/documentManagement/types"/>
+    <ds:schemaRef ds:uri="http://schemas.microsoft.com/office/infopath/2007/PartnerControls"/>
+    <ds:schemaRef ds:uri="http://schemas.openxmlformats.org/package/2006/metadata/core-properties"/>
+    <ds:schemaRef ds:uri="http://purl.org/dc/elements/1.1/"/>
+    <ds:schemaRef ds:uri="http://purl.org/dc/terms/"/>
+    <ds:schemaRef ds:uri="http://schemas.microsoft.com/internal/obd"/>
   </ds:schemaRefs>
 </ds:datastoreItem>
 </file>

--- a/Project 4.pptx
+++ b/Project 4.pptx
@@ -4454,7 +4454,7 @@
         </a:fontRef>
       </dsp:style>
       <dsp:txBody>
-        <a:bodyPr spcFirstLastPara="0" vert="horz" wrap="square" lIns="140970" tIns="70485" rIns="140970" bIns="70485" numCol="1" spcCol="1270" anchor="ctr" anchorCtr="0">
+        <a:bodyPr spcFirstLastPara="0" vert="horz" wrap="square" lIns="137160" tIns="68580" rIns="137160" bIns="68580" numCol="1" spcCol="1270" anchor="ctr" anchorCtr="0">
           <a:noAutofit/>
         </a:bodyPr>
         <a:lstStyle/>
@@ -4473,7 +4473,7 @@
             <a:buNone/>
           </a:pPr>
           <a:r>
-            <a:rPr lang="en-US" sz="3700" kern="1200" spc="150" baseline="0">
+            <a:rPr lang="en-US" sz="3600" kern="1200" spc="150" baseline="0">
               <a:latin typeface="+mj-lt"/>
               <a:ea typeface="+mj-ea"/>
               <a:cs typeface="+mj-cs"/>
@@ -4619,12 +4619,12 @@
         </a:fontRef>
       </dsp:style>
       <dsp:txBody>
-        <a:bodyPr spcFirstLastPara="0" vert="horz" wrap="square" lIns="140970" tIns="70485" rIns="140970" bIns="70485" numCol="1" spcCol="1270" anchor="ctr" anchorCtr="0">
+        <a:bodyPr spcFirstLastPara="0" vert="horz" wrap="square" lIns="137160" tIns="68580" rIns="137160" bIns="68580" numCol="1" spcCol="1270" anchor="ctr" anchorCtr="0">
           <a:noAutofit/>
         </a:bodyPr>
         <a:lstStyle/>
         <a:p>
-          <a:pPr marL="0" lvl="0" indent="0" algn="ctr" defTabSz="1644650">
+          <a:pPr marL="0" lvl="0" indent="0" algn="ctr" defTabSz="1600200">
             <a:lnSpc>
               <a:spcPct val="90000"/>
             </a:lnSpc>
@@ -4637,7 +4637,7 @@
             <a:buNone/>
           </a:pPr>
           <a:r>
-            <a:rPr lang="en-US" sz="3700" kern="1200" spc="150" baseline="0">
+            <a:rPr lang="en-US" sz="3600" kern="1200" spc="150" baseline="0">
               <a:latin typeface="Tenorite"/>
               <a:ea typeface="+mn-ea"/>
               <a:cs typeface="+mn-cs"/>
@@ -4785,7 +4785,7 @@
         </a:fontRef>
       </dsp:style>
       <dsp:txBody>
-        <a:bodyPr spcFirstLastPara="0" vert="horz" wrap="square" lIns="140970" tIns="70485" rIns="140970" bIns="70485" numCol="1" spcCol="1270" anchor="ctr" anchorCtr="0">
+        <a:bodyPr spcFirstLastPara="0" vert="horz" wrap="square" lIns="137160" tIns="68580" rIns="137160" bIns="68580" numCol="1" spcCol="1270" anchor="ctr" anchorCtr="0">
           <a:noAutofit/>
         </a:bodyPr>
         <a:lstStyle/>
@@ -4803,7 +4803,7 @@
             <a:buNone/>
           </a:pPr>
           <a:r>
-            <a:rPr lang="en-US" sz="3700" kern="1200" spc="150" baseline="0">
+            <a:rPr lang="en-US" sz="3600" kern="1200" spc="150" baseline="0">
               <a:latin typeface="Tenorite"/>
               <a:ea typeface="+mn-ea"/>
               <a:cs typeface="+mn-cs"/>
@@ -4967,12 +4967,12 @@
         </a:fontRef>
       </dsp:style>
       <dsp:txBody>
-        <a:bodyPr spcFirstLastPara="0" vert="horz" wrap="square" lIns="140970" tIns="70485" rIns="140970" bIns="70485" numCol="1" spcCol="1270" anchor="ctr" anchorCtr="0">
+        <a:bodyPr spcFirstLastPara="0" vert="horz" wrap="square" lIns="137160" tIns="68580" rIns="137160" bIns="68580" numCol="1" spcCol="1270" anchor="ctr" anchorCtr="0">
           <a:noAutofit/>
         </a:bodyPr>
         <a:lstStyle/>
         <a:p>
-          <a:pPr marL="0" lvl="0" indent="0" algn="ctr" defTabSz="1644650">
+          <a:pPr marL="0" lvl="0" indent="0" algn="ctr" defTabSz="1600200">
             <a:lnSpc>
               <a:spcPct val="90000"/>
             </a:lnSpc>
@@ -4985,14 +4985,14 @@
             <a:buNone/>
           </a:pPr>
           <a:r>
-            <a:rPr lang="en-US" sz="3700" kern="1200" spc="150" baseline="0" dirty="0" err="1">
+            <a:rPr lang="en-US" sz="3600" kern="1200" spc="150" baseline="0" dirty="0" err="1">
               <a:latin typeface="Tenorite"/>
               <a:ea typeface="+mn-ea"/>
               <a:cs typeface="+mn-cs"/>
             </a:rPr>
             <a:t>Tensorflow</a:t>
           </a:r>
-          <a:endParaRPr lang="en-US" sz="3700" kern="1200" spc="150" baseline="0" dirty="0">
+          <a:endParaRPr lang="en-US" sz="3600" kern="1200" spc="150" baseline="0" dirty="0">
             <a:latin typeface="Tenorite"/>
             <a:ea typeface="+mn-ea"/>
             <a:cs typeface="+mn-cs"/>
@@ -5054,12 +5054,12 @@
         </a:fontRef>
       </dsp:style>
       <dsp:txBody>
-        <a:bodyPr spcFirstLastPara="0" vert="horz" wrap="square" lIns="140970" tIns="70485" rIns="140970" bIns="70485" numCol="1" spcCol="1270" anchor="ctr" anchorCtr="0">
+        <a:bodyPr spcFirstLastPara="0" vert="horz" wrap="square" lIns="137160" tIns="68580" rIns="137160" bIns="68580" numCol="1" spcCol="1270" anchor="ctr" anchorCtr="0">
           <a:noAutofit/>
         </a:bodyPr>
         <a:lstStyle/>
         <a:p>
-          <a:pPr marL="0" lvl="0" indent="0" algn="ctr" defTabSz="1644650">
+          <a:pPr marL="0" lvl="0" indent="0" algn="ctr" defTabSz="1600200">
             <a:lnSpc>
               <a:spcPct val="90000"/>
             </a:lnSpc>
@@ -5072,7 +5072,7 @@
             <a:buNone/>
           </a:pPr>
           <a:r>
-            <a:rPr lang="en-AU" sz="3700" kern="1200" dirty="0">
+            <a:rPr lang="en-AU" sz="3600" kern="1200" dirty="0">
               <a:latin typeface="+mj-lt"/>
             </a:rPr>
             <a:t>Tableau</a:t>
@@ -9305,7 +9305,7 @@
           <a:p>
             <a:fld id="{B56F32FC-4BD9-442A-A8C6-51598C909FE3}" type="datetimeFigureOut">
               <a:rPr lang="en-US" smtClean="0"/>
-              <a:t>1/29/2023</a:t>
+              <a:t>1/30/2023</a:t>
             </a:fld>
             <a:endParaRPr lang="en-US" dirty="0"/>
           </a:p>
@@ -9482,7 +9482,7 @@
           <a:p>
             <a:fld id="{056371FA-A98D-41E8-93F4-09945841298A}" type="datetimeFigureOut">
               <a:rPr lang="en-US" smtClean="0"/>
-              <a:t>1/29/2023</a:t>
+              <a:t>1/30/2023</a:t>
             </a:fld>
             <a:endParaRPr lang="en-US" dirty="0"/>
           </a:p>
@@ -20128,8 +20128,21 @@
                   <a:schemeClr val="tx1"/>
                 </a:solidFill>
               </a:rPr>
-              <a:t>Used to display the results of our activation functions</a:t>
-            </a:r>
+              <a:t>Used to display the results of our activation functions </a:t>
+            </a:r>
+            <a:r>
+              <a:rPr lang="en-AU" sz="1600">
+                <a:solidFill>
+                  <a:schemeClr val="tx1"/>
+                </a:solidFill>
+              </a:rPr>
+              <a:t>and accuracies</a:t>
+            </a:r>
+            <a:endParaRPr lang="en-AU" sz="1600" dirty="0">
+              <a:solidFill>
+                <a:schemeClr val="tx1"/>
+              </a:solidFill>
+            </a:endParaRPr>
           </a:p>
         </p:txBody>
       </p:sp>

--- a/Project 4.pptx
+++ b/Project 4.pptx
@@ -19759,7 +19759,7 @@
         </p:nvSpPr>
         <p:spPr>
           <a:xfrm>
-            <a:off x="6991350" y="1076207"/>
+            <a:off x="6991350" y="325580"/>
             <a:ext cx="4179570" cy="1715531"/>
           </a:xfrm>
         </p:spPr>
@@ -19788,8 +19788,8 @@
         </p:nvSpPr>
         <p:spPr>
           <a:xfrm>
-            <a:off x="6991350" y="3388638"/>
-            <a:ext cx="4510238" cy="2585323"/>
+            <a:off x="6991350" y="2562102"/>
+            <a:ext cx="4510238" cy="3970318"/>
           </a:xfrm>
           <a:prstGeom prst="rect">
             <a:avLst/>
@@ -19812,7 +19812,32 @@
                   <a:schemeClr val="bg1"/>
                 </a:solidFill>
               </a:rPr>
-              <a:t>Our dataset features over 4100 rows of data on 21 aspects of the target clients</a:t>
+              <a:t>Our dataset featured over 4100 rows of original data on 21 aspects of the target clients</a:t>
+            </a:r>
+          </a:p>
+          <a:p>
+            <a:pPr marL="285750" indent="-285750">
+              <a:buFontTx/>
+              <a:buChar char="-"/>
+            </a:pPr>
+            <a:endParaRPr lang="en-US" dirty="0">
+              <a:solidFill>
+                <a:schemeClr val="bg1"/>
+              </a:solidFill>
+            </a:endParaRPr>
+          </a:p>
+          <a:p>
+            <a:pPr marL="285750" indent="-285750">
+              <a:buFontTx/>
+              <a:buChar char="-"/>
+            </a:pPr>
+            <a:r>
+              <a:rPr lang="en-US" dirty="0">
+                <a:solidFill>
+                  <a:schemeClr val="bg1"/>
+                </a:solidFill>
+              </a:rPr>
+              <a:t>We then increased the number of rows to over 41 000 in order to increase the accuracy</a:t>
             </a:r>
           </a:p>
           <a:p>
@@ -22529,23 +22554,6 @@
 </file>
 
 <file path=customXml/item1.xml><?xml version="1.0" encoding="utf-8"?>
-<?mso-contentType ?>
-<FormTemplates xmlns="http://schemas.microsoft.com/sharepoint/v3/contenttype/forms">
-  <Display>DocumentLibraryForm</Display>
-  <Edit>DocumentLibraryForm</Edit>
-  <New>DocumentLibraryForm</New>
-</FormTemplates>
-</file>
-
-<file path=customXml/item2.xml><?xml version="1.0" encoding="utf-8"?>
-<p:properties xmlns:p="http://schemas.microsoft.com/office/2006/metadata/properties" xmlns:xsi="http://www.w3.org/2001/XMLSchema-instance" xmlns:pc="http://schemas.microsoft.com/office/infopath/2007/PartnerControls">
-  <documentManagement>
-    <MediaServiceKeyPoints xmlns="d4177b72-4079-4059-877e-449f4bc30b50" xsi:nil="true"/>
-  </documentManagement>
-</p:properties>
-</file>
-
-<file path=customXml/item3.xml><?xml version="1.0" encoding="utf-8"?>
 <ct:contentTypeSchema xmlns:ct="http://schemas.microsoft.com/office/2006/metadata/contentType" xmlns:ma="http://schemas.microsoft.com/office/2006/metadata/properties/metaAttributes" ct:_="" ma:_="" ma:contentTypeName="Document" ma:contentTypeID="0x01010021F065E80AFA3344960D69A6753F0B5E" ma:contentTypeVersion="4" ma:contentTypeDescription="Create a new document." ma:contentTypeScope="" ma:versionID="daa95bae858256d75abffb5dc9e16bf5">
   <xsd:schema xmlns:xsd="http://www.w3.org/2001/XMLSchema" xmlns:xs="http://www.w3.org/2001/XMLSchema" xmlns:p="http://schemas.microsoft.com/office/2006/metadata/properties" xmlns:ns3="d4177b72-4079-4059-877e-449f4bc30b50" targetNamespace="http://schemas.microsoft.com/office/2006/metadata/properties" ma:root="true" ma:fieldsID="6410b8ef53726b91f2da76201a7cd3df" ns3:_="">
     <xsd:import namespace="d4177b72-4079-4059-877e-449f4bc30b50"/>
@@ -22691,10 +22699,37 @@
 </ct:contentTypeSchema>
 </file>
 
+<file path=customXml/item2.xml><?xml version="1.0" encoding="utf-8"?>
+<p:properties xmlns:p="http://schemas.microsoft.com/office/2006/metadata/properties" xmlns:xsi="http://www.w3.org/2001/XMLSchema-instance" xmlns:pc="http://schemas.microsoft.com/office/infopath/2007/PartnerControls">
+  <documentManagement>
+    <MediaServiceKeyPoints xmlns="d4177b72-4079-4059-877e-449f4bc30b50" xsi:nil="true"/>
+  </documentManagement>
+</p:properties>
+</file>
+
+<file path=customXml/item3.xml><?xml version="1.0" encoding="utf-8"?>
+<?mso-contentType ?>
+<FormTemplates xmlns="http://schemas.microsoft.com/sharepoint/v3/contenttype/forms">
+  <Display>DocumentLibraryForm</Display>
+  <Edit>DocumentLibraryForm</Edit>
+  <New>DocumentLibraryForm</New>
+</FormTemplates>
+</file>
+
 <file path=customXml/itemProps1.xml><?xml version="1.0" encoding="utf-8"?>
-<ds:datastoreItem xmlns:ds="http://schemas.openxmlformats.org/officeDocument/2006/customXml" ds:itemID="{0FD6FE22-81A0-4500-AFD0-342D21BB9A2C}">
+<ds:datastoreItem xmlns:ds="http://schemas.openxmlformats.org/officeDocument/2006/customXml" ds:itemID="{C5A42ED6-8FD5-45C3-B73E-5BD3FAEACB27}">
   <ds:schemaRefs>
-    <ds:schemaRef ds:uri="http://schemas.microsoft.com/sharepoint/v3/contenttype/forms"/>
+    <ds:schemaRef ds:uri="http://schemas.microsoft.com/office/2006/metadata/contentType"/>
+    <ds:schemaRef ds:uri="http://schemas.microsoft.com/office/2006/metadata/properties/metaAttributes"/>
+    <ds:schemaRef ds:uri="http://www.w3.org/2001/XMLSchema"/>
+    <ds:schemaRef ds:uri="http://schemas.microsoft.com/office/2006/metadata/properties"/>
+    <ds:schemaRef ds:uri="d4177b72-4079-4059-877e-449f4bc30b50"/>
+    <ds:schemaRef ds:uri="http://schemas.microsoft.com/office/2006/documentManagement/types"/>
+    <ds:schemaRef ds:uri="http://schemas.microsoft.com/office/infopath/2007/PartnerControls"/>
+    <ds:schemaRef ds:uri="http://schemas.openxmlformats.org/package/2006/metadata/core-properties"/>
+    <ds:schemaRef ds:uri="http://purl.org/dc/elements/1.1/"/>
+    <ds:schemaRef ds:uri="http://purl.org/dc/terms/"/>
+    <ds:schemaRef ds:uri="http://schemas.microsoft.com/internal/obd"/>
   </ds:schemaRefs>
 </ds:datastoreItem>
 </file>
@@ -22716,19 +22751,9 @@
 </file>
 
 <file path=customXml/itemProps3.xml><?xml version="1.0" encoding="utf-8"?>
-<ds:datastoreItem xmlns:ds="http://schemas.openxmlformats.org/officeDocument/2006/customXml" ds:itemID="{C5A42ED6-8FD5-45C3-B73E-5BD3FAEACB27}">
+<ds:datastoreItem xmlns:ds="http://schemas.openxmlformats.org/officeDocument/2006/customXml" ds:itemID="{0FD6FE22-81A0-4500-AFD0-342D21BB9A2C}">
   <ds:schemaRefs>
-    <ds:schemaRef ds:uri="http://schemas.microsoft.com/office/2006/metadata/contentType"/>
-    <ds:schemaRef ds:uri="http://schemas.microsoft.com/office/2006/metadata/properties/metaAttributes"/>
-    <ds:schemaRef ds:uri="http://www.w3.org/2001/XMLSchema"/>
-    <ds:schemaRef ds:uri="http://schemas.microsoft.com/office/2006/metadata/properties"/>
-    <ds:schemaRef ds:uri="d4177b72-4079-4059-877e-449f4bc30b50"/>
-    <ds:schemaRef ds:uri="http://schemas.microsoft.com/office/2006/documentManagement/types"/>
-    <ds:schemaRef ds:uri="http://schemas.microsoft.com/office/infopath/2007/PartnerControls"/>
-    <ds:schemaRef ds:uri="http://schemas.openxmlformats.org/package/2006/metadata/core-properties"/>
-    <ds:schemaRef ds:uri="http://purl.org/dc/elements/1.1/"/>
-    <ds:schemaRef ds:uri="http://purl.org/dc/terms/"/>
-    <ds:schemaRef ds:uri="http://schemas.microsoft.com/internal/obd"/>
+    <ds:schemaRef ds:uri="http://schemas.microsoft.com/sharepoint/v3/contenttype/forms"/>
   </ds:schemaRefs>
 </ds:datastoreItem>
 </file>

--- a/Project 4.pptx
+++ b/Project 4.pptx
@@ -4454,7 +4454,7 @@
         </a:fontRef>
       </dsp:style>
       <dsp:txBody>
-        <a:bodyPr spcFirstLastPara="0" vert="horz" wrap="square" lIns="137160" tIns="68580" rIns="137160" bIns="68580" numCol="1" spcCol="1270" anchor="ctr" anchorCtr="0">
+        <a:bodyPr spcFirstLastPara="0" vert="horz" wrap="square" lIns="140970" tIns="70485" rIns="140970" bIns="70485" numCol="1" spcCol="1270" anchor="ctr" anchorCtr="0">
           <a:noAutofit/>
         </a:bodyPr>
         <a:lstStyle/>
@@ -4473,7 +4473,7 @@
             <a:buNone/>
           </a:pPr>
           <a:r>
-            <a:rPr lang="en-US" sz="3600" kern="1200" spc="150" baseline="0">
+            <a:rPr lang="en-US" sz="3700" kern="1200" spc="150" baseline="0">
               <a:latin typeface="+mj-lt"/>
               <a:ea typeface="+mj-ea"/>
               <a:cs typeface="+mj-cs"/>
@@ -4619,12 +4619,12 @@
         </a:fontRef>
       </dsp:style>
       <dsp:txBody>
-        <a:bodyPr spcFirstLastPara="0" vert="horz" wrap="square" lIns="137160" tIns="68580" rIns="137160" bIns="68580" numCol="1" spcCol="1270" anchor="ctr" anchorCtr="0">
+        <a:bodyPr spcFirstLastPara="0" vert="horz" wrap="square" lIns="140970" tIns="70485" rIns="140970" bIns="70485" numCol="1" spcCol="1270" anchor="ctr" anchorCtr="0">
           <a:noAutofit/>
         </a:bodyPr>
         <a:lstStyle/>
         <a:p>
-          <a:pPr marL="0" lvl="0" indent="0" algn="ctr" defTabSz="1600200">
+          <a:pPr marL="0" lvl="0" indent="0" algn="ctr" defTabSz="1644650">
             <a:lnSpc>
               <a:spcPct val="90000"/>
             </a:lnSpc>
@@ -4637,7 +4637,7 @@
             <a:buNone/>
           </a:pPr>
           <a:r>
-            <a:rPr lang="en-US" sz="3600" kern="1200" spc="150" baseline="0">
+            <a:rPr lang="en-US" sz="3700" kern="1200" spc="150" baseline="0">
               <a:latin typeface="Tenorite"/>
               <a:ea typeface="+mn-ea"/>
               <a:cs typeface="+mn-cs"/>
@@ -4785,7 +4785,7 @@
         </a:fontRef>
       </dsp:style>
       <dsp:txBody>
-        <a:bodyPr spcFirstLastPara="0" vert="horz" wrap="square" lIns="137160" tIns="68580" rIns="137160" bIns="68580" numCol="1" spcCol="1270" anchor="ctr" anchorCtr="0">
+        <a:bodyPr spcFirstLastPara="0" vert="horz" wrap="square" lIns="140970" tIns="70485" rIns="140970" bIns="70485" numCol="1" spcCol="1270" anchor="ctr" anchorCtr="0">
           <a:noAutofit/>
         </a:bodyPr>
         <a:lstStyle/>
@@ -4803,7 +4803,7 @@
             <a:buNone/>
           </a:pPr>
           <a:r>
-            <a:rPr lang="en-US" sz="3600" kern="1200" spc="150" baseline="0">
+            <a:rPr lang="en-US" sz="3700" kern="1200" spc="150" baseline="0">
               <a:latin typeface="Tenorite"/>
               <a:ea typeface="+mn-ea"/>
               <a:cs typeface="+mn-cs"/>
@@ -4967,12 +4967,12 @@
         </a:fontRef>
       </dsp:style>
       <dsp:txBody>
-        <a:bodyPr spcFirstLastPara="0" vert="horz" wrap="square" lIns="137160" tIns="68580" rIns="137160" bIns="68580" numCol="1" spcCol="1270" anchor="ctr" anchorCtr="0">
+        <a:bodyPr spcFirstLastPara="0" vert="horz" wrap="square" lIns="140970" tIns="70485" rIns="140970" bIns="70485" numCol="1" spcCol="1270" anchor="ctr" anchorCtr="0">
           <a:noAutofit/>
         </a:bodyPr>
         <a:lstStyle/>
         <a:p>
-          <a:pPr marL="0" lvl="0" indent="0" algn="ctr" defTabSz="1600200">
+          <a:pPr marL="0" lvl="0" indent="0" algn="ctr" defTabSz="1644650">
             <a:lnSpc>
               <a:spcPct val="90000"/>
             </a:lnSpc>
@@ -4985,14 +4985,14 @@
             <a:buNone/>
           </a:pPr>
           <a:r>
-            <a:rPr lang="en-US" sz="3600" kern="1200" spc="150" baseline="0" dirty="0" err="1">
+            <a:rPr lang="en-US" sz="3700" kern="1200" spc="150" baseline="0" dirty="0" err="1">
               <a:latin typeface="Tenorite"/>
               <a:ea typeface="+mn-ea"/>
               <a:cs typeface="+mn-cs"/>
             </a:rPr>
             <a:t>Tensorflow</a:t>
           </a:r>
-          <a:endParaRPr lang="en-US" sz="3600" kern="1200" spc="150" baseline="0" dirty="0">
+          <a:endParaRPr lang="en-US" sz="3700" kern="1200" spc="150" baseline="0" dirty="0">
             <a:latin typeface="Tenorite"/>
             <a:ea typeface="+mn-ea"/>
             <a:cs typeface="+mn-cs"/>
@@ -5054,12 +5054,12 @@
         </a:fontRef>
       </dsp:style>
       <dsp:txBody>
-        <a:bodyPr spcFirstLastPara="0" vert="horz" wrap="square" lIns="137160" tIns="68580" rIns="137160" bIns="68580" numCol="1" spcCol="1270" anchor="ctr" anchorCtr="0">
+        <a:bodyPr spcFirstLastPara="0" vert="horz" wrap="square" lIns="140970" tIns="70485" rIns="140970" bIns="70485" numCol="1" spcCol="1270" anchor="ctr" anchorCtr="0">
           <a:noAutofit/>
         </a:bodyPr>
         <a:lstStyle/>
         <a:p>
-          <a:pPr marL="0" lvl="0" indent="0" algn="ctr" defTabSz="1600200">
+          <a:pPr marL="0" lvl="0" indent="0" algn="ctr" defTabSz="1644650">
             <a:lnSpc>
               <a:spcPct val="90000"/>
             </a:lnSpc>
@@ -5072,7 +5072,7 @@
             <a:buNone/>
           </a:pPr>
           <a:r>
-            <a:rPr lang="en-AU" sz="3600" kern="1200" dirty="0">
+            <a:rPr lang="en-AU" sz="3700" kern="1200" dirty="0">
               <a:latin typeface="+mj-lt"/>
             </a:rPr>
             <a:t>Tableau</a:t>
@@ -18752,7 +18752,7 @@
         </p:blipFill>
         <p:spPr>
           <a:xfrm>
-            <a:off x="2281187" y="1861691"/>
+            <a:off x="2039648" y="1861691"/>
             <a:ext cx="4600876" cy="3970783"/>
           </a:xfrm>
           <a:prstGeom prst="rect">
@@ -18818,13 +18818,13 @@
         </p:nvSpPr>
         <p:spPr>
           <a:xfrm>
-            <a:off x="7410173" y="3084196"/>
-            <a:ext cx="3943627" cy="2748277"/>
+            <a:off x="7410173" y="2701073"/>
+            <a:ext cx="3943627" cy="3346044"/>
           </a:xfrm>
         </p:spPr>
         <p:txBody>
           <a:bodyPr>
-            <a:normAutofit fontScale="92500" lnSpcReduction="20000"/>
+            <a:normAutofit fontScale="92500" lnSpcReduction="10000"/>
           </a:bodyPr>
           <a:lstStyle/>
           <a:p>
@@ -18872,6 +18872,23 @@
               <a:rPr lang="en-US" dirty="0"/>
               <a:t> being considered the most useful for machine learning</a:t>
             </a:r>
+          </a:p>
+          <a:p>
+            <a:pPr marL="285750" indent="-285750">
+              <a:buFont typeface="Tenorite" panose="00000500000000000000" pitchFamily="2" charset="0"/>
+              <a:buChar char="–"/>
+            </a:pPr>
+            <a:r>
+              <a:rPr lang="en-US" dirty="0"/>
+              <a:t>The optimized (41,188 rows data set) accuracy will increase to 0.9159</a:t>
+            </a:r>
+          </a:p>
+          <a:p>
+            <a:pPr marL="285750" indent="-285750">
+              <a:buFont typeface="Tenorite" panose="00000500000000000000" pitchFamily="2" charset="0"/>
+              <a:buChar char="–"/>
+            </a:pPr>
+            <a:endParaRPr lang="en-US" dirty="0"/>
           </a:p>
         </p:txBody>
       </p:sp>
@@ -20789,7 +20806,7 @@
             </a:pPr>
             <a:r>
               <a:rPr lang="en-US" dirty="0"/>
-              <a:t>Highest accuracy rate at 90.24 achieved from the Tanh function with 3 layers</a:t>
+              <a:t>Highest accuracy rate at 0.9025 achieved from the Tanh function with 3 layers</a:t>
             </a:r>
           </a:p>
           <a:p>
@@ -22554,6 +22571,14 @@
 </file>
 
 <file path=customXml/item1.xml><?xml version="1.0" encoding="utf-8"?>
+<p:properties xmlns:p="http://schemas.microsoft.com/office/2006/metadata/properties" xmlns:xsi="http://www.w3.org/2001/XMLSchema-instance" xmlns:pc="http://schemas.microsoft.com/office/infopath/2007/PartnerControls">
+  <documentManagement>
+    <MediaServiceKeyPoints xmlns="d4177b72-4079-4059-877e-449f4bc30b50" xsi:nil="true"/>
+  </documentManagement>
+</p:properties>
+</file>
+
+<file path=customXml/item2.xml><?xml version="1.0" encoding="utf-8"?>
 <ct:contentTypeSchema xmlns:ct="http://schemas.microsoft.com/office/2006/metadata/contentType" xmlns:ma="http://schemas.microsoft.com/office/2006/metadata/properties/metaAttributes" ct:_="" ma:_="" ma:contentTypeName="Document" ma:contentTypeID="0x01010021F065E80AFA3344960D69A6753F0B5E" ma:contentTypeVersion="4" ma:contentTypeDescription="Create a new document." ma:contentTypeScope="" ma:versionID="daa95bae858256d75abffb5dc9e16bf5">
   <xsd:schema xmlns:xsd="http://www.w3.org/2001/XMLSchema" xmlns:xs="http://www.w3.org/2001/XMLSchema" xmlns:p="http://schemas.microsoft.com/office/2006/metadata/properties" xmlns:ns3="d4177b72-4079-4059-877e-449f4bc30b50" targetNamespace="http://schemas.microsoft.com/office/2006/metadata/properties" ma:root="true" ma:fieldsID="6410b8ef53726b91f2da76201a7cd3df" ns3:_="">
     <xsd:import namespace="d4177b72-4079-4059-877e-449f4bc30b50"/>
@@ -22699,14 +22724,6 @@
 </ct:contentTypeSchema>
 </file>
 
-<file path=customXml/item2.xml><?xml version="1.0" encoding="utf-8"?>
-<p:properties xmlns:p="http://schemas.microsoft.com/office/2006/metadata/properties" xmlns:xsi="http://www.w3.org/2001/XMLSchema-instance" xmlns:pc="http://schemas.microsoft.com/office/infopath/2007/PartnerControls">
-  <documentManagement>
-    <MediaServiceKeyPoints xmlns="d4177b72-4079-4059-877e-449f4bc30b50" xsi:nil="true"/>
-  </documentManagement>
-</p:properties>
-</file>
-
 <file path=customXml/item3.xml><?xml version="1.0" encoding="utf-8"?>
 <?mso-contentType ?>
 <FormTemplates xmlns="http://schemas.microsoft.com/sharepoint/v3/contenttype/forms">
@@ -22717,6 +22734,22 @@
 </file>
 
 <file path=customXml/itemProps1.xml><?xml version="1.0" encoding="utf-8"?>
+<ds:datastoreItem xmlns:ds="http://schemas.openxmlformats.org/officeDocument/2006/customXml" ds:itemID="{29C43685-694E-4579-B109-3C418D49DA65}">
+  <ds:schemaRefs>
+    <ds:schemaRef ds:uri="http://schemas.microsoft.com/office/2006/documentManagement/types"/>
+    <ds:schemaRef ds:uri="http://purl.org/dc/elements/1.1/"/>
+    <ds:schemaRef ds:uri="http://www.w3.org/XML/1998/namespace"/>
+    <ds:schemaRef ds:uri="d4177b72-4079-4059-877e-449f4bc30b50"/>
+    <ds:schemaRef ds:uri="http://schemas.microsoft.com/office/infopath/2007/PartnerControls"/>
+    <ds:schemaRef ds:uri="http://schemas.openxmlformats.org/package/2006/metadata/core-properties"/>
+    <ds:schemaRef ds:uri="http://schemas.microsoft.com/office/2006/metadata/properties"/>
+    <ds:schemaRef ds:uri="http://purl.org/dc/dcmitype/"/>
+    <ds:schemaRef ds:uri="http://purl.org/dc/terms/"/>
+  </ds:schemaRefs>
+</ds:datastoreItem>
+</file>
+
+<file path=customXml/itemProps2.xml><?xml version="1.0" encoding="utf-8"?>
 <ds:datastoreItem xmlns:ds="http://schemas.openxmlformats.org/officeDocument/2006/customXml" ds:itemID="{C5A42ED6-8FD5-45C3-B73E-5BD3FAEACB27}">
   <ds:schemaRefs>
     <ds:schemaRef ds:uri="http://schemas.microsoft.com/office/2006/metadata/contentType"/>
@@ -22734,22 +22767,6 @@
 </ds:datastoreItem>
 </file>
 
-<file path=customXml/itemProps2.xml><?xml version="1.0" encoding="utf-8"?>
-<ds:datastoreItem xmlns:ds="http://schemas.openxmlformats.org/officeDocument/2006/customXml" ds:itemID="{29C43685-694E-4579-B109-3C418D49DA65}">
-  <ds:schemaRefs>
-    <ds:schemaRef ds:uri="http://schemas.microsoft.com/office/2006/documentManagement/types"/>
-    <ds:schemaRef ds:uri="http://purl.org/dc/elements/1.1/"/>
-    <ds:schemaRef ds:uri="http://www.w3.org/XML/1998/namespace"/>
-    <ds:schemaRef ds:uri="d4177b72-4079-4059-877e-449f4bc30b50"/>
-    <ds:schemaRef ds:uri="http://schemas.microsoft.com/office/infopath/2007/PartnerControls"/>
-    <ds:schemaRef ds:uri="http://schemas.openxmlformats.org/package/2006/metadata/core-properties"/>
-    <ds:schemaRef ds:uri="http://schemas.microsoft.com/office/2006/metadata/properties"/>
-    <ds:schemaRef ds:uri="http://purl.org/dc/dcmitype/"/>
-    <ds:schemaRef ds:uri="http://purl.org/dc/terms/"/>
-  </ds:schemaRefs>
-</ds:datastoreItem>
-</file>
-
 <file path=customXml/itemProps3.xml><?xml version="1.0" encoding="utf-8"?>
 <ds:datastoreItem xmlns:ds="http://schemas.openxmlformats.org/officeDocument/2006/customXml" ds:itemID="{0FD6FE22-81A0-4500-AFD0-342D21BB9A2C}">
   <ds:schemaRefs>
